--- a/DataScience.pptx
+++ b/DataScience.pptx
@@ -21,6 +21,7 @@
     <p:sldId id="271" r:id="rId18"/>
     <p:sldId id="270" r:id="rId19"/>
     <p:sldId id="272" r:id="rId20"/>
+    <p:sldId id="273" r:id="rId21"/>
   </p:sldIdLst>
   <p:sldSz cx="12192000" cy="6858000"/>
   <p:notesSz cx="6858000" cy="9144000"/>
@@ -882,6 +883,788 @@
 </dgm:colorsDef>
 </file>
 
+<file path=ppt/diagrams/colors2.xml><?xml version="1.0" encoding="utf-8"?>
+<dgm:colorsDef xmlns:dgm="http://schemas.openxmlformats.org/drawingml/2006/diagram" xmlns:a="http://schemas.openxmlformats.org/drawingml/2006/main" uniqueId="urn:microsoft.com/office/officeart/2005/8/colors/colorful2">
+  <dgm:title val=""/>
+  <dgm:desc val=""/>
+  <dgm:catLst>
+    <dgm:cat type="colorful" pri="10200"/>
+  </dgm:catLst>
+  <dgm:styleLbl name="node0">
+    <dgm:fillClrLst meth="repeat">
+      <a:schemeClr val="accent1"/>
+    </dgm:fillClrLst>
+    <dgm:linClrLst meth="repeat">
+      <a:schemeClr val="lt1"/>
+    </dgm:linClrLst>
+    <dgm:effectClrLst/>
+    <dgm:txLinClrLst/>
+    <dgm:txFillClrLst/>
+    <dgm:txEffectClrLst/>
+  </dgm:styleLbl>
+  <dgm:styleLbl name="node1">
+    <dgm:fillClrLst>
+      <a:schemeClr val="accent2"/>
+      <a:schemeClr val="accent3"/>
+    </dgm:fillClrLst>
+    <dgm:linClrLst meth="repeat">
+      <a:schemeClr val="lt1"/>
+    </dgm:linClrLst>
+    <dgm:effectClrLst/>
+    <dgm:txLinClrLst/>
+    <dgm:txFillClrLst/>
+    <dgm:txEffectClrLst/>
+  </dgm:styleLbl>
+  <dgm:styleLbl name="alignNode1">
+    <dgm:fillClrLst>
+      <a:schemeClr val="accent2"/>
+      <a:schemeClr val="accent3"/>
+    </dgm:fillClrLst>
+    <dgm:linClrLst>
+      <a:schemeClr val="accent2"/>
+      <a:schemeClr val="accent3"/>
+    </dgm:linClrLst>
+    <dgm:effectClrLst/>
+    <dgm:txLinClrLst/>
+    <dgm:txFillClrLst/>
+    <dgm:txEffectClrLst/>
+  </dgm:styleLbl>
+  <dgm:styleLbl name="lnNode1">
+    <dgm:fillClrLst>
+      <a:schemeClr val="accent2"/>
+      <a:schemeClr val="accent3"/>
+    </dgm:fillClrLst>
+    <dgm:linClrLst meth="repeat">
+      <a:schemeClr val="lt1"/>
+    </dgm:linClrLst>
+    <dgm:effectClrLst/>
+    <dgm:txLinClrLst/>
+    <dgm:txFillClrLst/>
+    <dgm:txEffectClrLst/>
+  </dgm:styleLbl>
+  <dgm:styleLbl name="vennNode1">
+    <dgm:fillClrLst>
+      <a:schemeClr val="accent2">
+        <a:alpha val="50000"/>
+      </a:schemeClr>
+      <a:schemeClr val="accent3">
+        <a:alpha val="50000"/>
+      </a:schemeClr>
+    </dgm:fillClrLst>
+    <dgm:linClrLst meth="repeat">
+      <a:schemeClr val="lt1"/>
+    </dgm:linClrLst>
+    <dgm:effectClrLst/>
+    <dgm:txLinClrLst/>
+    <dgm:txFillClrLst/>
+    <dgm:txEffectClrLst/>
+  </dgm:styleLbl>
+  <dgm:styleLbl name="node2">
+    <dgm:fillClrLst>
+      <a:schemeClr val="accent3"/>
+    </dgm:fillClrLst>
+    <dgm:linClrLst meth="repeat">
+      <a:schemeClr val="lt1"/>
+    </dgm:linClrLst>
+    <dgm:effectClrLst/>
+    <dgm:txLinClrLst/>
+    <dgm:txFillClrLst/>
+    <dgm:txEffectClrLst/>
+  </dgm:styleLbl>
+  <dgm:styleLbl name="node3">
+    <dgm:fillClrLst>
+      <a:schemeClr val="accent4"/>
+    </dgm:fillClrLst>
+    <dgm:linClrLst meth="repeat">
+      <a:schemeClr val="lt1"/>
+    </dgm:linClrLst>
+    <dgm:effectClrLst/>
+    <dgm:txLinClrLst/>
+    <dgm:txFillClrLst/>
+    <dgm:txEffectClrLst/>
+  </dgm:styleLbl>
+  <dgm:styleLbl name="node4">
+    <dgm:fillClrLst>
+      <a:schemeClr val="accent5"/>
+    </dgm:fillClrLst>
+    <dgm:linClrLst meth="repeat">
+      <a:schemeClr val="lt1"/>
+    </dgm:linClrLst>
+    <dgm:effectClrLst/>
+    <dgm:txLinClrLst/>
+    <dgm:txFillClrLst/>
+    <dgm:txEffectClrLst/>
+  </dgm:styleLbl>
+  <dgm:styleLbl name="fgImgPlace1">
+    <dgm:fillClrLst>
+      <a:schemeClr val="accent2">
+        <a:tint val="50000"/>
+      </a:schemeClr>
+      <a:schemeClr val="accent3">
+        <a:tint val="50000"/>
+      </a:schemeClr>
+    </dgm:fillClrLst>
+    <dgm:linClrLst meth="repeat">
+      <a:schemeClr val="lt1"/>
+    </dgm:linClrLst>
+    <dgm:effectClrLst/>
+    <dgm:txLinClrLst/>
+    <dgm:txFillClrLst meth="repeat">
+      <a:schemeClr val="lt1"/>
+    </dgm:txFillClrLst>
+    <dgm:txEffectClrLst/>
+  </dgm:styleLbl>
+  <dgm:styleLbl name="alignImgPlace1">
+    <dgm:fillClrLst>
+      <a:schemeClr val="accent2">
+        <a:tint val="50000"/>
+      </a:schemeClr>
+      <a:schemeClr val="accent3">
+        <a:tint val="20000"/>
+      </a:schemeClr>
+    </dgm:fillClrLst>
+    <dgm:linClrLst meth="repeat">
+      <a:schemeClr val="lt1"/>
+    </dgm:linClrLst>
+    <dgm:effectClrLst/>
+    <dgm:txLinClrLst/>
+    <dgm:txFillClrLst meth="repeat">
+      <a:schemeClr val="lt1"/>
+    </dgm:txFillClrLst>
+    <dgm:txEffectClrLst/>
+  </dgm:styleLbl>
+  <dgm:styleLbl name="bgImgPlace1">
+    <dgm:fillClrLst>
+      <a:schemeClr val="accent2">
+        <a:tint val="50000"/>
+      </a:schemeClr>
+      <a:schemeClr val="accent3">
+        <a:tint val="20000"/>
+      </a:schemeClr>
+    </dgm:fillClrLst>
+    <dgm:linClrLst meth="repeat">
+      <a:schemeClr val="lt1"/>
+    </dgm:linClrLst>
+    <dgm:effectClrLst/>
+    <dgm:txLinClrLst/>
+    <dgm:txFillClrLst meth="repeat">
+      <a:schemeClr val="lt1"/>
+    </dgm:txFillClrLst>
+    <dgm:txEffectClrLst/>
+  </dgm:styleLbl>
+  <dgm:styleLbl name="sibTrans2D1">
+    <dgm:fillClrLst>
+      <a:schemeClr val="accent2"/>
+      <a:schemeClr val="accent3"/>
+    </dgm:fillClrLst>
+    <dgm:linClrLst meth="repeat">
+      <a:schemeClr val="lt1"/>
+    </dgm:linClrLst>
+    <dgm:effectClrLst/>
+    <dgm:txLinClrLst/>
+    <dgm:txFillClrLst/>
+    <dgm:txEffectClrLst/>
+  </dgm:styleLbl>
+  <dgm:styleLbl name="fgSibTrans2D1">
+    <dgm:fillClrLst>
+      <a:schemeClr val="accent2"/>
+      <a:schemeClr val="accent3"/>
+    </dgm:fillClrLst>
+    <dgm:linClrLst meth="repeat">
+      <a:schemeClr val="lt1"/>
+    </dgm:linClrLst>
+    <dgm:effectClrLst/>
+    <dgm:txLinClrLst/>
+    <dgm:txFillClrLst meth="repeat">
+      <a:schemeClr val="lt1"/>
+    </dgm:txFillClrLst>
+    <dgm:txEffectClrLst/>
+  </dgm:styleLbl>
+  <dgm:styleLbl name="bgSibTrans2D1">
+    <dgm:fillClrLst>
+      <a:schemeClr val="accent2"/>
+      <a:schemeClr val="accent3"/>
+    </dgm:fillClrLst>
+    <dgm:linClrLst meth="repeat">
+      <a:schemeClr val="lt1"/>
+    </dgm:linClrLst>
+    <dgm:effectClrLst/>
+    <dgm:txLinClrLst/>
+    <dgm:txFillClrLst meth="repeat">
+      <a:schemeClr val="lt1"/>
+    </dgm:txFillClrLst>
+    <dgm:txEffectClrLst/>
+  </dgm:styleLbl>
+  <dgm:styleLbl name="sibTrans1D1">
+    <dgm:fillClrLst/>
+    <dgm:linClrLst>
+      <a:schemeClr val="accent2"/>
+      <a:schemeClr val="accent3"/>
+    </dgm:linClrLst>
+    <dgm:effectClrLst/>
+    <dgm:txLinClrLst/>
+    <dgm:txFillClrLst meth="repeat">
+      <a:schemeClr val="tx1"/>
+    </dgm:txFillClrLst>
+    <dgm:txEffectClrLst/>
+  </dgm:styleLbl>
+  <dgm:styleLbl name="callout">
+    <dgm:fillClrLst meth="repeat">
+      <a:schemeClr val="accent2"/>
+    </dgm:fillClrLst>
+    <dgm:linClrLst meth="repeat">
+      <a:schemeClr val="accent2">
+        <a:tint val="50000"/>
+      </a:schemeClr>
+    </dgm:linClrLst>
+    <dgm:effectClrLst/>
+    <dgm:txLinClrLst/>
+    <dgm:txFillClrLst meth="repeat">
+      <a:schemeClr val="tx1"/>
+    </dgm:txFillClrLst>
+    <dgm:txEffectClrLst/>
+  </dgm:styleLbl>
+  <dgm:styleLbl name="asst0">
+    <dgm:fillClrLst meth="repeat">
+      <a:schemeClr val="accent2"/>
+    </dgm:fillClrLst>
+    <dgm:linClrLst meth="repeat">
+      <a:schemeClr val="lt1">
+        <a:shade val="80000"/>
+      </a:schemeClr>
+    </dgm:linClrLst>
+    <dgm:effectClrLst/>
+    <dgm:txLinClrLst/>
+    <dgm:txFillClrLst/>
+    <dgm:txEffectClrLst/>
+  </dgm:styleLbl>
+  <dgm:styleLbl name="asst1">
+    <dgm:fillClrLst meth="repeat">
+      <a:schemeClr val="accent3"/>
+    </dgm:fillClrLst>
+    <dgm:linClrLst meth="repeat">
+      <a:schemeClr val="lt1">
+        <a:shade val="80000"/>
+      </a:schemeClr>
+    </dgm:linClrLst>
+    <dgm:effectClrLst/>
+    <dgm:txLinClrLst/>
+    <dgm:txFillClrLst/>
+    <dgm:txEffectClrLst/>
+  </dgm:styleLbl>
+  <dgm:styleLbl name="asst2">
+    <dgm:fillClrLst>
+      <a:schemeClr val="accent4"/>
+    </dgm:fillClrLst>
+    <dgm:linClrLst meth="repeat">
+      <a:schemeClr val="lt1"/>
+    </dgm:linClrLst>
+    <dgm:effectClrLst/>
+    <dgm:txLinClrLst/>
+    <dgm:txFillClrLst/>
+    <dgm:txEffectClrLst/>
+  </dgm:styleLbl>
+  <dgm:styleLbl name="asst3">
+    <dgm:fillClrLst>
+      <a:schemeClr val="accent5"/>
+    </dgm:fillClrLst>
+    <dgm:linClrLst meth="repeat">
+      <a:schemeClr val="lt1"/>
+    </dgm:linClrLst>
+    <dgm:effectClrLst/>
+    <dgm:txLinClrLst/>
+    <dgm:txFillClrLst/>
+    <dgm:txEffectClrLst/>
+  </dgm:styleLbl>
+  <dgm:styleLbl name="asst4">
+    <dgm:fillClrLst>
+      <a:schemeClr val="accent6"/>
+    </dgm:fillClrLst>
+    <dgm:linClrLst meth="repeat">
+      <a:schemeClr val="lt1"/>
+    </dgm:linClrLst>
+    <dgm:effectClrLst/>
+    <dgm:txLinClrLst/>
+    <dgm:txFillClrLst/>
+    <dgm:txEffectClrLst/>
+  </dgm:styleLbl>
+  <dgm:styleLbl name="parChTrans2D1">
+    <dgm:fillClrLst meth="repeat">
+      <a:schemeClr val="accent2"/>
+    </dgm:fillClrLst>
+    <dgm:linClrLst meth="repeat">
+      <a:schemeClr val="lt1"/>
+    </dgm:linClrLst>
+    <dgm:effectClrLst/>
+    <dgm:txLinClrLst/>
+    <dgm:txFillClrLst meth="repeat">
+      <a:schemeClr val="lt1"/>
+    </dgm:txFillClrLst>
+    <dgm:txEffectClrLst/>
+  </dgm:styleLbl>
+  <dgm:styleLbl name="parChTrans2D2">
+    <dgm:fillClrLst meth="repeat">
+      <a:schemeClr val="accent3"/>
+    </dgm:fillClrLst>
+    <dgm:linClrLst meth="repeat">
+      <a:schemeClr val="lt1"/>
+    </dgm:linClrLst>
+    <dgm:effectClrLst/>
+    <dgm:txLinClrLst/>
+    <dgm:txFillClrLst/>
+    <dgm:txEffectClrLst/>
+  </dgm:styleLbl>
+  <dgm:styleLbl name="parChTrans2D3">
+    <dgm:fillClrLst meth="repeat">
+      <a:schemeClr val="accent4"/>
+    </dgm:fillClrLst>
+    <dgm:linClrLst meth="repeat">
+      <a:schemeClr val="lt1"/>
+    </dgm:linClrLst>
+    <dgm:effectClrLst/>
+    <dgm:txLinClrLst/>
+    <dgm:txFillClrLst/>
+    <dgm:txEffectClrLst/>
+  </dgm:styleLbl>
+  <dgm:styleLbl name="parChTrans2D4">
+    <dgm:fillClrLst meth="repeat">
+      <a:schemeClr val="accent5"/>
+    </dgm:fillClrLst>
+    <dgm:linClrLst meth="repeat">
+      <a:schemeClr val="lt1"/>
+    </dgm:linClrLst>
+    <dgm:effectClrLst/>
+    <dgm:txLinClrLst/>
+    <dgm:txFillClrLst meth="repeat">
+      <a:schemeClr val="lt1"/>
+    </dgm:txFillClrLst>
+    <dgm:txEffectClrLst/>
+  </dgm:styleLbl>
+  <dgm:styleLbl name="parChTrans1D1">
+    <dgm:fillClrLst meth="repeat">
+      <a:schemeClr val="accent2"/>
+    </dgm:fillClrLst>
+    <dgm:linClrLst meth="repeat">
+      <a:schemeClr val="accent2"/>
+    </dgm:linClrLst>
+    <dgm:effectClrLst/>
+    <dgm:txLinClrLst/>
+    <dgm:txFillClrLst meth="repeat">
+      <a:schemeClr val="tx1"/>
+    </dgm:txFillClrLst>
+    <dgm:txEffectClrLst/>
+  </dgm:styleLbl>
+  <dgm:styleLbl name="parChTrans1D2">
+    <dgm:fillClrLst meth="repeat">
+      <a:schemeClr val="accent2">
+        <a:tint val="90000"/>
+      </a:schemeClr>
+    </dgm:fillClrLst>
+    <dgm:linClrLst meth="repeat">
+      <a:schemeClr val="accent3"/>
+    </dgm:linClrLst>
+    <dgm:effectClrLst/>
+    <dgm:txLinClrLst/>
+    <dgm:txFillClrLst meth="repeat">
+      <a:schemeClr val="tx1"/>
+    </dgm:txFillClrLst>
+    <dgm:txEffectClrLst/>
+  </dgm:styleLbl>
+  <dgm:styleLbl name="parChTrans1D3">
+    <dgm:fillClrLst meth="repeat">
+      <a:schemeClr val="accent2">
+        <a:tint val="70000"/>
+      </a:schemeClr>
+    </dgm:fillClrLst>
+    <dgm:linClrLst meth="repeat">
+      <a:schemeClr val="accent4"/>
+    </dgm:linClrLst>
+    <dgm:effectClrLst/>
+    <dgm:txLinClrLst/>
+    <dgm:txFillClrLst meth="repeat">
+      <a:schemeClr val="tx1"/>
+    </dgm:txFillClrLst>
+    <dgm:txEffectClrLst/>
+  </dgm:styleLbl>
+  <dgm:styleLbl name="parChTrans1D4">
+    <dgm:fillClrLst meth="repeat">
+      <a:schemeClr val="accent2">
+        <a:tint val="50000"/>
+      </a:schemeClr>
+    </dgm:fillClrLst>
+    <dgm:linClrLst meth="repeat">
+      <a:schemeClr val="accent5"/>
+    </dgm:linClrLst>
+    <dgm:effectClrLst/>
+    <dgm:txLinClrLst/>
+    <dgm:txFillClrLst meth="repeat">
+      <a:schemeClr val="tx1"/>
+    </dgm:txFillClrLst>
+    <dgm:txEffectClrLst/>
+  </dgm:styleLbl>
+  <dgm:styleLbl name="fgAcc1">
+    <dgm:fillClrLst meth="repeat">
+      <a:schemeClr val="lt1">
+        <a:alpha val="90000"/>
+      </a:schemeClr>
+    </dgm:fillClrLst>
+    <dgm:linClrLst>
+      <a:schemeClr val="accent2"/>
+      <a:schemeClr val="accent3"/>
+    </dgm:linClrLst>
+    <dgm:effectClrLst/>
+    <dgm:txLinClrLst/>
+    <dgm:txFillClrLst meth="repeat">
+      <a:schemeClr val="dk1"/>
+    </dgm:txFillClrLst>
+    <dgm:txEffectClrLst/>
+  </dgm:styleLbl>
+  <dgm:styleLbl name="conFgAcc1">
+    <dgm:fillClrLst meth="repeat">
+      <a:schemeClr val="lt1">
+        <a:alpha val="90000"/>
+      </a:schemeClr>
+    </dgm:fillClrLst>
+    <dgm:linClrLst>
+      <a:schemeClr val="accent2"/>
+      <a:schemeClr val="accent3"/>
+    </dgm:linClrLst>
+    <dgm:effectClrLst/>
+    <dgm:txLinClrLst/>
+    <dgm:txFillClrLst meth="repeat">
+      <a:schemeClr val="dk1"/>
+    </dgm:txFillClrLst>
+    <dgm:txEffectClrLst/>
+  </dgm:styleLbl>
+  <dgm:styleLbl name="alignAcc1">
+    <dgm:fillClrLst meth="repeat">
+      <a:schemeClr val="lt1">
+        <a:alpha val="90000"/>
+      </a:schemeClr>
+    </dgm:fillClrLst>
+    <dgm:linClrLst>
+      <a:schemeClr val="accent2"/>
+      <a:schemeClr val="accent3"/>
+    </dgm:linClrLst>
+    <dgm:effectClrLst/>
+    <dgm:txLinClrLst/>
+    <dgm:txFillClrLst meth="repeat">
+      <a:schemeClr val="dk1"/>
+    </dgm:txFillClrLst>
+    <dgm:txEffectClrLst/>
+  </dgm:styleLbl>
+  <dgm:styleLbl name="trAlignAcc1">
+    <dgm:fillClrLst meth="repeat">
+      <a:schemeClr val="lt1">
+        <a:alpha val="40000"/>
+      </a:schemeClr>
+    </dgm:fillClrLst>
+    <dgm:linClrLst meth="repeat">
+      <a:schemeClr val="accent2"/>
+    </dgm:linClrLst>
+    <dgm:effectClrLst/>
+    <dgm:txLinClrLst/>
+    <dgm:txFillClrLst meth="repeat">
+      <a:schemeClr val="dk1"/>
+    </dgm:txFillClrLst>
+    <dgm:txEffectClrLst/>
+  </dgm:styleLbl>
+  <dgm:styleLbl name="bgAcc1">
+    <dgm:fillClrLst meth="repeat">
+      <a:schemeClr val="lt1">
+        <a:alpha val="90000"/>
+      </a:schemeClr>
+    </dgm:fillClrLst>
+    <dgm:linClrLst>
+      <a:schemeClr val="accent2"/>
+      <a:schemeClr val="accent3"/>
+    </dgm:linClrLst>
+    <dgm:effectClrLst/>
+    <dgm:txLinClrLst/>
+    <dgm:txFillClrLst meth="repeat">
+      <a:schemeClr val="dk1"/>
+    </dgm:txFillClrLst>
+    <dgm:txEffectClrLst/>
+  </dgm:styleLbl>
+  <dgm:styleLbl name="solidFgAcc1">
+    <dgm:fillClrLst meth="repeat">
+      <a:schemeClr val="lt1"/>
+    </dgm:fillClrLst>
+    <dgm:linClrLst>
+      <a:schemeClr val="accent2"/>
+      <a:schemeClr val="accent3"/>
+    </dgm:linClrLst>
+    <dgm:effectClrLst/>
+    <dgm:txLinClrLst/>
+    <dgm:txFillClrLst meth="repeat">
+      <a:schemeClr val="dk1"/>
+    </dgm:txFillClrLst>
+    <dgm:txEffectClrLst/>
+  </dgm:styleLbl>
+  <dgm:styleLbl name="solidAlignAcc1">
+    <dgm:fillClrLst meth="repeat">
+      <a:schemeClr val="lt1"/>
+    </dgm:fillClrLst>
+    <dgm:linClrLst>
+      <a:schemeClr val="accent2"/>
+      <a:schemeClr val="accent3"/>
+    </dgm:linClrLst>
+    <dgm:effectClrLst/>
+    <dgm:txLinClrLst/>
+    <dgm:txFillClrLst meth="repeat">
+      <a:schemeClr val="dk1"/>
+    </dgm:txFillClrLst>
+    <dgm:txEffectClrLst/>
+  </dgm:styleLbl>
+  <dgm:styleLbl name="solidBgAcc1">
+    <dgm:fillClrLst meth="repeat">
+      <a:schemeClr val="lt1"/>
+    </dgm:fillClrLst>
+    <dgm:linClrLst>
+      <a:schemeClr val="accent2"/>
+      <a:schemeClr val="accent3"/>
+    </dgm:linClrLst>
+    <dgm:effectClrLst/>
+    <dgm:txLinClrLst/>
+    <dgm:txFillClrLst meth="repeat">
+      <a:schemeClr val="dk1"/>
+    </dgm:txFillClrLst>
+    <dgm:txEffectClrLst/>
+  </dgm:styleLbl>
+  <dgm:styleLbl name="fgAccFollowNode1">
+    <dgm:fillClrLst>
+      <a:schemeClr val="accent2">
+        <a:tint val="40000"/>
+        <a:alpha val="90000"/>
+      </a:schemeClr>
+      <a:schemeClr val="accent3">
+        <a:tint val="40000"/>
+        <a:alpha val="90000"/>
+      </a:schemeClr>
+    </dgm:fillClrLst>
+    <dgm:linClrLst>
+      <a:schemeClr val="accent2">
+        <a:tint val="40000"/>
+        <a:alpha val="90000"/>
+      </a:schemeClr>
+      <a:schemeClr val="accent3">
+        <a:tint val="40000"/>
+        <a:alpha val="90000"/>
+      </a:schemeClr>
+    </dgm:linClrLst>
+    <dgm:effectClrLst/>
+    <dgm:txLinClrLst/>
+    <dgm:txFillClrLst meth="repeat">
+      <a:schemeClr val="dk1"/>
+    </dgm:txFillClrLst>
+    <dgm:txEffectClrLst/>
+  </dgm:styleLbl>
+  <dgm:styleLbl name="alignAccFollowNode1">
+    <dgm:fillClrLst>
+      <a:schemeClr val="accent2">
+        <a:tint val="40000"/>
+        <a:alpha val="90000"/>
+      </a:schemeClr>
+      <a:schemeClr val="accent3">
+        <a:tint val="40000"/>
+        <a:alpha val="90000"/>
+      </a:schemeClr>
+    </dgm:fillClrLst>
+    <dgm:linClrLst>
+      <a:schemeClr val="accent2">
+        <a:tint val="40000"/>
+        <a:alpha val="90000"/>
+      </a:schemeClr>
+      <a:schemeClr val="accent3">
+        <a:tint val="40000"/>
+        <a:alpha val="90000"/>
+      </a:schemeClr>
+    </dgm:linClrLst>
+    <dgm:effectClrLst/>
+    <dgm:txLinClrLst/>
+    <dgm:txFillClrLst meth="repeat">
+      <a:schemeClr val="dk1"/>
+    </dgm:txFillClrLst>
+    <dgm:txEffectClrLst/>
+  </dgm:styleLbl>
+  <dgm:styleLbl name="bgAccFollowNode1">
+    <dgm:fillClrLst>
+      <a:schemeClr val="accent2">
+        <a:tint val="40000"/>
+        <a:alpha val="90000"/>
+      </a:schemeClr>
+      <a:schemeClr val="accent3">
+        <a:tint val="40000"/>
+        <a:alpha val="90000"/>
+      </a:schemeClr>
+    </dgm:fillClrLst>
+    <dgm:linClrLst>
+      <a:schemeClr val="accent2">
+        <a:tint val="40000"/>
+        <a:alpha val="90000"/>
+      </a:schemeClr>
+      <a:schemeClr val="accent3">
+        <a:tint val="40000"/>
+        <a:alpha val="90000"/>
+      </a:schemeClr>
+    </dgm:linClrLst>
+    <dgm:effectClrLst/>
+    <dgm:txLinClrLst/>
+    <dgm:txFillClrLst meth="repeat">
+      <a:schemeClr val="dk1"/>
+    </dgm:txFillClrLst>
+    <dgm:txEffectClrLst/>
+  </dgm:styleLbl>
+  <dgm:styleLbl name="fgAcc0">
+    <dgm:fillClrLst meth="repeat">
+      <a:schemeClr val="lt1">
+        <a:alpha val="90000"/>
+      </a:schemeClr>
+    </dgm:fillClrLst>
+    <dgm:linClrLst>
+      <a:schemeClr val="accent1"/>
+    </dgm:linClrLst>
+    <dgm:effectClrLst/>
+    <dgm:txLinClrLst/>
+    <dgm:txFillClrLst meth="repeat">
+      <a:schemeClr val="dk1"/>
+    </dgm:txFillClrLst>
+    <dgm:txEffectClrLst/>
+  </dgm:styleLbl>
+  <dgm:styleLbl name="fgAcc2">
+    <dgm:fillClrLst meth="repeat">
+      <a:schemeClr val="lt1">
+        <a:alpha val="90000"/>
+      </a:schemeClr>
+    </dgm:fillClrLst>
+    <dgm:linClrLst>
+      <a:schemeClr val="accent3"/>
+    </dgm:linClrLst>
+    <dgm:effectClrLst/>
+    <dgm:txLinClrLst/>
+    <dgm:txFillClrLst meth="repeat">
+      <a:schemeClr val="dk1"/>
+    </dgm:txFillClrLst>
+    <dgm:txEffectClrLst/>
+  </dgm:styleLbl>
+  <dgm:styleLbl name="fgAcc3">
+    <dgm:fillClrLst meth="repeat">
+      <a:schemeClr val="lt1">
+        <a:alpha val="90000"/>
+      </a:schemeClr>
+    </dgm:fillClrLst>
+    <dgm:linClrLst>
+      <a:schemeClr val="accent4"/>
+    </dgm:linClrLst>
+    <dgm:effectClrLst/>
+    <dgm:txLinClrLst/>
+    <dgm:txFillClrLst meth="repeat">
+      <a:schemeClr val="dk1"/>
+    </dgm:txFillClrLst>
+    <dgm:txEffectClrLst/>
+  </dgm:styleLbl>
+  <dgm:styleLbl name="fgAcc4">
+    <dgm:fillClrLst meth="repeat">
+      <a:schemeClr val="lt1">
+        <a:alpha val="90000"/>
+      </a:schemeClr>
+    </dgm:fillClrLst>
+    <dgm:linClrLst>
+      <a:schemeClr val="accent5"/>
+    </dgm:linClrLst>
+    <dgm:effectClrLst/>
+    <dgm:txLinClrLst/>
+    <dgm:txFillClrLst meth="repeat">
+      <a:schemeClr val="dk1"/>
+    </dgm:txFillClrLst>
+    <dgm:txEffectClrLst/>
+  </dgm:styleLbl>
+  <dgm:styleLbl name="bgShp">
+    <dgm:fillClrLst meth="repeat">
+      <a:schemeClr val="accent2">
+        <a:tint val="40000"/>
+      </a:schemeClr>
+    </dgm:fillClrLst>
+    <dgm:linClrLst meth="repeat">
+      <a:schemeClr val="dk1"/>
+    </dgm:linClrLst>
+    <dgm:effectClrLst/>
+    <dgm:txLinClrLst/>
+    <dgm:txFillClrLst meth="repeat">
+      <a:schemeClr val="dk1"/>
+    </dgm:txFillClrLst>
+    <dgm:txEffectClrLst/>
+  </dgm:styleLbl>
+  <dgm:styleLbl name="dkBgShp">
+    <dgm:fillClrLst meth="repeat">
+      <a:schemeClr val="accent2">
+        <a:shade val="90000"/>
+      </a:schemeClr>
+    </dgm:fillClrLst>
+    <dgm:linClrLst meth="repeat">
+      <a:schemeClr val="dk1"/>
+    </dgm:linClrLst>
+    <dgm:effectClrLst/>
+    <dgm:txLinClrLst/>
+    <dgm:txFillClrLst meth="repeat">
+      <a:schemeClr val="lt1"/>
+    </dgm:txFillClrLst>
+    <dgm:txEffectClrLst/>
+  </dgm:styleLbl>
+  <dgm:styleLbl name="trBgShp">
+    <dgm:fillClrLst meth="repeat">
+      <a:schemeClr val="accent2">
+        <a:tint val="50000"/>
+        <a:alpha val="40000"/>
+      </a:schemeClr>
+    </dgm:fillClrLst>
+    <dgm:linClrLst meth="repeat">
+      <a:schemeClr val="accent2"/>
+    </dgm:linClrLst>
+    <dgm:effectClrLst/>
+    <dgm:txLinClrLst/>
+    <dgm:txFillClrLst meth="repeat">
+      <a:schemeClr val="lt1"/>
+    </dgm:txFillClrLst>
+    <dgm:txEffectClrLst/>
+  </dgm:styleLbl>
+  <dgm:styleLbl name="fgShp">
+    <dgm:fillClrLst meth="repeat">
+      <a:schemeClr val="accent2">
+        <a:tint val="40000"/>
+      </a:schemeClr>
+    </dgm:fillClrLst>
+    <dgm:linClrLst meth="repeat">
+      <a:schemeClr val="lt1"/>
+    </dgm:linClrLst>
+    <dgm:effectClrLst/>
+    <dgm:txLinClrLst/>
+    <dgm:txFillClrLst meth="repeat">
+      <a:schemeClr val="dk1"/>
+    </dgm:txFillClrLst>
+    <dgm:txEffectClrLst/>
+  </dgm:styleLbl>
+  <dgm:styleLbl name="revTx">
+    <dgm:fillClrLst meth="repeat">
+      <a:schemeClr val="lt1">
+        <a:alpha val="0"/>
+      </a:schemeClr>
+    </dgm:fillClrLst>
+    <dgm:linClrLst meth="repeat">
+      <a:schemeClr val="dk1">
+        <a:alpha val="0"/>
+      </a:schemeClr>
+    </dgm:linClrLst>
+    <dgm:effectClrLst/>
+    <dgm:txLinClrLst/>
+    <dgm:txFillClrLst meth="repeat">
+      <a:schemeClr val="tx1"/>
+    </dgm:txFillClrLst>
+    <dgm:txEffectClrLst/>
+  </dgm:styleLbl>
+</dgm:colorsDef>
+</file>
+
 <file path=ppt/diagrams/data1.xml><?xml version="1.0" encoding="utf-8"?>
 <dgm:dataModel xmlns:dgm="http://schemas.openxmlformats.org/drawingml/2006/diagram" xmlns:a="http://schemas.openxmlformats.org/drawingml/2006/main">
   <dgm:ptLst>
@@ -1501,6 +2284,387 @@
 </dgm:dataModel>
 </file>
 
+<file path=ppt/diagrams/data2.xml><?xml version="1.0" encoding="utf-8"?>
+<dgm:dataModel xmlns:dgm="http://schemas.openxmlformats.org/drawingml/2006/diagram" xmlns:a="http://schemas.openxmlformats.org/drawingml/2006/main">
+  <dgm:ptLst>
+    <dgm:pt modelId="{4A6D5FF3-BE5C-4B10-AEB8-DA6F06F573E7}" type="doc">
+      <dgm:prSet loTypeId="urn:microsoft.com/office/officeart/2005/8/layout/vList2" loCatId="list" qsTypeId="urn:microsoft.com/office/officeart/2005/8/quickstyle/simple1" qsCatId="simple" csTypeId="urn:microsoft.com/office/officeart/2005/8/colors/colorful2" csCatId="colorful"/>
+      <dgm:spPr/>
+      <dgm:t>
+        <a:bodyPr/>
+        <a:lstStyle/>
+        <a:p>
+          <a:endParaRPr lang="en-US"/>
+        </a:p>
+      </dgm:t>
+    </dgm:pt>
+    <dgm:pt modelId="{2FEDE8A1-17A9-49E6-B77B-4D6EF8D0B290}">
+      <dgm:prSet/>
+      <dgm:spPr/>
+      <dgm:t>
+        <a:bodyPr/>
+        <a:lstStyle/>
+        <a:p>
+          <a:r>
+            <a:rPr lang="en-US"/>
+            <a:t>Những gì đã học đ</a:t>
+          </a:r>
+          <a:r>
+            <a:rPr lang="vi-VN"/>
+            <a:t>ư</a:t>
+          </a:r>
+          <a:r>
+            <a:rPr lang="en-US"/>
+            <a:t>ợc:</a:t>
+          </a:r>
+        </a:p>
+      </dgm:t>
+    </dgm:pt>
+    <dgm:pt modelId="{E2E412E5-5BC0-4D32-B436-D48DD7975E58}" type="parTrans" cxnId="{4998AF96-A4ED-48E7-99C1-7165010DB742}">
+      <dgm:prSet/>
+      <dgm:spPr/>
+      <dgm:t>
+        <a:bodyPr/>
+        <a:lstStyle/>
+        <a:p>
+          <a:endParaRPr lang="en-US"/>
+        </a:p>
+      </dgm:t>
+    </dgm:pt>
+    <dgm:pt modelId="{64A15A60-94D5-4AD8-9B6C-75334C523635}" type="sibTrans" cxnId="{4998AF96-A4ED-48E7-99C1-7165010DB742}">
+      <dgm:prSet/>
+      <dgm:spPr/>
+      <dgm:t>
+        <a:bodyPr/>
+        <a:lstStyle/>
+        <a:p>
+          <a:endParaRPr lang="en-US"/>
+        </a:p>
+      </dgm:t>
+    </dgm:pt>
+    <dgm:pt modelId="{F963E08B-C207-40C4-A3C9-F0E0470038F6}">
+      <dgm:prSet/>
+      <dgm:spPr/>
+      <dgm:t>
+        <a:bodyPr/>
+        <a:lstStyle/>
+        <a:p>
+          <a:r>
+            <a:rPr lang="en-US"/>
+            <a:t>Xử lý âm thanh, áp dụng mô hình máy học vào bài toán nhận diện âm thanh.</a:t>
+          </a:r>
+        </a:p>
+      </dgm:t>
+    </dgm:pt>
+    <dgm:pt modelId="{2F0E9512-AD19-4A4D-B728-B89C7D21C37D}" type="parTrans" cxnId="{FC7AEF16-4ABC-4222-854A-57A631D59409}">
+      <dgm:prSet/>
+      <dgm:spPr/>
+      <dgm:t>
+        <a:bodyPr/>
+        <a:lstStyle/>
+        <a:p>
+          <a:endParaRPr lang="en-US"/>
+        </a:p>
+      </dgm:t>
+    </dgm:pt>
+    <dgm:pt modelId="{13C77393-DCD6-400C-A36F-B030E049FDB6}" type="sibTrans" cxnId="{FC7AEF16-4ABC-4222-854A-57A631D59409}">
+      <dgm:prSet/>
+      <dgm:spPr/>
+      <dgm:t>
+        <a:bodyPr/>
+        <a:lstStyle/>
+        <a:p>
+          <a:endParaRPr lang="en-US"/>
+        </a:p>
+      </dgm:t>
+    </dgm:pt>
+    <dgm:pt modelId="{74E7D5CD-8C5C-428E-BA10-7651647D2A12}">
+      <dgm:prSet/>
+      <dgm:spPr/>
+      <dgm:t>
+        <a:bodyPr/>
+        <a:lstStyle/>
+        <a:p>
+          <a:r>
+            <a:rPr lang="en-US"/>
+            <a:t>Đánh giá mô hình, fine-tuning kết quả để đạt đ</a:t>
+          </a:r>
+          <a:r>
+            <a:rPr lang="vi-VN"/>
+            <a:t>ư</a:t>
+          </a:r>
+          <a:r>
+            <a:rPr lang="en-US"/>
+            <a:t>ợc kết quả tốt.</a:t>
+          </a:r>
+        </a:p>
+      </dgm:t>
+    </dgm:pt>
+    <dgm:pt modelId="{5533C529-54B3-45C2-87C2-A31BD46E4248}" type="parTrans" cxnId="{D1E65F24-C336-4844-B2FA-AA1C7D19BA0B}">
+      <dgm:prSet/>
+      <dgm:spPr/>
+      <dgm:t>
+        <a:bodyPr/>
+        <a:lstStyle/>
+        <a:p>
+          <a:endParaRPr lang="en-US"/>
+        </a:p>
+      </dgm:t>
+    </dgm:pt>
+    <dgm:pt modelId="{38F686E2-37A5-4675-984A-E9E6BEE48C80}" type="sibTrans" cxnId="{D1E65F24-C336-4844-B2FA-AA1C7D19BA0B}">
+      <dgm:prSet/>
+      <dgm:spPr/>
+      <dgm:t>
+        <a:bodyPr/>
+        <a:lstStyle/>
+        <a:p>
+          <a:endParaRPr lang="en-US"/>
+        </a:p>
+      </dgm:t>
+    </dgm:pt>
+    <dgm:pt modelId="{490A6EAF-0FBD-40E7-B0F3-C9F08CE4011B}">
+      <dgm:prSet/>
+      <dgm:spPr/>
+      <dgm:t>
+        <a:bodyPr/>
+        <a:lstStyle/>
+        <a:p>
+          <a:r>
+            <a:rPr lang="en-US"/>
+            <a:t>Tăng c</a:t>
+          </a:r>
+          <a:r>
+            <a:rPr lang="vi-VN"/>
+            <a:t>ư</a:t>
+          </a:r>
+          <a:r>
+            <a:rPr lang="en-US"/>
+            <a:t>ờng dữ liệu với dữ liệu là âm thanh, thử nghiệm mô hình với điều kiện thực tế.</a:t>
+          </a:r>
+        </a:p>
+      </dgm:t>
+    </dgm:pt>
+    <dgm:pt modelId="{9C7B4F41-6D19-4F6A-983B-EEBA0DC87159}" type="parTrans" cxnId="{08DF1122-8801-4057-BE80-5292571C515D}">
+      <dgm:prSet/>
+      <dgm:spPr/>
+      <dgm:t>
+        <a:bodyPr/>
+        <a:lstStyle/>
+        <a:p>
+          <a:endParaRPr lang="en-US"/>
+        </a:p>
+      </dgm:t>
+    </dgm:pt>
+    <dgm:pt modelId="{D190DD4A-267C-40D4-9EDB-F46849F10EB4}" type="sibTrans" cxnId="{08DF1122-8801-4057-BE80-5292571C515D}">
+      <dgm:prSet/>
+      <dgm:spPr/>
+      <dgm:t>
+        <a:bodyPr/>
+        <a:lstStyle/>
+        <a:p>
+          <a:endParaRPr lang="en-US"/>
+        </a:p>
+      </dgm:t>
+    </dgm:pt>
+    <dgm:pt modelId="{7F79E7C3-79AB-4609-B53E-C24C1B237304}">
+      <dgm:prSet/>
+      <dgm:spPr/>
+      <dgm:t>
+        <a:bodyPr/>
+        <a:lstStyle/>
+        <a:p>
+          <a:r>
+            <a:rPr lang="en-US"/>
+            <a:t>Các h</a:t>
+          </a:r>
+          <a:r>
+            <a:rPr lang="vi-VN"/>
+            <a:t>ư</a:t>
+          </a:r>
+          <a:r>
+            <a:rPr lang="en-US"/>
+            <a:t>ớng mở rộng:</a:t>
+          </a:r>
+        </a:p>
+      </dgm:t>
+    </dgm:pt>
+    <dgm:pt modelId="{EDCAE6B6-EAEF-4C75-AFDC-77EE5DE524E9}" type="parTrans" cxnId="{50936ACC-00B1-43D1-8C0A-24F700754AFC}">
+      <dgm:prSet/>
+      <dgm:spPr/>
+      <dgm:t>
+        <a:bodyPr/>
+        <a:lstStyle/>
+        <a:p>
+          <a:endParaRPr lang="en-US"/>
+        </a:p>
+      </dgm:t>
+    </dgm:pt>
+    <dgm:pt modelId="{DE501A1D-8A41-4D40-8D0C-F086C08BCADF}" type="sibTrans" cxnId="{50936ACC-00B1-43D1-8C0A-24F700754AFC}">
+      <dgm:prSet/>
+      <dgm:spPr/>
+      <dgm:t>
+        <a:bodyPr/>
+        <a:lstStyle/>
+        <a:p>
+          <a:endParaRPr lang="en-US"/>
+        </a:p>
+      </dgm:t>
+    </dgm:pt>
+    <dgm:pt modelId="{3EF16817-23D9-42F2-93D4-3EB7DC584BB7}">
+      <dgm:prSet/>
+      <dgm:spPr/>
+      <dgm:t>
+        <a:bodyPr/>
+        <a:lstStyle/>
+        <a:p>
+          <a:r>
+            <a:rPr lang="en-US"/>
+            <a:t>Thử nghiệm các mô hình khác (CNN), thêm các lớp ẩn vào mô hình MLP</a:t>
+          </a:r>
+        </a:p>
+      </dgm:t>
+    </dgm:pt>
+    <dgm:pt modelId="{9F9B8160-2903-4678-87B7-92C79F0E53F1}" type="parTrans" cxnId="{DFB78992-4DC5-4B70-9F0A-AE0837DD3C2B}">
+      <dgm:prSet/>
+      <dgm:spPr/>
+      <dgm:t>
+        <a:bodyPr/>
+        <a:lstStyle/>
+        <a:p>
+          <a:endParaRPr lang="en-US"/>
+        </a:p>
+      </dgm:t>
+    </dgm:pt>
+    <dgm:pt modelId="{590953F2-E2C9-48D8-8F62-D5D82C1B988F}" type="sibTrans" cxnId="{DFB78992-4DC5-4B70-9F0A-AE0837DD3C2B}">
+      <dgm:prSet/>
+      <dgm:spPr/>
+      <dgm:t>
+        <a:bodyPr/>
+        <a:lstStyle/>
+        <a:p>
+          <a:endParaRPr lang="en-US"/>
+        </a:p>
+      </dgm:t>
+    </dgm:pt>
+    <dgm:pt modelId="{524C2491-BF16-4F61-AE5C-BEA7567A5E85}">
+      <dgm:prSet/>
+      <dgm:spPr/>
+      <dgm:t>
+        <a:bodyPr/>
+        <a:lstStyle/>
+        <a:p>
+          <a:r>
+            <a:rPr lang="en-US"/>
+            <a:t>Thêm các cách tăng c</a:t>
+          </a:r>
+          <a:r>
+            <a:rPr lang="vi-VN"/>
+            <a:t>ư</a:t>
+          </a:r>
+          <a:r>
+            <a:rPr lang="en-US"/>
+            <a:t>ờng dữ liệu khác (thay đổi tốc độ, shifting, stretching…)</a:t>
+          </a:r>
+        </a:p>
+      </dgm:t>
+    </dgm:pt>
+    <dgm:pt modelId="{04FEDDC6-E2CA-46E9-B821-7A859E79E5DA}" type="parTrans" cxnId="{69975804-1469-45D4-A9DA-C45895B247B2}">
+      <dgm:prSet/>
+      <dgm:spPr/>
+      <dgm:t>
+        <a:bodyPr/>
+        <a:lstStyle/>
+        <a:p>
+          <a:endParaRPr lang="en-US"/>
+        </a:p>
+      </dgm:t>
+    </dgm:pt>
+    <dgm:pt modelId="{8E84BDA2-EB15-4421-8CC4-AF2AC8A68F74}" type="sibTrans" cxnId="{69975804-1469-45D4-A9DA-C45895B247B2}">
+      <dgm:prSet/>
+      <dgm:spPr/>
+      <dgm:t>
+        <a:bodyPr/>
+        <a:lstStyle/>
+        <a:p>
+          <a:endParaRPr lang="en-US"/>
+        </a:p>
+      </dgm:t>
+    </dgm:pt>
+    <dgm:pt modelId="{BEE4BA9B-F197-4411-B218-6500700A86EE}" type="pres">
+      <dgm:prSet presAssocID="{4A6D5FF3-BE5C-4B10-AEB8-DA6F06F573E7}" presName="linear" presStyleCnt="0">
+        <dgm:presLayoutVars>
+          <dgm:animLvl val="lvl"/>
+          <dgm:resizeHandles val="exact"/>
+        </dgm:presLayoutVars>
+      </dgm:prSet>
+      <dgm:spPr/>
+    </dgm:pt>
+    <dgm:pt modelId="{70757870-350C-4A78-ACF8-8EFF0EC129D4}" type="pres">
+      <dgm:prSet presAssocID="{2FEDE8A1-17A9-49E6-B77B-4D6EF8D0B290}" presName="parentText" presStyleLbl="node1" presStyleIdx="0" presStyleCnt="2">
+        <dgm:presLayoutVars>
+          <dgm:chMax val="0"/>
+          <dgm:bulletEnabled val="1"/>
+        </dgm:presLayoutVars>
+      </dgm:prSet>
+      <dgm:spPr/>
+    </dgm:pt>
+    <dgm:pt modelId="{DEA5C809-D1BE-462D-A928-A43419E1FFD4}" type="pres">
+      <dgm:prSet presAssocID="{2FEDE8A1-17A9-49E6-B77B-4D6EF8D0B290}" presName="childText" presStyleLbl="revTx" presStyleIdx="0" presStyleCnt="2">
+        <dgm:presLayoutVars>
+          <dgm:bulletEnabled val="1"/>
+        </dgm:presLayoutVars>
+      </dgm:prSet>
+      <dgm:spPr/>
+    </dgm:pt>
+    <dgm:pt modelId="{F52A0E32-7AE7-4C60-9A49-2CEF9A171EF6}" type="pres">
+      <dgm:prSet presAssocID="{7F79E7C3-79AB-4609-B53E-C24C1B237304}" presName="parentText" presStyleLbl="node1" presStyleIdx="1" presStyleCnt="2">
+        <dgm:presLayoutVars>
+          <dgm:chMax val="0"/>
+          <dgm:bulletEnabled val="1"/>
+        </dgm:presLayoutVars>
+      </dgm:prSet>
+      <dgm:spPr/>
+    </dgm:pt>
+    <dgm:pt modelId="{8D59166F-EB5A-48BB-89FC-BFCAEDD33E43}" type="pres">
+      <dgm:prSet presAssocID="{7F79E7C3-79AB-4609-B53E-C24C1B237304}" presName="childText" presStyleLbl="revTx" presStyleIdx="1" presStyleCnt="2">
+        <dgm:presLayoutVars>
+          <dgm:bulletEnabled val="1"/>
+        </dgm:presLayoutVars>
+      </dgm:prSet>
+      <dgm:spPr/>
+    </dgm:pt>
+  </dgm:ptLst>
+  <dgm:cxnLst>
+    <dgm:cxn modelId="{69975804-1469-45D4-A9DA-C45895B247B2}" srcId="{7F79E7C3-79AB-4609-B53E-C24C1B237304}" destId="{524C2491-BF16-4F61-AE5C-BEA7567A5E85}" srcOrd="1" destOrd="0" parTransId="{04FEDDC6-E2CA-46E9-B821-7A859E79E5DA}" sibTransId="{8E84BDA2-EB15-4421-8CC4-AF2AC8A68F74}"/>
+    <dgm:cxn modelId="{FC7AEF16-4ABC-4222-854A-57A631D59409}" srcId="{2FEDE8A1-17A9-49E6-B77B-4D6EF8D0B290}" destId="{F963E08B-C207-40C4-A3C9-F0E0470038F6}" srcOrd="0" destOrd="0" parTransId="{2F0E9512-AD19-4A4D-B728-B89C7D21C37D}" sibTransId="{13C77393-DCD6-400C-A36F-B030E049FDB6}"/>
+    <dgm:cxn modelId="{08DF1122-8801-4057-BE80-5292571C515D}" srcId="{2FEDE8A1-17A9-49E6-B77B-4D6EF8D0B290}" destId="{490A6EAF-0FBD-40E7-B0F3-C9F08CE4011B}" srcOrd="2" destOrd="0" parTransId="{9C7B4F41-6D19-4F6A-983B-EEBA0DC87159}" sibTransId="{D190DD4A-267C-40D4-9EDB-F46849F10EB4}"/>
+    <dgm:cxn modelId="{D1E65F24-C336-4844-B2FA-AA1C7D19BA0B}" srcId="{2FEDE8A1-17A9-49E6-B77B-4D6EF8D0B290}" destId="{74E7D5CD-8C5C-428E-BA10-7651647D2A12}" srcOrd="1" destOrd="0" parTransId="{5533C529-54B3-45C2-87C2-A31BD46E4248}" sibTransId="{38F686E2-37A5-4675-984A-E9E6BEE48C80}"/>
+    <dgm:cxn modelId="{17394346-9A85-4644-A06E-B6F022FB6120}" type="presOf" srcId="{4A6D5FF3-BE5C-4B10-AEB8-DA6F06F573E7}" destId="{BEE4BA9B-F197-4411-B218-6500700A86EE}" srcOrd="0" destOrd="0" presId="urn:microsoft.com/office/officeart/2005/8/layout/vList2"/>
+    <dgm:cxn modelId="{A15FD88E-32DA-418A-AC36-0BD8B16B0E25}" type="presOf" srcId="{524C2491-BF16-4F61-AE5C-BEA7567A5E85}" destId="{8D59166F-EB5A-48BB-89FC-BFCAEDD33E43}" srcOrd="0" destOrd="1" presId="urn:microsoft.com/office/officeart/2005/8/layout/vList2"/>
+    <dgm:cxn modelId="{DFB78992-4DC5-4B70-9F0A-AE0837DD3C2B}" srcId="{7F79E7C3-79AB-4609-B53E-C24C1B237304}" destId="{3EF16817-23D9-42F2-93D4-3EB7DC584BB7}" srcOrd="0" destOrd="0" parTransId="{9F9B8160-2903-4678-87B7-92C79F0E53F1}" sibTransId="{590953F2-E2C9-48D8-8F62-D5D82C1B988F}"/>
+    <dgm:cxn modelId="{25607793-E660-4BAB-B4E5-26FB687B0346}" type="presOf" srcId="{74E7D5CD-8C5C-428E-BA10-7651647D2A12}" destId="{DEA5C809-D1BE-462D-A928-A43419E1FFD4}" srcOrd="0" destOrd="1" presId="urn:microsoft.com/office/officeart/2005/8/layout/vList2"/>
+    <dgm:cxn modelId="{4413EE95-62C0-410B-B2FF-A155FB84C1DC}" type="presOf" srcId="{2FEDE8A1-17A9-49E6-B77B-4D6EF8D0B290}" destId="{70757870-350C-4A78-ACF8-8EFF0EC129D4}" srcOrd="0" destOrd="0" presId="urn:microsoft.com/office/officeart/2005/8/layout/vList2"/>
+    <dgm:cxn modelId="{4998AF96-A4ED-48E7-99C1-7165010DB742}" srcId="{4A6D5FF3-BE5C-4B10-AEB8-DA6F06F573E7}" destId="{2FEDE8A1-17A9-49E6-B77B-4D6EF8D0B290}" srcOrd="0" destOrd="0" parTransId="{E2E412E5-5BC0-4D32-B436-D48DD7975E58}" sibTransId="{64A15A60-94D5-4AD8-9B6C-75334C523635}"/>
+    <dgm:cxn modelId="{09F319AB-A07D-4982-8397-EB7C2DFCB0A1}" type="presOf" srcId="{490A6EAF-0FBD-40E7-B0F3-C9F08CE4011B}" destId="{DEA5C809-D1BE-462D-A928-A43419E1FFD4}" srcOrd="0" destOrd="2" presId="urn:microsoft.com/office/officeart/2005/8/layout/vList2"/>
+    <dgm:cxn modelId="{14AB53BF-952B-46A2-9CE6-31EFDF9548CF}" type="presOf" srcId="{F963E08B-C207-40C4-A3C9-F0E0470038F6}" destId="{DEA5C809-D1BE-462D-A928-A43419E1FFD4}" srcOrd="0" destOrd="0" presId="urn:microsoft.com/office/officeart/2005/8/layout/vList2"/>
+    <dgm:cxn modelId="{50936ACC-00B1-43D1-8C0A-24F700754AFC}" srcId="{4A6D5FF3-BE5C-4B10-AEB8-DA6F06F573E7}" destId="{7F79E7C3-79AB-4609-B53E-C24C1B237304}" srcOrd="1" destOrd="0" parTransId="{EDCAE6B6-EAEF-4C75-AFDC-77EE5DE524E9}" sibTransId="{DE501A1D-8A41-4D40-8D0C-F086C08BCADF}"/>
+    <dgm:cxn modelId="{CBC178D2-0C99-431C-BD70-410066D4826D}" type="presOf" srcId="{3EF16817-23D9-42F2-93D4-3EB7DC584BB7}" destId="{8D59166F-EB5A-48BB-89FC-BFCAEDD33E43}" srcOrd="0" destOrd="0" presId="urn:microsoft.com/office/officeart/2005/8/layout/vList2"/>
+    <dgm:cxn modelId="{39001CFC-1E5E-43CE-9906-11F25DBFA102}" type="presOf" srcId="{7F79E7C3-79AB-4609-B53E-C24C1B237304}" destId="{F52A0E32-7AE7-4C60-9A49-2CEF9A171EF6}" srcOrd="0" destOrd="0" presId="urn:microsoft.com/office/officeart/2005/8/layout/vList2"/>
+    <dgm:cxn modelId="{2A444E29-7A2A-47F0-8887-B4AC184535FB}" type="presParOf" srcId="{BEE4BA9B-F197-4411-B218-6500700A86EE}" destId="{70757870-350C-4A78-ACF8-8EFF0EC129D4}" srcOrd="0" destOrd="0" presId="urn:microsoft.com/office/officeart/2005/8/layout/vList2"/>
+    <dgm:cxn modelId="{85D568CF-F697-4E0E-B3E5-A4042C21E161}" type="presParOf" srcId="{BEE4BA9B-F197-4411-B218-6500700A86EE}" destId="{DEA5C809-D1BE-462D-A928-A43419E1FFD4}" srcOrd="1" destOrd="0" presId="urn:microsoft.com/office/officeart/2005/8/layout/vList2"/>
+    <dgm:cxn modelId="{09E141DF-9267-42A7-8DC5-E73F37DE4096}" type="presParOf" srcId="{BEE4BA9B-F197-4411-B218-6500700A86EE}" destId="{F52A0E32-7AE7-4C60-9A49-2CEF9A171EF6}" srcOrd="2" destOrd="0" presId="urn:microsoft.com/office/officeart/2005/8/layout/vList2"/>
+    <dgm:cxn modelId="{CA81B7C5-4229-4EF7-9C20-B747E80433BC}" type="presParOf" srcId="{BEE4BA9B-F197-4411-B218-6500700A86EE}" destId="{8D59166F-EB5A-48BB-89FC-BFCAEDD33E43}" srcOrd="3" destOrd="0" presId="urn:microsoft.com/office/officeart/2005/8/layout/vList2"/>
+  </dgm:cxnLst>
+  <dgm:bg/>
+  <dgm:whole/>
+  <dgm:extLst>
+    <a:ext uri="http://schemas.microsoft.com/office/drawing/2008/diagram">
+      <dsp:dataModelExt xmlns:dsp="http://schemas.microsoft.com/office/drawing/2008/diagram" relId="rId6" minVer="http://schemas.openxmlformats.org/drawingml/2006/diagram"/>
+    </a:ext>
+  </dgm:extLst>
+</dgm:dataModel>
+</file>
+
 <file path=ppt/diagrams/drawing1.xml><?xml version="1.0" encoding="utf-8"?>
 <dsp:drawing xmlns:dgm="http://schemas.openxmlformats.org/drawingml/2006/diagram" xmlns:dsp="http://schemas.microsoft.com/office/drawing/2008/diagram" xmlns:a="http://schemas.openxmlformats.org/drawingml/2006/main">
   <dsp:spTree>
@@ -2224,6 +3388,386 @@
       <dsp:txXfrm>
         <a:off x="2514599" y="1707"/>
         <a:ext cx="7543800" cy="1498823"/>
+      </dsp:txXfrm>
+    </dsp:sp>
+  </dsp:spTree>
+</dsp:drawing>
+</file>
+
+<file path=ppt/diagrams/drawing2.xml><?xml version="1.0" encoding="utf-8"?>
+<dsp:drawing xmlns:dgm="http://schemas.openxmlformats.org/drawingml/2006/diagram" xmlns:dsp="http://schemas.microsoft.com/office/drawing/2008/diagram" xmlns:a="http://schemas.openxmlformats.org/drawingml/2006/main">
+  <dsp:spTree>
+    <dsp:nvGrpSpPr>
+      <dsp:cNvPr id="0" name=""/>
+      <dsp:cNvGrpSpPr/>
+    </dsp:nvGrpSpPr>
+    <dsp:grpSpPr/>
+    <dsp:sp modelId="{70757870-350C-4A78-ACF8-8EFF0EC129D4}">
+      <dsp:nvSpPr>
+        <dsp:cNvPr id="0" name=""/>
+        <dsp:cNvSpPr/>
+      </dsp:nvSpPr>
+      <dsp:spPr>
+        <a:xfrm>
+          <a:off x="0" y="86795"/>
+          <a:ext cx="6797675" cy="767520"/>
+        </a:xfrm>
+        <a:prstGeom prst="roundRect">
+          <a:avLst/>
+        </a:prstGeom>
+        <a:solidFill>
+          <a:schemeClr val="accent2">
+            <a:hueOff val="0"/>
+            <a:satOff val="0"/>
+            <a:lumOff val="0"/>
+            <a:alphaOff val="0"/>
+          </a:schemeClr>
+        </a:solidFill>
+        <a:ln w="15875" cap="flat" cmpd="sng" algn="ctr">
+          <a:solidFill>
+            <a:schemeClr val="lt1">
+              <a:hueOff val="0"/>
+              <a:satOff val="0"/>
+              <a:lumOff val="0"/>
+              <a:alphaOff val="0"/>
+            </a:schemeClr>
+          </a:solidFill>
+          <a:prstDash val="solid"/>
+        </a:ln>
+        <a:effectLst/>
+      </dsp:spPr>
+      <dsp:style>
+        <a:lnRef idx="2">
+          <a:scrgbClr r="0" g="0" b="0"/>
+        </a:lnRef>
+        <a:fillRef idx="1">
+          <a:scrgbClr r="0" g="0" b="0"/>
+        </a:fillRef>
+        <a:effectRef idx="0">
+          <a:scrgbClr r="0" g="0" b="0"/>
+        </a:effectRef>
+        <a:fontRef idx="minor">
+          <a:schemeClr val="lt1"/>
+        </a:fontRef>
+      </dsp:style>
+      <dsp:txBody>
+        <a:bodyPr spcFirstLastPara="0" vert="horz" wrap="square" lIns="121920" tIns="121920" rIns="121920" bIns="121920" numCol="1" spcCol="1270" anchor="ctr" anchorCtr="0">
+          <a:noAutofit/>
+        </a:bodyPr>
+        <a:lstStyle/>
+        <a:p>
+          <a:pPr marL="0" lvl="0" indent="0" algn="l" defTabSz="1422400">
+            <a:lnSpc>
+              <a:spcPct val="90000"/>
+            </a:lnSpc>
+            <a:spcBef>
+              <a:spcPct val="0"/>
+            </a:spcBef>
+            <a:spcAft>
+              <a:spcPct val="35000"/>
+            </a:spcAft>
+            <a:buNone/>
+          </a:pPr>
+          <a:r>
+            <a:rPr lang="en-US" sz="3200" kern="1200"/>
+            <a:t>Những gì đã học đ</a:t>
+          </a:r>
+          <a:r>
+            <a:rPr lang="vi-VN" sz="3200" kern="1200"/>
+            <a:t>ư</a:t>
+          </a:r>
+          <a:r>
+            <a:rPr lang="en-US" sz="3200" kern="1200"/>
+            <a:t>ợc:</a:t>
+          </a:r>
+        </a:p>
+      </dsp:txBody>
+      <dsp:txXfrm>
+        <a:off x="37467" y="124262"/>
+        <a:ext cx="6722741" cy="692586"/>
+      </dsp:txXfrm>
+    </dsp:sp>
+    <dsp:sp modelId="{DEA5C809-D1BE-462D-A928-A43419E1FFD4}">
+      <dsp:nvSpPr>
+        <dsp:cNvPr id="0" name=""/>
+        <dsp:cNvSpPr/>
+      </dsp:nvSpPr>
+      <dsp:spPr>
+        <a:xfrm>
+          <a:off x="0" y="854315"/>
+          <a:ext cx="6797675" cy="2384640"/>
+        </a:xfrm>
+        <a:prstGeom prst="rect">
+          <a:avLst/>
+        </a:prstGeom>
+        <a:noFill/>
+        <a:ln>
+          <a:noFill/>
+        </a:ln>
+        <a:effectLst/>
+      </dsp:spPr>
+      <dsp:style>
+        <a:lnRef idx="0">
+          <a:scrgbClr r="0" g="0" b="0"/>
+        </a:lnRef>
+        <a:fillRef idx="0">
+          <a:scrgbClr r="0" g="0" b="0"/>
+        </a:fillRef>
+        <a:effectRef idx="0">
+          <a:scrgbClr r="0" g="0" b="0"/>
+        </a:effectRef>
+        <a:fontRef idx="minor"/>
+      </dsp:style>
+      <dsp:txBody>
+        <a:bodyPr spcFirstLastPara="0" vert="horz" wrap="square" lIns="215826" tIns="40640" rIns="227584" bIns="40640" numCol="1" spcCol="1270" anchor="t" anchorCtr="0">
+          <a:noAutofit/>
+        </a:bodyPr>
+        <a:lstStyle/>
+        <a:p>
+          <a:pPr marL="228600" lvl="1" indent="-228600" algn="l" defTabSz="1111250">
+            <a:lnSpc>
+              <a:spcPct val="90000"/>
+            </a:lnSpc>
+            <a:spcBef>
+              <a:spcPct val="0"/>
+            </a:spcBef>
+            <a:spcAft>
+              <a:spcPct val="20000"/>
+            </a:spcAft>
+            <a:buChar char="•"/>
+          </a:pPr>
+          <a:r>
+            <a:rPr lang="en-US" sz="2500" kern="1200"/>
+            <a:t>Xử lý âm thanh, áp dụng mô hình máy học vào bài toán nhận diện âm thanh.</a:t>
+          </a:r>
+        </a:p>
+        <a:p>
+          <a:pPr marL="228600" lvl="1" indent="-228600" algn="l" defTabSz="1111250">
+            <a:lnSpc>
+              <a:spcPct val="90000"/>
+            </a:lnSpc>
+            <a:spcBef>
+              <a:spcPct val="0"/>
+            </a:spcBef>
+            <a:spcAft>
+              <a:spcPct val="20000"/>
+            </a:spcAft>
+            <a:buChar char="•"/>
+          </a:pPr>
+          <a:r>
+            <a:rPr lang="en-US" sz="2500" kern="1200"/>
+            <a:t>Đánh giá mô hình, fine-tuning kết quả để đạt đ</a:t>
+          </a:r>
+          <a:r>
+            <a:rPr lang="vi-VN" sz="2500" kern="1200"/>
+            <a:t>ư</a:t>
+          </a:r>
+          <a:r>
+            <a:rPr lang="en-US" sz="2500" kern="1200"/>
+            <a:t>ợc kết quả tốt.</a:t>
+          </a:r>
+        </a:p>
+        <a:p>
+          <a:pPr marL="228600" lvl="1" indent="-228600" algn="l" defTabSz="1111250">
+            <a:lnSpc>
+              <a:spcPct val="90000"/>
+            </a:lnSpc>
+            <a:spcBef>
+              <a:spcPct val="0"/>
+            </a:spcBef>
+            <a:spcAft>
+              <a:spcPct val="20000"/>
+            </a:spcAft>
+            <a:buChar char="•"/>
+          </a:pPr>
+          <a:r>
+            <a:rPr lang="en-US" sz="2500" kern="1200"/>
+            <a:t>Tăng c</a:t>
+          </a:r>
+          <a:r>
+            <a:rPr lang="vi-VN" sz="2500" kern="1200"/>
+            <a:t>ư</a:t>
+          </a:r>
+          <a:r>
+            <a:rPr lang="en-US" sz="2500" kern="1200"/>
+            <a:t>ờng dữ liệu với dữ liệu là âm thanh, thử nghiệm mô hình với điều kiện thực tế.</a:t>
+          </a:r>
+        </a:p>
+      </dsp:txBody>
+      <dsp:txXfrm>
+        <a:off x="0" y="854315"/>
+        <a:ext cx="6797675" cy="2384640"/>
+      </dsp:txXfrm>
+    </dsp:sp>
+    <dsp:sp modelId="{F52A0E32-7AE7-4C60-9A49-2CEF9A171EF6}">
+      <dsp:nvSpPr>
+        <dsp:cNvPr id="0" name=""/>
+        <dsp:cNvSpPr/>
+      </dsp:nvSpPr>
+      <dsp:spPr>
+        <a:xfrm>
+          <a:off x="0" y="3238956"/>
+          <a:ext cx="6797675" cy="767520"/>
+        </a:xfrm>
+        <a:prstGeom prst="roundRect">
+          <a:avLst/>
+        </a:prstGeom>
+        <a:solidFill>
+          <a:schemeClr val="accent2">
+            <a:hueOff val="39038"/>
+            <a:satOff val="-26876"/>
+            <a:lumOff val="-6863"/>
+            <a:alphaOff val="0"/>
+          </a:schemeClr>
+        </a:solidFill>
+        <a:ln w="15875" cap="flat" cmpd="sng" algn="ctr">
+          <a:solidFill>
+            <a:schemeClr val="lt1">
+              <a:hueOff val="0"/>
+              <a:satOff val="0"/>
+              <a:lumOff val="0"/>
+              <a:alphaOff val="0"/>
+            </a:schemeClr>
+          </a:solidFill>
+          <a:prstDash val="solid"/>
+        </a:ln>
+        <a:effectLst/>
+      </dsp:spPr>
+      <dsp:style>
+        <a:lnRef idx="2">
+          <a:scrgbClr r="0" g="0" b="0"/>
+        </a:lnRef>
+        <a:fillRef idx="1">
+          <a:scrgbClr r="0" g="0" b="0"/>
+        </a:fillRef>
+        <a:effectRef idx="0">
+          <a:scrgbClr r="0" g="0" b="0"/>
+        </a:effectRef>
+        <a:fontRef idx="minor">
+          <a:schemeClr val="lt1"/>
+        </a:fontRef>
+      </dsp:style>
+      <dsp:txBody>
+        <a:bodyPr spcFirstLastPara="0" vert="horz" wrap="square" lIns="121920" tIns="121920" rIns="121920" bIns="121920" numCol="1" spcCol="1270" anchor="ctr" anchorCtr="0">
+          <a:noAutofit/>
+        </a:bodyPr>
+        <a:lstStyle/>
+        <a:p>
+          <a:pPr marL="0" lvl="0" indent="0" algn="l" defTabSz="1422400">
+            <a:lnSpc>
+              <a:spcPct val="90000"/>
+            </a:lnSpc>
+            <a:spcBef>
+              <a:spcPct val="0"/>
+            </a:spcBef>
+            <a:spcAft>
+              <a:spcPct val="35000"/>
+            </a:spcAft>
+            <a:buNone/>
+          </a:pPr>
+          <a:r>
+            <a:rPr lang="en-US" sz="3200" kern="1200"/>
+            <a:t>Các h</a:t>
+          </a:r>
+          <a:r>
+            <a:rPr lang="vi-VN" sz="3200" kern="1200"/>
+            <a:t>ư</a:t>
+          </a:r>
+          <a:r>
+            <a:rPr lang="en-US" sz="3200" kern="1200"/>
+            <a:t>ớng mở rộng:</a:t>
+          </a:r>
+        </a:p>
+      </dsp:txBody>
+      <dsp:txXfrm>
+        <a:off x="37467" y="3276423"/>
+        <a:ext cx="6722741" cy="692586"/>
+      </dsp:txXfrm>
+    </dsp:sp>
+    <dsp:sp modelId="{8D59166F-EB5A-48BB-89FC-BFCAEDD33E43}">
+      <dsp:nvSpPr>
+        <dsp:cNvPr id="0" name=""/>
+        <dsp:cNvSpPr/>
+      </dsp:nvSpPr>
+      <dsp:spPr>
+        <a:xfrm>
+          <a:off x="0" y="4006476"/>
+          <a:ext cx="6797675" cy="1556640"/>
+        </a:xfrm>
+        <a:prstGeom prst="rect">
+          <a:avLst/>
+        </a:prstGeom>
+        <a:noFill/>
+        <a:ln>
+          <a:noFill/>
+        </a:ln>
+        <a:effectLst/>
+      </dsp:spPr>
+      <dsp:style>
+        <a:lnRef idx="0">
+          <a:scrgbClr r="0" g="0" b="0"/>
+        </a:lnRef>
+        <a:fillRef idx="0">
+          <a:scrgbClr r="0" g="0" b="0"/>
+        </a:fillRef>
+        <a:effectRef idx="0">
+          <a:scrgbClr r="0" g="0" b="0"/>
+        </a:effectRef>
+        <a:fontRef idx="minor"/>
+      </dsp:style>
+      <dsp:txBody>
+        <a:bodyPr spcFirstLastPara="0" vert="horz" wrap="square" lIns="215826" tIns="40640" rIns="227584" bIns="40640" numCol="1" spcCol="1270" anchor="t" anchorCtr="0">
+          <a:noAutofit/>
+        </a:bodyPr>
+        <a:lstStyle/>
+        <a:p>
+          <a:pPr marL="228600" lvl="1" indent="-228600" algn="l" defTabSz="1111250">
+            <a:lnSpc>
+              <a:spcPct val="90000"/>
+            </a:lnSpc>
+            <a:spcBef>
+              <a:spcPct val="0"/>
+            </a:spcBef>
+            <a:spcAft>
+              <a:spcPct val="20000"/>
+            </a:spcAft>
+            <a:buChar char="•"/>
+          </a:pPr>
+          <a:r>
+            <a:rPr lang="en-US" sz="2500" kern="1200"/>
+            <a:t>Thử nghiệm các mô hình khác (CNN), thêm các lớp ẩn vào mô hình MLP</a:t>
+          </a:r>
+        </a:p>
+        <a:p>
+          <a:pPr marL="228600" lvl="1" indent="-228600" algn="l" defTabSz="1111250">
+            <a:lnSpc>
+              <a:spcPct val="90000"/>
+            </a:lnSpc>
+            <a:spcBef>
+              <a:spcPct val="0"/>
+            </a:spcBef>
+            <a:spcAft>
+              <a:spcPct val="20000"/>
+            </a:spcAft>
+            <a:buChar char="•"/>
+          </a:pPr>
+          <a:r>
+            <a:rPr lang="en-US" sz="2500" kern="1200"/>
+            <a:t>Thêm các cách tăng c</a:t>
+          </a:r>
+          <a:r>
+            <a:rPr lang="vi-VN" sz="2500" kern="1200"/>
+            <a:t>ư</a:t>
+          </a:r>
+          <a:r>
+            <a:rPr lang="en-US" sz="2500" kern="1200"/>
+            <a:t>ờng dữ liệu khác (thay đổi tốc độ, shifting, stretching…)</a:t>
+          </a:r>
+        </a:p>
+      </dsp:txBody>
+      <dsp:txXfrm>
+        <a:off x="0" y="4006476"/>
+        <a:ext cx="6797675" cy="1556640"/>
       </dsp:txXfrm>
     </dsp:sp>
   </dsp:spTree>
@@ -2497,7 +4041,1208 @@
 </dgm:layoutDef>
 </file>
 
+<file path=ppt/diagrams/layout2.xml><?xml version="1.0" encoding="utf-8"?>
+<dgm:layoutDef xmlns:dgm="http://schemas.openxmlformats.org/drawingml/2006/diagram" xmlns:a="http://schemas.openxmlformats.org/drawingml/2006/main" uniqueId="urn:microsoft.com/office/officeart/2005/8/layout/vList2">
+  <dgm:title val=""/>
+  <dgm:desc val=""/>
+  <dgm:catLst>
+    <dgm:cat type="list" pri="3000"/>
+    <dgm:cat type="convert" pri="1000"/>
+  </dgm:catLst>
+  <dgm:sampData>
+    <dgm:dataModel>
+      <dgm:ptLst>
+        <dgm:pt modelId="0" type="doc"/>
+        <dgm:pt modelId="1">
+          <dgm:prSet phldr="1"/>
+        </dgm:pt>
+        <dgm:pt modelId="11">
+          <dgm:prSet phldr="1"/>
+        </dgm:pt>
+        <dgm:pt modelId="2">
+          <dgm:prSet phldr="1"/>
+        </dgm:pt>
+        <dgm:pt modelId="21">
+          <dgm:prSet phldr="1"/>
+        </dgm:pt>
+      </dgm:ptLst>
+      <dgm:cxnLst>
+        <dgm:cxn modelId="4" srcId="0" destId="1" srcOrd="0" destOrd="0"/>
+        <dgm:cxn modelId="5" srcId="0" destId="2" srcOrd="1" destOrd="0"/>
+        <dgm:cxn modelId="12" srcId="1" destId="11" srcOrd="0" destOrd="0"/>
+        <dgm:cxn modelId="23" srcId="2" destId="21" srcOrd="0" destOrd="0"/>
+      </dgm:cxnLst>
+      <dgm:bg/>
+      <dgm:whole/>
+    </dgm:dataModel>
+  </dgm:sampData>
+  <dgm:styleData>
+    <dgm:dataModel>
+      <dgm:ptLst>
+        <dgm:pt modelId="0" type="doc"/>
+        <dgm:pt modelId="1"/>
+        <dgm:pt modelId="2"/>
+      </dgm:ptLst>
+      <dgm:cxnLst>
+        <dgm:cxn modelId="3" srcId="0" destId="1" srcOrd="0" destOrd="0"/>
+        <dgm:cxn modelId="4" srcId="0" destId="2" srcOrd="1" destOrd="0"/>
+      </dgm:cxnLst>
+      <dgm:bg/>
+      <dgm:whole/>
+    </dgm:dataModel>
+  </dgm:styleData>
+  <dgm:clrData>
+    <dgm:dataModel>
+      <dgm:ptLst>
+        <dgm:pt modelId="0" type="doc"/>
+        <dgm:pt modelId="1"/>
+        <dgm:pt modelId="2"/>
+        <dgm:pt modelId="3"/>
+        <dgm:pt modelId="4"/>
+      </dgm:ptLst>
+      <dgm:cxnLst>
+        <dgm:cxn modelId="5" srcId="0" destId="1" srcOrd="0" destOrd="0"/>
+        <dgm:cxn modelId="6" srcId="0" destId="2" srcOrd="1" destOrd="0"/>
+        <dgm:cxn modelId="7" srcId="0" destId="3" srcOrd="2" destOrd="0"/>
+        <dgm:cxn modelId="8" srcId="0" destId="4" srcOrd="3" destOrd="0"/>
+      </dgm:cxnLst>
+      <dgm:bg/>
+      <dgm:whole/>
+    </dgm:dataModel>
+  </dgm:clrData>
+  <dgm:layoutNode name="linear">
+    <dgm:varLst>
+      <dgm:animLvl val="lvl"/>
+      <dgm:resizeHandles val="exact"/>
+    </dgm:varLst>
+    <dgm:alg type="lin">
+      <dgm:param type="linDir" val="fromT"/>
+      <dgm:param type="vertAlign" val="mid"/>
+    </dgm:alg>
+    <dgm:shape xmlns:r="http://schemas.openxmlformats.org/officeDocument/2006/relationships" r:blip="">
+      <dgm:adjLst/>
+    </dgm:shape>
+    <dgm:presOf/>
+    <dgm:constrLst>
+      <dgm:constr type="w" for="ch" forName="parentText" refType="w"/>
+      <dgm:constr type="h" for="ch" forName="parentText" refType="primFontSz" refFor="ch" refForName="parentText" fact="0.52"/>
+      <dgm:constr type="w" for="ch" forName="childText" refType="w"/>
+      <dgm:constr type="h" for="ch" forName="childText" refType="primFontSz" refFor="ch" refForName="parentText" fact="0.46"/>
+      <dgm:constr type="h" for="ch" forName="parentText" op="equ"/>
+      <dgm:constr type="primFontSz" for="ch" forName="parentText" op="equ" val="65"/>
+      <dgm:constr type="primFontSz" for="ch" forName="childText" refType="primFontSz" refFor="ch" refForName="parentText" op="equ"/>
+      <dgm:constr type="h" for="ch" forName="spacer" refType="primFontSz" refFor="ch" refForName="parentText" fact="0.08"/>
+    </dgm:constrLst>
+    <dgm:ruleLst>
+      <dgm:rule type="primFontSz" for="ch" forName="parentText" val="5" fact="NaN" max="NaN"/>
+    </dgm:ruleLst>
+    <dgm:forEach name="Name0" axis="ch" ptType="node">
+      <dgm:layoutNode name="parentText" styleLbl="node1">
+        <dgm:varLst>
+          <dgm:chMax val="0"/>
+          <dgm:bulletEnabled val="1"/>
+        </dgm:varLst>
+        <dgm:alg type="tx">
+          <dgm:param type="parTxLTRAlign" val="l"/>
+          <dgm:param type="parTxRTLAlign" val="r"/>
+        </dgm:alg>
+        <dgm:shape xmlns:r="http://schemas.openxmlformats.org/officeDocument/2006/relationships" type="roundRect" r:blip="">
+          <dgm:adjLst/>
+        </dgm:shape>
+        <dgm:presOf axis="self"/>
+        <dgm:constrLst>
+          <dgm:constr type="tMarg" refType="primFontSz" fact="0.3"/>
+          <dgm:constr type="bMarg" refType="primFontSz" fact="0.3"/>
+          <dgm:constr type="lMarg" refType="primFontSz" fact="0.3"/>
+          <dgm:constr type="rMarg" refType="primFontSz" fact="0.3"/>
+        </dgm:constrLst>
+        <dgm:ruleLst>
+          <dgm:rule type="h" val="INF" fact="NaN" max="NaN"/>
+        </dgm:ruleLst>
+      </dgm:layoutNode>
+      <dgm:choose name="Name1">
+        <dgm:if name="Name2" axis="ch" ptType="node" func="cnt" op="gte" val="1">
+          <dgm:layoutNode name="childText" styleLbl="revTx">
+            <dgm:varLst>
+              <dgm:bulletEnabled val="1"/>
+            </dgm:varLst>
+            <dgm:alg type="tx">
+              <dgm:param type="stBulletLvl" val="1"/>
+              <dgm:param type="lnSpAfChP" val="20"/>
+            </dgm:alg>
+            <dgm:shape xmlns:r="http://schemas.openxmlformats.org/officeDocument/2006/relationships" type="rect" r:blip="">
+              <dgm:adjLst/>
+            </dgm:shape>
+            <dgm:presOf axis="des" ptType="node"/>
+            <dgm:constrLst>
+              <dgm:constr type="tMarg" refType="primFontSz" fact="0.1"/>
+              <dgm:constr type="bMarg" refType="primFontSz" fact="0.1"/>
+              <dgm:constr type="lMarg" refType="w" fact="0.09"/>
+            </dgm:constrLst>
+            <dgm:ruleLst>
+              <dgm:rule type="h" val="INF" fact="NaN" max="NaN"/>
+            </dgm:ruleLst>
+          </dgm:layoutNode>
+        </dgm:if>
+        <dgm:else name="Name3">
+          <dgm:choose name="Name4">
+            <dgm:if name="Name5" axis="par ch" ptType="doc node" func="cnt" op="gte" val="2">
+              <dgm:forEach name="Name6" axis="followSib" ptType="sibTrans" cnt="1">
+                <dgm:layoutNode name="spacer">
+                  <dgm:alg type="sp"/>
+                  <dgm:shape xmlns:r="http://schemas.openxmlformats.org/officeDocument/2006/relationships" r:blip="">
+                    <dgm:adjLst/>
+                  </dgm:shape>
+                  <dgm:presOf/>
+                  <dgm:constrLst/>
+                  <dgm:ruleLst/>
+                </dgm:layoutNode>
+              </dgm:forEach>
+            </dgm:if>
+            <dgm:else name="Name7"/>
+          </dgm:choose>
+        </dgm:else>
+      </dgm:choose>
+    </dgm:forEach>
+  </dgm:layoutNode>
+</dgm:layoutDef>
+</file>
+
 <file path=ppt/diagrams/quickStyle1.xml><?xml version="1.0" encoding="utf-8"?>
+<dgm:styleDef xmlns:dgm="http://schemas.openxmlformats.org/drawingml/2006/diagram" xmlns:a="http://schemas.openxmlformats.org/drawingml/2006/main" uniqueId="urn:microsoft.com/office/officeart/2005/8/quickstyle/simple1">
+  <dgm:title val=""/>
+  <dgm:desc val=""/>
+  <dgm:catLst>
+    <dgm:cat type="simple" pri="10100"/>
+  </dgm:catLst>
+  <dgm:scene3d>
+    <a:camera prst="orthographicFront"/>
+    <a:lightRig rig="threePt" dir="t"/>
+  </dgm:scene3d>
+  <dgm:styleLbl name="node0">
+    <dgm:scene3d>
+      <a:camera prst="orthographicFront"/>
+      <a:lightRig rig="threePt" dir="t"/>
+    </dgm:scene3d>
+    <dgm:sp3d/>
+    <dgm:txPr/>
+    <dgm:style>
+      <a:lnRef idx="2">
+        <a:scrgbClr r="0" g="0" b="0"/>
+      </a:lnRef>
+      <a:fillRef idx="1">
+        <a:scrgbClr r="0" g="0" b="0"/>
+      </a:fillRef>
+      <a:effectRef idx="0">
+        <a:scrgbClr r="0" g="0" b="0"/>
+      </a:effectRef>
+      <a:fontRef idx="minor">
+        <a:schemeClr val="lt1"/>
+      </a:fontRef>
+    </dgm:style>
+  </dgm:styleLbl>
+  <dgm:styleLbl name="lnNode1">
+    <dgm:scene3d>
+      <a:camera prst="orthographicFront"/>
+      <a:lightRig rig="threePt" dir="t"/>
+    </dgm:scene3d>
+    <dgm:sp3d/>
+    <dgm:txPr/>
+    <dgm:style>
+      <a:lnRef idx="2">
+        <a:scrgbClr r="0" g="0" b="0"/>
+      </a:lnRef>
+      <a:fillRef idx="1">
+        <a:scrgbClr r="0" g="0" b="0"/>
+      </a:fillRef>
+      <a:effectRef idx="0">
+        <a:scrgbClr r="0" g="0" b="0"/>
+      </a:effectRef>
+      <a:fontRef idx="minor">
+        <a:schemeClr val="lt1"/>
+      </a:fontRef>
+    </dgm:style>
+  </dgm:styleLbl>
+  <dgm:styleLbl name="vennNode1">
+    <dgm:scene3d>
+      <a:camera prst="orthographicFront"/>
+      <a:lightRig rig="threePt" dir="t"/>
+    </dgm:scene3d>
+    <dgm:sp3d/>
+    <dgm:txPr/>
+    <dgm:style>
+      <a:lnRef idx="2">
+        <a:scrgbClr r="0" g="0" b="0"/>
+      </a:lnRef>
+      <a:fillRef idx="1">
+        <a:scrgbClr r="0" g="0" b="0"/>
+      </a:fillRef>
+      <a:effectRef idx="0">
+        <a:scrgbClr r="0" g="0" b="0"/>
+      </a:effectRef>
+      <a:fontRef idx="minor">
+        <a:schemeClr val="tx1"/>
+      </a:fontRef>
+    </dgm:style>
+  </dgm:styleLbl>
+  <dgm:styleLbl name="alignNode1">
+    <dgm:scene3d>
+      <a:camera prst="orthographicFront"/>
+      <a:lightRig rig="threePt" dir="t"/>
+    </dgm:scene3d>
+    <dgm:sp3d/>
+    <dgm:txPr/>
+    <dgm:style>
+      <a:lnRef idx="2">
+        <a:scrgbClr r="0" g="0" b="0"/>
+      </a:lnRef>
+      <a:fillRef idx="1">
+        <a:scrgbClr r="0" g="0" b="0"/>
+      </a:fillRef>
+      <a:effectRef idx="0">
+        <a:scrgbClr r="0" g="0" b="0"/>
+      </a:effectRef>
+      <a:fontRef idx="minor">
+        <a:schemeClr val="lt1"/>
+      </a:fontRef>
+    </dgm:style>
+  </dgm:styleLbl>
+  <dgm:styleLbl name="node1">
+    <dgm:scene3d>
+      <a:camera prst="orthographicFront"/>
+      <a:lightRig rig="threePt" dir="t"/>
+    </dgm:scene3d>
+    <dgm:sp3d/>
+    <dgm:txPr/>
+    <dgm:style>
+      <a:lnRef idx="2">
+        <a:scrgbClr r="0" g="0" b="0"/>
+      </a:lnRef>
+      <a:fillRef idx="1">
+        <a:scrgbClr r="0" g="0" b="0"/>
+      </a:fillRef>
+      <a:effectRef idx="0">
+        <a:scrgbClr r="0" g="0" b="0"/>
+      </a:effectRef>
+      <a:fontRef idx="minor">
+        <a:schemeClr val="lt1"/>
+      </a:fontRef>
+    </dgm:style>
+  </dgm:styleLbl>
+  <dgm:styleLbl name="node2">
+    <dgm:scene3d>
+      <a:camera prst="orthographicFront"/>
+      <a:lightRig rig="threePt" dir="t"/>
+    </dgm:scene3d>
+    <dgm:sp3d/>
+    <dgm:txPr/>
+    <dgm:style>
+      <a:lnRef idx="2">
+        <a:scrgbClr r="0" g="0" b="0"/>
+      </a:lnRef>
+      <a:fillRef idx="1">
+        <a:scrgbClr r="0" g="0" b="0"/>
+      </a:fillRef>
+      <a:effectRef idx="0">
+        <a:scrgbClr r="0" g="0" b="0"/>
+      </a:effectRef>
+      <a:fontRef idx="minor">
+        <a:schemeClr val="lt1"/>
+      </a:fontRef>
+    </dgm:style>
+  </dgm:styleLbl>
+  <dgm:styleLbl name="node3">
+    <dgm:scene3d>
+      <a:camera prst="orthographicFront"/>
+      <a:lightRig rig="threePt" dir="t"/>
+    </dgm:scene3d>
+    <dgm:sp3d/>
+    <dgm:txPr/>
+    <dgm:style>
+      <a:lnRef idx="2">
+        <a:scrgbClr r="0" g="0" b="0"/>
+      </a:lnRef>
+      <a:fillRef idx="1">
+        <a:scrgbClr r="0" g="0" b="0"/>
+      </a:fillRef>
+      <a:effectRef idx="0">
+        <a:scrgbClr r="0" g="0" b="0"/>
+      </a:effectRef>
+      <a:fontRef idx="minor">
+        <a:schemeClr val="lt1"/>
+      </a:fontRef>
+    </dgm:style>
+  </dgm:styleLbl>
+  <dgm:styleLbl name="node4">
+    <dgm:scene3d>
+      <a:camera prst="orthographicFront"/>
+      <a:lightRig rig="threePt" dir="t"/>
+    </dgm:scene3d>
+    <dgm:sp3d/>
+    <dgm:txPr/>
+    <dgm:style>
+      <a:lnRef idx="2">
+        <a:scrgbClr r="0" g="0" b="0"/>
+      </a:lnRef>
+      <a:fillRef idx="1">
+        <a:scrgbClr r="0" g="0" b="0"/>
+      </a:fillRef>
+      <a:effectRef idx="0">
+        <a:scrgbClr r="0" g="0" b="0"/>
+      </a:effectRef>
+      <a:fontRef idx="minor">
+        <a:schemeClr val="lt1"/>
+      </a:fontRef>
+    </dgm:style>
+  </dgm:styleLbl>
+  <dgm:styleLbl name="fgImgPlace1">
+    <dgm:scene3d>
+      <a:camera prst="orthographicFront"/>
+      <a:lightRig rig="threePt" dir="t"/>
+    </dgm:scene3d>
+    <dgm:sp3d/>
+    <dgm:txPr/>
+    <dgm:style>
+      <a:lnRef idx="2">
+        <a:scrgbClr r="0" g="0" b="0"/>
+      </a:lnRef>
+      <a:fillRef idx="1">
+        <a:scrgbClr r="0" g="0" b="0"/>
+      </a:fillRef>
+      <a:effectRef idx="0">
+        <a:scrgbClr r="0" g="0" b="0"/>
+      </a:effectRef>
+      <a:fontRef idx="minor"/>
+    </dgm:style>
+  </dgm:styleLbl>
+  <dgm:styleLbl name="alignImgPlace1">
+    <dgm:scene3d>
+      <a:camera prst="orthographicFront"/>
+      <a:lightRig rig="threePt" dir="t"/>
+    </dgm:scene3d>
+    <dgm:sp3d/>
+    <dgm:txPr/>
+    <dgm:style>
+      <a:lnRef idx="2">
+        <a:scrgbClr r="0" g="0" b="0"/>
+      </a:lnRef>
+      <a:fillRef idx="1">
+        <a:scrgbClr r="0" g="0" b="0"/>
+      </a:fillRef>
+      <a:effectRef idx="0">
+        <a:scrgbClr r="0" g="0" b="0"/>
+      </a:effectRef>
+      <a:fontRef idx="minor"/>
+    </dgm:style>
+  </dgm:styleLbl>
+  <dgm:styleLbl name="bgImgPlace1">
+    <dgm:scene3d>
+      <a:camera prst="orthographicFront"/>
+      <a:lightRig rig="threePt" dir="t"/>
+    </dgm:scene3d>
+    <dgm:sp3d/>
+    <dgm:txPr/>
+    <dgm:style>
+      <a:lnRef idx="2">
+        <a:scrgbClr r="0" g="0" b="0"/>
+      </a:lnRef>
+      <a:fillRef idx="1">
+        <a:scrgbClr r="0" g="0" b="0"/>
+      </a:fillRef>
+      <a:effectRef idx="0">
+        <a:scrgbClr r="0" g="0" b="0"/>
+      </a:effectRef>
+      <a:fontRef idx="minor"/>
+    </dgm:style>
+  </dgm:styleLbl>
+  <dgm:styleLbl name="sibTrans2D1">
+    <dgm:scene3d>
+      <a:camera prst="orthographicFront"/>
+      <a:lightRig rig="threePt" dir="t"/>
+    </dgm:scene3d>
+    <dgm:sp3d/>
+    <dgm:txPr/>
+    <dgm:style>
+      <a:lnRef idx="0">
+        <a:scrgbClr r="0" g="0" b="0"/>
+      </a:lnRef>
+      <a:fillRef idx="1">
+        <a:scrgbClr r="0" g="0" b="0"/>
+      </a:fillRef>
+      <a:effectRef idx="0">
+        <a:scrgbClr r="0" g="0" b="0"/>
+      </a:effectRef>
+      <a:fontRef idx="minor">
+        <a:schemeClr val="lt1"/>
+      </a:fontRef>
+    </dgm:style>
+  </dgm:styleLbl>
+  <dgm:styleLbl name="fgSibTrans2D1">
+    <dgm:scene3d>
+      <a:camera prst="orthographicFront"/>
+      <a:lightRig rig="threePt" dir="t"/>
+    </dgm:scene3d>
+    <dgm:sp3d/>
+    <dgm:txPr/>
+    <dgm:style>
+      <a:lnRef idx="0">
+        <a:scrgbClr r="0" g="0" b="0"/>
+      </a:lnRef>
+      <a:fillRef idx="1">
+        <a:scrgbClr r="0" g="0" b="0"/>
+      </a:fillRef>
+      <a:effectRef idx="0">
+        <a:scrgbClr r="0" g="0" b="0"/>
+      </a:effectRef>
+      <a:fontRef idx="minor">
+        <a:schemeClr val="lt1"/>
+      </a:fontRef>
+    </dgm:style>
+  </dgm:styleLbl>
+  <dgm:styleLbl name="bgSibTrans2D1">
+    <dgm:scene3d>
+      <a:camera prst="orthographicFront"/>
+      <a:lightRig rig="threePt" dir="t"/>
+    </dgm:scene3d>
+    <dgm:sp3d/>
+    <dgm:txPr/>
+    <dgm:style>
+      <a:lnRef idx="0">
+        <a:scrgbClr r="0" g="0" b="0"/>
+      </a:lnRef>
+      <a:fillRef idx="1">
+        <a:scrgbClr r="0" g="0" b="0"/>
+      </a:fillRef>
+      <a:effectRef idx="0">
+        <a:scrgbClr r="0" g="0" b="0"/>
+      </a:effectRef>
+      <a:fontRef idx="minor">
+        <a:schemeClr val="lt1"/>
+      </a:fontRef>
+    </dgm:style>
+  </dgm:styleLbl>
+  <dgm:styleLbl name="sibTrans1D1">
+    <dgm:scene3d>
+      <a:camera prst="orthographicFront"/>
+      <a:lightRig rig="threePt" dir="t"/>
+    </dgm:scene3d>
+    <dgm:sp3d/>
+    <dgm:txPr/>
+    <dgm:style>
+      <a:lnRef idx="1">
+        <a:scrgbClr r="0" g="0" b="0"/>
+      </a:lnRef>
+      <a:fillRef idx="0">
+        <a:scrgbClr r="0" g="0" b="0"/>
+      </a:fillRef>
+      <a:effectRef idx="0">
+        <a:scrgbClr r="0" g="0" b="0"/>
+      </a:effectRef>
+      <a:fontRef idx="minor"/>
+    </dgm:style>
+  </dgm:styleLbl>
+  <dgm:styleLbl name="callout">
+    <dgm:scene3d>
+      <a:camera prst="orthographicFront"/>
+      <a:lightRig rig="threePt" dir="t"/>
+    </dgm:scene3d>
+    <dgm:sp3d/>
+    <dgm:txPr/>
+    <dgm:style>
+      <a:lnRef idx="2">
+        <a:scrgbClr r="0" g="0" b="0"/>
+      </a:lnRef>
+      <a:fillRef idx="1">
+        <a:scrgbClr r="0" g="0" b="0"/>
+      </a:fillRef>
+      <a:effectRef idx="0">
+        <a:scrgbClr r="0" g="0" b="0"/>
+      </a:effectRef>
+      <a:fontRef idx="minor"/>
+    </dgm:style>
+  </dgm:styleLbl>
+  <dgm:styleLbl name="asst0">
+    <dgm:scene3d>
+      <a:camera prst="orthographicFront"/>
+      <a:lightRig rig="threePt" dir="t"/>
+    </dgm:scene3d>
+    <dgm:sp3d/>
+    <dgm:txPr/>
+    <dgm:style>
+      <a:lnRef idx="2">
+        <a:scrgbClr r="0" g="0" b="0"/>
+      </a:lnRef>
+      <a:fillRef idx="1">
+        <a:scrgbClr r="0" g="0" b="0"/>
+      </a:fillRef>
+      <a:effectRef idx="0">
+        <a:scrgbClr r="0" g="0" b="0"/>
+      </a:effectRef>
+      <a:fontRef idx="minor">
+        <a:schemeClr val="lt1"/>
+      </a:fontRef>
+    </dgm:style>
+  </dgm:styleLbl>
+  <dgm:styleLbl name="asst1">
+    <dgm:scene3d>
+      <a:camera prst="orthographicFront"/>
+      <a:lightRig rig="threePt" dir="t"/>
+    </dgm:scene3d>
+    <dgm:sp3d/>
+    <dgm:txPr/>
+    <dgm:style>
+      <a:lnRef idx="2">
+        <a:scrgbClr r="0" g="0" b="0"/>
+      </a:lnRef>
+      <a:fillRef idx="1">
+        <a:scrgbClr r="0" g="0" b="0"/>
+      </a:fillRef>
+      <a:effectRef idx="0">
+        <a:scrgbClr r="0" g="0" b="0"/>
+      </a:effectRef>
+      <a:fontRef idx="minor">
+        <a:schemeClr val="lt1"/>
+      </a:fontRef>
+    </dgm:style>
+  </dgm:styleLbl>
+  <dgm:styleLbl name="asst2">
+    <dgm:scene3d>
+      <a:camera prst="orthographicFront"/>
+      <a:lightRig rig="threePt" dir="t"/>
+    </dgm:scene3d>
+    <dgm:sp3d/>
+    <dgm:txPr/>
+    <dgm:style>
+      <a:lnRef idx="2">
+        <a:scrgbClr r="0" g="0" b="0"/>
+      </a:lnRef>
+      <a:fillRef idx="1">
+        <a:scrgbClr r="0" g="0" b="0"/>
+      </a:fillRef>
+      <a:effectRef idx="0">
+        <a:scrgbClr r="0" g="0" b="0"/>
+      </a:effectRef>
+      <a:fontRef idx="minor">
+        <a:schemeClr val="lt1"/>
+      </a:fontRef>
+    </dgm:style>
+  </dgm:styleLbl>
+  <dgm:styleLbl name="asst3">
+    <dgm:scene3d>
+      <a:camera prst="orthographicFront"/>
+      <a:lightRig rig="threePt" dir="t"/>
+    </dgm:scene3d>
+    <dgm:sp3d/>
+    <dgm:txPr/>
+    <dgm:style>
+      <a:lnRef idx="2">
+        <a:scrgbClr r="0" g="0" b="0"/>
+      </a:lnRef>
+      <a:fillRef idx="1">
+        <a:scrgbClr r="0" g="0" b="0"/>
+      </a:fillRef>
+      <a:effectRef idx="0">
+        <a:scrgbClr r="0" g="0" b="0"/>
+      </a:effectRef>
+      <a:fontRef idx="minor">
+        <a:schemeClr val="lt1"/>
+      </a:fontRef>
+    </dgm:style>
+  </dgm:styleLbl>
+  <dgm:styleLbl name="asst4">
+    <dgm:scene3d>
+      <a:camera prst="orthographicFront"/>
+      <a:lightRig rig="threePt" dir="t"/>
+    </dgm:scene3d>
+    <dgm:sp3d/>
+    <dgm:txPr/>
+    <dgm:style>
+      <a:lnRef idx="2">
+        <a:scrgbClr r="0" g="0" b="0"/>
+      </a:lnRef>
+      <a:fillRef idx="1">
+        <a:scrgbClr r="0" g="0" b="0"/>
+      </a:fillRef>
+      <a:effectRef idx="0">
+        <a:scrgbClr r="0" g="0" b="0"/>
+      </a:effectRef>
+      <a:fontRef idx="minor">
+        <a:schemeClr val="lt1"/>
+      </a:fontRef>
+    </dgm:style>
+  </dgm:styleLbl>
+  <dgm:styleLbl name="parChTrans2D1">
+    <dgm:scene3d>
+      <a:camera prst="orthographicFront"/>
+      <a:lightRig rig="threePt" dir="t"/>
+    </dgm:scene3d>
+    <dgm:sp3d/>
+    <dgm:txPr/>
+    <dgm:style>
+      <a:lnRef idx="2">
+        <a:scrgbClr r="0" g="0" b="0"/>
+      </a:lnRef>
+      <a:fillRef idx="1">
+        <a:scrgbClr r="0" g="0" b="0"/>
+      </a:fillRef>
+      <a:effectRef idx="0">
+        <a:scrgbClr r="0" g="0" b="0"/>
+      </a:effectRef>
+      <a:fontRef idx="minor">
+        <a:schemeClr val="lt1"/>
+      </a:fontRef>
+    </dgm:style>
+  </dgm:styleLbl>
+  <dgm:styleLbl name="parChTrans2D2">
+    <dgm:scene3d>
+      <a:camera prst="orthographicFront"/>
+      <a:lightRig rig="threePt" dir="t"/>
+    </dgm:scene3d>
+    <dgm:sp3d/>
+    <dgm:txPr/>
+    <dgm:style>
+      <a:lnRef idx="2">
+        <a:scrgbClr r="0" g="0" b="0"/>
+      </a:lnRef>
+      <a:fillRef idx="1">
+        <a:scrgbClr r="0" g="0" b="0"/>
+      </a:fillRef>
+      <a:effectRef idx="0">
+        <a:scrgbClr r="0" g="0" b="0"/>
+      </a:effectRef>
+      <a:fontRef idx="minor">
+        <a:schemeClr val="lt1"/>
+      </a:fontRef>
+    </dgm:style>
+  </dgm:styleLbl>
+  <dgm:styleLbl name="parChTrans2D3">
+    <dgm:scene3d>
+      <a:camera prst="orthographicFront"/>
+      <a:lightRig rig="threePt" dir="t"/>
+    </dgm:scene3d>
+    <dgm:sp3d/>
+    <dgm:txPr/>
+    <dgm:style>
+      <a:lnRef idx="2">
+        <a:scrgbClr r="0" g="0" b="0"/>
+      </a:lnRef>
+      <a:fillRef idx="1">
+        <a:scrgbClr r="0" g="0" b="0"/>
+      </a:fillRef>
+      <a:effectRef idx="0">
+        <a:scrgbClr r="0" g="0" b="0"/>
+      </a:effectRef>
+      <a:fontRef idx="minor">
+        <a:schemeClr val="lt1"/>
+      </a:fontRef>
+    </dgm:style>
+  </dgm:styleLbl>
+  <dgm:styleLbl name="parChTrans2D4">
+    <dgm:scene3d>
+      <a:camera prst="orthographicFront"/>
+      <a:lightRig rig="threePt" dir="t"/>
+    </dgm:scene3d>
+    <dgm:sp3d/>
+    <dgm:txPr/>
+    <dgm:style>
+      <a:lnRef idx="2">
+        <a:scrgbClr r="0" g="0" b="0"/>
+      </a:lnRef>
+      <a:fillRef idx="1">
+        <a:scrgbClr r="0" g="0" b="0"/>
+      </a:fillRef>
+      <a:effectRef idx="0">
+        <a:scrgbClr r="0" g="0" b="0"/>
+      </a:effectRef>
+      <a:fontRef idx="minor">
+        <a:schemeClr val="lt1"/>
+      </a:fontRef>
+    </dgm:style>
+  </dgm:styleLbl>
+  <dgm:styleLbl name="parChTrans1D1">
+    <dgm:scene3d>
+      <a:camera prst="orthographicFront"/>
+      <a:lightRig rig="threePt" dir="t"/>
+    </dgm:scene3d>
+    <dgm:sp3d/>
+    <dgm:txPr/>
+    <dgm:style>
+      <a:lnRef idx="2">
+        <a:scrgbClr r="0" g="0" b="0"/>
+      </a:lnRef>
+      <a:fillRef idx="0">
+        <a:scrgbClr r="0" g="0" b="0"/>
+      </a:fillRef>
+      <a:effectRef idx="0">
+        <a:scrgbClr r="0" g="0" b="0"/>
+      </a:effectRef>
+      <a:fontRef idx="minor"/>
+    </dgm:style>
+  </dgm:styleLbl>
+  <dgm:styleLbl name="parChTrans1D2">
+    <dgm:scene3d>
+      <a:camera prst="orthographicFront"/>
+      <a:lightRig rig="threePt" dir="t"/>
+    </dgm:scene3d>
+    <dgm:sp3d/>
+    <dgm:txPr/>
+    <dgm:style>
+      <a:lnRef idx="2">
+        <a:scrgbClr r="0" g="0" b="0"/>
+      </a:lnRef>
+      <a:fillRef idx="0">
+        <a:scrgbClr r="0" g="0" b="0"/>
+      </a:fillRef>
+      <a:effectRef idx="0">
+        <a:scrgbClr r="0" g="0" b="0"/>
+      </a:effectRef>
+      <a:fontRef idx="minor"/>
+    </dgm:style>
+  </dgm:styleLbl>
+  <dgm:styleLbl name="parChTrans1D3">
+    <dgm:scene3d>
+      <a:camera prst="orthographicFront"/>
+      <a:lightRig rig="threePt" dir="t"/>
+    </dgm:scene3d>
+    <dgm:sp3d/>
+    <dgm:txPr/>
+    <dgm:style>
+      <a:lnRef idx="2">
+        <a:scrgbClr r="0" g="0" b="0"/>
+      </a:lnRef>
+      <a:fillRef idx="0">
+        <a:scrgbClr r="0" g="0" b="0"/>
+      </a:fillRef>
+      <a:effectRef idx="0">
+        <a:scrgbClr r="0" g="0" b="0"/>
+      </a:effectRef>
+      <a:fontRef idx="minor"/>
+    </dgm:style>
+  </dgm:styleLbl>
+  <dgm:styleLbl name="parChTrans1D4">
+    <dgm:scene3d>
+      <a:camera prst="orthographicFront"/>
+      <a:lightRig rig="threePt" dir="t"/>
+    </dgm:scene3d>
+    <dgm:sp3d/>
+    <dgm:txPr/>
+    <dgm:style>
+      <a:lnRef idx="2">
+        <a:scrgbClr r="0" g="0" b="0"/>
+      </a:lnRef>
+      <a:fillRef idx="0">
+        <a:scrgbClr r="0" g="0" b="0"/>
+      </a:fillRef>
+      <a:effectRef idx="0">
+        <a:scrgbClr r="0" g="0" b="0"/>
+      </a:effectRef>
+      <a:fontRef idx="minor"/>
+    </dgm:style>
+  </dgm:styleLbl>
+  <dgm:styleLbl name="fgAcc1">
+    <dgm:scene3d>
+      <a:camera prst="orthographicFront"/>
+      <a:lightRig rig="threePt" dir="t"/>
+    </dgm:scene3d>
+    <dgm:sp3d/>
+    <dgm:txPr/>
+    <dgm:style>
+      <a:lnRef idx="2">
+        <a:scrgbClr r="0" g="0" b="0"/>
+      </a:lnRef>
+      <a:fillRef idx="1">
+        <a:scrgbClr r="0" g="0" b="0"/>
+      </a:fillRef>
+      <a:effectRef idx="0">
+        <a:scrgbClr r="0" g="0" b="0"/>
+      </a:effectRef>
+      <a:fontRef idx="minor"/>
+    </dgm:style>
+  </dgm:styleLbl>
+  <dgm:styleLbl name="conFgAcc1">
+    <dgm:scene3d>
+      <a:camera prst="orthographicFront"/>
+      <a:lightRig rig="threePt" dir="t"/>
+    </dgm:scene3d>
+    <dgm:sp3d/>
+    <dgm:txPr/>
+    <dgm:style>
+      <a:lnRef idx="2">
+        <a:scrgbClr r="0" g="0" b="0"/>
+      </a:lnRef>
+      <a:fillRef idx="1">
+        <a:scrgbClr r="0" g="0" b="0"/>
+      </a:fillRef>
+      <a:effectRef idx="0">
+        <a:scrgbClr r="0" g="0" b="0"/>
+      </a:effectRef>
+      <a:fontRef idx="minor"/>
+    </dgm:style>
+  </dgm:styleLbl>
+  <dgm:styleLbl name="alignAcc1">
+    <dgm:scene3d>
+      <a:camera prst="orthographicFront"/>
+      <a:lightRig rig="threePt" dir="t"/>
+    </dgm:scene3d>
+    <dgm:sp3d/>
+    <dgm:txPr/>
+    <dgm:style>
+      <a:lnRef idx="2">
+        <a:scrgbClr r="0" g="0" b="0"/>
+      </a:lnRef>
+      <a:fillRef idx="1">
+        <a:scrgbClr r="0" g="0" b="0"/>
+      </a:fillRef>
+      <a:effectRef idx="0">
+        <a:scrgbClr r="0" g="0" b="0"/>
+      </a:effectRef>
+      <a:fontRef idx="minor"/>
+    </dgm:style>
+  </dgm:styleLbl>
+  <dgm:styleLbl name="trAlignAcc1">
+    <dgm:scene3d>
+      <a:camera prst="orthographicFront"/>
+      <a:lightRig rig="threePt" dir="t"/>
+    </dgm:scene3d>
+    <dgm:sp3d/>
+    <dgm:txPr/>
+    <dgm:style>
+      <a:lnRef idx="1">
+        <a:scrgbClr r="0" g="0" b="0"/>
+      </a:lnRef>
+      <a:fillRef idx="1">
+        <a:scrgbClr r="0" g="0" b="0"/>
+      </a:fillRef>
+      <a:effectRef idx="0">
+        <a:scrgbClr r="0" g="0" b="0"/>
+      </a:effectRef>
+      <a:fontRef idx="minor"/>
+    </dgm:style>
+  </dgm:styleLbl>
+  <dgm:styleLbl name="bgAcc1">
+    <dgm:scene3d>
+      <a:camera prst="orthographicFront"/>
+      <a:lightRig rig="threePt" dir="t"/>
+    </dgm:scene3d>
+    <dgm:sp3d/>
+    <dgm:txPr/>
+    <dgm:style>
+      <a:lnRef idx="2">
+        <a:scrgbClr r="0" g="0" b="0"/>
+      </a:lnRef>
+      <a:fillRef idx="1">
+        <a:scrgbClr r="0" g="0" b="0"/>
+      </a:fillRef>
+      <a:effectRef idx="0">
+        <a:scrgbClr r="0" g="0" b="0"/>
+      </a:effectRef>
+      <a:fontRef idx="minor"/>
+    </dgm:style>
+  </dgm:styleLbl>
+  <dgm:styleLbl name="solidFgAcc1">
+    <dgm:scene3d>
+      <a:camera prst="orthographicFront"/>
+      <a:lightRig rig="threePt" dir="t"/>
+    </dgm:scene3d>
+    <dgm:sp3d/>
+    <dgm:txPr/>
+    <dgm:style>
+      <a:lnRef idx="2">
+        <a:scrgbClr r="0" g="0" b="0"/>
+      </a:lnRef>
+      <a:fillRef idx="1">
+        <a:scrgbClr r="0" g="0" b="0"/>
+      </a:fillRef>
+      <a:effectRef idx="0">
+        <a:scrgbClr r="0" g="0" b="0"/>
+      </a:effectRef>
+      <a:fontRef idx="minor"/>
+    </dgm:style>
+  </dgm:styleLbl>
+  <dgm:styleLbl name="solidAlignAcc1">
+    <dgm:scene3d>
+      <a:camera prst="orthographicFront"/>
+      <a:lightRig rig="threePt" dir="t"/>
+    </dgm:scene3d>
+    <dgm:sp3d/>
+    <dgm:txPr/>
+    <dgm:style>
+      <a:lnRef idx="2">
+        <a:scrgbClr r="0" g="0" b="0"/>
+      </a:lnRef>
+      <a:fillRef idx="1">
+        <a:scrgbClr r="0" g="0" b="0"/>
+      </a:fillRef>
+      <a:effectRef idx="0">
+        <a:scrgbClr r="0" g="0" b="0"/>
+      </a:effectRef>
+      <a:fontRef idx="minor"/>
+    </dgm:style>
+  </dgm:styleLbl>
+  <dgm:styleLbl name="solidBgAcc1">
+    <dgm:scene3d>
+      <a:camera prst="orthographicFront"/>
+      <a:lightRig rig="threePt" dir="t"/>
+    </dgm:scene3d>
+    <dgm:sp3d/>
+    <dgm:txPr/>
+    <dgm:style>
+      <a:lnRef idx="2">
+        <a:scrgbClr r="0" g="0" b="0"/>
+      </a:lnRef>
+      <a:fillRef idx="1">
+        <a:scrgbClr r="0" g="0" b="0"/>
+      </a:fillRef>
+      <a:effectRef idx="0">
+        <a:scrgbClr r="0" g="0" b="0"/>
+      </a:effectRef>
+      <a:fontRef idx="minor"/>
+    </dgm:style>
+  </dgm:styleLbl>
+  <dgm:styleLbl name="fgAccFollowNode1">
+    <dgm:scene3d>
+      <a:camera prst="orthographicFront"/>
+      <a:lightRig rig="threePt" dir="t"/>
+    </dgm:scene3d>
+    <dgm:sp3d/>
+    <dgm:txPr/>
+    <dgm:style>
+      <a:lnRef idx="2">
+        <a:scrgbClr r="0" g="0" b="0"/>
+      </a:lnRef>
+      <a:fillRef idx="1">
+        <a:scrgbClr r="0" g="0" b="0"/>
+      </a:fillRef>
+      <a:effectRef idx="0">
+        <a:scrgbClr r="0" g="0" b="0"/>
+      </a:effectRef>
+      <a:fontRef idx="minor"/>
+    </dgm:style>
+  </dgm:styleLbl>
+  <dgm:styleLbl name="alignAccFollowNode1">
+    <dgm:scene3d>
+      <a:camera prst="orthographicFront"/>
+      <a:lightRig rig="threePt" dir="t"/>
+    </dgm:scene3d>
+    <dgm:sp3d/>
+    <dgm:txPr/>
+    <dgm:style>
+      <a:lnRef idx="2">
+        <a:scrgbClr r="0" g="0" b="0"/>
+      </a:lnRef>
+      <a:fillRef idx="1">
+        <a:scrgbClr r="0" g="0" b="0"/>
+      </a:fillRef>
+      <a:effectRef idx="0">
+        <a:scrgbClr r="0" g="0" b="0"/>
+      </a:effectRef>
+      <a:fontRef idx="minor"/>
+    </dgm:style>
+  </dgm:styleLbl>
+  <dgm:styleLbl name="bgAccFollowNode1">
+    <dgm:scene3d>
+      <a:camera prst="orthographicFront"/>
+      <a:lightRig rig="threePt" dir="t"/>
+    </dgm:scene3d>
+    <dgm:sp3d/>
+    <dgm:txPr/>
+    <dgm:style>
+      <a:lnRef idx="2">
+        <a:scrgbClr r="0" g="0" b="0"/>
+      </a:lnRef>
+      <a:fillRef idx="1">
+        <a:scrgbClr r="0" g="0" b="0"/>
+      </a:fillRef>
+      <a:effectRef idx="0">
+        <a:scrgbClr r="0" g="0" b="0"/>
+      </a:effectRef>
+      <a:fontRef idx="minor"/>
+    </dgm:style>
+  </dgm:styleLbl>
+  <dgm:styleLbl name="fgAcc0">
+    <dgm:scene3d>
+      <a:camera prst="orthographicFront"/>
+      <a:lightRig rig="threePt" dir="t"/>
+    </dgm:scene3d>
+    <dgm:sp3d/>
+    <dgm:txPr/>
+    <dgm:style>
+      <a:lnRef idx="2">
+        <a:scrgbClr r="0" g="0" b="0"/>
+      </a:lnRef>
+      <a:fillRef idx="1">
+        <a:scrgbClr r="0" g="0" b="0"/>
+      </a:fillRef>
+      <a:effectRef idx="0">
+        <a:scrgbClr r="0" g="0" b="0"/>
+      </a:effectRef>
+      <a:fontRef idx="minor"/>
+    </dgm:style>
+  </dgm:styleLbl>
+  <dgm:styleLbl name="fgAcc2">
+    <dgm:scene3d>
+      <a:camera prst="orthographicFront"/>
+      <a:lightRig rig="threePt" dir="t"/>
+    </dgm:scene3d>
+    <dgm:sp3d/>
+    <dgm:txPr/>
+    <dgm:style>
+      <a:lnRef idx="2">
+        <a:scrgbClr r="0" g="0" b="0"/>
+      </a:lnRef>
+      <a:fillRef idx="1">
+        <a:scrgbClr r="0" g="0" b="0"/>
+      </a:fillRef>
+      <a:effectRef idx="0">
+        <a:scrgbClr r="0" g="0" b="0"/>
+      </a:effectRef>
+      <a:fontRef idx="minor"/>
+    </dgm:style>
+  </dgm:styleLbl>
+  <dgm:styleLbl name="fgAcc3">
+    <dgm:scene3d>
+      <a:camera prst="orthographicFront"/>
+      <a:lightRig rig="threePt" dir="t"/>
+    </dgm:scene3d>
+    <dgm:sp3d/>
+    <dgm:txPr/>
+    <dgm:style>
+      <a:lnRef idx="2">
+        <a:scrgbClr r="0" g="0" b="0"/>
+      </a:lnRef>
+      <a:fillRef idx="1">
+        <a:scrgbClr r="0" g="0" b="0"/>
+      </a:fillRef>
+      <a:effectRef idx="0">
+        <a:scrgbClr r="0" g="0" b="0"/>
+      </a:effectRef>
+      <a:fontRef idx="minor"/>
+    </dgm:style>
+  </dgm:styleLbl>
+  <dgm:styleLbl name="fgAcc4">
+    <dgm:scene3d>
+      <a:camera prst="orthographicFront"/>
+      <a:lightRig rig="threePt" dir="t"/>
+    </dgm:scene3d>
+    <dgm:sp3d/>
+    <dgm:txPr/>
+    <dgm:style>
+      <a:lnRef idx="2">
+        <a:scrgbClr r="0" g="0" b="0"/>
+      </a:lnRef>
+      <a:fillRef idx="1">
+        <a:scrgbClr r="0" g="0" b="0"/>
+      </a:fillRef>
+      <a:effectRef idx="0">
+        <a:scrgbClr r="0" g="0" b="0"/>
+      </a:effectRef>
+      <a:fontRef idx="minor"/>
+    </dgm:style>
+  </dgm:styleLbl>
+  <dgm:styleLbl name="bgShp">
+    <dgm:scene3d>
+      <a:camera prst="orthographicFront"/>
+      <a:lightRig rig="threePt" dir="t"/>
+    </dgm:scene3d>
+    <dgm:sp3d/>
+    <dgm:txPr/>
+    <dgm:style>
+      <a:lnRef idx="0">
+        <a:scrgbClr r="0" g="0" b="0"/>
+      </a:lnRef>
+      <a:fillRef idx="1">
+        <a:scrgbClr r="0" g="0" b="0"/>
+      </a:fillRef>
+      <a:effectRef idx="0">
+        <a:scrgbClr r="0" g="0" b="0"/>
+      </a:effectRef>
+      <a:fontRef idx="minor"/>
+    </dgm:style>
+  </dgm:styleLbl>
+  <dgm:styleLbl name="dkBgShp">
+    <dgm:scene3d>
+      <a:camera prst="orthographicFront"/>
+      <a:lightRig rig="threePt" dir="t"/>
+    </dgm:scene3d>
+    <dgm:sp3d/>
+    <dgm:txPr/>
+    <dgm:style>
+      <a:lnRef idx="0">
+        <a:scrgbClr r="0" g="0" b="0"/>
+      </a:lnRef>
+      <a:fillRef idx="1">
+        <a:scrgbClr r="0" g="0" b="0"/>
+      </a:fillRef>
+      <a:effectRef idx="0">
+        <a:scrgbClr r="0" g="0" b="0"/>
+      </a:effectRef>
+      <a:fontRef idx="minor"/>
+    </dgm:style>
+  </dgm:styleLbl>
+  <dgm:styleLbl name="trBgShp">
+    <dgm:scene3d>
+      <a:camera prst="orthographicFront"/>
+      <a:lightRig rig="threePt" dir="t"/>
+    </dgm:scene3d>
+    <dgm:sp3d/>
+    <dgm:txPr/>
+    <dgm:style>
+      <a:lnRef idx="0">
+        <a:scrgbClr r="0" g="0" b="0"/>
+      </a:lnRef>
+      <a:fillRef idx="1">
+        <a:scrgbClr r="0" g="0" b="0"/>
+      </a:fillRef>
+      <a:effectRef idx="0">
+        <a:scrgbClr r="0" g="0" b="0"/>
+      </a:effectRef>
+      <a:fontRef idx="minor"/>
+    </dgm:style>
+  </dgm:styleLbl>
+  <dgm:styleLbl name="fgShp">
+    <dgm:scene3d>
+      <a:camera prst="orthographicFront"/>
+      <a:lightRig rig="threePt" dir="t"/>
+    </dgm:scene3d>
+    <dgm:sp3d/>
+    <dgm:txPr/>
+    <dgm:style>
+      <a:lnRef idx="2">
+        <a:scrgbClr r="0" g="0" b="0"/>
+      </a:lnRef>
+      <a:fillRef idx="1">
+        <a:scrgbClr r="0" g="0" b="0"/>
+      </a:fillRef>
+      <a:effectRef idx="0">
+        <a:scrgbClr r="0" g="0" b="0"/>
+      </a:effectRef>
+      <a:fontRef idx="minor"/>
+    </dgm:style>
+  </dgm:styleLbl>
+  <dgm:styleLbl name="revTx">
+    <dgm:scene3d>
+      <a:camera prst="orthographicFront"/>
+      <a:lightRig rig="threePt" dir="t"/>
+    </dgm:scene3d>
+    <dgm:sp3d/>
+    <dgm:txPr/>
+    <dgm:style>
+      <a:lnRef idx="0">
+        <a:scrgbClr r="0" g="0" b="0"/>
+      </a:lnRef>
+      <a:fillRef idx="0">
+        <a:scrgbClr r="0" g="0" b="0"/>
+      </a:fillRef>
+      <a:effectRef idx="0">
+        <a:scrgbClr r="0" g="0" b="0"/>
+      </a:effectRef>
+      <a:fontRef idx="minor"/>
+    </dgm:style>
+  </dgm:styleLbl>
+</dgm:styleDef>
+</file>
+
+<file path=ppt/diagrams/quickStyle2.xml><?xml version="1.0" encoding="utf-8"?>
 <dgm:styleDef xmlns:dgm="http://schemas.openxmlformats.org/drawingml/2006/diagram" xmlns:a="http://schemas.openxmlformats.org/drawingml/2006/main" uniqueId="urn:microsoft.com/office/officeart/2005/8/quickstyle/simple1">
   <dgm:title val=""/>
   <dgm:desc val=""/>
@@ -8089,10 +10834,10 @@
       </p:sp>
       <p:pic>
         <p:nvPicPr>
-          <p:cNvPr id="4" name="Picture 3">
+          <p:cNvPr id="3" name="Picture 2">
             <a:extLst>
               <a:ext uri="{FF2B5EF4-FFF2-40B4-BE49-F238E27FC236}">
-                <a16:creationId xmlns:a16="http://schemas.microsoft.com/office/drawing/2014/main" id="{C2F2FED8-3990-4B68-898D-9E756021378C}"/>
+                <a16:creationId xmlns:a16="http://schemas.microsoft.com/office/drawing/2014/main" id="{3BDE9D3A-AF91-443B-94DB-896177A18D81}"/>
               </a:ext>
             </a:extLst>
           </p:cNvPr>
@@ -8109,8 +10854,8 @@
         </p:blipFill>
         <p:spPr>
           <a:xfrm>
-            <a:off x="1834141" y="1940559"/>
-            <a:ext cx="8584677" cy="3717422"/>
+            <a:off x="1767505" y="1958105"/>
+            <a:ext cx="8656990" cy="3793766"/>
           </a:xfrm>
           <a:prstGeom prst="rect">
             <a:avLst/>
@@ -9640,6 +12385,315 @@
 <file path=ppt/slides/slide16.xml><?xml version="1.0" encoding="utf-8"?>
 <p:sld xmlns:a="http://schemas.openxmlformats.org/drawingml/2006/main" xmlns:r="http://schemas.openxmlformats.org/officeDocument/2006/relationships" xmlns:p="http://schemas.openxmlformats.org/presentationml/2006/main">
   <p:cSld>
+    <p:bg>
+      <p:bgPr>
+        <a:solidFill>
+          <a:schemeClr val="bg1"/>
+        </a:solidFill>
+        <a:effectLst/>
+      </p:bgPr>
+    </p:bg>
+    <p:spTree>
+      <p:nvGrpSpPr>
+        <p:cNvPr id="1" name=""/>
+        <p:cNvGrpSpPr/>
+        <p:nvPr/>
+      </p:nvGrpSpPr>
+      <p:grpSpPr>
+        <a:xfrm>
+          <a:off x="0" y="0"/>
+          <a:ext cx="0" cy="0"/>
+          <a:chOff x="0" y="0"/>
+          <a:chExt cx="0" cy="0"/>
+        </a:xfrm>
+      </p:grpSpPr>
+      <p:sp useBgFill="1">
+        <p:nvSpPr>
+          <p:cNvPr id="16" name="Rectangle 9">
+            <a:extLst>
+              <a:ext uri="{FF2B5EF4-FFF2-40B4-BE49-F238E27FC236}">
+                <a16:creationId xmlns:a16="http://schemas.microsoft.com/office/drawing/2014/main" id="{FB5993E2-C02B-4335-ABA5-D8EC465551E3}"/>
+              </a:ext>
+              <a:ext uri="{C183D7F6-B498-43B3-948B-1728B52AA6E4}">
+                <adec:decorative xmlns:adec="http://schemas.microsoft.com/office/drawing/2017/decorative" val="1"/>
+              </a:ext>
+            </a:extLst>
+          </p:cNvPr>
+          <p:cNvSpPr>
+            <a:spLocks noGrp="1" noRot="1" noChangeAspect="1" noMove="1" noResize="1" noEditPoints="1" noAdjustHandles="1" noChangeArrowheads="1" noChangeShapeType="1" noTextEdit="1"/>
+          </p:cNvSpPr>
+          <p:nvPr>
+            <p:extLst>
+              <p:ext uri="{386F3935-93C4-4BCD-93E2-E3B085C9AB24}">
+                <p16:designElem xmlns:p16="http://schemas.microsoft.com/office/powerpoint/2015/main" val="1"/>
+              </p:ext>
+            </p:extLst>
+          </p:nvPr>
+        </p:nvSpPr>
+        <p:spPr>
+          <a:xfrm>
+            <a:off x="0" y="0"/>
+            <a:ext cx="12186315" cy="6858000"/>
+          </a:xfrm>
+          <a:prstGeom prst="rect">
+            <a:avLst/>
+          </a:prstGeom>
+          <a:ln>
+            <a:noFill/>
+          </a:ln>
+        </p:spPr>
+        <p:style>
+          <a:lnRef idx="2">
+            <a:schemeClr val="accent6">
+              <a:shade val="50000"/>
+            </a:schemeClr>
+          </a:lnRef>
+          <a:fillRef idx="1001">
+            <a:schemeClr val="lt1"/>
+          </a:fillRef>
+          <a:effectRef idx="0">
+            <a:schemeClr val="accent6"/>
+          </a:effectRef>
+          <a:fontRef idx="minor">
+            <a:schemeClr val="lt1"/>
+          </a:fontRef>
+        </p:style>
+        <p:txBody>
+          <a:bodyPr rtlCol="0" anchor="ctr"/>
+          <a:lstStyle/>
+          <a:p>
+            <a:pPr algn="ctr"/>
+            <a:endParaRPr lang="en-US"/>
+          </a:p>
+        </p:txBody>
+      </p:sp>
+      <p:sp>
+        <p:nvSpPr>
+          <p:cNvPr id="17" name="Rectangle 11">
+            <a:extLst>
+              <a:ext uri="{FF2B5EF4-FFF2-40B4-BE49-F238E27FC236}">
+                <a16:creationId xmlns:a16="http://schemas.microsoft.com/office/drawing/2014/main" id="{C0B801A2-5622-4BE8-9AD2-C337A2CD0022}"/>
+              </a:ext>
+              <a:ext uri="{C183D7F6-B498-43B3-948B-1728B52AA6E4}">
+                <adec:decorative xmlns:adec="http://schemas.microsoft.com/office/drawing/2017/decorative" val="1"/>
+              </a:ext>
+            </a:extLst>
+          </p:cNvPr>
+          <p:cNvSpPr>
+            <a:spLocks noGrp="1" noRot="1" noChangeAspect="1" noMove="1" noResize="1" noEditPoints="1" noAdjustHandles="1" noChangeArrowheads="1" noChangeShapeType="1" noTextEdit="1"/>
+          </p:cNvSpPr>
+          <p:nvPr>
+            <p:extLst>
+              <p:ext uri="{386F3935-93C4-4BCD-93E2-E3B085C9AB24}">
+                <p16:designElem xmlns:p16="http://schemas.microsoft.com/office/powerpoint/2015/main" val="1"/>
+              </p:ext>
+            </p:extLst>
+          </p:nvPr>
+        </p:nvSpPr>
+        <p:spPr>
+          <a:xfrm>
+            <a:off x="16" y="0"/>
+            <a:ext cx="4050791" cy="6858000"/>
+          </a:xfrm>
+          <a:prstGeom prst="rect">
+            <a:avLst/>
+          </a:prstGeom>
+          <a:solidFill>
+            <a:schemeClr val="accent2"/>
+          </a:solidFill>
+          <a:ln>
+            <a:noFill/>
+          </a:ln>
+        </p:spPr>
+        <p:style>
+          <a:lnRef idx="2">
+            <a:schemeClr val="accent1">
+              <a:shade val="50000"/>
+            </a:schemeClr>
+          </a:lnRef>
+          <a:fillRef idx="1">
+            <a:schemeClr val="accent1"/>
+          </a:fillRef>
+          <a:effectRef idx="0">
+            <a:schemeClr val="accent1"/>
+          </a:effectRef>
+          <a:fontRef idx="minor">
+            <a:schemeClr val="lt1"/>
+          </a:fontRef>
+        </p:style>
+      </p:sp>
+      <p:sp>
+        <p:nvSpPr>
+          <p:cNvPr id="2" name="Title 1">
+            <a:extLst>
+              <a:ext uri="{FF2B5EF4-FFF2-40B4-BE49-F238E27FC236}">
+                <a16:creationId xmlns:a16="http://schemas.microsoft.com/office/drawing/2014/main" id="{BB2E1A13-B8B3-4BAF-8E81-C9046D13C1A7}"/>
+              </a:ext>
+            </a:extLst>
+          </p:cNvPr>
+          <p:cNvSpPr>
+            <a:spLocks noGrp="1"/>
+          </p:cNvSpPr>
+          <p:nvPr>
+            <p:ph type="title"/>
+          </p:nvPr>
+        </p:nvSpPr>
+        <p:spPr>
+          <a:xfrm>
+            <a:off x="492370" y="516835"/>
+            <a:ext cx="3084844" cy="5772840"/>
+          </a:xfrm>
+        </p:spPr>
+        <p:txBody>
+          <a:bodyPr anchor="ctr">
+            <a:normAutofit/>
+          </a:bodyPr>
+          <a:lstStyle/>
+          <a:p>
+            <a:r>
+              <a:rPr lang="en-US" sz="3600">
+                <a:solidFill>
+                  <a:srgbClr val="FFFFFF"/>
+                </a:solidFill>
+              </a:rPr>
+              <a:t>Tổng kết</a:t>
+            </a:r>
+          </a:p>
+        </p:txBody>
+      </p:sp>
+      <p:sp>
+        <p:nvSpPr>
+          <p:cNvPr id="18" name="Rectangle 13">
+            <a:extLst>
+              <a:ext uri="{FF2B5EF4-FFF2-40B4-BE49-F238E27FC236}">
+                <a16:creationId xmlns:a16="http://schemas.microsoft.com/office/drawing/2014/main" id="{B7AF614F-5BC3-4086-99F5-B87C5847A071}"/>
+              </a:ext>
+              <a:ext uri="{C183D7F6-B498-43B3-948B-1728B52AA6E4}">
+                <adec:decorative xmlns:adec="http://schemas.microsoft.com/office/drawing/2017/decorative" val="1"/>
+              </a:ext>
+            </a:extLst>
+          </p:cNvPr>
+          <p:cNvSpPr>
+            <a:spLocks noGrp="1" noRot="1" noChangeAspect="1" noMove="1" noResize="1" noEditPoints="1" noAdjustHandles="1" noChangeArrowheads="1" noChangeShapeType="1" noTextEdit="1"/>
+          </p:cNvSpPr>
+          <p:nvPr>
+            <p:extLst>
+              <p:ext uri="{386F3935-93C4-4BCD-93E2-E3B085C9AB24}">
+                <p16:designElem xmlns:p16="http://schemas.microsoft.com/office/powerpoint/2015/main" val="1"/>
+              </p:ext>
+            </p:extLst>
+          </p:nvPr>
+        </p:nvSpPr>
+        <p:spPr>
+          <a:xfrm>
+            <a:off x="4040071" y="0"/>
+            <a:ext cx="64008" cy="6858000"/>
+          </a:xfrm>
+          <a:prstGeom prst="rect">
+            <a:avLst/>
+          </a:prstGeom>
+          <a:solidFill>
+            <a:schemeClr val="accent1"/>
+          </a:solidFill>
+          <a:ln>
+            <a:noFill/>
+          </a:ln>
+        </p:spPr>
+        <p:style>
+          <a:lnRef idx="2">
+            <a:schemeClr val="accent1">
+              <a:shade val="50000"/>
+            </a:schemeClr>
+          </a:lnRef>
+          <a:fillRef idx="1">
+            <a:schemeClr val="accent1"/>
+          </a:fillRef>
+          <a:effectRef idx="0">
+            <a:schemeClr val="accent1"/>
+          </a:effectRef>
+          <a:fontRef idx="minor">
+            <a:schemeClr val="lt1"/>
+          </a:fontRef>
+        </p:style>
+      </p:sp>
+      <p:graphicFrame>
+        <p:nvGraphicFramePr>
+          <p:cNvPr id="19" name="Content Placeholder 2">
+            <a:extLst>
+              <a:ext uri="{FF2B5EF4-FFF2-40B4-BE49-F238E27FC236}">
+                <a16:creationId xmlns:a16="http://schemas.microsoft.com/office/drawing/2014/main" id="{1C0EE2AE-946B-494E-A0E0-84920435C614}"/>
+              </a:ext>
+            </a:extLst>
+          </p:cNvPr>
+          <p:cNvGraphicFramePr>
+            <a:graphicFrameLocks noGrp="1"/>
+          </p:cNvGraphicFramePr>
+          <p:nvPr>
+            <p:ph idx="1"/>
+            <p:extLst>
+              <p:ext uri="{D42A27DB-BD31-4B8C-83A1-F6EECF244321}">
+                <p14:modId xmlns:p14="http://schemas.microsoft.com/office/powerpoint/2010/main" val="3541584532"/>
+              </p:ext>
+            </p:extLst>
+          </p:nvPr>
+        </p:nvGraphicFramePr>
+        <p:xfrm>
+          <a:off x="4741863" y="639763"/>
+          <a:ext cx="6797675" cy="5649912"/>
+        </p:xfrm>
+        <a:graphic>
+          <a:graphicData uri="http://schemas.openxmlformats.org/drawingml/2006/diagram">
+            <dgm:relIds xmlns:dgm="http://schemas.openxmlformats.org/drawingml/2006/diagram" xmlns:r="http://schemas.openxmlformats.org/officeDocument/2006/relationships" r:dm="rId2" r:lo="rId3" r:qs="rId4" r:cs="rId5"/>
+          </a:graphicData>
+        </a:graphic>
+      </p:graphicFrame>
+    </p:spTree>
+    <p:extLst>
+      <p:ext uri="{BB962C8B-B14F-4D97-AF65-F5344CB8AC3E}">
+        <p14:creationId xmlns:p14="http://schemas.microsoft.com/office/powerpoint/2010/main" val="3195975186"/>
+      </p:ext>
+    </p:extLst>
+  </p:cSld>
+  <p:clrMapOvr>
+    <a:masterClrMapping/>
+  </p:clrMapOvr>
+</p:sld>
+</file>
+
+<file path=ppt/slides/slide17.xml><?xml version="1.0" encoding="utf-8"?>
+<p:sld xmlns:a="http://schemas.openxmlformats.org/drawingml/2006/main" xmlns:r="http://schemas.openxmlformats.org/officeDocument/2006/relationships" xmlns:p="http://schemas.openxmlformats.org/presentationml/2006/main">
+  <p:cSld>
+    <p:bg>
+      <p:bgPr>
+        <a:gradFill rotWithShape="1">
+          <a:gsLst>
+            <a:gs pos="0">
+              <a:schemeClr val="bg2">
+                <a:tint val="96000"/>
+                <a:shade val="99000"/>
+                <a:satMod val="140000"/>
+              </a:schemeClr>
+            </a:gs>
+            <a:gs pos="65000">
+              <a:schemeClr val="bg2">
+                <a:tint val="100000"/>
+                <a:shade val="80000"/>
+                <a:satMod val="130000"/>
+              </a:schemeClr>
+            </a:gs>
+            <a:gs pos="100000">
+              <a:schemeClr val="bg2">
+                <a:tint val="100000"/>
+                <a:shade val="48000"/>
+                <a:satMod val="120000"/>
+              </a:schemeClr>
+            </a:gs>
+          </a:gsLst>
+          <a:lin ang="16200000" scaled="0"/>
+        </a:gradFill>
+        <a:effectLst/>
+      </p:bgPr>
+    </p:bg>
     <p:spTree>
       <p:nvGrpSpPr>
         <p:cNvPr id="1" name=""/>
@@ -9656,10 +12710,345 @@
       </p:grpSpPr>
       <p:sp>
         <p:nvSpPr>
+          <p:cNvPr id="8" name="Rectangle 7">
+            <a:extLst>
+              <a:ext uri="{FF2B5EF4-FFF2-40B4-BE49-F238E27FC236}">
+                <a16:creationId xmlns:a16="http://schemas.microsoft.com/office/drawing/2014/main" id="{52C0B2E1-0268-42EC-ABD3-94F81A05BCBD}"/>
+              </a:ext>
+              <a:ext uri="{C183D7F6-B498-43B3-948B-1728B52AA6E4}">
+                <adec:decorative xmlns:adec="http://schemas.microsoft.com/office/drawing/2017/decorative" val="1"/>
+              </a:ext>
+            </a:extLst>
+          </p:cNvPr>
+          <p:cNvSpPr>
+            <a:spLocks noGrp="1" noRot="1" noChangeAspect="1" noMove="1" noResize="1" noEditPoints="1" noAdjustHandles="1" noChangeArrowheads="1" noChangeShapeType="1" noTextEdit="1"/>
+          </p:cNvSpPr>
+          <p:nvPr>
+            <p:extLst>
+              <p:ext uri="{386F3935-93C4-4BCD-93E2-E3B085C9AB24}">
+                <p16:designElem xmlns:p16="http://schemas.microsoft.com/office/powerpoint/2015/main" val="1"/>
+              </p:ext>
+            </p:extLst>
+          </p:nvPr>
+        </p:nvSpPr>
+        <p:spPr>
+          <a:xfrm>
+            <a:off x="3175" y="6400800"/>
+            <a:ext cx="12188825" cy="457200"/>
+          </a:xfrm>
+          <a:prstGeom prst="rect">
+            <a:avLst/>
+          </a:prstGeom>
+          <a:solidFill>
+            <a:schemeClr val="accent2"/>
+          </a:solidFill>
+          <a:ln>
+            <a:noFill/>
+          </a:ln>
+        </p:spPr>
+        <p:style>
+          <a:lnRef idx="2">
+            <a:schemeClr val="accent1">
+              <a:shade val="50000"/>
+            </a:schemeClr>
+          </a:lnRef>
+          <a:fillRef idx="1">
+            <a:schemeClr val="accent1"/>
+          </a:fillRef>
+          <a:effectRef idx="0">
+            <a:schemeClr val="accent1"/>
+          </a:effectRef>
+          <a:fontRef idx="minor">
+            <a:schemeClr val="lt1"/>
+          </a:fontRef>
+        </p:style>
+      </p:sp>
+      <p:sp>
+        <p:nvSpPr>
+          <p:cNvPr id="10" name="Rectangle 9">
+            <a:extLst>
+              <a:ext uri="{FF2B5EF4-FFF2-40B4-BE49-F238E27FC236}">
+                <a16:creationId xmlns:a16="http://schemas.microsoft.com/office/drawing/2014/main" id="{7D2256B4-48EA-40FC-BBC0-AA1EE6E0080C}"/>
+              </a:ext>
+              <a:ext uri="{C183D7F6-B498-43B3-948B-1728B52AA6E4}">
+                <adec:decorative xmlns:adec="http://schemas.microsoft.com/office/drawing/2017/decorative" val="1"/>
+              </a:ext>
+            </a:extLst>
+          </p:cNvPr>
+          <p:cNvSpPr>
+            <a:spLocks noGrp="1" noRot="1" noChangeAspect="1" noMove="1" noResize="1" noEditPoints="1" noAdjustHandles="1" noChangeArrowheads="1" noChangeShapeType="1" noTextEdit="1"/>
+          </p:cNvSpPr>
+          <p:nvPr>
+            <p:extLst>
+              <p:ext uri="{386F3935-93C4-4BCD-93E2-E3B085C9AB24}">
+                <p16:designElem xmlns:p16="http://schemas.microsoft.com/office/powerpoint/2015/main" val="1"/>
+              </p:ext>
+            </p:extLst>
+          </p:nvPr>
+        </p:nvSpPr>
+        <p:spPr>
+          <a:xfrm>
+            <a:off x="15" y="6334316"/>
+            <a:ext cx="12188825" cy="64008"/>
+          </a:xfrm>
+          <a:prstGeom prst="rect">
+            <a:avLst/>
+          </a:prstGeom>
+          <a:solidFill>
+            <a:schemeClr val="accent1"/>
+          </a:solidFill>
+          <a:ln>
+            <a:noFill/>
+          </a:ln>
+        </p:spPr>
+        <p:style>
+          <a:lnRef idx="2">
+            <a:schemeClr val="accent1">
+              <a:shade val="50000"/>
+            </a:schemeClr>
+          </a:lnRef>
+          <a:fillRef idx="1">
+            <a:schemeClr val="accent1"/>
+          </a:fillRef>
+          <a:effectRef idx="0">
+            <a:schemeClr val="accent1"/>
+          </a:effectRef>
+          <a:fontRef idx="minor">
+            <a:schemeClr val="lt1"/>
+          </a:fontRef>
+        </p:style>
+      </p:sp>
+      <p:cxnSp>
+        <p:nvCxnSpPr>
+          <p:cNvPr id="12" name="Straight Connector 11">
+            <a:extLst>
+              <a:ext uri="{FF2B5EF4-FFF2-40B4-BE49-F238E27FC236}">
+                <a16:creationId xmlns:a16="http://schemas.microsoft.com/office/drawing/2014/main" id="{3D44BCCA-102D-4A9D-B1E4-2450CAF0B05E}"/>
+              </a:ext>
+              <a:ext uri="{C183D7F6-B498-43B3-948B-1728B52AA6E4}">
+                <adec:decorative xmlns:adec="http://schemas.microsoft.com/office/drawing/2017/decorative" val="1"/>
+              </a:ext>
+            </a:extLst>
+          </p:cNvPr>
+          <p:cNvCxnSpPr>
+            <a:cxnSpLocks noGrp="1" noRot="1" noChangeAspect="1" noMove="1" noResize="1" noEditPoints="1" noAdjustHandles="1" noChangeArrowheads="1" noChangeShapeType="1"/>
+          </p:cNvCxnSpPr>
+          <p:nvPr>
+            <p:extLst>
+              <p:ext uri="{386F3935-93C4-4BCD-93E2-E3B085C9AB24}">
+                <p16:designElem xmlns:p16="http://schemas.microsoft.com/office/powerpoint/2015/main" val="1"/>
+              </p:ext>
+            </p:extLst>
+          </p:nvPr>
+        </p:nvCxnSpPr>
+        <p:spPr>
+          <a:xfrm>
+            <a:off x="1207658" y="4343400"/>
+            <a:ext cx="9875520" cy="0"/>
+          </a:xfrm>
+          <a:prstGeom prst="line">
+            <a:avLst/>
+          </a:prstGeom>
+          <a:ln w="6350">
+            <a:solidFill>
+              <a:schemeClr val="tx1">
+                <a:lumMod val="50000"/>
+                <a:lumOff val="50000"/>
+              </a:schemeClr>
+            </a:solidFill>
+          </a:ln>
+        </p:spPr>
+        <p:style>
+          <a:lnRef idx="1">
+            <a:schemeClr val="accent1"/>
+          </a:lnRef>
+          <a:fillRef idx="0">
+            <a:schemeClr val="accent1"/>
+          </a:fillRef>
+          <a:effectRef idx="0">
+            <a:schemeClr val="accent1"/>
+          </a:effectRef>
+          <a:fontRef idx="minor">
+            <a:schemeClr val="tx1"/>
+          </a:fontRef>
+        </p:style>
+      </p:cxnSp>
+      <p:sp useBgFill="1">
+        <p:nvSpPr>
+          <p:cNvPr id="14" name="Rectangle 13">
+            <a:extLst>
+              <a:ext uri="{FF2B5EF4-FFF2-40B4-BE49-F238E27FC236}">
+                <a16:creationId xmlns:a16="http://schemas.microsoft.com/office/drawing/2014/main" id="{FBDCECDC-EEE3-4128-AA5E-82A8C08796E8}"/>
+              </a:ext>
+              <a:ext uri="{C183D7F6-B498-43B3-948B-1728B52AA6E4}">
+                <adec:decorative xmlns:adec="http://schemas.microsoft.com/office/drawing/2017/decorative" val="1"/>
+              </a:ext>
+            </a:extLst>
+          </p:cNvPr>
+          <p:cNvSpPr>
+            <a:spLocks noGrp="1" noRot="1" noChangeAspect="1" noMove="1" noResize="1" noEditPoints="1" noAdjustHandles="1" noChangeArrowheads="1" noChangeShapeType="1" noTextEdit="1"/>
+          </p:cNvSpPr>
+          <p:nvPr>
+            <p:extLst>
+              <p:ext uri="{386F3935-93C4-4BCD-93E2-E3B085C9AB24}">
+                <p16:designElem xmlns:p16="http://schemas.microsoft.com/office/powerpoint/2015/main" val="1"/>
+              </p:ext>
+            </p:extLst>
+          </p:nvPr>
+        </p:nvSpPr>
+        <p:spPr>
+          <a:xfrm>
+            <a:off x="1507" y="0"/>
+            <a:ext cx="12192000" cy="6858000"/>
+          </a:xfrm>
+          <a:prstGeom prst="rect">
+            <a:avLst/>
+          </a:prstGeom>
+          <a:ln>
+            <a:noFill/>
+          </a:ln>
+        </p:spPr>
+        <p:style>
+          <a:lnRef idx="2">
+            <a:schemeClr val="accent1">
+              <a:shade val="50000"/>
+            </a:schemeClr>
+          </a:lnRef>
+          <a:fillRef idx="1">
+            <a:schemeClr val="accent1"/>
+          </a:fillRef>
+          <a:effectRef idx="0">
+            <a:schemeClr val="accent1"/>
+          </a:effectRef>
+          <a:fontRef idx="minor">
+            <a:schemeClr val="lt1"/>
+          </a:fontRef>
+        </p:style>
+        <p:txBody>
+          <a:bodyPr rtlCol="0" anchor="ctr"/>
+          <a:lstStyle/>
+          <a:p>
+            <a:pPr algn="ctr"/>
+            <a:endParaRPr lang="en-US"/>
+          </a:p>
+        </p:txBody>
+      </p:sp>
+      <p:sp>
+        <p:nvSpPr>
+          <p:cNvPr id="16" name="Rectangle 15">
+            <a:extLst>
+              <a:ext uri="{FF2B5EF4-FFF2-40B4-BE49-F238E27FC236}">
+                <a16:creationId xmlns:a16="http://schemas.microsoft.com/office/drawing/2014/main" id="{4260EDE0-989C-4E16-AF94-F652294D828E}"/>
+              </a:ext>
+              <a:ext uri="{C183D7F6-B498-43B3-948B-1728B52AA6E4}">
+                <adec:decorative xmlns:adec="http://schemas.microsoft.com/office/drawing/2017/decorative" val="1"/>
+              </a:ext>
+            </a:extLst>
+          </p:cNvPr>
+          <p:cNvSpPr>
+            <a:spLocks noGrp="1" noRot="1" noChangeAspect="1" noMove="1" noResize="1" noEditPoints="1" noAdjustHandles="1" noChangeArrowheads="1" noChangeShapeType="1" noTextEdit="1"/>
+          </p:cNvSpPr>
+          <p:nvPr>
+            <p:extLst>
+              <p:ext uri="{386F3935-93C4-4BCD-93E2-E3B085C9AB24}">
+                <p16:designElem xmlns:p16="http://schemas.microsoft.com/office/powerpoint/2015/main" val="1"/>
+              </p:ext>
+            </p:extLst>
+          </p:nvPr>
+        </p:nvSpPr>
+        <p:spPr bwMode="white">
+          <a:xfrm>
+            <a:off x="1507" y="4953000"/>
+            <a:ext cx="12188952" cy="1905000"/>
+          </a:xfrm>
+          <a:prstGeom prst="rect">
+            <a:avLst/>
+          </a:prstGeom>
+          <a:solidFill>
+            <a:schemeClr val="accent2"/>
+          </a:solidFill>
+          <a:ln>
+            <a:noFill/>
+          </a:ln>
+        </p:spPr>
+        <p:style>
+          <a:lnRef idx="2">
+            <a:schemeClr val="accent1">
+              <a:shade val="50000"/>
+            </a:schemeClr>
+          </a:lnRef>
+          <a:fillRef idx="1">
+            <a:schemeClr val="accent1"/>
+          </a:fillRef>
+          <a:effectRef idx="0">
+            <a:schemeClr val="accent1"/>
+          </a:effectRef>
+          <a:fontRef idx="minor">
+            <a:schemeClr val="lt1"/>
+          </a:fontRef>
+        </p:style>
+      </p:sp>
+      <p:sp>
+        <p:nvSpPr>
+          <p:cNvPr id="18" name="Rectangle 17">
+            <a:extLst>
+              <a:ext uri="{FF2B5EF4-FFF2-40B4-BE49-F238E27FC236}">
+                <a16:creationId xmlns:a16="http://schemas.microsoft.com/office/drawing/2014/main" id="{1F3985C0-E548-44D2-B30E-F3E42DADE133}"/>
+              </a:ext>
+              <a:ext uri="{C183D7F6-B498-43B3-948B-1728B52AA6E4}">
+                <adec:decorative xmlns:adec="http://schemas.microsoft.com/office/drawing/2017/decorative" val="1"/>
+              </a:ext>
+            </a:extLst>
+          </p:cNvPr>
+          <p:cNvSpPr>
+            <a:spLocks noGrp="1" noRot="1" noChangeAspect="1" noMove="1" noResize="1" noEditPoints="1" noAdjustHandles="1" noChangeArrowheads="1" noChangeShapeType="1" noTextEdit="1"/>
+          </p:cNvSpPr>
+          <p:nvPr>
+            <p:extLst>
+              <p:ext uri="{386F3935-93C4-4BCD-93E2-E3B085C9AB24}">
+                <p16:designElem xmlns:p16="http://schemas.microsoft.com/office/powerpoint/2015/main" val="1"/>
+              </p:ext>
+            </p:extLst>
+          </p:nvPr>
+        </p:nvSpPr>
+        <p:spPr>
+          <a:xfrm>
+            <a:off x="1507" y="0"/>
+            <a:ext cx="12188952" cy="4970184"/>
+          </a:xfrm>
+          <a:prstGeom prst="rect">
+            <a:avLst/>
+          </a:prstGeom>
+          <a:solidFill>
+            <a:schemeClr val="accent1"/>
+          </a:solidFill>
+          <a:ln>
+            <a:noFill/>
+          </a:ln>
+        </p:spPr>
+        <p:style>
+          <a:lnRef idx="2">
+            <a:schemeClr val="accent1">
+              <a:shade val="50000"/>
+            </a:schemeClr>
+          </a:lnRef>
+          <a:fillRef idx="1">
+            <a:schemeClr val="accent1"/>
+          </a:fillRef>
+          <a:effectRef idx="0">
+            <a:schemeClr val="accent1"/>
+          </a:effectRef>
+          <a:fontRef idx="minor">
+            <a:schemeClr val="lt1"/>
+          </a:fontRef>
+        </p:style>
+      </p:sp>
+      <p:sp>
+        <p:nvSpPr>
           <p:cNvPr id="2" name="Title 1">
             <a:extLst>
               <a:ext uri="{FF2B5EF4-FFF2-40B4-BE49-F238E27FC236}">
-                <a16:creationId xmlns:a16="http://schemas.microsoft.com/office/drawing/2014/main" id="{BB2E1A13-B8B3-4BAF-8E81-C9046D13C1A7}"/>
+                <a16:creationId xmlns:a16="http://schemas.microsoft.com/office/drawing/2014/main" id="{2FC66079-B227-4094-A064-1932D0D52CFD}"/>
               </a:ext>
             </a:extLst>
           </p:cNvPr>
@@ -9670,61 +13059,100 @@
             <p:ph type="title"/>
           </p:nvPr>
         </p:nvSpPr>
-        <p:spPr/>
+        <p:spPr>
+          <a:xfrm>
+            <a:off x="1097280" y="758952"/>
+            <a:ext cx="10058400" cy="3892168"/>
+          </a:xfrm>
+        </p:spPr>
         <p:txBody>
-          <a:bodyPr/>
+          <a:bodyPr vert="horz" lIns="91440" tIns="45720" rIns="91440" bIns="45720" rtlCol="0" anchor="b">
+            <a:normAutofit/>
+          </a:bodyPr>
           <a:lstStyle/>
           <a:p>
-            <a:r>
-              <a:rPr lang="en-US" dirty="0" err="1"/>
-              <a:t>Tổng</a:t>
-            </a:r>
-            <a:r>
-              <a:rPr lang="en-US" dirty="0"/>
+            <a:pPr algn="ctr"/>
+            <a:r>
+              <a:rPr lang="en-US" sz="8000" dirty="0" err="1"/>
+              <a:t>Cảm</a:t>
+            </a:r>
+            <a:r>
+              <a:rPr lang="en-US" sz="8000" dirty="0"/>
               <a:t> </a:t>
             </a:r>
             <a:r>
-              <a:rPr lang="en-US" dirty="0" err="1"/>
-              <a:t>kết</a:t>
-            </a:r>
-            <a:endParaRPr lang="en-US" dirty="0"/>
-          </a:p>
-        </p:txBody>
-      </p:sp>
-      <p:sp>
-        <p:nvSpPr>
-          <p:cNvPr id="3" name="Content Placeholder 2">
-            <a:extLst>
-              <a:ext uri="{FF2B5EF4-FFF2-40B4-BE49-F238E27FC236}">
-                <a16:creationId xmlns:a16="http://schemas.microsoft.com/office/drawing/2014/main" id="{DF5908D3-08A9-492E-AFDE-8FD353524A3C}"/>
-              </a:ext>
-            </a:extLst>
-          </p:cNvPr>
-          <p:cNvSpPr>
-            <a:spLocks noGrp="1"/>
-          </p:cNvSpPr>
-          <p:nvPr>
-            <p:ph idx="1"/>
-          </p:nvPr>
-        </p:nvSpPr>
-        <p:spPr/>
-        <p:txBody>
-          <a:bodyPr/>
-          <a:lstStyle/>
-          <a:p>
-            <a:endParaRPr lang="en-US" dirty="0"/>
+              <a:rPr lang="en-US" sz="8000" dirty="0" err="1"/>
+              <a:t>ơn</a:t>
+            </a:r>
+            <a:r>
+              <a:rPr lang="en-US" sz="8000" dirty="0"/>
+              <a:t> </a:t>
+            </a:r>
+            <a:r>
+              <a:rPr lang="en-US" sz="8000" dirty="0" err="1"/>
+              <a:t>thầy</a:t>
+            </a:r>
+            <a:r>
+              <a:rPr lang="en-US" sz="8000" dirty="0"/>
+              <a:t> </a:t>
+            </a:r>
+            <a:r>
+              <a:rPr lang="en-US" sz="8000" dirty="0" err="1"/>
+              <a:t>và</a:t>
+            </a:r>
+            <a:r>
+              <a:rPr lang="en-US" sz="8000" dirty="0"/>
+              <a:t> </a:t>
+            </a:r>
+            <a:r>
+              <a:rPr lang="en-US" sz="8000" dirty="0" err="1"/>
+              <a:t>các</a:t>
+            </a:r>
+            <a:r>
+              <a:rPr lang="en-US" sz="8000" dirty="0"/>
+              <a:t> </a:t>
+            </a:r>
+            <a:r>
+              <a:rPr lang="en-US" sz="8000" dirty="0" err="1"/>
+              <a:t>bạn</a:t>
+            </a:r>
+            <a:r>
+              <a:rPr lang="en-US" sz="8000" dirty="0"/>
+              <a:t> </a:t>
+            </a:r>
+            <a:r>
+              <a:rPr lang="en-US" sz="8000" dirty="0" err="1"/>
+              <a:t>đã</a:t>
+            </a:r>
+            <a:r>
+              <a:rPr lang="en-US" sz="8000" dirty="0"/>
+              <a:t> </a:t>
+            </a:r>
+            <a:r>
+              <a:rPr lang="en-US" sz="8000" dirty="0" err="1"/>
+              <a:t>lắng</a:t>
+            </a:r>
+            <a:r>
+              <a:rPr lang="en-US" sz="8000" dirty="0"/>
+              <a:t> </a:t>
+            </a:r>
+            <a:r>
+              <a:rPr lang="en-US" sz="8000" dirty="0" err="1"/>
+              <a:t>nghe</a:t>
+            </a:r>
+            <a:endParaRPr lang="en-US" sz="8000" dirty="0"/>
           </a:p>
         </p:txBody>
       </p:sp>
     </p:spTree>
     <p:extLst>
       <p:ext uri="{BB962C8B-B14F-4D97-AF65-F5344CB8AC3E}">
-        <p14:creationId xmlns:p14="http://schemas.microsoft.com/office/powerpoint/2010/main" val="3195975186"/>
+        <p14:creationId xmlns:p14="http://schemas.microsoft.com/office/powerpoint/2010/main" val="2121250180"/>
       </p:ext>
     </p:extLst>
   </p:cSld>
   <p:clrMapOvr>
-    <a:masterClrMapping/>
+    <a:overrideClrMapping bg1="dk1" tx1="lt1" bg2="dk2" tx2="lt2" accent1="accent1" accent2="accent2" accent3="accent3" accent4="accent4" accent5="accent5" accent6="accent6" hlink="hlink" folHlink="folHlink"/>
   </p:clrMapOvr>
 </p:sld>
 </file>
@@ -13656,15 +17084,6 @@
 </file>
 
 <file path=customXml/item1.xml><?xml version="1.0" encoding="utf-8"?>
-<?mso-contentType ?>
-<FormTemplates xmlns="http://schemas.microsoft.com/sharepoint/v3/contenttype/forms">
-  <Display>DocumentLibraryForm</Display>
-  <Edit>DocumentLibraryForm</Edit>
-  <New>DocumentLibraryForm</New>
-</FormTemplates>
-</file>
-
-<file path=customXml/item2.xml><?xml version="1.0" encoding="utf-8"?>
 <ct:contentTypeSchema xmlns:ct="http://schemas.microsoft.com/office/2006/metadata/contentType" xmlns:ma="http://schemas.microsoft.com/office/2006/metadata/properties/metaAttributes" ct:_="" ma:_="" ma:contentTypeName="Document" ma:contentTypeID="0x010100C91CA3E1E9EE134C9918035FFFC3873A" ma:contentTypeVersion="5" ma:contentTypeDescription="Create a new document." ma:contentTypeScope="" ma:versionID="10822c39c777e841f47cdeb9e31906b5">
   <xsd:schema xmlns:xsd="http://www.w3.org/2001/XMLSchema" xmlns:xs="http://www.w3.org/2001/XMLSchema" xmlns:p="http://schemas.microsoft.com/office/2006/metadata/properties" xmlns:ns3="8ef90a37-8bab-4b79-ac24-d1e1954b5bc3" xmlns:ns4="4134e186-385e-4be1-863c-e59af13540bd" targetNamespace="http://schemas.microsoft.com/office/2006/metadata/properties" ma:root="true" ma:fieldsID="610f1a945900e20bc5cb149b2f01cec5" ns3:_="" ns4:_="">
     <xsd:import namespace="8ef90a37-8bab-4b79-ac24-d1e1954b5bc3"/>
@@ -13835,6 +17254,15 @@
 </ct:contentTypeSchema>
 </file>
 
+<file path=customXml/item2.xml><?xml version="1.0" encoding="utf-8"?>
+<?mso-contentType ?>
+<FormTemplates xmlns="http://schemas.microsoft.com/sharepoint/v3/contenttype/forms">
+  <Display>DocumentLibraryForm</Display>
+  <Edit>DocumentLibraryForm</Edit>
+  <New>DocumentLibraryForm</New>
+</FormTemplates>
+</file>
+
 <file path=customXml/item3.xml><?xml version="1.0" encoding="utf-8"?>
 <p:properties xmlns:p="http://schemas.microsoft.com/office/2006/metadata/properties" xmlns:xsi="http://www.w3.org/2001/XMLSchema-instance" xmlns:pc="http://schemas.microsoft.com/office/infopath/2007/PartnerControls">
   <documentManagement/>
@@ -13842,14 +17270,6 @@
 </file>
 
 <file path=customXml/itemProps1.xml><?xml version="1.0" encoding="utf-8"?>
-<ds:datastoreItem xmlns:ds="http://schemas.openxmlformats.org/officeDocument/2006/customXml" ds:itemID="{CCAD78BF-9E94-44F6-9056-10B7D0436B5C}">
-  <ds:schemaRefs>
-    <ds:schemaRef ds:uri="http://schemas.microsoft.com/sharepoint/v3/contenttype/forms"/>
-  </ds:schemaRefs>
-</ds:datastoreItem>
-</file>
-
-<file path=customXml/itemProps2.xml><?xml version="1.0" encoding="utf-8"?>
 <ds:datastoreItem xmlns:ds="http://schemas.openxmlformats.org/officeDocument/2006/customXml" ds:itemID="{28936AA7-E0DF-4577-837E-4B01958A81B9}">
   <ds:schemaRefs>
     <ds:schemaRef ds:uri="http://schemas.microsoft.com/office/2006/metadata/contentType"/>
@@ -13864,6 +17284,14 @@
     <ds:schemaRef ds:uri="http://purl.org/dc/elements/1.1/"/>
     <ds:schemaRef ds:uri="http://purl.org/dc/terms/"/>
     <ds:schemaRef ds:uri="http://schemas.microsoft.com/internal/obd"/>
+  </ds:schemaRefs>
+</ds:datastoreItem>
+</file>
+
+<file path=customXml/itemProps2.xml><?xml version="1.0" encoding="utf-8"?>
+<ds:datastoreItem xmlns:ds="http://schemas.openxmlformats.org/officeDocument/2006/customXml" ds:itemID="{CCAD78BF-9E94-44F6-9056-10B7D0436B5C}">
+  <ds:schemaRefs>
+    <ds:schemaRef ds:uri="http://schemas.microsoft.com/sharepoint/v3/contenttype/forms"/>
   </ds:schemaRefs>
 </ds:datastoreItem>
 </file>

--- a/DataScience.pptx
+++ b/DataScience.pptx
@@ -4,24 +4,29 @@
   <p:sldMasterIdLst>
     <p:sldMasterId id="2147483648" r:id="rId4"/>
   </p:sldMasterIdLst>
+  <p:notesMasterIdLst>
+    <p:notesMasterId r:id="rId24"/>
+  </p:notesMasterIdLst>
   <p:sldIdLst>
-    <p:sldId id="256" r:id="rId5"/>
-    <p:sldId id="262" r:id="rId6"/>
-    <p:sldId id="263" r:id="rId7"/>
-    <p:sldId id="264" r:id="rId8"/>
-    <p:sldId id="265" r:id="rId9"/>
-    <p:sldId id="257" r:id="rId10"/>
-    <p:sldId id="266" r:id="rId11"/>
-    <p:sldId id="258" r:id="rId12"/>
-    <p:sldId id="259" r:id="rId13"/>
-    <p:sldId id="267" r:id="rId14"/>
-    <p:sldId id="260" r:id="rId15"/>
-    <p:sldId id="261" r:id="rId16"/>
-    <p:sldId id="268" r:id="rId17"/>
-    <p:sldId id="271" r:id="rId18"/>
-    <p:sldId id="270" r:id="rId19"/>
-    <p:sldId id="272" r:id="rId20"/>
-    <p:sldId id="273" r:id="rId21"/>
+    <p:sldId id="276" r:id="rId5"/>
+    <p:sldId id="256" r:id="rId6"/>
+    <p:sldId id="262" r:id="rId7"/>
+    <p:sldId id="263" r:id="rId8"/>
+    <p:sldId id="264" r:id="rId9"/>
+    <p:sldId id="265" r:id="rId10"/>
+    <p:sldId id="257" r:id="rId11"/>
+    <p:sldId id="266" r:id="rId12"/>
+    <p:sldId id="258" r:id="rId13"/>
+    <p:sldId id="259" r:id="rId14"/>
+    <p:sldId id="267" r:id="rId15"/>
+    <p:sldId id="260" r:id="rId16"/>
+    <p:sldId id="274" r:id="rId17"/>
+    <p:sldId id="261" r:id="rId18"/>
+    <p:sldId id="268" r:id="rId19"/>
+    <p:sldId id="271" r:id="rId20"/>
+    <p:sldId id="270" r:id="rId21"/>
+    <p:sldId id="272" r:id="rId22"/>
+    <p:sldId id="273" r:id="rId23"/>
   </p:sldIdLst>
   <p:sldSz cx="12192000" cy="6858000"/>
   <p:notesSz cx="6858000" cy="9144000"/>
@@ -2218,6 +2223,13 @@
         </dgm:presLayoutVars>
       </dgm:prSet>
       <dgm:spPr/>
+      <dgm:t>
+        <a:bodyPr/>
+        <a:lstStyle/>
+        <a:p>
+          <a:endParaRPr lang="en-US"/>
+        </a:p>
+      </dgm:t>
     </dgm:pt>
     <dgm:pt modelId="{F57EDCCF-23DE-49B5-8EAC-B9B83728E1B9}" type="pres">
       <dgm:prSet presAssocID="{7E74D215-5001-4499-84FE-2151B812BBB1}" presName="boxAndChildren" presStyleCnt="0"/>
@@ -2226,10 +2238,24 @@
     <dgm:pt modelId="{D21A54BB-04AB-4D16-A94D-DDC23378AA14}" type="pres">
       <dgm:prSet presAssocID="{7E74D215-5001-4499-84FE-2151B812BBB1}" presName="parentTextBox" presStyleLbl="alignNode1" presStyleIdx="0" presStyleCnt="2"/>
       <dgm:spPr/>
+      <dgm:t>
+        <a:bodyPr/>
+        <a:lstStyle/>
+        <a:p>
+          <a:endParaRPr lang="en-US"/>
+        </a:p>
+      </dgm:t>
     </dgm:pt>
     <dgm:pt modelId="{103ECA17-48C3-421E-BB41-206575477D27}" type="pres">
       <dgm:prSet presAssocID="{7E74D215-5001-4499-84FE-2151B812BBB1}" presName="descendantBox" presStyleLbl="bgAccFollowNode1" presStyleIdx="0" presStyleCnt="2"/>
       <dgm:spPr/>
+      <dgm:t>
+        <a:bodyPr/>
+        <a:lstStyle/>
+        <a:p>
+          <a:endParaRPr lang="en-US"/>
+        </a:p>
+      </dgm:t>
     </dgm:pt>
     <dgm:pt modelId="{1D795BCB-14E3-48B9-B534-E3BC312585DC}" type="pres">
       <dgm:prSet presAssocID="{60C1F434-6F2E-47F6-BDA0-FA3C8B9EB99D}" presName="sp" presStyleCnt="0"/>
@@ -2242,29 +2268,50 @@
     <dgm:pt modelId="{33126B45-BE2B-4C15-B049-DFD975A20895}" type="pres">
       <dgm:prSet presAssocID="{42B2293C-06A6-473C-996C-5254B8C08707}" presName="parentTextArrow" presStyleLbl="node1" presStyleIdx="0" presStyleCnt="0"/>
       <dgm:spPr/>
+      <dgm:t>
+        <a:bodyPr/>
+        <a:lstStyle/>
+        <a:p>
+          <a:endParaRPr lang="en-US"/>
+        </a:p>
+      </dgm:t>
     </dgm:pt>
     <dgm:pt modelId="{B8DE46FF-4F23-4456-A863-F9F0FFB71182}" type="pres">
       <dgm:prSet presAssocID="{42B2293C-06A6-473C-996C-5254B8C08707}" presName="arrow" presStyleLbl="alignNode1" presStyleIdx="1" presStyleCnt="2"/>
       <dgm:spPr/>
+      <dgm:t>
+        <a:bodyPr/>
+        <a:lstStyle/>
+        <a:p>
+          <a:endParaRPr lang="en-US"/>
+        </a:p>
+      </dgm:t>
     </dgm:pt>
     <dgm:pt modelId="{F651E956-BBEC-420F-BE0F-569F7DF5A464}" type="pres">
       <dgm:prSet presAssocID="{42B2293C-06A6-473C-996C-5254B8C08707}" presName="descendantArrow" presStyleLbl="bgAccFollowNode1" presStyleIdx="1" presStyleCnt="2"/>
       <dgm:spPr/>
+      <dgm:t>
+        <a:bodyPr/>
+        <a:lstStyle/>
+        <a:p>
+          <a:endParaRPr lang="en-US"/>
+        </a:p>
+      </dgm:t>
     </dgm:pt>
   </dgm:ptLst>
   <dgm:cxnLst>
+    <dgm:cxn modelId="{119DB785-127E-49A5-8847-4188455DB99A}" type="presOf" srcId="{FEE0B785-8E1D-4D96-B042-9B78210A025B}" destId="{103ECA17-48C3-421E-BB41-206575477D27}" srcOrd="0" destOrd="0" presId="urn:microsoft.com/office/officeart/2016/7/layout/VerticalDownArrowProcess"/>
+    <dgm:cxn modelId="{130B8952-E33C-4682-B2E5-A558359125F9}" type="presOf" srcId="{42B2293C-06A6-473C-996C-5254B8C08707}" destId="{33126B45-BE2B-4C15-B049-DFD975A20895}" srcOrd="0" destOrd="0" presId="urn:microsoft.com/office/officeart/2016/7/layout/VerticalDownArrowProcess"/>
+    <dgm:cxn modelId="{82C641CF-C83F-4FC8-8BB6-5F4C99BE2DA4}" type="presOf" srcId="{42B2293C-06A6-473C-996C-5254B8C08707}" destId="{B8DE46FF-4F23-4456-A863-F9F0FFB71182}" srcOrd="1" destOrd="0" presId="urn:microsoft.com/office/officeart/2016/7/layout/VerticalDownArrowProcess"/>
+    <dgm:cxn modelId="{EB61C9B7-6A80-4394-A3C9-F9740ABE230F}" srcId="{7E74D215-5001-4499-84FE-2151B812BBB1}" destId="{FEE0B785-8E1D-4D96-B042-9B78210A025B}" srcOrd="0" destOrd="0" parTransId="{18ED3DF6-8E34-469B-BD74-8FF56811A809}" sibTransId="{9BEF1527-3BB3-4363-A5F9-97A66CB2C862}"/>
+    <dgm:cxn modelId="{F9CBEA6F-49E6-4C56-AE3C-34BC839B1030}" type="presOf" srcId="{EA99D21F-B68D-4DF6-84F1-E9F8EEC73CEC}" destId="{F651E956-BBEC-420F-BE0F-569F7DF5A464}" srcOrd="0" destOrd="0" presId="urn:microsoft.com/office/officeart/2016/7/layout/VerticalDownArrowProcess"/>
+    <dgm:cxn modelId="{B85BE4C7-5E82-4F8D-A0BC-7E3B5ABFB853}" srcId="{42B2293C-06A6-473C-996C-5254B8C08707}" destId="{B6E0FD5D-BA51-48A7-86C7-99005B9A577C}" srcOrd="1" destOrd="0" parTransId="{CA1555E9-8693-4F53-8DF8-E87DEE489CDA}" sibTransId="{31C07D6B-7706-4E41-8328-190786F85EAA}"/>
+    <dgm:cxn modelId="{AAC2B7E6-FCD5-4F1D-AA71-7E00114A74E5}" srcId="{C47BFB44-1D25-4B64-B28A-31A6E08C7059}" destId="{42B2293C-06A6-473C-996C-5254B8C08707}" srcOrd="0" destOrd="0" parTransId="{991480E7-50AD-4106-9F4B-CC66B298ECD0}" sibTransId="{60C1F434-6F2E-47F6-BDA0-FA3C8B9EB99D}"/>
+    <dgm:cxn modelId="{22791EFF-9E1D-40AA-AB43-DD4B88C96164}" srcId="{42B2293C-06A6-473C-996C-5254B8C08707}" destId="{EA99D21F-B68D-4DF6-84F1-E9F8EEC73CEC}" srcOrd="0" destOrd="0" parTransId="{641E4D8A-6ACE-4B3F-8379-934B33AB737F}" sibTransId="{EFB705BA-2FEB-4553-B142-F61A17744524}"/>
     <dgm:cxn modelId="{E3285202-F26F-477D-9140-48E58FF714A2}" type="presOf" srcId="{B6E0FD5D-BA51-48A7-86C7-99005B9A577C}" destId="{F651E956-BBEC-420F-BE0F-569F7DF5A464}" srcOrd="0" destOrd="1" presId="urn:microsoft.com/office/officeart/2016/7/layout/VerticalDownArrowProcess"/>
     <dgm:cxn modelId="{C809BE2A-895D-4010-9564-8884848B0658}" type="presOf" srcId="{C47BFB44-1D25-4B64-B28A-31A6E08C7059}" destId="{B772E434-66AF-4056-9086-A37E1358F849}" srcOrd="0" destOrd="0" presId="urn:microsoft.com/office/officeart/2016/7/layout/VerticalDownArrowProcess"/>
     <dgm:cxn modelId="{81BC6935-FA39-4CB5-B917-BFA52B542364}" type="presOf" srcId="{7E74D215-5001-4499-84FE-2151B812BBB1}" destId="{D21A54BB-04AB-4D16-A94D-DDC23378AA14}" srcOrd="0" destOrd="0" presId="urn:microsoft.com/office/officeart/2016/7/layout/VerticalDownArrowProcess"/>
-    <dgm:cxn modelId="{F9CBEA6F-49E6-4C56-AE3C-34BC839B1030}" type="presOf" srcId="{EA99D21F-B68D-4DF6-84F1-E9F8EEC73CEC}" destId="{F651E956-BBEC-420F-BE0F-569F7DF5A464}" srcOrd="0" destOrd="0" presId="urn:microsoft.com/office/officeart/2016/7/layout/VerticalDownArrowProcess"/>
-    <dgm:cxn modelId="{130B8952-E33C-4682-B2E5-A558359125F9}" type="presOf" srcId="{42B2293C-06A6-473C-996C-5254B8C08707}" destId="{33126B45-BE2B-4C15-B049-DFD975A20895}" srcOrd="0" destOrd="0" presId="urn:microsoft.com/office/officeart/2016/7/layout/VerticalDownArrowProcess"/>
-    <dgm:cxn modelId="{119DB785-127E-49A5-8847-4188455DB99A}" type="presOf" srcId="{FEE0B785-8E1D-4D96-B042-9B78210A025B}" destId="{103ECA17-48C3-421E-BB41-206575477D27}" srcOrd="0" destOrd="0" presId="urn:microsoft.com/office/officeart/2016/7/layout/VerticalDownArrowProcess"/>
-    <dgm:cxn modelId="{EB61C9B7-6A80-4394-A3C9-F9740ABE230F}" srcId="{7E74D215-5001-4499-84FE-2151B812BBB1}" destId="{FEE0B785-8E1D-4D96-B042-9B78210A025B}" srcOrd="0" destOrd="0" parTransId="{18ED3DF6-8E34-469B-BD74-8FF56811A809}" sibTransId="{9BEF1527-3BB3-4363-A5F9-97A66CB2C862}"/>
-    <dgm:cxn modelId="{B85BE4C7-5E82-4F8D-A0BC-7E3B5ABFB853}" srcId="{42B2293C-06A6-473C-996C-5254B8C08707}" destId="{B6E0FD5D-BA51-48A7-86C7-99005B9A577C}" srcOrd="1" destOrd="0" parTransId="{CA1555E9-8693-4F53-8DF8-E87DEE489CDA}" sibTransId="{31C07D6B-7706-4E41-8328-190786F85EAA}"/>
     <dgm:cxn modelId="{588ED0CE-15D5-4B7F-B6E9-70B8C64AE0BF}" srcId="{C47BFB44-1D25-4B64-B28A-31A6E08C7059}" destId="{7E74D215-5001-4499-84FE-2151B812BBB1}" srcOrd="1" destOrd="0" parTransId="{1FA56FC1-F5C0-44A0-B44E-419E8057851C}" sibTransId="{4D79DCF8-5182-49FF-B700-5D7B694A32B3}"/>
-    <dgm:cxn modelId="{82C641CF-C83F-4FC8-8BB6-5F4C99BE2DA4}" type="presOf" srcId="{42B2293C-06A6-473C-996C-5254B8C08707}" destId="{B8DE46FF-4F23-4456-A863-F9F0FFB71182}" srcOrd="1" destOrd="0" presId="urn:microsoft.com/office/officeart/2016/7/layout/VerticalDownArrowProcess"/>
-    <dgm:cxn modelId="{AAC2B7E6-FCD5-4F1D-AA71-7E00114A74E5}" srcId="{C47BFB44-1D25-4B64-B28A-31A6E08C7059}" destId="{42B2293C-06A6-473C-996C-5254B8C08707}" srcOrd="0" destOrd="0" parTransId="{991480E7-50AD-4106-9F4B-CC66B298ECD0}" sibTransId="{60C1F434-6F2E-47F6-BDA0-FA3C8B9EB99D}"/>
-    <dgm:cxn modelId="{22791EFF-9E1D-40AA-AB43-DD4B88C96164}" srcId="{42B2293C-06A6-473C-996C-5254B8C08707}" destId="{EA99D21F-B68D-4DF6-84F1-E9F8EEC73CEC}" srcOrd="0" destOrd="0" parTransId="{641E4D8A-6ACE-4B3F-8379-934B33AB737F}" sibTransId="{EFB705BA-2FEB-4553-B142-F61A17744524}"/>
     <dgm:cxn modelId="{5F12E94F-8D1E-4803-A51B-D06564A18E76}" type="presParOf" srcId="{B772E434-66AF-4056-9086-A37E1358F849}" destId="{F57EDCCF-23DE-49B5-8EAC-B9B83728E1B9}" srcOrd="0" destOrd="0" presId="urn:microsoft.com/office/officeart/2016/7/layout/VerticalDownArrowProcess"/>
     <dgm:cxn modelId="{650715AC-A916-4A56-A99D-1AF534D230CD}" type="presParOf" srcId="{F57EDCCF-23DE-49B5-8EAC-B9B83728E1B9}" destId="{D21A54BB-04AB-4D16-A94D-DDC23378AA14}" srcOrd="0" destOrd="0" presId="urn:microsoft.com/office/officeart/2016/7/layout/VerticalDownArrowProcess"/>
     <dgm:cxn modelId="{9D76FF0A-F547-4A8F-A0F7-CD235C3A597B}" type="presParOf" srcId="{F57EDCCF-23DE-49B5-8EAC-B9B83728E1B9}" destId="{103ECA17-48C3-421E-BB41-206575477D27}" srcOrd="1" destOrd="0" presId="urn:microsoft.com/office/officeart/2016/7/layout/VerticalDownArrowProcess"/>
@@ -2598,6 +2645,13 @@
         </dgm:presLayoutVars>
       </dgm:prSet>
       <dgm:spPr/>
+      <dgm:t>
+        <a:bodyPr/>
+        <a:lstStyle/>
+        <a:p>
+          <a:endParaRPr lang="en-US"/>
+        </a:p>
+      </dgm:t>
     </dgm:pt>
     <dgm:pt modelId="{70757870-350C-4A78-ACF8-8EFF0EC129D4}" type="pres">
       <dgm:prSet presAssocID="{2FEDE8A1-17A9-49E6-B77B-4D6EF8D0B290}" presName="parentText" presStyleLbl="node1" presStyleIdx="0" presStyleCnt="2">
@@ -2607,6 +2661,13 @@
         </dgm:presLayoutVars>
       </dgm:prSet>
       <dgm:spPr/>
+      <dgm:t>
+        <a:bodyPr/>
+        <a:lstStyle/>
+        <a:p>
+          <a:endParaRPr lang="en-US"/>
+        </a:p>
+      </dgm:t>
     </dgm:pt>
     <dgm:pt modelId="{DEA5C809-D1BE-462D-A928-A43419E1FFD4}" type="pres">
       <dgm:prSet presAssocID="{2FEDE8A1-17A9-49E6-B77B-4D6EF8D0B290}" presName="childText" presStyleLbl="revTx" presStyleIdx="0" presStyleCnt="2">
@@ -2615,6 +2676,13 @@
         </dgm:presLayoutVars>
       </dgm:prSet>
       <dgm:spPr/>
+      <dgm:t>
+        <a:bodyPr/>
+        <a:lstStyle/>
+        <a:p>
+          <a:endParaRPr lang="en-US"/>
+        </a:p>
+      </dgm:t>
     </dgm:pt>
     <dgm:pt modelId="{F52A0E32-7AE7-4C60-9A49-2CEF9A171EF6}" type="pres">
       <dgm:prSet presAssocID="{7F79E7C3-79AB-4609-B53E-C24C1B237304}" presName="parentText" presStyleLbl="node1" presStyleIdx="1" presStyleCnt="2">
@@ -2624,6 +2692,13 @@
         </dgm:presLayoutVars>
       </dgm:prSet>
       <dgm:spPr/>
+      <dgm:t>
+        <a:bodyPr/>
+        <a:lstStyle/>
+        <a:p>
+          <a:endParaRPr lang="en-US"/>
+        </a:p>
+      </dgm:t>
     </dgm:pt>
     <dgm:pt modelId="{8D59166F-EB5A-48BB-89FC-BFCAEDD33E43}" type="pres">
       <dgm:prSet presAssocID="{7F79E7C3-79AB-4609-B53E-C24C1B237304}" presName="childText" presStyleLbl="revTx" presStyleIdx="1" presStyleCnt="2">
@@ -2632,23 +2707,30 @@
         </dgm:presLayoutVars>
       </dgm:prSet>
       <dgm:spPr/>
+      <dgm:t>
+        <a:bodyPr/>
+        <a:lstStyle/>
+        <a:p>
+          <a:endParaRPr lang="en-US"/>
+        </a:p>
+      </dgm:t>
     </dgm:pt>
   </dgm:ptLst>
   <dgm:cxnLst>
+    <dgm:cxn modelId="{A15FD88E-32DA-418A-AC36-0BD8B16B0E25}" type="presOf" srcId="{524C2491-BF16-4F61-AE5C-BEA7567A5E85}" destId="{8D59166F-EB5A-48BB-89FC-BFCAEDD33E43}" srcOrd="0" destOrd="1" presId="urn:microsoft.com/office/officeart/2005/8/layout/vList2"/>
+    <dgm:cxn modelId="{08DF1122-8801-4057-BE80-5292571C515D}" srcId="{2FEDE8A1-17A9-49E6-B77B-4D6EF8D0B290}" destId="{490A6EAF-0FBD-40E7-B0F3-C9F08CE4011B}" srcOrd="2" destOrd="0" parTransId="{9C7B4F41-6D19-4F6A-983B-EEBA0DC87159}" sibTransId="{D190DD4A-267C-40D4-9EDB-F46849F10EB4}"/>
+    <dgm:cxn modelId="{CBC178D2-0C99-431C-BD70-410066D4826D}" type="presOf" srcId="{3EF16817-23D9-42F2-93D4-3EB7DC584BB7}" destId="{8D59166F-EB5A-48BB-89FC-BFCAEDD33E43}" srcOrd="0" destOrd="0" presId="urn:microsoft.com/office/officeart/2005/8/layout/vList2"/>
+    <dgm:cxn modelId="{4413EE95-62C0-410B-B2FF-A155FB84C1DC}" type="presOf" srcId="{2FEDE8A1-17A9-49E6-B77B-4D6EF8D0B290}" destId="{70757870-350C-4A78-ACF8-8EFF0EC129D4}" srcOrd="0" destOrd="0" presId="urn:microsoft.com/office/officeart/2005/8/layout/vList2"/>
     <dgm:cxn modelId="{69975804-1469-45D4-A9DA-C45895B247B2}" srcId="{7F79E7C3-79AB-4609-B53E-C24C1B237304}" destId="{524C2491-BF16-4F61-AE5C-BEA7567A5E85}" srcOrd="1" destOrd="0" parTransId="{04FEDDC6-E2CA-46E9-B821-7A859E79E5DA}" sibTransId="{8E84BDA2-EB15-4421-8CC4-AF2AC8A68F74}"/>
-    <dgm:cxn modelId="{FC7AEF16-4ABC-4222-854A-57A631D59409}" srcId="{2FEDE8A1-17A9-49E6-B77B-4D6EF8D0B290}" destId="{F963E08B-C207-40C4-A3C9-F0E0470038F6}" srcOrd="0" destOrd="0" parTransId="{2F0E9512-AD19-4A4D-B728-B89C7D21C37D}" sibTransId="{13C77393-DCD6-400C-A36F-B030E049FDB6}"/>
-    <dgm:cxn modelId="{08DF1122-8801-4057-BE80-5292571C515D}" srcId="{2FEDE8A1-17A9-49E6-B77B-4D6EF8D0B290}" destId="{490A6EAF-0FBD-40E7-B0F3-C9F08CE4011B}" srcOrd="2" destOrd="0" parTransId="{9C7B4F41-6D19-4F6A-983B-EEBA0DC87159}" sibTransId="{D190DD4A-267C-40D4-9EDB-F46849F10EB4}"/>
-    <dgm:cxn modelId="{D1E65F24-C336-4844-B2FA-AA1C7D19BA0B}" srcId="{2FEDE8A1-17A9-49E6-B77B-4D6EF8D0B290}" destId="{74E7D5CD-8C5C-428E-BA10-7651647D2A12}" srcOrd="1" destOrd="0" parTransId="{5533C529-54B3-45C2-87C2-A31BD46E4248}" sibTransId="{38F686E2-37A5-4675-984A-E9E6BEE48C80}"/>
     <dgm:cxn modelId="{17394346-9A85-4644-A06E-B6F022FB6120}" type="presOf" srcId="{4A6D5FF3-BE5C-4B10-AEB8-DA6F06F573E7}" destId="{BEE4BA9B-F197-4411-B218-6500700A86EE}" srcOrd="0" destOrd="0" presId="urn:microsoft.com/office/officeart/2005/8/layout/vList2"/>
-    <dgm:cxn modelId="{A15FD88E-32DA-418A-AC36-0BD8B16B0E25}" type="presOf" srcId="{524C2491-BF16-4F61-AE5C-BEA7567A5E85}" destId="{8D59166F-EB5A-48BB-89FC-BFCAEDD33E43}" srcOrd="0" destOrd="1" presId="urn:microsoft.com/office/officeart/2005/8/layout/vList2"/>
     <dgm:cxn modelId="{DFB78992-4DC5-4B70-9F0A-AE0837DD3C2B}" srcId="{7F79E7C3-79AB-4609-B53E-C24C1B237304}" destId="{3EF16817-23D9-42F2-93D4-3EB7DC584BB7}" srcOrd="0" destOrd="0" parTransId="{9F9B8160-2903-4678-87B7-92C79F0E53F1}" sibTransId="{590953F2-E2C9-48D8-8F62-D5D82C1B988F}"/>
-    <dgm:cxn modelId="{25607793-E660-4BAB-B4E5-26FB687B0346}" type="presOf" srcId="{74E7D5CD-8C5C-428E-BA10-7651647D2A12}" destId="{DEA5C809-D1BE-462D-A928-A43419E1FFD4}" srcOrd="0" destOrd="1" presId="urn:microsoft.com/office/officeart/2005/8/layout/vList2"/>
-    <dgm:cxn modelId="{4413EE95-62C0-410B-B2FF-A155FB84C1DC}" type="presOf" srcId="{2FEDE8A1-17A9-49E6-B77B-4D6EF8D0B290}" destId="{70757870-350C-4A78-ACF8-8EFF0EC129D4}" srcOrd="0" destOrd="0" presId="urn:microsoft.com/office/officeart/2005/8/layout/vList2"/>
-    <dgm:cxn modelId="{4998AF96-A4ED-48E7-99C1-7165010DB742}" srcId="{4A6D5FF3-BE5C-4B10-AEB8-DA6F06F573E7}" destId="{2FEDE8A1-17A9-49E6-B77B-4D6EF8D0B290}" srcOrd="0" destOrd="0" parTransId="{E2E412E5-5BC0-4D32-B436-D48DD7975E58}" sibTransId="{64A15A60-94D5-4AD8-9B6C-75334C523635}"/>
+    <dgm:cxn modelId="{50936ACC-00B1-43D1-8C0A-24F700754AFC}" srcId="{4A6D5FF3-BE5C-4B10-AEB8-DA6F06F573E7}" destId="{7F79E7C3-79AB-4609-B53E-C24C1B237304}" srcOrd="1" destOrd="0" parTransId="{EDCAE6B6-EAEF-4C75-AFDC-77EE5DE524E9}" sibTransId="{DE501A1D-8A41-4D40-8D0C-F086C08BCADF}"/>
     <dgm:cxn modelId="{09F319AB-A07D-4982-8397-EB7C2DFCB0A1}" type="presOf" srcId="{490A6EAF-0FBD-40E7-B0F3-C9F08CE4011B}" destId="{DEA5C809-D1BE-462D-A928-A43419E1FFD4}" srcOrd="0" destOrd="2" presId="urn:microsoft.com/office/officeart/2005/8/layout/vList2"/>
     <dgm:cxn modelId="{14AB53BF-952B-46A2-9CE6-31EFDF9548CF}" type="presOf" srcId="{F963E08B-C207-40C4-A3C9-F0E0470038F6}" destId="{DEA5C809-D1BE-462D-A928-A43419E1FFD4}" srcOrd="0" destOrd="0" presId="urn:microsoft.com/office/officeart/2005/8/layout/vList2"/>
-    <dgm:cxn modelId="{50936ACC-00B1-43D1-8C0A-24F700754AFC}" srcId="{4A6D5FF3-BE5C-4B10-AEB8-DA6F06F573E7}" destId="{7F79E7C3-79AB-4609-B53E-C24C1B237304}" srcOrd="1" destOrd="0" parTransId="{EDCAE6B6-EAEF-4C75-AFDC-77EE5DE524E9}" sibTransId="{DE501A1D-8A41-4D40-8D0C-F086C08BCADF}"/>
-    <dgm:cxn modelId="{CBC178D2-0C99-431C-BD70-410066D4826D}" type="presOf" srcId="{3EF16817-23D9-42F2-93D4-3EB7DC584BB7}" destId="{8D59166F-EB5A-48BB-89FC-BFCAEDD33E43}" srcOrd="0" destOrd="0" presId="urn:microsoft.com/office/officeart/2005/8/layout/vList2"/>
+    <dgm:cxn modelId="{FC7AEF16-4ABC-4222-854A-57A631D59409}" srcId="{2FEDE8A1-17A9-49E6-B77B-4D6EF8D0B290}" destId="{F963E08B-C207-40C4-A3C9-F0E0470038F6}" srcOrd="0" destOrd="0" parTransId="{2F0E9512-AD19-4A4D-B728-B89C7D21C37D}" sibTransId="{13C77393-DCD6-400C-A36F-B030E049FDB6}"/>
+    <dgm:cxn modelId="{4998AF96-A4ED-48E7-99C1-7165010DB742}" srcId="{4A6D5FF3-BE5C-4B10-AEB8-DA6F06F573E7}" destId="{2FEDE8A1-17A9-49E6-B77B-4D6EF8D0B290}" srcOrd="0" destOrd="0" parTransId="{E2E412E5-5BC0-4D32-B436-D48DD7975E58}" sibTransId="{64A15A60-94D5-4AD8-9B6C-75334C523635}"/>
+    <dgm:cxn modelId="{D1E65F24-C336-4844-B2FA-AA1C7D19BA0B}" srcId="{2FEDE8A1-17A9-49E6-B77B-4D6EF8D0B290}" destId="{74E7D5CD-8C5C-428E-BA10-7651647D2A12}" srcOrd="1" destOrd="0" parTransId="{5533C529-54B3-45C2-87C2-A31BD46E4248}" sibTransId="{38F686E2-37A5-4675-984A-E9E6BEE48C80}"/>
+    <dgm:cxn modelId="{25607793-E660-4BAB-B4E5-26FB687B0346}" type="presOf" srcId="{74E7D5CD-8C5C-428E-BA10-7651647D2A12}" destId="{DEA5C809-D1BE-462D-A928-A43419E1FFD4}" srcOrd="0" destOrd="1" presId="urn:microsoft.com/office/officeart/2005/8/layout/vList2"/>
     <dgm:cxn modelId="{39001CFC-1E5E-43CE-9906-11F25DBFA102}" type="presOf" srcId="{7F79E7C3-79AB-4609-B53E-C24C1B237304}" destId="{F52A0E32-7AE7-4C60-9A49-2CEF9A171EF6}" srcOrd="0" destOrd="0" presId="urn:microsoft.com/office/officeart/2005/8/layout/vList2"/>
     <dgm:cxn modelId="{2A444E29-7A2A-47F0-8887-B4AC184535FB}" type="presParOf" srcId="{BEE4BA9B-F197-4411-B218-6500700A86EE}" destId="{70757870-350C-4A78-ACF8-8EFF0EC129D4}" srcOrd="0" destOrd="0" presId="urn:microsoft.com/office/officeart/2005/8/layout/vList2"/>
     <dgm:cxn modelId="{85D568CF-F697-4E0E-B3E5-A4042C21E161}" type="presParOf" srcId="{BEE4BA9B-F197-4411-B218-6500700A86EE}" destId="{DEA5C809-D1BE-462D-A928-A43419E1FFD4}" srcOrd="1" destOrd="0" presId="urn:microsoft.com/office/officeart/2005/8/layout/vList2"/>
@@ -2727,7 +2809,7 @@
         </a:bodyPr>
         <a:lstStyle/>
         <a:p>
-          <a:pPr marL="0" lvl="0" indent="0" algn="ctr" defTabSz="1555750">
+          <a:pPr lvl="0" algn="ctr" defTabSz="1555750">
             <a:lnSpc>
               <a:spcPct val="90000"/>
             </a:lnSpc>
@@ -2737,7 +2819,6 @@
             <a:spcAft>
               <a:spcPct val="35000"/>
             </a:spcAft>
-            <a:buNone/>
             <a:defRPr b="1"/>
           </a:pPr>
           <a:r>
@@ -2816,7 +2897,7 @@
         </a:bodyPr>
         <a:lstStyle/>
         <a:p>
-          <a:pPr marL="0" lvl="0" indent="0" algn="l" defTabSz="711200">
+          <a:pPr lvl="0" algn="l" defTabSz="711200">
             <a:lnSpc>
               <a:spcPct val="90000"/>
             </a:lnSpc>
@@ -2826,7 +2907,6 @@
             <a:spcAft>
               <a:spcPct val="35000"/>
             </a:spcAft>
-            <a:buNone/>
           </a:pPr>
           <a:r>
             <a:rPr lang="en-US" sz="1600" kern="1200" dirty="0" err="1"/>
@@ -2862,7 +2942,7 @@
           </a:r>
         </a:p>
         <a:p>
-          <a:pPr marL="0" lvl="0" indent="0" algn="l" defTabSz="711200">
+          <a:pPr lvl="0" algn="l" defTabSz="711200">
             <a:lnSpc>
               <a:spcPct val="90000"/>
             </a:lnSpc>
@@ -2872,7 +2952,6 @@
             <a:spcAft>
               <a:spcPct val="35000"/>
             </a:spcAft>
-            <a:buNone/>
           </a:pPr>
           <a:r>
             <a:rPr lang="en-US" sz="1600" kern="1200" dirty="0" err="1"/>
@@ -2948,7 +3027,7 @@
           </a:r>
         </a:p>
         <a:p>
-          <a:pPr marL="0" lvl="0" indent="0" algn="l" defTabSz="711200">
+          <a:pPr lvl="0" algn="l" defTabSz="711200">
             <a:lnSpc>
               <a:spcPct val="90000"/>
             </a:lnSpc>
@@ -2958,7 +3037,6 @@
             <a:spcAft>
               <a:spcPct val="35000"/>
             </a:spcAft>
-            <a:buNone/>
           </a:pPr>
           <a:r>
             <a:rPr lang="en-US" sz="1600" kern="1200" dirty="0"/>
@@ -3075,7 +3153,7 @@
         </a:bodyPr>
         <a:lstStyle/>
         <a:p>
-          <a:pPr marL="0" lvl="0" indent="0" algn="ctr" defTabSz="1555750">
+          <a:pPr lvl="0" algn="ctr" defTabSz="1555750">
             <a:lnSpc>
               <a:spcPct val="90000"/>
             </a:lnSpc>
@@ -3085,7 +3163,6 @@
             <a:spcAft>
               <a:spcPct val="35000"/>
             </a:spcAft>
-            <a:buNone/>
             <a:defRPr b="1"/>
           </a:pPr>
           <a:r>
@@ -3155,7 +3232,7 @@
         </a:bodyPr>
         <a:lstStyle/>
         <a:p>
-          <a:pPr marL="0" lvl="0" indent="0" algn="l" defTabSz="711200">
+          <a:pPr lvl="0" algn="l" defTabSz="711200">
             <a:lnSpc>
               <a:spcPct val="90000"/>
             </a:lnSpc>
@@ -3165,7 +3242,6 @@
             <a:spcAft>
               <a:spcPct val="35000"/>
             </a:spcAft>
-            <a:buNone/>
           </a:pPr>
           <a:r>
             <a:rPr lang="en-US" sz="1600" kern="1200"/>
@@ -3189,7 +3265,7 @@
           </a:r>
         </a:p>
         <a:p>
-          <a:pPr marL="0" lvl="0" indent="0" algn="l" defTabSz="711200">
+          <a:pPr lvl="0" algn="l" defTabSz="711200">
             <a:lnSpc>
               <a:spcPct val="90000"/>
             </a:lnSpc>
@@ -3199,7 +3275,6 @@
             <a:spcAft>
               <a:spcPct val="35000"/>
             </a:spcAft>
-            <a:buNone/>
           </a:pPr>
           <a:r>
             <a:rPr lang="en-US" sz="1600" kern="1200" dirty="0" err="1"/>
@@ -3331,7 +3406,7 @@
           </a:r>
         </a:p>
         <a:p>
-          <a:pPr marL="0" lvl="0" indent="0" algn="l" defTabSz="711200">
+          <a:pPr lvl="0" algn="l" defTabSz="711200">
             <a:lnSpc>
               <a:spcPct val="90000"/>
             </a:lnSpc>
@@ -3341,7 +3416,6 @@
             <a:spcAft>
               <a:spcPct val="35000"/>
             </a:spcAft>
-            <a:buNone/>
           </a:pPr>
           <a:r>
             <a:rPr lang="en-US" sz="1600" kern="1200" dirty="0" err="1"/>
@@ -3456,7 +3530,7 @@
         </a:bodyPr>
         <a:lstStyle/>
         <a:p>
-          <a:pPr marL="0" lvl="0" indent="0" algn="l" defTabSz="1422400">
+          <a:pPr lvl="0" algn="l" defTabSz="1422400">
             <a:lnSpc>
               <a:spcPct val="90000"/>
             </a:lnSpc>
@@ -3466,7 +3540,6 @@
             <a:spcAft>
               <a:spcPct val="35000"/>
             </a:spcAft>
-            <a:buNone/>
           </a:pPr>
           <a:r>
             <a:rPr lang="en-US" sz="3200" kern="1200"/>
@@ -3534,7 +3607,7 @@
             <a:spcAft>
               <a:spcPct val="20000"/>
             </a:spcAft>
-            <a:buChar char="•"/>
+            <a:buChar char="••"/>
           </a:pPr>
           <a:r>
             <a:rPr lang="en-US" sz="2500" kern="1200"/>
@@ -3552,7 +3625,7 @@
             <a:spcAft>
               <a:spcPct val="20000"/>
             </a:spcAft>
-            <a:buChar char="•"/>
+            <a:buChar char="••"/>
           </a:pPr>
           <a:r>
             <a:rPr lang="en-US" sz="2500" kern="1200"/>
@@ -3578,7 +3651,7 @@
             <a:spcAft>
               <a:spcPct val="20000"/>
             </a:spcAft>
-            <a:buChar char="•"/>
+            <a:buChar char="••"/>
           </a:pPr>
           <a:r>
             <a:rPr lang="en-US" sz="2500" kern="1200"/>
@@ -3653,7 +3726,7 @@
         </a:bodyPr>
         <a:lstStyle/>
         <a:p>
-          <a:pPr marL="0" lvl="0" indent="0" algn="l" defTabSz="1422400">
+          <a:pPr lvl="0" algn="l" defTabSz="1422400">
             <a:lnSpc>
               <a:spcPct val="90000"/>
             </a:lnSpc>
@@ -3663,7 +3736,6 @@
             <a:spcAft>
               <a:spcPct val="35000"/>
             </a:spcAft>
-            <a:buNone/>
           </a:pPr>
           <a:r>
             <a:rPr lang="en-US" sz="3200" kern="1200"/>
@@ -3731,7 +3803,7 @@
             <a:spcAft>
               <a:spcPct val="20000"/>
             </a:spcAft>
-            <a:buChar char="•"/>
+            <a:buChar char="••"/>
           </a:pPr>
           <a:r>
             <a:rPr lang="en-US" sz="2500" kern="1200"/>
@@ -3749,7 +3821,7 @@
             <a:spcAft>
               <a:spcPct val="20000"/>
             </a:spcAft>
-            <a:buChar char="•"/>
+            <a:buChar char="••"/>
           </a:pPr>
           <a:r>
             <a:rPr lang="en-US" sz="2500" kern="1200"/>
@@ -6276,6 +6348,440 @@
 </dgm:styleDef>
 </file>
 
+<file path=ppt/notesMasters/notesMaster1.xml><?xml version="1.0" encoding="utf-8"?>
+<p:notesMaster xmlns:a="http://schemas.openxmlformats.org/drawingml/2006/main" xmlns:r="http://schemas.openxmlformats.org/officeDocument/2006/relationships" xmlns:p="http://schemas.openxmlformats.org/presentationml/2006/main">
+  <p:cSld>
+    <p:bg>
+      <p:bgRef idx="1001">
+        <a:schemeClr val="bg1"/>
+      </p:bgRef>
+    </p:bg>
+    <p:spTree>
+      <p:nvGrpSpPr>
+        <p:cNvPr id="1" name=""/>
+        <p:cNvGrpSpPr/>
+        <p:nvPr/>
+      </p:nvGrpSpPr>
+      <p:grpSpPr>
+        <a:xfrm>
+          <a:off x="0" y="0"/>
+          <a:ext cx="0" cy="0"/>
+          <a:chOff x="0" y="0"/>
+          <a:chExt cx="0" cy="0"/>
+        </a:xfrm>
+      </p:grpSpPr>
+      <p:sp>
+        <p:nvSpPr>
+          <p:cNvPr id="2" name="Header Placeholder 1"/>
+          <p:cNvSpPr>
+            <a:spLocks noGrp="1"/>
+          </p:cNvSpPr>
+          <p:nvPr>
+            <p:ph type="hdr" sz="quarter"/>
+          </p:nvPr>
+        </p:nvSpPr>
+        <p:spPr>
+          <a:xfrm>
+            <a:off x="0" y="0"/>
+            <a:ext cx="2971800" cy="458788"/>
+          </a:xfrm>
+          <a:prstGeom prst="rect">
+            <a:avLst/>
+          </a:prstGeom>
+        </p:spPr>
+        <p:txBody>
+          <a:bodyPr vert="horz" lIns="91440" tIns="45720" rIns="91440" bIns="45720" rtlCol="0"/>
+          <a:lstStyle>
+            <a:lvl1pPr algn="l">
+              <a:defRPr sz="1200"/>
+            </a:lvl1pPr>
+          </a:lstStyle>
+          <a:p>
+            <a:endParaRPr lang="en-US"/>
+          </a:p>
+        </p:txBody>
+      </p:sp>
+      <p:sp>
+        <p:nvSpPr>
+          <p:cNvPr id="3" name="Date Placeholder 2"/>
+          <p:cNvSpPr>
+            <a:spLocks noGrp="1"/>
+          </p:cNvSpPr>
+          <p:nvPr>
+            <p:ph type="dt" idx="1"/>
+          </p:nvPr>
+        </p:nvSpPr>
+        <p:spPr>
+          <a:xfrm>
+            <a:off x="3884613" y="0"/>
+            <a:ext cx="2971800" cy="458788"/>
+          </a:xfrm>
+          <a:prstGeom prst="rect">
+            <a:avLst/>
+          </a:prstGeom>
+        </p:spPr>
+        <p:txBody>
+          <a:bodyPr vert="horz" lIns="91440" tIns="45720" rIns="91440" bIns="45720" rtlCol="0"/>
+          <a:lstStyle>
+            <a:lvl1pPr algn="r">
+              <a:defRPr sz="1200"/>
+            </a:lvl1pPr>
+          </a:lstStyle>
+          <a:p>
+            <a:fld id="{9A9AE6F3-E50F-4ED4-9619-12929B7EFAF3}" type="datetimeFigureOut">
+              <a:rPr lang="en-US" smtClean="0"/>
+              <a:t>01/10/2020</a:t>
+            </a:fld>
+            <a:endParaRPr lang="en-US"/>
+          </a:p>
+        </p:txBody>
+      </p:sp>
+      <p:sp>
+        <p:nvSpPr>
+          <p:cNvPr id="4" name="Slide Image Placeholder 3"/>
+          <p:cNvSpPr>
+            <a:spLocks noGrp="1" noRot="1" noChangeAspect="1"/>
+          </p:cNvSpPr>
+          <p:nvPr>
+            <p:ph type="sldImg" idx="2"/>
+          </p:nvPr>
+        </p:nvSpPr>
+        <p:spPr>
+          <a:xfrm>
+            <a:off x="685800" y="1143000"/>
+            <a:ext cx="5486400" cy="3086100"/>
+          </a:xfrm>
+          <a:prstGeom prst="rect">
+            <a:avLst/>
+          </a:prstGeom>
+          <a:noFill/>
+          <a:ln w="12700">
+            <a:solidFill>
+              <a:prstClr val="black"/>
+            </a:solidFill>
+          </a:ln>
+        </p:spPr>
+        <p:txBody>
+          <a:bodyPr vert="horz" lIns="91440" tIns="45720" rIns="91440" bIns="45720" rtlCol="0" anchor="ctr"/>
+          <a:lstStyle/>
+          <a:p>
+            <a:endParaRPr lang="en-US"/>
+          </a:p>
+        </p:txBody>
+      </p:sp>
+      <p:sp>
+        <p:nvSpPr>
+          <p:cNvPr id="5" name="Notes Placeholder 4"/>
+          <p:cNvSpPr>
+            <a:spLocks noGrp="1"/>
+          </p:cNvSpPr>
+          <p:nvPr>
+            <p:ph type="body" sz="quarter" idx="3"/>
+          </p:nvPr>
+        </p:nvSpPr>
+        <p:spPr>
+          <a:xfrm>
+            <a:off x="685800" y="4400550"/>
+            <a:ext cx="5486400" cy="3600450"/>
+          </a:xfrm>
+          <a:prstGeom prst="rect">
+            <a:avLst/>
+          </a:prstGeom>
+        </p:spPr>
+        <p:txBody>
+          <a:bodyPr vert="horz" lIns="91440" tIns="45720" rIns="91440" bIns="45720" rtlCol="0"/>
+          <a:lstStyle/>
+          <a:p>
+            <a:pPr lvl="0"/>
+            <a:r>
+              <a:rPr lang="en-US" smtClean="0"/>
+              <a:t>Click to edit Master text styles</a:t>
+            </a:r>
+          </a:p>
+          <a:p>
+            <a:pPr lvl="1"/>
+            <a:r>
+              <a:rPr lang="en-US" smtClean="0"/>
+              <a:t>Second level</a:t>
+            </a:r>
+          </a:p>
+          <a:p>
+            <a:pPr lvl="2"/>
+            <a:r>
+              <a:rPr lang="en-US" smtClean="0"/>
+              <a:t>Third level</a:t>
+            </a:r>
+          </a:p>
+          <a:p>
+            <a:pPr lvl="3"/>
+            <a:r>
+              <a:rPr lang="en-US" smtClean="0"/>
+              <a:t>Fourth level</a:t>
+            </a:r>
+          </a:p>
+          <a:p>
+            <a:pPr lvl="4"/>
+            <a:r>
+              <a:rPr lang="en-US" smtClean="0"/>
+              <a:t>Fifth level</a:t>
+            </a:r>
+            <a:endParaRPr lang="en-US"/>
+          </a:p>
+        </p:txBody>
+      </p:sp>
+      <p:sp>
+        <p:nvSpPr>
+          <p:cNvPr id="6" name="Footer Placeholder 5"/>
+          <p:cNvSpPr>
+            <a:spLocks noGrp="1"/>
+          </p:cNvSpPr>
+          <p:nvPr>
+            <p:ph type="ftr" sz="quarter" idx="4"/>
+          </p:nvPr>
+        </p:nvSpPr>
+        <p:spPr>
+          <a:xfrm>
+            <a:off x="0" y="8685213"/>
+            <a:ext cx="2971800" cy="458787"/>
+          </a:xfrm>
+          <a:prstGeom prst="rect">
+            <a:avLst/>
+          </a:prstGeom>
+        </p:spPr>
+        <p:txBody>
+          <a:bodyPr vert="horz" lIns="91440" tIns="45720" rIns="91440" bIns="45720" rtlCol="0" anchor="b"/>
+          <a:lstStyle>
+            <a:lvl1pPr algn="l">
+              <a:defRPr sz="1200"/>
+            </a:lvl1pPr>
+          </a:lstStyle>
+          <a:p>
+            <a:endParaRPr lang="en-US"/>
+          </a:p>
+        </p:txBody>
+      </p:sp>
+      <p:sp>
+        <p:nvSpPr>
+          <p:cNvPr id="7" name="Slide Number Placeholder 6"/>
+          <p:cNvSpPr>
+            <a:spLocks noGrp="1"/>
+          </p:cNvSpPr>
+          <p:nvPr>
+            <p:ph type="sldNum" sz="quarter" idx="5"/>
+          </p:nvPr>
+        </p:nvSpPr>
+        <p:spPr>
+          <a:xfrm>
+            <a:off x="3884613" y="8685213"/>
+            <a:ext cx="2971800" cy="458787"/>
+          </a:xfrm>
+          <a:prstGeom prst="rect">
+            <a:avLst/>
+          </a:prstGeom>
+        </p:spPr>
+        <p:txBody>
+          <a:bodyPr vert="horz" lIns="91440" tIns="45720" rIns="91440" bIns="45720" rtlCol="0" anchor="b"/>
+          <a:lstStyle>
+            <a:lvl1pPr algn="r">
+              <a:defRPr sz="1200"/>
+            </a:lvl1pPr>
+          </a:lstStyle>
+          <a:p>
+            <a:fld id="{FC5F7C7D-2835-47FF-B437-5952B5F4B82B}" type="slidenum">
+              <a:rPr lang="en-US" smtClean="0"/>
+              <a:t>‹#›</a:t>
+            </a:fld>
+            <a:endParaRPr lang="en-US"/>
+          </a:p>
+        </p:txBody>
+      </p:sp>
+    </p:spTree>
+    <p:extLst>
+      <p:ext uri="{BB962C8B-B14F-4D97-AF65-F5344CB8AC3E}">
+        <p14:creationId xmlns:p14="http://schemas.microsoft.com/office/powerpoint/2010/main" val="2793666385"/>
+      </p:ext>
+    </p:extLst>
+  </p:cSld>
+  <p:clrMap bg1="lt1" tx1="dk1" bg2="lt2" tx2="dk2" accent1="accent1" accent2="accent2" accent3="accent3" accent4="accent4" accent5="accent5" accent6="accent6" hlink="hlink" folHlink="folHlink"/>
+  <p:notesStyle>
+    <a:lvl1pPr marL="0" algn="l" defTabSz="914400" rtl="0" eaLnBrk="1" latinLnBrk="0" hangingPunct="1">
+      <a:defRPr sz="1200" kern="1200">
+        <a:solidFill>
+          <a:schemeClr val="tx1"/>
+        </a:solidFill>
+        <a:latin typeface="+mn-lt"/>
+        <a:ea typeface="+mn-ea"/>
+        <a:cs typeface="+mn-cs"/>
+      </a:defRPr>
+    </a:lvl1pPr>
+    <a:lvl2pPr marL="457200" algn="l" defTabSz="914400" rtl="0" eaLnBrk="1" latinLnBrk="0" hangingPunct="1">
+      <a:defRPr sz="1200" kern="1200">
+        <a:solidFill>
+          <a:schemeClr val="tx1"/>
+        </a:solidFill>
+        <a:latin typeface="+mn-lt"/>
+        <a:ea typeface="+mn-ea"/>
+        <a:cs typeface="+mn-cs"/>
+      </a:defRPr>
+    </a:lvl2pPr>
+    <a:lvl3pPr marL="914400" algn="l" defTabSz="914400" rtl="0" eaLnBrk="1" latinLnBrk="0" hangingPunct="1">
+      <a:defRPr sz="1200" kern="1200">
+        <a:solidFill>
+          <a:schemeClr val="tx1"/>
+        </a:solidFill>
+        <a:latin typeface="+mn-lt"/>
+        <a:ea typeface="+mn-ea"/>
+        <a:cs typeface="+mn-cs"/>
+      </a:defRPr>
+    </a:lvl3pPr>
+    <a:lvl4pPr marL="1371600" algn="l" defTabSz="914400" rtl="0" eaLnBrk="1" latinLnBrk="0" hangingPunct="1">
+      <a:defRPr sz="1200" kern="1200">
+        <a:solidFill>
+          <a:schemeClr val="tx1"/>
+        </a:solidFill>
+        <a:latin typeface="+mn-lt"/>
+        <a:ea typeface="+mn-ea"/>
+        <a:cs typeface="+mn-cs"/>
+      </a:defRPr>
+    </a:lvl4pPr>
+    <a:lvl5pPr marL="1828800" algn="l" defTabSz="914400" rtl="0" eaLnBrk="1" latinLnBrk="0" hangingPunct="1">
+      <a:defRPr sz="1200" kern="1200">
+        <a:solidFill>
+          <a:schemeClr val="tx1"/>
+        </a:solidFill>
+        <a:latin typeface="+mn-lt"/>
+        <a:ea typeface="+mn-ea"/>
+        <a:cs typeface="+mn-cs"/>
+      </a:defRPr>
+    </a:lvl5pPr>
+    <a:lvl6pPr marL="2286000" algn="l" defTabSz="914400" rtl="0" eaLnBrk="1" latinLnBrk="0" hangingPunct="1">
+      <a:defRPr sz="1200" kern="1200">
+        <a:solidFill>
+          <a:schemeClr val="tx1"/>
+        </a:solidFill>
+        <a:latin typeface="+mn-lt"/>
+        <a:ea typeface="+mn-ea"/>
+        <a:cs typeface="+mn-cs"/>
+      </a:defRPr>
+    </a:lvl6pPr>
+    <a:lvl7pPr marL="2743200" algn="l" defTabSz="914400" rtl="0" eaLnBrk="1" latinLnBrk="0" hangingPunct="1">
+      <a:defRPr sz="1200" kern="1200">
+        <a:solidFill>
+          <a:schemeClr val="tx1"/>
+        </a:solidFill>
+        <a:latin typeface="+mn-lt"/>
+        <a:ea typeface="+mn-ea"/>
+        <a:cs typeface="+mn-cs"/>
+      </a:defRPr>
+    </a:lvl7pPr>
+    <a:lvl8pPr marL="3200400" algn="l" defTabSz="914400" rtl="0" eaLnBrk="1" latinLnBrk="0" hangingPunct="1">
+      <a:defRPr sz="1200" kern="1200">
+        <a:solidFill>
+          <a:schemeClr val="tx1"/>
+        </a:solidFill>
+        <a:latin typeface="+mn-lt"/>
+        <a:ea typeface="+mn-ea"/>
+        <a:cs typeface="+mn-cs"/>
+      </a:defRPr>
+    </a:lvl8pPr>
+    <a:lvl9pPr marL="3657600" algn="l" defTabSz="914400" rtl="0" eaLnBrk="1" latinLnBrk="0" hangingPunct="1">
+      <a:defRPr sz="1200" kern="1200">
+        <a:solidFill>
+          <a:schemeClr val="tx1"/>
+        </a:solidFill>
+        <a:latin typeface="+mn-lt"/>
+        <a:ea typeface="+mn-ea"/>
+        <a:cs typeface="+mn-cs"/>
+      </a:defRPr>
+    </a:lvl9pPr>
+  </p:notesStyle>
+</p:notesMaster>
+</file>
+
+<file path=ppt/notesSlides/notesSlide1.xml><?xml version="1.0" encoding="utf-8"?>
+<p:notes xmlns:a="http://schemas.openxmlformats.org/drawingml/2006/main" xmlns:r="http://schemas.openxmlformats.org/officeDocument/2006/relationships" xmlns:p="http://schemas.openxmlformats.org/presentationml/2006/main">
+  <p:cSld>
+    <p:spTree>
+      <p:nvGrpSpPr>
+        <p:cNvPr id="1" name=""/>
+        <p:cNvGrpSpPr/>
+        <p:nvPr/>
+      </p:nvGrpSpPr>
+      <p:grpSpPr>
+        <a:xfrm>
+          <a:off x="0" y="0"/>
+          <a:ext cx="0" cy="0"/>
+          <a:chOff x="0" y="0"/>
+          <a:chExt cx="0" cy="0"/>
+        </a:xfrm>
+      </p:grpSpPr>
+      <p:sp>
+        <p:nvSpPr>
+          <p:cNvPr id="2" name="Slide Image Placeholder 1"/>
+          <p:cNvSpPr>
+            <a:spLocks noGrp="1" noRot="1" noChangeAspect="1"/>
+          </p:cNvSpPr>
+          <p:nvPr>
+            <p:ph type="sldImg"/>
+          </p:nvPr>
+        </p:nvSpPr>
+        <p:spPr/>
+      </p:sp>
+      <p:sp>
+        <p:nvSpPr>
+          <p:cNvPr id="3" name="Notes Placeholder 2"/>
+          <p:cNvSpPr>
+            <a:spLocks noGrp="1"/>
+          </p:cNvSpPr>
+          <p:nvPr>
+            <p:ph type="body" idx="1"/>
+          </p:nvPr>
+        </p:nvSpPr>
+        <p:spPr/>
+        <p:txBody>
+          <a:bodyPr/>
+          <a:lstStyle/>
+          <a:p>
+            <a:endParaRPr lang="en-US"/>
+          </a:p>
+        </p:txBody>
+      </p:sp>
+      <p:sp>
+        <p:nvSpPr>
+          <p:cNvPr id="4" name="Slide Number Placeholder 3"/>
+          <p:cNvSpPr>
+            <a:spLocks noGrp="1"/>
+          </p:cNvSpPr>
+          <p:nvPr>
+            <p:ph type="sldNum" sz="quarter" idx="10"/>
+          </p:nvPr>
+        </p:nvSpPr>
+        <p:spPr/>
+        <p:txBody>
+          <a:bodyPr/>
+          <a:lstStyle/>
+          <a:p>
+            <a:fld id="{FC5F7C7D-2835-47FF-B437-5952B5F4B82B}" type="slidenum">
+              <a:rPr lang="en-US" smtClean="0"/>
+              <a:t>13</a:t>
+            </a:fld>
+            <a:endParaRPr lang="en-US"/>
+          </a:p>
+        </p:txBody>
+      </p:sp>
+    </p:spTree>
+    <p:extLst>
+      <p:ext uri="{BB962C8B-B14F-4D97-AF65-F5344CB8AC3E}">
+        <p14:creationId xmlns:p14="http://schemas.microsoft.com/office/powerpoint/2010/main" val="2956217044"/>
+      </p:ext>
+    </p:extLst>
+  </p:cSld>
+  <p:clrMapOvr>
+    <a:masterClrMapping/>
+  </p:clrMapOvr>
+</p:notes>
+</file>
+
 <file path=ppt/slideLayouts/slideLayout1.xml><?xml version="1.0" encoding="utf-8"?>
 <p:sldLayout xmlns:a="http://schemas.openxmlformats.org/drawingml/2006/main" xmlns:r="http://schemas.openxmlformats.org/officeDocument/2006/relationships" xmlns:p="http://schemas.openxmlformats.org/presentationml/2006/main" showMasterSp="0" type="title" preserve="1">
   <p:cSld name="Title Slide">
@@ -6500,9 +7006,9 @@
           <a:bodyPr/>
           <a:lstStyle/>
           <a:p>
-            <a:fld id="{4BDF68E2-58F2-4D09-BE8B-E3BD06533059}" type="datetimeFigureOut">
-              <a:rPr lang="en-US" dirty="0"/>
-              <a:t>1/9/2020</a:t>
+            <a:fld id="{64BC1504-1EE4-4437-903E-78FC27828BDA}" type="datetime1">
+              <a:rPr lang="en-US" smtClean="0"/>
+              <a:t>01/10/2020</a:t>
             </a:fld>
             <a:endParaRPr lang="en-US" dirty="0"/>
           </a:p>
@@ -6703,9 +7209,9 @@
           <a:bodyPr/>
           <a:lstStyle/>
           <a:p>
-            <a:fld id="{2E2D6473-DF6D-4702-B328-E0DD40540A4E}" type="datetimeFigureOut">
-              <a:rPr lang="en-US" dirty="0"/>
-              <a:t>1/9/2020</a:t>
+            <a:fld id="{2B42FF0B-9E5F-4619-9DDB-A48D1B0FD464}" type="datetime1">
+              <a:rPr lang="en-US" smtClean="0"/>
+              <a:t>01/10/2020</a:t>
             </a:fld>
             <a:endParaRPr lang="en-US" dirty="0"/>
           </a:p>
@@ -6954,9 +7460,9 @@
           <a:bodyPr/>
           <a:lstStyle/>
           <a:p>
-            <a:fld id="{E26F7E3A-B166-407D-9866-32884E7D5B37}" type="datetimeFigureOut">
-              <a:rPr lang="en-US" dirty="0"/>
-              <a:t>1/9/2020</a:t>
+            <a:fld id="{6952DF76-180A-4026-9005-21E47346CC09}" type="datetime1">
+              <a:rPr lang="en-US" smtClean="0"/>
+              <a:t>01/10/2020</a:t>
             </a:fld>
             <a:endParaRPr lang="en-US" dirty="0"/>
           </a:p>
@@ -7123,9 +7629,9 @@
           <a:bodyPr/>
           <a:lstStyle/>
           <a:p>
-            <a:fld id="{528FC5F6-F338-4AE4-BB23-26385BCFC423}" type="datetimeFigureOut">
-              <a:rPr lang="en-US" dirty="0"/>
-              <a:t>1/9/2020</a:t>
+            <a:fld id="{5C037229-1473-4FC4-AF8C-8C08D2288DAF}" type="datetime1">
+              <a:rPr lang="en-US" smtClean="0"/>
+              <a:t>01/10/2020</a:t>
             </a:fld>
             <a:endParaRPr lang="en-US" dirty="0"/>
           </a:p>
@@ -7163,10 +7669,15 @@
         <p:spPr/>
         <p:txBody>
           <a:bodyPr/>
-          <a:lstStyle/>
+          <a:lstStyle>
+            <a:lvl1pPr>
+              <a:defRPr sz="1800"/>
+            </a:lvl1pPr>
+          </a:lstStyle>
           <a:p>
             <a:fld id="{6113E31D-E2AB-40D1-8B51-AFA5AFEF393A}" type="slidenum">
-              <a:rPr lang="en-US" dirty="0"/>
+              <a:rPr lang="en-US" smtClean="0"/>
+              <a:pPr/>
               <a:t>‹#›</a:t>
             </a:fld>
             <a:endParaRPr lang="en-US" dirty="0"/>
@@ -7461,9 +7972,9 @@
           <a:bodyPr/>
           <a:lstStyle/>
           <a:p>
-            <a:fld id="{20EBB0C4-6273-4C6E-B9BD-2EDC30F1CD52}" type="datetimeFigureOut">
-              <a:rPr lang="en-US" dirty="0"/>
-              <a:t>1/9/2020</a:t>
+            <a:fld id="{8556E4B5-DE91-4726-87F7-7F15F8C5F1BD}" type="datetime1">
+              <a:rPr lang="en-US" smtClean="0"/>
+              <a:t>01/10/2020</a:t>
             </a:fld>
             <a:endParaRPr lang="en-US" dirty="0"/>
           </a:p>
@@ -7731,9 +8242,9 @@
           <a:bodyPr/>
           <a:lstStyle/>
           <a:p>
-            <a:fld id="{19AB4D41-86C1-4908-B66A-0B50CEB3BF29}" type="datetimeFigureOut">
-              <a:rPr lang="en-US" dirty="0"/>
-              <a:t>1/9/2020</a:t>
+            <a:fld id="{B575FA5D-2FF7-4E55-A723-854529C88EFB}" type="datetime1">
+              <a:rPr lang="en-US" smtClean="0"/>
+              <a:t>01/10/2020</a:t>
             </a:fld>
             <a:endParaRPr lang="en-US" dirty="0"/>
           </a:p>
@@ -8105,9 +8616,9 @@
           <a:bodyPr/>
           <a:lstStyle/>
           <a:p>
-            <a:fld id="{E6426E2C-56C1-4E0D-A793-0088A7FDD37E}" type="datetimeFigureOut">
-              <a:rPr lang="en-US" dirty="0"/>
-              <a:t>1/9/2020</a:t>
+            <a:fld id="{A7AECD03-966B-4C49-A0B2-EB1FB680D36C}" type="datetime1">
+              <a:rPr lang="en-US" smtClean="0"/>
+              <a:t>01/10/2020</a:t>
             </a:fld>
             <a:endParaRPr lang="en-US" dirty="0"/>
           </a:p>
@@ -8218,9 +8729,9 @@
           <a:bodyPr/>
           <a:lstStyle/>
           <a:p>
-            <a:fld id="{C8C39B41-D8B5-4052-B551-9B5525EAA8B6}" type="datetimeFigureOut">
-              <a:rPr lang="en-US" dirty="0"/>
-              <a:t>1/9/2020</a:t>
+            <a:fld id="{F457978C-9937-4F06-84C4-34D3DCF74664}" type="datetime1">
+              <a:rPr lang="en-US" smtClean="0"/>
+              <a:t>01/10/2020</a:t>
             </a:fld>
             <a:endParaRPr lang="en-US" dirty="0"/>
           </a:p>
@@ -8384,9 +8895,9 @@
           <a:bodyPr/>
           <a:lstStyle/>
           <a:p>
-            <a:fld id="{4D94136C-8742-45B2-AF27-D93DF72833A9}" type="datetimeFigureOut">
-              <a:rPr lang="en-US" dirty="0"/>
-              <a:t>1/9/2020</a:t>
+            <a:fld id="{454DCC14-AC4A-4D1F-A175-48BB502732C4}" type="datetime1">
+              <a:rPr lang="en-US" smtClean="0"/>
+              <a:t>01/10/2020</a:t>
             </a:fld>
             <a:endParaRPr lang="en-US" dirty="0"/>
           </a:p>
@@ -8734,9 +9245,9 @@
             </a:lvl1pPr>
           </a:lstStyle>
           <a:p>
-            <a:fld id="{32ABBEA6-7C60-4B02-AE87-00D78D8422AF}" type="datetimeFigureOut">
-              <a:rPr lang="en-US" dirty="0"/>
-              <a:t>1/9/2020</a:t>
+            <a:fld id="{170C785D-9F8D-4A9A-8014-987C18B6AD67}" type="datetime1">
+              <a:rPr lang="en-US" smtClean="0"/>
+              <a:t>01/10/2020</a:t>
             </a:fld>
             <a:endParaRPr lang="en-US" dirty="0"/>
           </a:p>
@@ -9112,9 +9623,9 @@
           <a:bodyPr/>
           <a:lstStyle/>
           <a:p>
-            <a:fld id="{C9CAD897-D46E-4AD2-BD9B-49DD3E640873}" type="datetimeFigureOut">
-              <a:rPr lang="en-US" dirty="0"/>
-              <a:t>1/9/2020</a:t>
+            <a:fld id="{5753E877-A33E-4F31-89E4-D95615655F2F}" type="datetime1">
+              <a:rPr lang="en-US" smtClean="0"/>
+              <a:t>01/10/2020</a:t>
             </a:fld>
             <a:endParaRPr lang="en-US" dirty="0"/>
           </a:p>
@@ -9394,9 +9905,9 @@
             </a:lvl1pPr>
           </a:lstStyle>
           <a:p>
-            <a:fld id="{98624D31-43A5-475A-80CF-332C9F6DCF35}" type="datetimeFigureOut">
-              <a:rPr lang="en-US" dirty="0"/>
-              <a:t>1/9/2020</a:t>
+            <a:fld id="{867AF904-0194-4150-8739-A5F0F196007C}" type="datetime1">
+              <a:rPr lang="en-US" smtClean="0"/>
+              <a:t>01/10/2020</a:t>
             </a:fld>
             <a:endParaRPr lang="en-US" dirty="0"/>
           </a:p>
@@ -9531,7 +10042,7 @@
     <p:sldLayoutId id="2147483658" r:id="rId10"/>
     <p:sldLayoutId id="2147483659" r:id="rId11"/>
   </p:sldLayoutIdLst>
-  <p:hf sldNum="0" hdr="0" ftr="0" dt="0"/>
+  <p:hf hdr="0" ftr="0" dt="0"/>
   <p:txStyles>
     <p:titleStyle>
       <a:lvl1pPr algn="l" defTabSz="914400" rtl="0" eaLnBrk="1" latinLnBrk="0" hangingPunct="1">
@@ -9919,18 +10430,12 @@
       </p:grpSpPr>
       <p:sp>
         <p:nvSpPr>
-          <p:cNvPr id="2" name="Title 1">
-            <a:extLst>
-              <a:ext uri="{FF2B5EF4-FFF2-40B4-BE49-F238E27FC236}">
-                <a16:creationId xmlns:a16="http://schemas.microsoft.com/office/drawing/2014/main" id="{3B848E33-826B-405B-AB57-B9115CBBD8C3}"/>
-              </a:ext>
-            </a:extLst>
-          </p:cNvPr>
+          <p:cNvPr id="2" name="Title 1"/>
           <p:cNvSpPr>
             <a:spLocks noGrp="1"/>
           </p:cNvSpPr>
           <p:nvPr>
-            <p:ph type="ctrTitle"/>
+            <p:ph type="title"/>
           </p:nvPr>
         </p:nvSpPr>
         <p:spPr/>
@@ -9938,35 +10443,22 @@
           <a:bodyPr/>
           <a:lstStyle/>
           <a:p>
-            <a:pPr algn="ctr"/>
-            <a:r>
-              <a:rPr lang="en-US" dirty="0"/>
-              <a:t>Data Science Project</a:t>
-            </a:r>
-            <a:br>
-              <a:rPr lang="en-US" dirty="0"/>
-            </a:br>
-            <a:r>
-              <a:rPr lang="en-US" dirty="0"/>
-              <a:t>Audio Classification</a:t>
-            </a:r>
+            <a:r>
+              <a:rPr lang="en-US" smtClean="0"/>
+              <a:t>Thông tin bổ sung</a:t>
+            </a:r>
+            <a:endParaRPr lang="en-US"/>
           </a:p>
         </p:txBody>
       </p:sp>
       <p:sp>
         <p:nvSpPr>
-          <p:cNvPr id="3" name="Subtitle 2">
-            <a:extLst>
-              <a:ext uri="{FF2B5EF4-FFF2-40B4-BE49-F238E27FC236}">
-                <a16:creationId xmlns:a16="http://schemas.microsoft.com/office/drawing/2014/main" id="{DEEDE918-34F3-40A0-8DB7-11C9AE83BC79}"/>
-              </a:ext>
-            </a:extLst>
-          </p:cNvPr>
+          <p:cNvPr id="3" name="Content Placeholder 2"/>
           <p:cNvSpPr>
             <a:spLocks noGrp="1"/>
           </p:cNvSpPr>
           <p:nvPr>
-            <p:ph type="subTitle" idx="1"/>
+            <p:ph idx="1"/>
           </p:nvPr>
         </p:nvSpPr>
         <p:spPr/>
@@ -9974,51 +10466,34 @@
           <a:bodyPr/>
           <a:lstStyle/>
           <a:p>
-            <a:pPr algn="just"/>
-            <a:r>
-              <a:rPr lang="en-US" dirty="0"/>
-              <a:t>1612521-Trang </a:t>
-            </a:r>
-            <a:r>
-              <a:rPr lang="en-US" dirty="0" err="1"/>
-              <a:t>trung</a:t>
-            </a:r>
-            <a:r>
-              <a:rPr lang="en-US" dirty="0"/>
-              <a:t> </a:t>
-            </a:r>
-            <a:r>
-              <a:rPr lang="en-US" dirty="0" err="1"/>
-              <a:t>hoàng</a:t>
-            </a:r>
-            <a:r>
-              <a:rPr lang="en-US" dirty="0"/>
-              <a:t> </a:t>
-            </a:r>
-            <a:r>
-              <a:rPr lang="en-US" dirty="0" err="1"/>
-              <a:t>phúc</a:t>
-            </a:r>
-            <a:endParaRPr lang="en-US" dirty="0"/>
+            <a:r>
+              <a:rPr lang="en-US" smtClean="0"/>
+              <a:t>Bổ sung thêm slide 13. </a:t>
+            </a:r>
+            <a:endParaRPr lang="en-US"/>
           </a:p>
+        </p:txBody>
+      </p:sp>
+      <p:sp>
+        <p:nvSpPr>
+          <p:cNvPr id="4" name="Slide Number Placeholder 3"/>
+          <p:cNvSpPr>
+            <a:spLocks noGrp="1"/>
+          </p:cNvSpPr>
+          <p:nvPr>
+            <p:ph type="sldNum" sz="quarter" idx="12"/>
+          </p:nvPr>
+        </p:nvSpPr>
+        <p:spPr/>
+        <p:txBody>
+          <a:bodyPr/>
+          <a:lstStyle/>
           <a:p>
-            <a:pPr algn="just"/>
-            <a:r>
-              <a:rPr lang="en-US" dirty="0"/>
-              <a:t>1612703-nguyễn </a:t>
-            </a:r>
-            <a:r>
-              <a:rPr lang="en-US" dirty="0" err="1"/>
-              <a:t>thị</a:t>
-            </a:r>
-            <a:r>
-              <a:rPr lang="en-US" dirty="0"/>
-              <a:t> </a:t>
-            </a:r>
-            <a:r>
-              <a:rPr lang="en-US" dirty="0" err="1"/>
-              <a:t>tình</a:t>
-            </a:r>
+            <a:fld id="{6113E31D-E2AB-40D1-8B51-AFA5AFEF393A}" type="slidenum">
+              <a:rPr lang="en-US" smtClean="0"/>
+              <a:pPr/>
+              <a:t>1</a:t>
+            </a:fld>
             <a:endParaRPr lang="en-US" dirty="0"/>
           </a:p>
         </p:txBody>
@@ -10026,7 +10501,7 @@
     </p:spTree>
     <p:extLst>
       <p:ext uri="{BB962C8B-B14F-4D97-AF65-F5344CB8AC3E}">
-        <p14:creationId xmlns:p14="http://schemas.microsoft.com/office/powerpoint/2010/main" val="2906643512"/>
+        <p14:creationId xmlns:p14="http://schemas.microsoft.com/office/powerpoint/2010/main" val="3856022006"/>
       </p:ext>
     </p:extLst>
   </p:cSld>
@@ -10061,15 +10536,15 @@
           <a:chExt cx="0" cy="0"/>
         </a:xfrm>
       </p:grpSpPr>
-      <p:sp>
+      <p:sp useBgFill="1">
         <p:nvSpPr>
-          <p:cNvPr id="12" name="Rectangle 11">
+          <p:cNvPr id="24" name="Rectangle 9">
             <a:extLst>
               <a:ext uri="{FF2B5EF4-FFF2-40B4-BE49-F238E27FC236}">
-                <a16:creationId xmlns:a16="http://schemas.microsoft.com/office/drawing/2014/main" id="{3F87243A-F810-42AD-AA74-3FA38B1D8A8F}"/>
+                <a16:creationId xmlns="" xmlns:a16="http://schemas.microsoft.com/office/drawing/2014/main" id="{284B70D5-875B-433D-BDBD-1522A85D6C1D}"/>
               </a:ext>
               <a:ext uri="{C183D7F6-B498-43B3-948B-1728B52AA6E4}">
-                <adec:decorative xmlns:adec="http://schemas.microsoft.com/office/drawing/2017/decorative" val="1"/>
+                <adec:decorative xmlns="" xmlns:adec="http://schemas.microsoft.com/office/drawing/2017/decorative" val="1"/>
               </a:ext>
             </a:extLst>
           </p:cNvPr>
@@ -10079,15 +10554,292 @@
           <p:nvPr>
             <p:extLst>
               <p:ext uri="{386F3935-93C4-4BCD-93E2-E3B085C9AB24}">
-                <p16:designElem xmlns:p16="http://schemas.microsoft.com/office/powerpoint/2015/main" val="1"/>
+                <p16:designElem xmlns="" xmlns:p16="http://schemas.microsoft.com/office/powerpoint/2015/main" val="1"/>
               </p:ext>
             </p:extLst>
           </p:nvPr>
         </p:nvSpPr>
         <p:spPr>
           <a:xfrm>
-            <a:off x="3175" y="6400800"/>
-            <a:ext cx="12188825" cy="457200"/>
+            <a:off x="0" y="0"/>
+            <a:ext cx="12192001" cy="6334316"/>
+          </a:xfrm>
+          <a:prstGeom prst="rect">
+            <a:avLst/>
+          </a:prstGeom>
+          <a:ln>
+            <a:noFill/>
+          </a:ln>
+        </p:spPr>
+        <p:style>
+          <a:lnRef idx="2">
+            <a:schemeClr val="accent1">
+              <a:shade val="50000"/>
+            </a:schemeClr>
+          </a:lnRef>
+          <a:fillRef idx="1">
+            <a:schemeClr val="accent1"/>
+          </a:fillRef>
+          <a:effectRef idx="0">
+            <a:schemeClr val="accent1"/>
+          </a:effectRef>
+          <a:fontRef idx="minor">
+            <a:schemeClr val="lt1"/>
+          </a:fontRef>
+        </p:style>
+        <p:txBody>
+          <a:bodyPr rtlCol="0" anchor="ctr"/>
+          <a:lstStyle/>
+          <a:p>
+            <a:pPr algn="ctr"/>
+            <a:endParaRPr lang="en-US"/>
+          </a:p>
+        </p:txBody>
+      </p:sp>
+      <p:sp>
+        <p:nvSpPr>
+          <p:cNvPr id="2" name="Title 1">
+            <a:extLst>
+              <a:ext uri="{FF2B5EF4-FFF2-40B4-BE49-F238E27FC236}">
+                <a16:creationId xmlns="" xmlns:a16="http://schemas.microsoft.com/office/drawing/2014/main" id="{4A4C304A-EC41-4E14-A377-12DA244453A4}"/>
+              </a:ext>
+            </a:extLst>
+          </p:cNvPr>
+          <p:cNvSpPr>
+            <a:spLocks noGrp="1"/>
+          </p:cNvSpPr>
+          <p:nvPr>
+            <p:ph type="title"/>
+          </p:nvPr>
+        </p:nvSpPr>
+        <p:spPr>
+          <a:xfrm>
+            <a:off x="7859485" y="634946"/>
+            <a:ext cx="3690257" cy="1450757"/>
+          </a:xfrm>
+        </p:spPr>
+        <p:txBody>
+          <a:bodyPr>
+            <a:normAutofit/>
+          </a:bodyPr>
+          <a:lstStyle/>
+          <a:p>
+            <a:pPr algn="just"/>
+            <a:r>
+              <a:rPr lang="en-US"/>
+              <a:t>Spectrogram</a:t>
+            </a:r>
+            <a:endParaRPr lang="en-US" dirty="0"/>
+          </a:p>
+        </p:txBody>
+      </p:sp>
+      <p:pic>
+        <p:nvPicPr>
+          <p:cNvPr id="4" name="Picture 3">
+            <a:extLst>
+              <a:ext uri="{FF2B5EF4-FFF2-40B4-BE49-F238E27FC236}">
+                <a16:creationId xmlns="" xmlns:a16="http://schemas.microsoft.com/office/drawing/2014/main" id="{1634A206-5F8B-4838-81B9-3AC5623EAC54}"/>
+              </a:ext>
+            </a:extLst>
+          </p:cNvPr>
+          <p:cNvPicPr>
+            <a:picLocks noChangeAspect="1"/>
+          </p:cNvPicPr>
+          <p:nvPr/>
+        </p:nvPicPr>
+        <p:blipFill>
+          <a:blip r:embed="rId2"/>
+          <a:stretch>
+            <a:fillRect/>
+          </a:stretch>
+        </p:blipFill>
+        <p:spPr>
+          <a:xfrm>
+            <a:off x="633999" y="1120697"/>
+            <a:ext cx="6909801" cy="4353173"/>
+          </a:xfrm>
+          <a:prstGeom prst="rect">
+            <a:avLst/>
+          </a:prstGeom>
+        </p:spPr>
+      </p:pic>
+      <p:cxnSp>
+        <p:nvCxnSpPr>
+          <p:cNvPr id="25" name="Straight Connector 11">
+            <a:extLst>
+              <a:ext uri="{FF2B5EF4-FFF2-40B4-BE49-F238E27FC236}">
+                <a16:creationId xmlns="" xmlns:a16="http://schemas.microsoft.com/office/drawing/2014/main" id="{C947DF4A-614C-4B4C-8B80-E5B9D8E8CFED}"/>
+              </a:ext>
+              <a:ext uri="{C183D7F6-B498-43B3-948B-1728B52AA6E4}">
+                <adec:decorative xmlns="" xmlns:adec="http://schemas.microsoft.com/office/drawing/2017/decorative" val="1"/>
+              </a:ext>
+            </a:extLst>
+          </p:cNvPr>
+          <p:cNvCxnSpPr>
+            <a:cxnSpLocks noGrp="1" noRot="1" noChangeAspect="1" noMove="1" noResize="1" noEditPoints="1" noAdjustHandles="1" noChangeArrowheads="1" noChangeShapeType="1"/>
+          </p:cNvCxnSpPr>
+          <p:nvPr>
+            <p:extLst>
+              <p:ext uri="{386F3935-93C4-4BCD-93E2-E3B085C9AB24}">
+                <p16:designElem xmlns="" xmlns:p16="http://schemas.microsoft.com/office/powerpoint/2015/main" val="1"/>
+              </p:ext>
+            </p:extLst>
+          </p:nvPr>
+        </p:nvCxnSpPr>
+        <p:spPr>
+          <a:xfrm>
+            <a:off x="7892143" y="2085703"/>
+            <a:ext cx="3566160" cy="0"/>
+          </a:xfrm>
+          <a:prstGeom prst="line">
+            <a:avLst/>
+          </a:prstGeom>
+          <a:ln w="6350">
+            <a:solidFill>
+              <a:schemeClr val="tx1">
+                <a:lumMod val="50000"/>
+                <a:lumOff val="50000"/>
+                <a:alpha val="90000"/>
+              </a:schemeClr>
+            </a:solidFill>
+          </a:ln>
+        </p:spPr>
+        <p:style>
+          <a:lnRef idx="1">
+            <a:schemeClr val="accent1"/>
+          </a:lnRef>
+          <a:fillRef idx="0">
+            <a:schemeClr val="accent1"/>
+          </a:fillRef>
+          <a:effectRef idx="0">
+            <a:schemeClr val="accent1"/>
+          </a:effectRef>
+          <a:fontRef idx="minor">
+            <a:schemeClr val="tx1"/>
+          </a:fontRef>
+        </p:style>
+      </p:cxnSp>
+      <p:sp>
+        <p:nvSpPr>
+          <p:cNvPr id="5" name="TextBox 4">
+            <a:extLst>
+              <a:ext uri="{FF2B5EF4-FFF2-40B4-BE49-F238E27FC236}">
+                <a16:creationId xmlns="" xmlns:a16="http://schemas.microsoft.com/office/drawing/2014/main" id="{AF9D4991-0C0C-4CDE-A117-499D591086C5}"/>
+              </a:ext>
+            </a:extLst>
+          </p:cNvPr>
+          <p:cNvSpPr txBox="1"/>
+          <p:nvPr/>
+        </p:nvSpPr>
+        <p:spPr>
+          <a:xfrm>
+            <a:off x="7859485" y="2198914"/>
+            <a:ext cx="3690257" cy="3670180"/>
+          </a:xfrm>
+          <a:prstGeom prst="rect">
+            <a:avLst/>
+          </a:prstGeom>
+        </p:spPr>
+        <p:txBody>
+          <a:bodyPr rtlCol="0">
+            <a:normAutofit/>
+          </a:bodyPr>
+          <a:lstStyle/>
+          <a:p>
+            <a:pPr algn="just">
+              <a:spcAft>
+                <a:spcPts val="600"/>
+              </a:spcAft>
+            </a:pPr>
+            <a:r>
+              <a:rPr lang="en-US"/>
+              <a:t>Là một cách biểu diễn ma trận đầu ra của STFT dễ hiểu hơn</a:t>
+            </a:r>
+          </a:p>
+        </p:txBody>
+      </p:sp>
+      <p:sp>
+        <p:nvSpPr>
+          <p:cNvPr id="26" name="Rectangle 13">
+            <a:extLst>
+              <a:ext uri="{FF2B5EF4-FFF2-40B4-BE49-F238E27FC236}">
+                <a16:creationId xmlns="" xmlns:a16="http://schemas.microsoft.com/office/drawing/2014/main" id="{1E299956-A9E7-4FC1-A0B1-D590CA9730E8}"/>
+              </a:ext>
+              <a:ext uri="{C183D7F6-B498-43B3-948B-1728B52AA6E4}">
+                <adec:decorative xmlns="" xmlns:adec="http://schemas.microsoft.com/office/drawing/2017/decorative" val="1"/>
+              </a:ext>
+            </a:extLst>
+          </p:cNvPr>
+          <p:cNvSpPr>
+            <a:spLocks noGrp="1" noRot="1" noChangeAspect="1" noMove="1" noResize="1" noEditPoints="1" noAdjustHandles="1" noChangeArrowheads="1" noChangeShapeType="1" noTextEdit="1"/>
+          </p:cNvSpPr>
+          <p:nvPr>
+            <p:extLst>
+              <p:ext uri="{386F3935-93C4-4BCD-93E2-E3B085C9AB24}">
+                <p16:designElem xmlns="" xmlns:p16="http://schemas.microsoft.com/office/powerpoint/2015/main" val="1"/>
+              </p:ext>
+            </p:extLst>
+          </p:nvPr>
+        </p:nvSpPr>
+        <p:spPr>
+          <a:xfrm>
+            <a:off x="15" y="6334316"/>
+            <a:ext cx="12191985" cy="66484"/>
+          </a:xfrm>
+          <a:prstGeom prst="rect">
+            <a:avLst/>
+          </a:prstGeom>
+          <a:solidFill>
+            <a:schemeClr val="accent1"/>
+          </a:solidFill>
+          <a:ln>
+            <a:noFill/>
+          </a:ln>
+        </p:spPr>
+        <p:style>
+          <a:lnRef idx="2">
+            <a:schemeClr val="accent1">
+              <a:shade val="50000"/>
+            </a:schemeClr>
+          </a:lnRef>
+          <a:fillRef idx="1">
+            <a:schemeClr val="accent1"/>
+          </a:fillRef>
+          <a:effectRef idx="0">
+            <a:schemeClr val="accent1"/>
+          </a:effectRef>
+          <a:fontRef idx="minor">
+            <a:schemeClr val="lt1"/>
+          </a:fontRef>
+        </p:style>
+      </p:sp>
+      <p:sp>
+        <p:nvSpPr>
+          <p:cNvPr id="27" name="Rectangle 15">
+            <a:extLst>
+              <a:ext uri="{FF2B5EF4-FFF2-40B4-BE49-F238E27FC236}">
+                <a16:creationId xmlns="" xmlns:a16="http://schemas.microsoft.com/office/drawing/2014/main" id="{17FC539C-B783-4B03-9F9E-D13430F3F64F}"/>
+              </a:ext>
+              <a:ext uri="{C183D7F6-B498-43B3-948B-1728B52AA6E4}">
+                <adec:decorative xmlns="" xmlns:adec="http://schemas.microsoft.com/office/drawing/2017/decorative" val="1"/>
+              </a:ext>
+            </a:extLst>
+          </p:cNvPr>
+          <p:cNvSpPr>
+            <a:spLocks noGrp="1" noRot="1" noChangeAspect="1" noMove="1" noResize="1" noEditPoints="1" noAdjustHandles="1" noChangeArrowheads="1" noChangeShapeType="1" noTextEdit="1"/>
+          </p:cNvSpPr>
+          <p:nvPr>
+            <p:extLst>
+              <p:ext uri="{386F3935-93C4-4BCD-93E2-E3B085C9AB24}">
+                <p16:designElem xmlns="" xmlns:p16="http://schemas.microsoft.com/office/powerpoint/2015/main" val="1"/>
+              </p:ext>
+            </p:extLst>
+          </p:nvPr>
+        </p:nvSpPr>
+        <p:spPr>
+          <a:xfrm>
+            <a:off x="1" y="6400800"/>
+            <a:ext cx="12192000" cy="457200"/>
           </a:xfrm>
           <a:prstGeom prst="rect">
             <a:avLst/>
@@ -10118,537 +10870,32 @@
       </p:sp>
       <p:sp>
         <p:nvSpPr>
-          <p:cNvPr id="14" name="Rectangle 13">
-            <a:extLst>
-              <a:ext uri="{FF2B5EF4-FFF2-40B4-BE49-F238E27FC236}">
-                <a16:creationId xmlns:a16="http://schemas.microsoft.com/office/drawing/2014/main" id="{E4710C0A-057C-4274-BA2D-001F1025E83E}"/>
-              </a:ext>
-              <a:ext uri="{C183D7F6-B498-43B3-948B-1728B52AA6E4}">
-                <adec:decorative xmlns:adec="http://schemas.microsoft.com/office/drawing/2017/decorative" val="1"/>
-              </a:ext>
-            </a:extLst>
-          </p:cNvPr>
-          <p:cNvSpPr>
-            <a:spLocks noGrp="1" noRot="1" noChangeAspect="1" noMove="1" noResize="1" noEditPoints="1" noAdjustHandles="1" noChangeArrowheads="1" noChangeShapeType="1" noTextEdit="1"/>
-          </p:cNvSpPr>
-          <p:nvPr>
-            <p:extLst>
-              <p:ext uri="{386F3935-93C4-4BCD-93E2-E3B085C9AB24}">
-                <p16:designElem xmlns:p16="http://schemas.microsoft.com/office/powerpoint/2015/main" val="1"/>
-              </p:ext>
-            </p:extLst>
-          </p:nvPr>
-        </p:nvSpPr>
-        <p:spPr>
-          <a:xfrm>
-            <a:off x="15" y="6334316"/>
-            <a:ext cx="12188825" cy="64008"/>
-          </a:xfrm>
-          <a:prstGeom prst="rect">
-            <a:avLst/>
-          </a:prstGeom>
-          <a:solidFill>
-            <a:schemeClr val="accent1"/>
-          </a:solidFill>
-          <a:ln>
-            <a:noFill/>
-          </a:ln>
-        </p:spPr>
-        <p:style>
-          <a:lnRef idx="2">
-            <a:schemeClr val="accent1">
-              <a:shade val="50000"/>
-            </a:schemeClr>
-          </a:lnRef>
-          <a:fillRef idx="1">
-            <a:schemeClr val="accent1"/>
-          </a:fillRef>
-          <a:effectRef idx="0">
-            <a:schemeClr val="accent1"/>
-          </a:effectRef>
-          <a:fontRef idx="minor">
-            <a:schemeClr val="lt1"/>
-          </a:fontRef>
-        </p:style>
-      </p:sp>
-      <p:cxnSp>
-        <p:nvCxnSpPr>
-          <p:cNvPr id="16" name="Straight Connector 15">
-            <a:extLst>
-              <a:ext uri="{FF2B5EF4-FFF2-40B4-BE49-F238E27FC236}">
-                <a16:creationId xmlns:a16="http://schemas.microsoft.com/office/drawing/2014/main" id="{BEFAE2A0-B30D-40C7-BB2F-AE3D6D5D001F}"/>
-              </a:ext>
-              <a:ext uri="{C183D7F6-B498-43B3-948B-1728B52AA6E4}">
-                <adec:decorative xmlns:adec="http://schemas.microsoft.com/office/drawing/2017/decorative" val="1"/>
-              </a:ext>
-            </a:extLst>
-          </p:cNvPr>
-          <p:cNvCxnSpPr>
-            <a:cxnSpLocks noGrp="1" noRot="1" noChangeAspect="1" noMove="1" noResize="1" noEditPoints="1" noAdjustHandles="1" noChangeArrowheads="1" noChangeShapeType="1"/>
-          </p:cNvCxnSpPr>
-          <p:nvPr>
-            <p:extLst>
-              <p:ext uri="{386F3935-93C4-4BCD-93E2-E3B085C9AB24}">
-                <p16:designElem xmlns:p16="http://schemas.microsoft.com/office/powerpoint/2015/main" val="1"/>
-              </p:ext>
-            </p:extLst>
-          </p:nvPr>
-        </p:nvCxnSpPr>
-        <p:spPr>
-          <a:xfrm>
-            <a:off x="1207658" y="4343400"/>
-            <a:ext cx="9875520" cy="0"/>
-          </a:xfrm>
-          <a:prstGeom prst="line">
-            <a:avLst/>
-          </a:prstGeom>
-          <a:ln w="6350">
-            <a:solidFill>
-              <a:schemeClr val="tx1">
-                <a:lumMod val="50000"/>
-                <a:lumOff val="50000"/>
-              </a:schemeClr>
-            </a:solidFill>
-          </a:ln>
-        </p:spPr>
-        <p:style>
-          <a:lnRef idx="1">
-            <a:schemeClr val="accent1"/>
-          </a:lnRef>
-          <a:fillRef idx="0">
-            <a:schemeClr val="accent1"/>
-          </a:fillRef>
-          <a:effectRef idx="0">
-            <a:schemeClr val="accent1"/>
-          </a:effectRef>
-          <a:fontRef idx="minor">
-            <a:schemeClr val="tx1"/>
-          </a:fontRef>
-        </p:style>
-      </p:cxnSp>
-      <p:sp useBgFill="1">
-        <p:nvSpPr>
-          <p:cNvPr id="18" name="Rectangle 17">
-            <a:extLst>
-              <a:ext uri="{FF2B5EF4-FFF2-40B4-BE49-F238E27FC236}">
-                <a16:creationId xmlns:a16="http://schemas.microsoft.com/office/drawing/2014/main" id="{7527CA15-1C7B-4C0C-86EE-385C1D6C98C0}"/>
-              </a:ext>
-              <a:ext uri="{C183D7F6-B498-43B3-948B-1728B52AA6E4}">
-                <adec:decorative xmlns:adec="http://schemas.microsoft.com/office/drawing/2017/decorative" val="1"/>
-              </a:ext>
-            </a:extLst>
-          </p:cNvPr>
-          <p:cNvSpPr>
-            <a:spLocks noGrp="1" noRot="1" noChangeAspect="1" noMove="1" noResize="1" noEditPoints="1" noAdjustHandles="1" noChangeArrowheads="1" noChangeShapeType="1" noTextEdit="1"/>
-          </p:cNvSpPr>
-          <p:nvPr>
-            <p:extLst>
-              <p:ext uri="{386F3935-93C4-4BCD-93E2-E3B085C9AB24}">
-                <p16:designElem xmlns:p16="http://schemas.microsoft.com/office/powerpoint/2015/main" val="1"/>
-              </p:ext>
-            </p:extLst>
-          </p:nvPr>
-        </p:nvSpPr>
-        <p:spPr>
-          <a:xfrm>
-            <a:off x="0" y="0"/>
-            <a:ext cx="12190459" cy="6858000"/>
-          </a:xfrm>
-          <a:prstGeom prst="rect">
-            <a:avLst/>
-          </a:prstGeom>
-          <a:ln>
-            <a:noFill/>
-          </a:ln>
-        </p:spPr>
-        <p:style>
-          <a:lnRef idx="2">
-            <a:schemeClr val="accent1">
-              <a:shade val="50000"/>
-            </a:schemeClr>
-          </a:lnRef>
-          <a:fillRef idx="1">
-            <a:schemeClr val="accent1"/>
-          </a:fillRef>
-          <a:effectRef idx="0">
-            <a:schemeClr val="accent1"/>
-          </a:effectRef>
-          <a:fontRef idx="minor">
-            <a:schemeClr val="lt1"/>
-          </a:fontRef>
-        </p:style>
-        <p:txBody>
-          <a:bodyPr rtlCol="0" anchor="ctr"/>
-          <a:lstStyle/>
-          <a:p>
-            <a:pPr algn="ctr"/>
-            <a:endParaRPr lang="en-US"/>
-          </a:p>
-        </p:txBody>
-      </p:sp>
-      <p:sp>
-        <p:nvSpPr>
-          <p:cNvPr id="20" name="Rectangle 19">
-            <a:extLst>
-              <a:ext uri="{FF2B5EF4-FFF2-40B4-BE49-F238E27FC236}">
-                <a16:creationId xmlns:a16="http://schemas.microsoft.com/office/drawing/2014/main" id="{ED643915-9209-40AB-8194-9D9125C0A3F3}"/>
-              </a:ext>
-              <a:ext uri="{C183D7F6-B498-43B3-948B-1728B52AA6E4}">
-                <adec:decorative xmlns:adec="http://schemas.microsoft.com/office/drawing/2017/decorative" val="1"/>
-              </a:ext>
-            </a:extLst>
-          </p:cNvPr>
-          <p:cNvSpPr>
-            <a:spLocks noGrp="1" noRot="1" noChangeAspect="1" noMove="1" noResize="1" noEditPoints="1" noAdjustHandles="1" noChangeArrowheads="1" noChangeShapeType="1" noTextEdit="1"/>
-          </p:cNvSpPr>
-          <p:nvPr>
-            <p:extLst>
-              <p:ext uri="{386F3935-93C4-4BCD-93E2-E3B085C9AB24}">
-                <p16:designElem xmlns:p16="http://schemas.microsoft.com/office/powerpoint/2015/main" val="1"/>
-              </p:ext>
-            </p:extLst>
-          </p:nvPr>
-        </p:nvSpPr>
-        <p:spPr bwMode="white">
-          <a:xfrm>
-            <a:off x="1507" y="4953000"/>
-            <a:ext cx="12188952" cy="1905000"/>
-          </a:xfrm>
-          <a:prstGeom prst="rect">
-            <a:avLst/>
-          </a:prstGeom>
-          <a:solidFill>
-            <a:schemeClr val="accent2"/>
-          </a:solidFill>
-          <a:ln>
-            <a:noFill/>
-          </a:ln>
-        </p:spPr>
-        <p:style>
-          <a:lnRef idx="2">
-            <a:schemeClr val="accent1">
-              <a:shade val="50000"/>
-            </a:schemeClr>
-          </a:lnRef>
-          <a:fillRef idx="1">
-            <a:schemeClr val="accent1"/>
-          </a:fillRef>
-          <a:effectRef idx="0">
-            <a:schemeClr val="accent1"/>
-          </a:effectRef>
-          <a:fontRef idx="minor">
-            <a:schemeClr val="lt1"/>
-          </a:fontRef>
-        </p:style>
-      </p:sp>
-      <p:sp>
-        <p:nvSpPr>
-          <p:cNvPr id="2" name="Title 1">
-            <a:extLst>
-              <a:ext uri="{FF2B5EF4-FFF2-40B4-BE49-F238E27FC236}">
-                <a16:creationId xmlns:a16="http://schemas.microsoft.com/office/drawing/2014/main" id="{A6FF1C6A-F3F0-4C1E-8C75-46BE91BCB8D6}"/>
-              </a:ext>
-            </a:extLst>
-          </p:cNvPr>
+          <p:cNvPr id="3" name="Slide Number Placeholder 2"/>
           <p:cNvSpPr>
             <a:spLocks noGrp="1"/>
           </p:cNvSpPr>
           <p:nvPr>
-            <p:ph type="title"/>
+            <p:ph type="sldNum" sz="quarter" idx="12"/>
           </p:nvPr>
         </p:nvSpPr>
-        <p:spPr>
-          <a:xfrm>
-            <a:off x="1065197" y="5120640"/>
-            <a:ext cx="10058400" cy="822960"/>
-          </a:xfrm>
-        </p:spPr>
+        <p:spPr/>
         <p:txBody>
-          <a:bodyPr vert="horz" lIns="91440" tIns="45720" rIns="91440" bIns="45720" rtlCol="0" anchor="b">
-            <a:normAutofit/>
-          </a:bodyPr>
+          <a:bodyPr/>
           <a:lstStyle/>
           <a:p>
-            <a:r>
-              <a:rPr lang="en-US" sz="3600">
-                <a:solidFill>
-                  <a:srgbClr val="FFFFFF"/>
-                </a:solidFill>
-              </a:rPr>
-              <a:t>Spectrogram</a:t>
-            </a:r>
+            <a:fld id="{6113E31D-E2AB-40D1-8B51-AFA5AFEF393A}" type="slidenum">
+              <a:rPr lang="en-US" smtClean="0"/>
+              <a:pPr/>
+              <a:t>10</a:t>
+            </a:fld>
+            <a:endParaRPr lang="en-US" dirty="0"/>
           </a:p>
         </p:txBody>
-      </p:sp>
-      <p:pic>
-        <p:nvPicPr>
-          <p:cNvPr id="5" name="Picture 4">
-            <a:extLst>
-              <a:ext uri="{FF2B5EF4-FFF2-40B4-BE49-F238E27FC236}">
-                <a16:creationId xmlns:a16="http://schemas.microsoft.com/office/drawing/2014/main" id="{F8CDCA9F-EFC4-4517-B3BD-F3D8FF1241D6}"/>
-              </a:ext>
-            </a:extLst>
-          </p:cNvPr>
-          <p:cNvPicPr>
-            <a:picLocks noChangeAspect="1"/>
-          </p:cNvPicPr>
-          <p:nvPr/>
-        </p:nvPicPr>
-        <p:blipFill>
-          <a:blip r:embed="rId2"/>
-          <a:stretch>
-            <a:fillRect/>
-          </a:stretch>
-        </p:blipFill>
-        <p:spPr>
-          <a:xfrm>
-            <a:off x="147237" y="1162344"/>
-            <a:ext cx="3765757" cy="2457156"/>
-          </a:xfrm>
-          <a:prstGeom prst="rect">
-            <a:avLst/>
-          </a:prstGeom>
-        </p:spPr>
-      </p:pic>
-      <p:sp>
-        <p:nvSpPr>
-          <p:cNvPr id="22" name="Rectangle 21">
-            <a:extLst>
-              <a:ext uri="{FF2B5EF4-FFF2-40B4-BE49-F238E27FC236}">
-                <a16:creationId xmlns:a16="http://schemas.microsoft.com/office/drawing/2014/main" id="{8A54198A-4950-48AB-BDD3-16D7F9084A50}"/>
-              </a:ext>
-              <a:ext uri="{C183D7F6-B498-43B3-948B-1728B52AA6E4}">
-                <adec:decorative xmlns:adec="http://schemas.microsoft.com/office/drawing/2017/decorative" val="1"/>
-              </a:ext>
-            </a:extLst>
-          </p:cNvPr>
-          <p:cNvSpPr>
-            <a:spLocks noGrp="1" noRot="1" noChangeAspect="1" noMove="1" noResize="1" noEditPoints="1" noAdjustHandles="1" noChangeArrowheads="1" noChangeShapeType="1" noTextEdit="1"/>
-          </p:cNvSpPr>
-          <p:nvPr>
-            <p:extLst>
-              <p:ext uri="{386F3935-93C4-4BCD-93E2-E3B085C9AB24}">
-                <p16:designElem xmlns:p16="http://schemas.microsoft.com/office/powerpoint/2015/main" val="1"/>
-              </p:ext>
-            </p:extLst>
-          </p:nvPr>
-        </p:nvSpPr>
-        <p:spPr>
-          <a:xfrm>
-            <a:off x="4158553" y="886968"/>
-            <a:ext cx="64008" cy="3108960"/>
-          </a:xfrm>
-          <a:prstGeom prst="rect">
-            <a:avLst/>
-          </a:prstGeom>
-          <a:ln>
-            <a:noFill/>
-          </a:ln>
-        </p:spPr>
-        <p:style>
-          <a:lnRef idx="2">
-            <a:schemeClr val="accent1">
-              <a:shade val="50000"/>
-            </a:schemeClr>
-          </a:lnRef>
-          <a:fillRef idx="1">
-            <a:schemeClr val="accent1"/>
-          </a:fillRef>
-          <a:effectRef idx="0">
-            <a:schemeClr val="accent1"/>
-          </a:effectRef>
-          <a:fontRef idx="minor">
-            <a:schemeClr val="lt1"/>
-          </a:fontRef>
-        </p:style>
-        <p:txBody>
-          <a:bodyPr rtlCol="0" anchor="ctr"/>
-          <a:lstStyle/>
-          <a:p>
-            <a:pPr algn="ctr"/>
-            <a:endParaRPr lang="en-US"/>
-          </a:p>
-        </p:txBody>
-      </p:sp>
-      <p:pic>
-        <p:nvPicPr>
-          <p:cNvPr id="6" name="Picture 5">
-            <a:extLst>
-              <a:ext uri="{FF2B5EF4-FFF2-40B4-BE49-F238E27FC236}">
-                <a16:creationId xmlns:a16="http://schemas.microsoft.com/office/drawing/2014/main" id="{01DDDE4E-C0A0-4F8D-9206-26D288DF27AF}"/>
-              </a:ext>
-            </a:extLst>
-          </p:cNvPr>
-          <p:cNvPicPr>
-            <a:picLocks noChangeAspect="1"/>
-          </p:cNvPicPr>
-          <p:nvPr/>
-        </p:nvPicPr>
-        <p:blipFill>
-          <a:blip r:embed="rId3"/>
-          <a:stretch>
-            <a:fillRect/>
-          </a:stretch>
-        </p:blipFill>
-        <p:spPr>
-          <a:xfrm>
-            <a:off x="4262539" y="1175156"/>
-            <a:ext cx="3765758" cy="2400670"/>
-          </a:xfrm>
-          <a:prstGeom prst="rect">
-            <a:avLst/>
-          </a:prstGeom>
-        </p:spPr>
-      </p:pic>
-      <p:sp>
-        <p:nvSpPr>
-          <p:cNvPr id="24" name="Rectangle 23">
-            <a:extLst>
-              <a:ext uri="{FF2B5EF4-FFF2-40B4-BE49-F238E27FC236}">
-                <a16:creationId xmlns:a16="http://schemas.microsoft.com/office/drawing/2014/main" id="{30F05B05-D1D0-4D96-A6C6-E0095E789EF8}"/>
-              </a:ext>
-              <a:ext uri="{C183D7F6-B498-43B3-948B-1728B52AA6E4}">
-                <adec:decorative xmlns:adec="http://schemas.microsoft.com/office/drawing/2017/decorative" val="1"/>
-              </a:ext>
-            </a:extLst>
-          </p:cNvPr>
-          <p:cNvSpPr>
-            <a:spLocks noGrp="1" noRot="1" noChangeAspect="1" noMove="1" noResize="1" noEditPoints="1" noAdjustHandles="1" noChangeArrowheads="1" noChangeShapeType="1" noTextEdit="1"/>
-          </p:cNvSpPr>
-          <p:nvPr>
-            <p:extLst>
-              <p:ext uri="{386F3935-93C4-4BCD-93E2-E3B085C9AB24}">
-                <p16:designElem xmlns:p16="http://schemas.microsoft.com/office/powerpoint/2015/main" val="1"/>
-              </p:ext>
-            </p:extLst>
-          </p:nvPr>
-        </p:nvSpPr>
-        <p:spPr>
-          <a:xfrm>
-            <a:off x="7955969" y="886968"/>
-            <a:ext cx="64008" cy="3108960"/>
-          </a:xfrm>
-          <a:prstGeom prst="rect">
-            <a:avLst/>
-          </a:prstGeom>
-          <a:ln>
-            <a:noFill/>
-          </a:ln>
-        </p:spPr>
-        <p:style>
-          <a:lnRef idx="2">
-            <a:schemeClr val="accent1">
-              <a:shade val="50000"/>
-            </a:schemeClr>
-          </a:lnRef>
-          <a:fillRef idx="1">
-            <a:schemeClr val="accent1"/>
-          </a:fillRef>
-          <a:effectRef idx="0">
-            <a:schemeClr val="accent1"/>
-          </a:effectRef>
-          <a:fontRef idx="minor">
-            <a:schemeClr val="lt1"/>
-          </a:fontRef>
-        </p:style>
-        <p:txBody>
-          <a:bodyPr rtlCol="0" anchor="ctr"/>
-          <a:lstStyle/>
-          <a:p>
-            <a:pPr algn="ctr"/>
-            <a:endParaRPr lang="en-US"/>
-          </a:p>
-        </p:txBody>
-      </p:sp>
-      <p:pic>
-        <p:nvPicPr>
-          <p:cNvPr id="7" name="Picture 6">
-            <a:extLst>
-              <a:ext uri="{FF2B5EF4-FFF2-40B4-BE49-F238E27FC236}">
-                <a16:creationId xmlns:a16="http://schemas.microsoft.com/office/drawing/2014/main" id="{54124043-AE44-43BD-B311-4FCD9861781A}"/>
-              </a:ext>
-            </a:extLst>
-          </p:cNvPr>
-          <p:cNvPicPr>
-            <a:picLocks noChangeAspect="1"/>
-          </p:cNvPicPr>
-          <p:nvPr/>
-        </p:nvPicPr>
-        <p:blipFill>
-          <a:blip r:embed="rId4"/>
-          <a:stretch>
-            <a:fillRect/>
-          </a:stretch>
-        </p:blipFill>
-        <p:spPr>
-          <a:xfrm>
-            <a:off x="8068275" y="1161035"/>
-            <a:ext cx="3765757" cy="2428912"/>
-          </a:xfrm>
-          <a:prstGeom prst="rect">
-            <a:avLst/>
-          </a:prstGeom>
-        </p:spPr>
-      </p:pic>
-      <p:sp>
-        <p:nvSpPr>
-          <p:cNvPr id="26" name="Rectangle 25">
-            <a:extLst>
-              <a:ext uri="{FF2B5EF4-FFF2-40B4-BE49-F238E27FC236}">
-                <a16:creationId xmlns:a16="http://schemas.microsoft.com/office/drawing/2014/main" id="{6561554E-8EEC-420C-93A0-4E77A8A0EB7B}"/>
-              </a:ext>
-              <a:ext uri="{C183D7F6-B498-43B3-948B-1728B52AA6E4}">
-                <adec:decorative xmlns:adec="http://schemas.microsoft.com/office/drawing/2017/decorative" val="1"/>
-              </a:ext>
-            </a:extLst>
-          </p:cNvPr>
-          <p:cNvSpPr>
-            <a:spLocks noGrp="1" noRot="1" noChangeAspect="1" noMove="1" noResize="1" noEditPoints="1" noAdjustHandles="1" noChangeArrowheads="1" noChangeShapeType="1" noTextEdit="1"/>
-          </p:cNvSpPr>
-          <p:nvPr>
-            <p:extLst>
-              <p:ext uri="{386F3935-93C4-4BCD-93E2-E3B085C9AB24}">
-                <p16:designElem xmlns:p16="http://schemas.microsoft.com/office/powerpoint/2015/main" val="1"/>
-              </p:ext>
-            </p:extLst>
-          </p:nvPr>
-        </p:nvSpPr>
-        <p:spPr>
-          <a:xfrm>
-            <a:off x="1507" y="4906176"/>
-            <a:ext cx="12188952" cy="64008"/>
-          </a:xfrm>
-          <a:prstGeom prst="rect">
-            <a:avLst/>
-          </a:prstGeom>
-          <a:solidFill>
-            <a:schemeClr val="accent1"/>
-          </a:solidFill>
-          <a:ln>
-            <a:noFill/>
-          </a:ln>
-        </p:spPr>
-        <p:style>
-          <a:lnRef idx="2">
-            <a:schemeClr val="accent1">
-              <a:shade val="50000"/>
-            </a:schemeClr>
-          </a:lnRef>
-          <a:fillRef idx="1">
-            <a:schemeClr val="accent1"/>
-          </a:fillRef>
-          <a:effectRef idx="0">
-            <a:schemeClr val="accent1"/>
-          </a:effectRef>
-          <a:fontRef idx="minor">
-            <a:schemeClr val="lt1"/>
-          </a:fontRef>
-        </p:style>
       </p:sp>
     </p:spTree>
     <p:extLst>
       <p:ext uri="{BB962C8B-B14F-4D97-AF65-F5344CB8AC3E}">
-        <p14:creationId xmlns:p14="http://schemas.microsoft.com/office/powerpoint/2010/main" val="1257069520"/>
+        <p14:creationId xmlns:p14="http://schemas.microsoft.com/office/powerpoint/2010/main" val="2721461332"/>
       </p:ext>
     </p:extLst>
   </p:cSld>
@@ -10685,10 +10932,290 @@
       </p:grpSpPr>
       <p:sp>
         <p:nvSpPr>
+          <p:cNvPr id="12" name="Rectangle 11">
+            <a:extLst>
+              <a:ext uri="{FF2B5EF4-FFF2-40B4-BE49-F238E27FC236}">
+                <a16:creationId xmlns="" xmlns:a16="http://schemas.microsoft.com/office/drawing/2014/main" id="{3F87243A-F810-42AD-AA74-3FA38B1D8A8F}"/>
+              </a:ext>
+              <a:ext uri="{C183D7F6-B498-43B3-948B-1728B52AA6E4}">
+                <adec:decorative xmlns="" xmlns:adec="http://schemas.microsoft.com/office/drawing/2017/decorative" val="1"/>
+              </a:ext>
+            </a:extLst>
+          </p:cNvPr>
+          <p:cNvSpPr>
+            <a:spLocks noGrp="1" noRot="1" noChangeAspect="1" noMove="1" noResize="1" noEditPoints="1" noAdjustHandles="1" noChangeArrowheads="1" noChangeShapeType="1" noTextEdit="1"/>
+          </p:cNvSpPr>
+          <p:nvPr>
+            <p:extLst>
+              <p:ext uri="{386F3935-93C4-4BCD-93E2-E3B085C9AB24}">
+                <p16:designElem xmlns="" xmlns:p16="http://schemas.microsoft.com/office/powerpoint/2015/main" val="1"/>
+              </p:ext>
+            </p:extLst>
+          </p:nvPr>
+        </p:nvSpPr>
+        <p:spPr>
+          <a:xfrm>
+            <a:off x="3175" y="6400800"/>
+            <a:ext cx="12188825" cy="457200"/>
+          </a:xfrm>
+          <a:prstGeom prst="rect">
+            <a:avLst/>
+          </a:prstGeom>
+          <a:solidFill>
+            <a:schemeClr val="accent2"/>
+          </a:solidFill>
+          <a:ln>
+            <a:noFill/>
+          </a:ln>
+        </p:spPr>
+        <p:style>
+          <a:lnRef idx="2">
+            <a:schemeClr val="accent1">
+              <a:shade val="50000"/>
+            </a:schemeClr>
+          </a:lnRef>
+          <a:fillRef idx="1">
+            <a:schemeClr val="accent1"/>
+          </a:fillRef>
+          <a:effectRef idx="0">
+            <a:schemeClr val="accent1"/>
+          </a:effectRef>
+          <a:fontRef idx="minor">
+            <a:schemeClr val="lt1"/>
+          </a:fontRef>
+        </p:style>
+      </p:sp>
+      <p:sp>
+        <p:nvSpPr>
+          <p:cNvPr id="14" name="Rectangle 13">
+            <a:extLst>
+              <a:ext uri="{FF2B5EF4-FFF2-40B4-BE49-F238E27FC236}">
+                <a16:creationId xmlns="" xmlns:a16="http://schemas.microsoft.com/office/drawing/2014/main" id="{E4710C0A-057C-4274-BA2D-001F1025E83E}"/>
+              </a:ext>
+              <a:ext uri="{C183D7F6-B498-43B3-948B-1728B52AA6E4}">
+                <adec:decorative xmlns="" xmlns:adec="http://schemas.microsoft.com/office/drawing/2017/decorative" val="1"/>
+              </a:ext>
+            </a:extLst>
+          </p:cNvPr>
+          <p:cNvSpPr>
+            <a:spLocks noGrp="1" noRot="1" noChangeAspect="1" noMove="1" noResize="1" noEditPoints="1" noAdjustHandles="1" noChangeArrowheads="1" noChangeShapeType="1" noTextEdit="1"/>
+          </p:cNvSpPr>
+          <p:nvPr>
+            <p:extLst>
+              <p:ext uri="{386F3935-93C4-4BCD-93E2-E3B085C9AB24}">
+                <p16:designElem xmlns="" xmlns:p16="http://schemas.microsoft.com/office/powerpoint/2015/main" val="1"/>
+              </p:ext>
+            </p:extLst>
+          </p:nvPr>
+        </p:nvSpPr>
+        <p:spPr>
+          <a:xfrm>
+            <a:off x="15" y="6334316"/>
+            <a:ext cx="12188825" cy="64008"/>
+          </a:xfrm>
+          <a:prstGeom prst="rect">
+            <a:avLst/>
+          </a:prstGeom>
+          <a:solidFill>
+            <a:schemeClr val="accent1"/>
+          </a:solidFill>
+          <a:ln>
+            <a:noFill/>
+          </a:ln>
+        </p:spPr>
+        <p:style>
+          <a:lnRef idx="2">
+            <a:schemeClr val="accent1">
+              <a:shade val="50000"/>
+            </a:schemeClr>
+          </a:lnRef>
+          <a:fillRef idx="1">
+            <a:schemeClr val="accent1"/>
+          </a:fillRef>
+          <a:effectRef idx="0">
+            <a:schemeClr val="accent1"/>
+          </a:effectRef>
+          <a:fontRef idx="minor">
+            <a:schemeClr val="lt1"/>
+          </a:fontRef>
+        </p:style>
+      </p:sp>
+      <p:cxnSp>
+        <p:nvCxnSpPr>
+          <p:cNvPr id="16" name="Straight Connector 15">
+            <a:extLst>
+              <a:ext uri="{FF2B5EF4-FFF2-40B4-BE49-F238E27FC236}">
+                <a16:creationId xmlns="" xmlns:a16="http://schemas.microsoft.com/office/drawing/2014/main" id="{BEFAE2A0-B30D-40C7-BB2F-AE3D6D5D001F}"/>
+              </a:ext>
+              <a:ext uri="{C183D7F6-B498-43B3-948B-1728B52AA6E4}">
+                <adec:decorative xmlns="" xmlns:adec="http://schemas.microsoft.com/office/drawing/2017/decorative" val="1"/>
+              </a:ext>
+            </a:extLst>
+          </p:cNvPr>
+          <p:cNvCxnSpPr>
+            <a:cxnSpLocks noGrp="1" noRot="1" noChangeAspect="1" noMove="1" noResize="1" noEditPoints="1" noAdjustHandles="1" noChangeArrowheads="1" noChangeShapeType="1"/>
+          </p:cNvCxnSpPr>
+          <p:nvPr>
+            <p:extLst>
+              <p:ext uri="{386F3935-93C4-4BCD-93E2-E3B085C9AB24}">
+                <p16:designElem xmlns="" xmlns:p16="http://schemas.microsoft.com/office/powerpoint/2015/main" val="1"/>
+              </p:ext>
+            </p:extLst>
+          </p:nvPr>
+        </p:nvCxnSpPr>
+        <p:spPr>
+          <a:xfrm>
+            <a:off x="1207658" y="4343400"/>
+            <a:ext cx="9875520" cy="0"/>
+          </a:xfrm>
+          <a:prstGeom prst="line">
+            <a:avLst/>
+          </a:prstGeom>
+          <a:ln w="6350">
+            <a:solidFill>
+              <a:schemeClr val="tx1">
+                <a:lumMod val="50000"/>
+                <a:lumOff val="50000"/>
+              </a:schemeClr>
+            </a:solidFill>
+          </a:ln>
+        </p:spPr>
+        <p:style>
+          <a:lnRef idx="1">
+            <a:schemeClr val="accent1"/>
+          </a:lnRef>
+          <a:fillRef idx="0">
+            <a:schemeClr val="accent1"/>
+          </a:fillRef>
+          <a:effectRef idx="0">
+            <a:schemeClr val="accent1"/>
+          </a:effectRef>
+          <a:fontRef idx="minor">
+            <a:schemeClr val="tx1"/>
+          </a:fontRef>
+        </p:style>
+      </p:cxnSp>
+      <p:sp useBgFill="1">
+        <p:nvSpPr>
+          <p:cNvPr id="18" name="Rectangle 17">
+            <a:extLst>
+              <a:ext uri="{FF2B5EF4-FFF2-40B4-BE49-F238E27FC236}">
+                <a16:creationId xmlns="" xmlns:a16="http://schemas.microsoft.com/office/drawing/2014/main" id="{7527CA15-1C7B-4C0C-86EE-385C1D6C98C0}"/>
+              </a:ext>
+              <a:ext uri="{C183D7F6-B498-43B3-948B-1728B52AA6E4}">
+                <adec:decorative xmlns="" xmlns:adec="http://schemas.microsoft.com/office/drawing/2017/decorative" val="1"/>
+              </a:ext>
+            </a:extLst>
+          </p:cNvPr>
+          <p:cNvSpPr>
+            <a:spLocks noGrp="1" noRot="1" noChangeAspect="1" noMove="1" noResize="1" noEditPoints="1" noAdjustHandles="1" noChangeArrowheads="1" noChangeShapeType="1" noTextEdit="1"/>
+          </p:cNvSpPr>
+          <p:nvPr>
+            <p:extLst>
+              <p:ext uri="{386F3935-93C4-4BCD-93E2-E3B085C9AB24}">
+                <p16:designElem xmlns="" xmlns:p16="http://schemas.microsoft.com/office/powerpoint/2015/main" val="1"/>
+              </p:ext>
+            </p:extLst>
+          </p:nvPr>
+        </p:nvSpPr>
+        <p:spPr>
+          <a:xfrm>
+            <a:off x="0" y="0"/>
+            <a:ext cx="12190459" cy="6858000"/>
+          </a:xfrm>
+          <a:prstGeom prst="rect">
+            <a:avLst/>
+          </a:prstGeom>
+          <a:ln>
+            <a:noFill/>
+          </a:ln>
+        </p:spPr>
+        <p:style>
+          <a:lnRef idx="2">
+            <a:schemeClr val="accent1">
+              <a:shade val="50000"/>
+            </a:schemeClr>
+          </a:lnRef>
+          <a:fillRef idx="1">
+            <a:schemeClr val="accent1"/>
+          </a:fillRef>
+          <a:effectRef idx="0">
+            <a:schemeClr val="accent1"/>
+          </a:effectRef>
+          <a:fontRef idx="minor">
+            <a:schemeClr val="lt1"/>
+          </a:fontRef>
+        </p:style>
+        <p:txBody>
+          <a:bodyPr rtlCol="0" anchor="ctr"/>
+          <a:lstStyle/>
+          <a:p>
+            <a:pPr algn="ctr"/>
+            <a:endParaRPr lang="en-US"/>
+          </a:p>
+        </p:txBody>
+      </p:sp>
+      <p:sp>
+        <p:nvSpPr>
+          <p:cNvPr id="20" name="Rectangle 19">
+            <a:extLst>
+              <a:ext uri="{FF2B5EF4-FFF2-40B4-BE49-F238E27FC236}">
+                <a16:creationId xmlns="" xmlns:a16="http://schemas.microsoft.com/office/drawing/2014/main" id="{ED643915-9209-40AB-8194-9D9125C0A3F3}"/>
+              </a:ext>
+              <a:ext uri="{C183D7F6-B498-43B3-948B-1728B52AA6E4}">
+                <adec:decorative xmlns="" xmlns:adec="http://schemas.microsoft.com/office/drawing/2017/decorative" val="1"/>
+              </a:ext>
+            </a:extLst>
+          </p:cNvPr>
+          <p:cNvSpPr>
+            <a:spLocks noGrp="1" noRot="1" noChangeAspect="1" noMove="1" noResize="1" noEditPoints="1" noAdjustHandles="1" noChangeArrowheads="1" noChangeShapeType="1" noTextEdit="1"/>
+          </p:cNvSpPr>
+          <p:nvPr>
+            <p:extLst>
+              <p:ext uri="{386F3935-93C4-4BCD-93E2-E3B085C9AB24}">
+                <p16:designElem xmlns="" xmlns:p16="http://schemas.microsoft.com/office/powerpoint/2015/main" val="1"/>
+              </p:ext>
+            </p:extLst>
+          </p:nvPr>
+        </p:nvSpPr>
+        <p:spPr bwMode="white">
+          <a:xfrm>
+            <a:off x="1507" y="4953000"/>
+            <a:ext cx="12188952" cy="1905000"/>
+          </a:xfrm>
+          <a:prstGeom prst="rect">
+            <a:avLst/>
+          </a:prstGeom>
+          <a:solidFill>
+            <a:schemeClr val="accent2"/>
+          </a:solidFill>
+          <a:ln>
+            <a:noFill/>
+          </a:ln>
+        </p:spPr>
+        <p:style>
+          <a:lnRef idx="2">
+            <a:schemeClr val="accent1">
+              <a:shade val="50000"/>
+            </a:schemeClr>
+          </a:lnRef>
+          <a:fillRef idx="1">
+            <a:schemeClr val="accent1"/>
+          </a:fillRef>
+          <a:effectRef idx="0">
+            <a:schemeClr val="accent1"/>
+          </a:effectRef>
+          <a:fontRef idx="minor">
+            <a:schemeClr val="lt1"/>
+          </a:fontRef>
+        </p:style>
+      </p:sp>
+      <p:sp>
+        <p:nvSpPr>
           <p:cNvPr id="2" name="Title 1">
             <a:extLst>
               <a:ext uri="{FF2B5EF4-FFF2-40B4-BE49-F238E27FC236}">
-                <a16:creationId xmlns:a16="http://schemas.microsoft.com/office/drawing/2014/main" id="{2539CAEB-67C3-438F-BB5B-DE4B1F442339}"/>
+                <a16:creationId xmlns="" xmlns:a16="http://schemas.microsoft.com/office/drawing/2014/main" id="{A6FF1C6A-F3F0-4C1E-8C75-46BE91BCB8D6}"/>
               </a:ext>
             </a:extLst>
           </p:cNvPr>
@@ -10701,143 +11228,33 @@
         </p:nvSpPr>
         <p:spPr>
           <a:xfrm>
-            <a:off x="1097280" y="286603"/>
-            <a:ext cx="10058400" cy="1450757"/>
+            <a:off x="1065197" y="5120640"/>
+            <a:ext cx="10058400" cy="822960"/>
           </a:xfrm>
         </p:spPr>
         <p:txBody>
-          <a:bodyPr>
+          <a:bodyPr vert="horz" lIns="91440" tIns="45720" rIns="91440" bIns="45720" rtlCol="0" anchor="b">
             <a:normAutofit/>
           </a:bodyPr>
           <a:lstStyle/>
           <a:p>
             <a:r>
-              <a:rPr lang="en-US"/>
-              <a:t>Mô hình</a:t>
-            </a:r>
-          </a:p>
-        </p:txBody>
-      </p:sp>
-      <p:graphicFrame>
-        <p:nvGraphicFramePr>
-          <p:cNvPr id="14" name="Content Placeholder 2">
-            <a:extLst>
-              <a:ext uri="{FF2B5EF4-FFF2-40B4-BE49-F238E27FC236}">
-                <a16:creationId xmlns:a16="http://schemas.microsoft.com/office/drawing/2014/main" id="{E5BF3BF2-83CF-445C-8F1D-7A8C19AC076D}"/>
-              </a:ext>
-            </a:extLst>
-          </p:cNvPr>
-          <p:cNvGraphicFramePr>
-            <a:graphicFrameLocks noGrp="1"/>
-          </p:cNvGraphicFramePr>
-          <p:nvPr>
-            <p:ph idx="1"/>
-            <p:extLst>
-              <p:ext uri="{D42A27DB-BD31-4B8C-83A1-F6EECF244321}">
-                <p14:modId xmlns:p14="http://schemas.microsoft.com/office/powerpoint/2010/main" val="1589886704"/>
-              </p:ext>
-            </p:extLst>
-          </p:nvPr>
-        </p:nvGraphicFramePr>
-        <p:xfrm>
-          <a:off x="1096963" y="2098515"/>
-          <a:ext cx="10058400" cy="3786080"/>
-        </p:xfrm>
-        <a:graphic>
-          <a:graphicData uri="http://schemas.openxmlformats.org/drawingml/2006/diagram">
-            <dgm:relIds xmlns:dgm="http://schemas.openxmlformats.org/drawingml/2006/diagram" xmlns:r="http://schemas.openxmlformats.org/officeDocument/2006/relationships" r:dm="rId2" r:lo="rId3" r:qs="rId4" r:cs="rId5"/>
-          </a:graphicData>
-        </a:graphic>
-      </p:graphicFrame>
-    </p:spTree>
-    <p:extLst>
-      <p:ext uri="{BB962C8B-B14F-4D97-AF65-F5344CB8AC3E}">
-        <p14:creationId xmlns:p14="http://schemas.microsoft.com/office/powerpoint/2010/main" val="796329865"/>
-      </p:ext>
-    </p:extLst>
-  </p:cSld>
-  <p:clrMapOvr>
-    <a:masterClrMapping/>
-  </p:clrMapOvr>
-</p:sld>
-</file>
-
-<file path=ppt/slides/slide12.xml><?xml version="1.0" encoding="utf-8"?>
-<p:sld xmlns:a="http://schemas.openxmlformats.org/drawingml/2006/main" xmlns:r="http://schemas.openxmlformats.org/officeDocument/2006/relationships" xmlns:p="http://schemas.openxmlformats.org/presentationml/2006/main">
-  <p:cSld>
-    <p:spTree>
-      <p:nvGrpSpPr>
-        <p:cNvPr id="1" name=""/>
-        <p:cNvGrpSpPr/>
-        <p:nvPr/>
-      </p:nvGrpSpPr>
-      <p:grpSpPr>
-        <a:xfrm>
-          <a:off x="0" y="0"/>
-          <a:ext cx="0" cy="0"/>
-          <a:chOff x="0" y="0"/>
-          <a:chExt cx="0" cy="0"/>
-        </a:xfrm>
-      </p:grpSpPr>
-      <p:sp>
-        <p:nvSpPr>
-          <p:cNvPr id="2" name="Title 1">
-            <a:extLst>
-              <a:ext uri="{FF2B5EF4-FFF2-40B4-BE49-F238E27FC236}">
-                <a16:creationId xmlns:a16="http://schemas.microsoft.com/office/drawing/2014/main" id="{9F5A925A-AB43-4FC3-8421-29D2C0252A4C}"/>
-              </a:ext>
-            </a:extLst>
-          </p:cNvPr>
-          <p:cNvSpPr>
-            <a:spLocks noGrp="1"/>
-          </p:cNvSpPr>
-          <p:nvPr>
-            <p:ph type="title"/>
-          </p:nvPr>
-        </p:nvSpPr>
-        <p:spPr/>
-        <p:txBody>
-          <a:bodyPr/>
-          <a:lstStyle/>
-          <a:p>
-            <a:r>
-              <a:rPr lang="en-US" dirty="0" err="1"/>
-              <a:t>Thử</a:t>
-            </a:r>
-            <a:r>
-              <a:rPr lang="en-US" dirty="0"/>
-              <a:t> </a:t>
-            </a:r>
-            <a:r>
-              <a:rPr lang="en-US" dirty="0" err="1"/>
-              <a:t>nghiệm</a:t>
-            </a:r>
-            <a:r>
-              <a:rPr lang="en-US" dirty="0"/>
-              <a:t> </a:t>
-            </a:r>
-            <a:r>
-              <a:rPr lang="en-US" dirty="0" err="1"/>
-              <a:t>mô</a:t>
-            </a:r>
-            <a:r>
-              <a:rPr lang="en-US" dirty="0"/>
-              <a:t> </a:t>
-            </a:r>
-            <a:r>
-              <a:rPr lang="en-US" dirty="0" err="1"/>
-              <a:t>hình</a:t>
-            </a:r>
-            <a:endParaRPr lang="en-US" dirty="0"/>
+              <a:rPr lang="en-US" sz="3600">
+                <a:solidFill>
+                  <a:srgbClr val="FFFFFF"/>
+                </a:solidFill>
+              </a:rPr>
+              <a:t>Spectrogram</a:t>
+            </a:r>
           </a:p>
         </p:txBody>
       </p:sp>
       <p:pic>
         <p:nvPicPr>
-          <p:cNvPr id="3" name="Picture 2">
+          <p:cNvPr id="5" name="Picture 4">
             <a:extLst>
               <a:ext uri="{FF2B5EF4-FFF2-40B4-BE49-F238E27FC236}">
-                <a16:creationId xmlns:a16="http://schemas.microsoft.com/office/drawing/2014/main" id="{3BDE9D3A-AF91-443B-94DB-896177A18D81}"/>
+                <a16:creationId xmlns="" xmlns:a16="http://schemas.microsoft.com/office/drawing/2014/main" id="{F8CDCA9F-EFC4-4517-B3BD-F3D8FF1241D6}"/>
               </a:ext>
             </a:extLst>
           </p:cNvPr>
@@ -10854,18 +11271,277 @@
         </p:blipFill>
         <p:spPr>
           <a:xfrm>
-            <a:off x="1767505" y="1958105"/>
-            <a:ext cx="8656990" cy="3793766"/>
+            <a:off x="147237" y="1162344"/>
+            <a:ext cx="3765757" cy="2457156"/>
           </a:xfrm>
           <a:prstGeom prst="rect">
             <a:avLst/>
           </a:prstGeom>
         </p:spPr>
       </p:pic>
+      <p:sp>
+        <p:nvSpPr>
+          <p:cNvPr id="22" name="Rectangle 21">
+            <a:extLst>
+              <a:ext uri="{FF2B5EF4-FFF2-40B4-BE49-F238E27FC236}">
+                <a16:creationId xmlns="" xmlns:a16="http://schemas.microsoft.com/office/drawing/2014/main" id="{8A54198A-4950-48AB-BDD3-16D7F9084A50}"/>
+              </a:ext>
+              <a:ext uri="{C183D7F6-B498-43B3-948B-1728B52AA6E4}">
+                <adec:decorative xmlns="" xmlns:adec="http://schemas.microsoft.com/office/drawing/2017/decorative" val="1"/>
+              </a:ext>
+            </a:extLst>
+          </p:cNvPr>
+          <p:cNvSpPr>
+            <a:spLocks noGrp="1" noRot="1" noChangeAspect="1" noMove="1" noResize="1" noEditPoints="1" noAdjustHandles="1" noChangeArrowheads="1" noChangeShapeType="1" noTextEdit="1"/>
+          </p:cNvSpPr>
+          <p:nvPr>
+            <p:extLst>
+              <p:ext uri="{386F3935-93C4-4BCD-93E2-E3B085C9AB24}">
+                <p16:designElem xmlns="" xmlns:p16="http://schemas.microsoft.com/office/powerpoint/2015/main" val="1"/>
+              </p:ext>
+            </p:extLst>
+          </p:nvPr>
+        </p:nvSpPr>
+        <p:spPr>
+          <a:xfrm>
+            <a:off x="4158553" y="886968"/>
+            <a:ext cx="64008" cy="3108960"/>
+          </a:xfrm>
+          <a:prstGeom prst="rect">
+            <a:avLst/>
+          </a:prstGeom>
+          <a:ln>
+            <a:noFill/>
+          </a:ln>
+        </p:spPr>
+        <p:style>
+          <a:lnRef idx="2">
+            <a:schemeClr val="accent1">
+              <a:shade val="50000"/>
+            </a:schemeClr>
+          </a:lnRef>
+          <a:fillRef idx="1">
+            <a:schemeClr val="accent1"/>
+          </a:fillRef>
+          <a:effectRef idx="0">
+            <a:schemeClr val="accent1"/>
+          </a:effectRef>
+          <a:fontRef idx="minor">
+            <a:schemeClr val="lt1"/>
+          </a:fontRef>
+        </p:style>
+        <p:txBody>
+          <a:bodyPr rtlCol="0" anchor="ctr"/>
+          <a:lstStyle/>
+          <a:p>
+            <a:pPr algn="ctr"/>
+            <a:endParaRPr lang="en-US"/>
+          </a:p>
+        </p:txBody>
+      </p:sp>
+      <p:pic>
+        <p:nvPicPr>
+          <p:cNvPr id="6" name="Picture 5">
+            <a:extLst>
+              <a:ext uri="{FF2B5EF4-FFF2-40B4-BE49-F238E27FC236}">
+                <a16:creationId xmlns="" xmlns:a16="http://schemas.microsoft.com/office/drawing/2014/main" id="{01DDDE4E-C0A0-4F8D-9206-26D288DF27AF}"/>
+              </a:ext>
+            </a:extLst>
+          </p:cNvPr>
+          <p:cNvPicPr>
+            <a:picLocks noChangeAspect="1"/>
+          </p:cNvPicPr>
+          <p:nvPr/>
+        </p:nvPicPr>
+        <p:blipFill>
+          <a:blip r:embed="rId3"/>
+          <a:stretch>
+            <a:fillRect/>
+          </a:stretch>
+        </p:blipFill>
+        <p:spPr>
+          <a:xfrm>
+            <a:off x="4262539" y="1175156"/>
+            <a:ext cx="3765758" cy="2400670"/>
+          </a:xfrm>
+          <a:prstGeom prst="rect">
+            <a:avLst/>
+          </a:prstGeom>
+        </p:spPr>
+      </p:pic>
+      <p:sp>
+        <p:nvSpPr>
+          <p:cNvPr id="24" name="Rectangle 23">
+            <a:extLst>
+              <a:ext uri="{FF2B5EF4-FFF2-40B4-BE49-F238E27FC236}">
+                <a16:creationId xmlns="" xmlns:a16="http://schemas.microsoft.com/office/drawing/2014/main" id="{30F05B05-D1D0-4D96-A6C6-E0095E789EF8}"/>
+              </a:ext>
+              <a:ext uri="{C183D7F6-B498-43B3-948B-1728B52AA6E4}">
+                <adec:decorative xmlns="" xmlns:adec="http://schemas.microsoft.com/office/drawing/2017/decorative" val="1"/>
+              </a:ext>
+            </a:extLst>
+          </p:cNvPr>
+          <p:cNvSpPr>
+            <a:spLocks noGrp="1" noRot="1" noChangeAspect="1" noMove="1" noResize="1" noEditPoints="1" noAdjustHandles="1" noChangeArrowheads="1" noChangeShapeType="1" noTextEdit="1"/>
+          </p:cNvSpPr>
+          <p:nvPr>
+            <p:extLst>
+              <p:ext uri="{386F3935-93C4-4BCD-93E2-E3B085C9AB24}">
+                <p16:designElem xmlns="" xmlns:p16="http://schemas.microsoft.com/office/powerpoint/2015/main" val="1"/>
+              </p:ext>
+            </p:extLst>
+          </p:nvPr>
+        </p:nvSpPr>
+        <p:spPr>
+          <a:xfrm>
+            <a:off x="7955969" y="886968"/>
+            <a:ext cx="64008" cy="3108960"/>
+          </a:xfrm>
+          <a:prstGeom prst="rect">
+            <a:avLst/>
+          </a:prstGeom>
+          <a:ln>
+            <a:noFill/>
+          </a:ln>
+        </p:spPr>
+        <p:style>
+          <a:lnRef idx="2">
+            <a:schemeClr val="accent1">
+              <a:shade val="50000"/>
+            </a:schemeClr>
+          </a:lnRef>
+          <a:fillRef idx="1">
+            <a:schemeClr val="accent1"/>
+          </a:fillRef>
+          <a:effectRef idx="0">
+            <a:schemeClr val="accent1"/>
+          </a:effectRef>
+          <a:fontRef idx="minor">
+            <a:schemeClr val="lt1"/>
+          </a:fontRef>
+        </p:style>
+        <p:txBody>
+          <a:bodyPr rtlCol="0" anchor="ctr"/>
+          <a:lstStyle/>
+          <a:p>
+            <a:pPr algn="ctr"/>
+            <a:endParaRPr lang="en-US"/>
+          </a:p>
+        </p:txBody>
+      </p:sp>
+      <p:pic>
+        <p:nvPicPr>
+          <p:cNvPr id="7" name="Picture 6">
+            <a:extLst>
+              <a:ext uri="{FF2B5EF4-FFF2-40B4-BE49-F238E27FC236}">
+                <a16:creationId xmlns="" xmlns:a16="http://schemas.microsoft.com/office/drawing/2014/main" id="{54124043-AE44-43BD-B311-4FCD9861781A}"/>
+              </a:ext>
+            </a:extLst>
+          </p:cNvPr>
+          <p:cNvPicPr>
+            <a:picLocks noChangeAspect="1"/>
+          </p:cNvPicPr>
+          <p:nvPr/>
+        </p:nvPicPr>
+        <p:blipFill>
+          <a:blip r:embed="rId4"/>
+          <a:stretch>
+            <a:fillRect/>
+          </a:stretch>
+        </p:blipFill>
+        <p:spPr>
+          <a:xfrm>
+            <a:off x="8068275" y="1161035"/>
+            <a:ext cx="3765757" cy="2428912"/>
+          </a:xfrm>
+          <a:prstGeom prst="rect">
+            <a:avLst/>
+          </a:prstGeom>
+        </p:spPr>
+      </p:pic>
+      <p:sp>
+        <p:nvSpPr>
+          <p:cNvPr id="26" name="Rectangle 25">
+            <a:extLst>
+              <a:ext uri="{FF2B5EF4-FFF2-40B4-BE49-F238E27FC236}">
+                <a16:creationId xmlns="" xmlns:a16="http://schemas.microsoft.com/office/drawing/2014/main" id="{6561554E-8EEC-420C-93A0-4E77A8A0EB7B}"/>
+              </a:ext>
+              <a:ext uri="{C183D7F6-B498-43B3-948B-1728B52AA6E4}">
+                <adec:decorative xmlns="" xmlns:adec="http://schemas.microsoft.com/office/drawing/2017/decorative" val="1"/>
+              </a:ext>
+            </a:extLst>
+          </p:cNvPr>
+          <p:cNvSpPr>
+            <a:spLocks noGrp="1" noRot="1" noChangeAspect="1" noMove="1" noResize="1" noEditPoints="1" noAdjustHandles="1" noChangeArrowheads="1" noChangeShapeType="1" noTextEdit="1"/>
+          </p:cNvSpPr>
+          <p:nvPr>
+            <p:extLst>
+              <p:ext uri="{386F3935-93C4-4BCD-93E2-E3B085C9AB24}">
+                <p16:designElem xmlns="" xmlns:p16="http://schemas.microsoft.com/office/powerpoint/2015/main" val="1"/>
+              </p:ext>
+            </p:extLst>
+          </p:nvPr>
+        </p:nvSpPr>
+        <p:spPr>
+          <a:xfrm>
+            <a:off x="1507" y="4906176"/>
+            <a:ext cx="12188952" cy="64008"/>
+          </a:xfrm>
+          <a:prstGeom prst="rect">
+            <a:avLst/>
+          </a:prstGeom>
+          <a:solidFill>
+            <a:schemeClr val="accent1"/>
+          </a:solidFill>
+          <a:ln>
+            <a:noFill/>
+          </a:ln>
+        </p:spPr>
+        <p:style>
+          <a:lnRef idx="2">
+            <a:schemeClr val="accent1">
+              <a:shade val="50000"/>
+            </a:schemeClr>
+          </a:lnRef>
+          <a:fillRef idx="1">
+            <a:schemeClr val="accent1"/>
+          </a:fillRef>
+          <a:effectRef idx="0">
+            <a:schemeClr val="accent1"/>
+          </a:effectRef>
+          <a:fontRef idx="minor">
+            <a:schemeClr val="lt1"/>
+          </a:fontRef>
+        </p:style>
+      </p:sp>
+      <p:sp>
+        <p:nvSpPr>
+          <p:cNvPr id="3" name="Slide Number Placeholder 2"/>
+          <p:cNvSpPr>
+            <a:spLocks noGrp="1"/>
+          </p:cNvSpPr>
+          <p:nvPr>
+            <p:ph type="sldNum" sz="quarter" idx="12"/>
+          </p:nvPr>
+        </p:nvSpPr>
+        <p:spPr/>
+        <p:txBody>
+          <a:bodyPr/>
+          <a:lstStyle/>
+          <a:p>
+            <a:fld id="{6113E31D-E2AB-40D1-8B51-AFA5AFEF393A}" type="slidenum">
+              <a:rPr lang="en-US" smtClean="0"/>
+              <a:pPr/>
+              <a:t>11</a:t>
+            </a:fld>
+            <a:endParaRPr lang="en-US" dirty="0"/>
+          </a:p>
+        </p:txBody>
+      </p:sp>
     </p:spTree>
     <p:extLst>
       <p:ext uri="{BB962C8B-B14F-4D97-AF65-F5344CB8AC3E}">
-        <p14:creationId xmlns:p14="http://schemas.microsoft.com/office/powerpoint/2010/main" val="3251482469"/>
+        <p14:creationId xmlns:p14="http://schemas.microsoft.com/office/powerpoint/2010/main" val="1257069520"/>
       </p:ext>
     </p:extLst>
   </p:cSld>
@@ -10875,7 +11551,7 @@
 </p:sld>
 </file>
 
-<file path=ppt/slides/slide13.xml><?xml version="1.0" encoding="utf-8"?>
+<file path=ppt/slides/slide12.xml><?xml version="1.0" encoding="utf-8"?>
 <p:sld xmlns:a="http://schemas.openxmlformats.org/drawingml/2006/main" xmlns:r="http://schemas.openxmlformats.org/officeDocument/2006/relationships" xmlns:p="http://schemas.openxmlformats.org/presentationml/2006/main">
   <p:cSld>
     <p:bg>
@@ -10902,235 +11578,10 @@
       </p:grpSpPr>
       <p:sp>
         <p:nvSpPr>
-          <p:cNvPr id="9" name="Rectangle 8">
-            <a:extLst>
-              <a:ext uri="{FF2B5EF4-FFF2-40B4-BE49-F238E27FC236}">
-                <a16:creationId xmlns:a16="http://schemas.microsoft.com/office/drawing/2014/main" id="{4E4490D0-3672-446A-AC12-B4830333BDDD}"/>
-              </a:ext>
-              <a:ext uri="{C183D7F6-B498-43B3-948B-1728B52AA6E4}">
-                <adec:decorative xmlns:adec="http://schemas.microsoft.com/office/drawing/2017/decorative" val="1"/>
-              </a:ext>
-            </a:extLst>
-          </p:cNvPr>
-          <p:cNvSpPr>
-            <a:spLocks noGrp="1" noRot="1" noChangeAspect="1" noMove="1" noResize="1" noEditPoints="1" noAdjustHandles="1" noChangeArrowheads="1" noChangeShapeType="1" noTextEdit="1"/>
-          </p:cNvSpPr>
-          <p:nvPr>
-            <p:extLst>
-              <p:ext uri="{386F3935-93C4-4BCD-93E2-E3B085C9AB24}">
-                <p16:designElem xmlns:p16="http://schemas.microsoft.com/office/powerpoint/2015/main" val="1"/>
-              </p:ext>
-            </p:extLst>
-          </p:nvPr>
-        </p:nvSpPr>
-        <p:spPr>
-          <a:xfrm>
-            <a:off x="3175" y="6400800"/>
-            <a:ext cx="12188825" cy="457200"/>
-          </a:xfrm>
-          <a:prstGeom prst="rect">
-            <a:avLst/>
-          </a:prstGeom>
-          <a:solidFill>
-            <a:schemeClr val="accent2"/>
-          </a:solidFill>
-          <a:ln>
-            <a:noFill/>
-          </a:ln>
-        </p:spPr>
-        <p:style>
-          <a:lnRef idx="2">
-            <a:schemeClr val="accent1">
-              <a:shade val="50000"/>
-            </a:schemeClr>
-          </a:lnRef>
-          <a:fillRef idx="1">
-            <a:schemeClr val="accent1"/>
-          </a:fillRef>
-          <a:effectRef idx="0">
-            <a:schemeClr val="accent1"/>
-          </a:effectRef>
-          <a:fontRef idx="minor">
-            <a:schemeClr val="lt1"/>
-          </a:fontRef>
-        </p:style>
-      </p:sp>
-      <p:sp>
-        <p:nvSpPr>
-          <p:cNvPr id="11" name="Rectangle 10">
-            <a:extLst>
-              <a:ext uri="{FF2B5EF4-FFF2-40B4-BE49-F238E27FC236}">
-                <a16:creationId xmlns:a16="http://schemas.microsoft.com/office/drawing/2014/main" id="{39CB82C2-DF65-4EC1-8280-F201D50F570B}"/>
-              </a:ext>
-              <a:ext uri="{C183D7F6-B498-43B3-948B-1728B52AA6E4}">
-                <adec:decorative xmlns:adec="http://schemas.microsoft.com/office/drawing/2017/decorative" val="1"/>
-              </a:ext>
-            </a:extLst>
-          </p:cNvPr>
-          <p:cNvSpPr>
-            <a:spLocks noGrp="1" noRot="1" noChangeAspect="1" noMove="1" noResize="1" noEditPoints="1" noAdjustHandles="1" noChangeArrowheads="1" noChangeShapeType="1" noTextEdit="1"/>
-          </p:cNvSpPr>
-          <p:nvPr>
-            <p:extLst>
-              <p:ext uri="{386F3935-93C4-4BCD-93E2-E3B085C9AB24}">
-                <p16:designElem xmlns:p16="http://schemas.microsoft.com/office/powerpoint/2015/main" val="1"/>
-              </p:ext>
-            </p:extLst>
-          </p:nvPr>
-        </p:nvSpPr>
-        <p:spPr>
-          <a:xfrm>
-            <a:off x="15" y="6334316"/>
-            <a:ext cx="12188825" cy="64008"/>
-          </a:xfrm>
-          <a:prstGeom prst="rect">
-            <a:avLst/>
-          </a:prstGeom>
-          <a:solidFill>
-            <a:schemeClr val="accent1"/>
-          </a:solidFill>
-          <a:ln>
-            <a:noFill/>
-          </a:ln>
-        </p:spPr>
-        <p:style>
-          <a:lnRef idx="2">
-            <a:schemeClr val="accent1">
-              <a:shade val="50000"/>
-            </a:schemeClr>
-          </a:lnRef>
-          <a:fillRef idx="1">
-            <a:schemeClr val="accent1"/>
-          </a:fillRef>
-          <a:effectRef idx="0">
-            <a:schemeClr val="accent1"/>
-          </a:effectRef>
-          <a:fontRef idx="minor">
-            <a:schemeClr val="lt1"/>
-          </a:fontRef>
-        </p:style>
-      </p:sp>
-      <p:cxnSp>
-        <p:nvCxnSpPr>
-          <p:cNvPr id="13" name="Straight Connector 12">
-            <a:extLst>
-              <a:ext uri="{FF2B5EF4-FFF2-40B4-BE49-F238E27FC236}">
-                <a16:creationId xmlns:a16="http://schemas.microsoft.com/office/drawing/2014/main" id="{7E1D4427-852B-4B37-8E76-0E9F1810BA2A}"/>
-              </a:ext>
-              <a:ext uri="{C183D7F6-B498-43B3-948B-1728B52AA6E4}">
-                <adec:decorative xmlns:adec="http://schemas.microsoft.com/office/drawing/2017/decorative" val="1"/>
-              </a:ext>
-            </a:extLst>
-          </p:cNvPr>
-          <p:cNvCxnSpPr>
-            <a:cxnSpLocks noGrp="1" noRot="1" noChangeAspect="1" noMove="1" noResize="1" noEditPoints="1" noAdjustHandles="1" noChangeArrowheads="1" noChangeShapeType="1"/>
-          </p:cNvCxnSpPr>
-          <p:nvPr>
-            <p:extLst>
-              <p:ext uri="{386F3935-93C4-4BCD-93E2-E3B085C9AB24}">
-                <p16:designElem xmlns:p16="http://schemas.microsoft.com/office/powerpoint/2015/main" val="1"/>
-              </p:ext>
-            </p:extLst>
-          </p:nvPr>
-        </p:nvCxnSpPr>
-        <p:spPr>
-          <a:xfrm>
-            <a:off x="1207658" y="4343400"/>
-            <a:ext cx="9875520" cy="0"/>
-          </a:xfrm>
-          <a:prstGeom prst="line">
-            <a:avLst/>
-          </a:prstGeom>
-          <a:ln w="6350">
-            <a:solidFill>
-              <a:schemeClr val="tx1">
-                <a:lumMod val="50000"/>
-                <a:lumOff val="50000"/>
-              </a:schemeClr>
-            </a:solidFill>
-          </a:ln>
-        </p:spPr>
-        <p:style>
-          <a:lnRef idx="1">
-            <a:schemeClr val="accent1"/>
-          </a:lnRef>
-          <a:fillRef idx="0">
-            <a:schemeClr val="accent1"/>
-          </a:fillRef>
-          <a:effectRef idx="0">
-            <a:schemeClr val="accent1"/>
-          </a:effectRef>
-          <a:fontRef idx="minor">
-            <a:schemeClr val="tx1"/>
-          </a:fontRef>
-        </p:style>
-      </p:cxnSp>
-      <p:sp useBgFill="1">
-        <p:nvSpPr>
-          <p:cNvPr id="15" name="Rectangle 14">
-            <a:extLst>
-              <a:ext uri="{FF2B5EF4-FFF2-40B4-BE49-F238E27FC236}">
-                <a16:creationId xmlns:a16="http://schemas.microsoft.com/office/drawing/2014/main" id="{FA4CD5CB-D209-4D70-8CA4-629731C59219}"/>
-              </a:ext>
-              <a:ext uri="{C183D7F6-B498-43B3-948B-1728B52AA6E4}">
-                <adec:decorative xmlns:adec="http://schemas.microsoft.com/office/drawing/2017/decorative" val="1"/>
-              </a:ext>
-            </a:extLst>
-          </p:cNvPr>
-          <p:cNvSpPr>
-            <a:spLocks noGrp="1" noRot="1" noChangeAspect="1" noMove="1" noResize="1" noEditPoints="1" noAdjustHandles="1" noChangeArrowheads="1" noChangeShapeType="1" noTextEdit="1"/>
-          </p:cNvSpPr>
-          <p:nvPr>
-            <p:extLst>
-              <p:ext uri="{386F3935-93C4-4BCD-93E2-E3B085C9AB24}">
-                <p16:designElem xmlns:p16="http://schemas.microsoft.com/office/powerpoint/2015/main" val="1"/>
-              </p:ext>
-            </p:extLst>
-          </p:nvPr>
-        </p:nvSpPr>
-        <p:spPr>
-          <a:xfrm>
-            <a:off x="0" y="0"/>
-            <a:ext cx="12192001" cy="6334316"/>
-          </a:xfrm>
-          <a:prstGeom prst="rect">
-            <a:avLst/>
-          </a:prstGeom>
-          <a:ln>
-            <a:noFill/>
-          </a:ln>
-        </p:spPr>
-        <p:style>
-          <a:lnRef idx="2">
-            <a:schemeClr val="accent1">
-              <a:shade val="50000"/>
-            </a:schemeClr>
-          </a:lnRef>
-          <a:fillRef idx="1">
-            <a:schemeClr val="accent1"/>
-          </a:fillRef>
-          <a:effectRef idx="0">
-            <a:schemeClr val="accent1"/>
-          </a:effectRef>
-          <a:fontRef idx="minor">
-            <a:schemeClr val="lt1"/>
-          </a:fontRef>
-        </p:style>
-        <p:txBody>
-          <a:bodyPr rtlCol="0" anchor="ctr"/>
-          <a:lstStyle/>
-          <a:p>
-            <a:pPr algn="ctr"/>
-            <a:endParaRPr lang="en-US"/>
-          </a:p>
-        </p:txBody>
-      </p:sp>
-      <p:sp>
-        <p:nvSpPr>
           <p:cNvPr id="2" name="Title 1">
             <a:extLst>
               <a:ext uri="{FF2B5EF4-FFF2-40B4-BE49-F238E27FC236}">
-                <a16:creationId xmlns:a16="http://schemas.microsoft.com/office/drawing/2014/main" id="{22C52A76-DB99-4BA4-A017-B74FD7DBB897}"/>
+                <a16:creationId xmlns="" xmlns:a16="http://schemas.microsoft.com/office/drawing/2014/main" id="{2539CAEB-67C3-438F-BB5B-DE4B1F442339}"/>
               </a:ext>
             </a:extLst>
           </p:cNvPr>
@@ -11143,228 +11594,245 @@
         </p:nvSpPr>
         <p:spPr>
           <a:xfrm>
-            <a:off x="8141110" y="639097"/>
-            <a:ext cx="3401961" cy="3686015"/>
+            <a:off x="1097280" y="286603"/>
+            <a:ext cx="10058400" cy="1450757"/>
           </a:xfrm>
         </p:spPr>
         <p:txBody>
-          <a:bodyPr vert="horz" lIns="91440" tIns="45720" rIns="91440" bIns="45720" rtlCol="0" anchor="b">
+          <a:bodyPr>
             <a:normAutofit/>
           </a:bodyPr>
           <a:lstStyle/>
           <a:p>
             <a:r>
-              <a:rPr lang="en-US" sz="6600">
-                <a:solidFill>
-                  <a:schemeClr val="tx1">
-                    <a:lumMod val="85000"/>
-                    <a:lumOff val="15000"/>
-                  </a:schemeClr>
-                </a:solidFill>
-              </a:rPr>
-              <a:t>Thử nghiệm mô hình với noise</a:t>
+              <a:rPr lang="en-US"/>
+              <a:t>Mô hình</a:t>
             </a:r>
           </a:p>
         </p:txBody>
       </p:sp>
-      <p:pic>
-        <p:nvPicPr>
-          <p:cNvPr id="4" name="Picture 3">
+      <p:graphicFrame>
+        <p:nvGraphicFramePr>
+          <p:cNvPr id="14" name="Content Placeholder 2">
             <a:extLst>
               <a:ext uri="{FF2B5EF4-FFF2-40B4-BE49-F238E27FC236}">
-                <a16:creationId xmlns:a16="http://schemas.microsoft.com/office/drawing/2014/main" id="{86FF6A1A-BC6B-4348-8C87-1C7F309039DC}"/>
+                <a16:creationId xmlns="" xmlns:a16="http://schemas.microsoft.com/office/drawing/2014/main" id="{E5BF3BF2-83CF-445C-8F1D-7A8C19AC076D}"/>
               </a:ext>
             </a:extLst>
           </p:cNvPr>
-          <p:cNvPicPr>
-            <a:picLocks noChangeAspect="1"/>
-          </p:cNvPicPr>
-          <p:nvPr/>
-        </p:nvPicPr>
-        <p:blipFill>
-          <a:blip r:embed="rId2"/>
-          <a:stretch>
-            <a:fillRect/>
-          </a:stretch>
-        </p:blipFill>
-        <p:spPr>
-          <a:xfrm>
-            <a:off x="633999" y="799724"/>
-            <a:ext cx="6912217" cy="4734869"/>
-          </a:xfrm>
-          <a:prstGeom prst="rect">
-            <a:avLst/>
-          </a:prstGeom>
-        </p:spPr>
-      </p:pic>
-      <p:cxnSp>
-        <p:nvCxnSpPr>
-          <p:cNvPr id="17" name="Straight Connector 16">
-            <a:extLst>
-              <a:ext uri="{FF2B5EF4-FFF2-40B4-BE49-F238E27FC236}">
-                <a16:creationId xmlns:a16="http://schemas.microsoft.com/office/drawing/2014/main" id="{5C6A2BAE-B461-4B55-8E1F-0722ABDD1393}"/>
-              </a:ext>
-              <a:ext uri="{C183D7F6-B498-43B3-948B-1728B52AA6E4}">
-                <adec:decorative xmlns:adec="http://schemas.microsoft.com/office/drawing/2017/decorative" val="1"/>
-              </a:ext>
-            </a:extLst>
-          </p:cNvPr>
-          <p:cNvCxnSpPr>
-            <a:cxnSpLocks noGrp="1" noRot="1" noChangeAspect="1" noMove="1" noResize="1" noEditPoints="1" noAdjustHandles="1" noChangeArrowheads="1" noChangeShapeType="1"/>
-          </p:cNvCxnSpPr>
+          <p:cNvGraphicFramePr>
+            <a:graphicFrameLocks noGrp="1"/>
+          </p:cNvGraphicFramePr>
           <p:nvPr>
+            <p:ph idx="1"/>
             <p:extLst>
-              <p:ext uri="{386F3935-93C4-4BCD-93E2-E3B085C9AB24}">
-                <p16:designElem xmlns:p16="http://schemas.microsoft.com/office/powerpoint/2015/main" val="1"/>
+              <p:ext uri="{D42A27DB-BD31-4B8C-83A1-F6EECF244321}">
+                <p14:modId xmlns:p14="http://schemas.microsoft.com/office/powerpoint/2010/main" val="1589886704"/>
               </p:ext>
             </p:extLst>
           </p:nvPr>
-        </p:nvCxnSpPr>
-        <p:spPr>
-          <a:xfrm>
-            <a:off x="8209305" y="4343400"/>
-            <a:ext cx="3200400" cy="0"/>
-          </a:xfrm>
-          <a:prstGeom prst="line">
-            <a:avLst/>
-          </a:prstGeom>
-          <a:ln w="6350">
-            <a:solidFill>
-              <a:schemeClr val="tx2">
-                <a:alpha val="90000"/>
-              </a:schemeClr>
-            </a:solidFill>
-          </a:ln>
-        </p:spPr>
-        <p:style>
-          <a:lnRef idx="1">
-            <a:schemeClr val="accent1"/>
-          </a:lnRef>
-          <a:fillRef idx="0">
-            <a:schemeClr val="accent1"/>
-          </a:fillRef>
-          <a:effectRef idx="0">
-            <a:schemeClr val="accent1"/>
-          </a:effectRef>
-          <a:fontRef idx="minor">
-            <a:schemeClr val="tx1"/>
-          </a:fontRef>
-        </p:style>
-      </p:cxnSp>
+        </p:nvGraphicFramePr>
+        <p:xfrm>
+          <a:off x="1096963" y="2098515"/>
+          <a:ext cx="10058400" cy="3786080"/>
+        </p:xfrm>
+        <a:graphic>
+          <a:graphicData uri="http://schemas.openxmlformats.org/drawingml/2006/diagram">
+            <dgm:relIds xmlns:dgm="http://schemas.openxmlformats.org/drawingml/2006/diagram" xmlns:r="http://schemas.openxmlformats.org/officeDocument/2006/relationships" r:dm="rId2" r:lo="rId3" r:qs="rId4" r:cs="rId5"/>
+          </a:graphicData>
+        </a:graphic>
+      </p:graphicFrame>
       <p:sp>
         <p:nvSpPr>
-          <p:cNvPr id="19" name="Rectangle 18">
-            <a:extLst>
-              <a:ext uri="{FF2B5EF4-FFF2-40B4-BE49-F238E27FC236}">
-                <a16:creationId xmlns:a16="http://schemas.microsoft.com/office/drawing/2014/main" id="{B4C27B90-DF2B-4D00-BA07-18ED774CD2F1}"/>
-              </a:ext>
-              <a:ext uri="{C183D7F6-B498-43B3-948B-1728B52AA6E4}">
-                <adec:decorative xmlns:adec="http://schemas.microsoft.com/office/drawing/2017/decorative" val="1"/>
-              </a:ext>
-            </a:extLst>
-          </p:cNvPr>
+          <p:cNvPr id="3" name="Slide Number Placeholder 2"/>
           <p:cNvSpPr>
-            <a:spLocks noGrp="1" noRot="1" noChangeAspect="1" noMove="1" noResize="1" noEditPoints="1" noAdjustHandles="1" noChangeArrowheads="1" noChangeShapeType="1" noTextEdit="1"/>
+            <a:spLocks noGrp="1"/>
           </p:cNvSpPr>
           <p:nvPr>
-            <p:extLst>
-              <p:ext uri="{386F3935-93C4-4BCD-93E2-E3B085C9AB24}">
-                <p16:designElem xmlns:p16="http://schemas.microsoft.com/office/powerpoint/2015/main" val="1"/>
-              </p:ext>
-            </p:extLst>
+            <p:ph type="sldNum" sz="quarter" idx="12"/>
           </p:nvPr>
         </p:nvSpPr>
-        <p:spPr>
-          <a:xfrm>
-            <a:off x="15" y="6334316"/>
-            <a:ext cx="12191985" cy="66484"/>
-          </a:xfrm>
-          <a:prstGeom prst="rect">
-            <a:avLst/>
-          </a:prstGeom>
-          <a:solidFill>
-            <a:schemeClr val="accent1"/>
-          </a:solidFill>
-          <a:ln>
-            <a:noFill/>
-          </a:ln>
-        </p:spPr>
-        <p:style>
-          <a:lnRef idx="2">
-            <a:schemeClr val="accent1">
-              <a:shade val="50000"/>
-            </a:schemeClr>
-          </a:lnRef>
-          <a:fillRef idx="1">
-            <a:schemeClr val="accent1"/>
-          </a:fillRef>
-          <a:effectRef idx="0">
-            <a:schemeClr val="accent1"/>
-          </a:effectRef>
-          <a:fontRef idx="minor">
-            <a:schemeClr val="lt1"/>
-          </a:fontRef>
-        </p:style>
-      </p:sp>
-      <p:sp>
-        <p:nvSpPr>
-          <p:cNvPr id="21" name="Rectangle 20">
-            <a:extLst>
-              <a:ext uri="{FF2B5EF4-FFF2-40B4-BE49-F238E27FC236}">
-                <a16:creationId xmlns:a16="http://schemas.microsoft.com/office/drawing/2014/main" id="{593ACC25-C262-417A-8AA9-0641C772BDB6}"/>
-              </a:ext>
-              <a:ext uri="{C183D7F6-B498-43B3-948B-1728B52AA6E4}">
-                <adec:decorative xmlns:adec="http://schemas.microsoft.com/office/drawing/2017/decorative" val="1"/>
-              </a:ext>
-            </a:extLst>
-          </p:cNvPr>
-          <p:cNvSpPr>
-            <a:spLocks noGrp="1" noRot="1" noChangeAspect="1" noMove="1" noResize="1" noEditPoints="1" noAdjustHandles="1" noChangeArrowheads="1" noChangeShapeType="1" noTextEdit="1"/>
-          </p:cNvSpPr>
-          <p:nvPr>
-            <p:extLst>
-              <p:ext uri="{386F3935-93C4-4BCD-93E2-E3B085C9AB24}">
-                <p16:designElem xmlns:p16="http://schemas.microsoft.com/office/powerpoint/2015/main" val="1"/>
-              </p:ext>
-            </p:extLst>
-          </p:nvPr>
-        </p:nvSpPr>
-        <p:spPr>
-          <a:xfrm>
-            <a:off x="1" y="6400800"/>
-            <a:ext cx="12192000" cy="457200"/>
-          </a:xfrm>
-          <a:prstGeom prst="rect">
-            <a:avLst/>
-          </a:prstGeom>
-          <a:solidFill>
-            <a:schemeClr val="accent2"/>
-          </a:solidFill>
-          <a:ln>
-            <a:noFill/>
-          </a:ln>
-        </p:spPr>
-        <p:style>
-          <a:lnRef idx="2">
-            <a:schemeClr val="accent1">
-              <a:shade val="50000"/>
-            </a:schemeClr>
-          </a:lnRef>
-          <a:fillRef idx="1">
-            <a:schemeClr val="accent1"/>
-          </a:fillRef>
-          <a:effectRef idx="0">
-            <a:schemeClr val="accent1"/>
-          </a:effectRef>
-          <a:fontRef idx="minor">
-            <a:schemeClr val="lt1"/>
-          </a:fontRef>
-        </p:style>
+        <p:spPr/>
+        <p:txBody>
+          <a:bodyPr/>
+          <a:lstStyle/>
+          <a:p>
+            <a:fld id="{6113E31D-E2AB-40D1-8B51-AFA5AFEF393A}" type="slidenum">
+              <a:rPr lang="en-US" smtClean="0"/>
+              <a:pPr/>
+              <a:t>12</a:t>
+            </a:fld>
+            <a:endParaRPr lang="en-US" dirty="0"/>
+          </a:p>
+        </p:txBody>
       </p:sp>
     </p:spTree>
     <p:extLst>
       <p:ext uri="{BB962C8B-B14F-4D97-AF65-F5344CB8AC3E}">
-        <p14:creationId xmlns:p14="http://schemas.microsoft.com/office/powerpoint/2010/main" val="3038566347"/>
+        <p14:creationId xmlns:p14="http://schemas.microsoft.com/office/powerpoint/2010/main" val="796329865"/>
+      </p:ext>
+    </p:extLst>
+  </p:cSld>
+  <p:clrMapOvr>
+    <a:masterClrMapping/>
+  </p:clrMapOvr>
+</p:sld>
+</file>
+
+<file path=ppt/slides/slide13.xml><?xml version="1.0" encoding="utf-8"?>
+<p:sld xmlns:a="http://schemas.openxmlformats.org/drawingml/2006/main" xmlns:r="http://schemas.openxmlformats.org/officeDocument/2006/relationships" xmlns:p="http://schemas.openxmlformats.org/presentationml/2006/main">
+  <p:cSld>
+    <p:spTree>
+      <p:nvGrpSpPr>
+        <p:cNvPr id="1" name=""/>
+        <p:cNvGrpSpPr/>
+        <p:nvPr/>
+      </p:nvGrpSpPr>
+      <p:grpSpPr>
+        <a:xfrm>
+          <a:off x="0" y="0"/>
+          <a:ext cx="0" cy="0"/>
+          <a:chOff x="0" y="0"/>
+          <a:chExt cx="0" cy="0"/>
+        </a:xfrm>
+      </p:grpSpPr>
+      <p:sp>
+        <p:nvSpPr>
+          <p:cNvPr id="2" name="Title 1"/>
+          <p:cNvSpPr>
+            <a:spLocks noGrp="1"/>
+          </p:cNvSpPr>
+          <p:nvPr>
+            <p:ph type="title"/>
+          </p:nvPr>
+        </p:nvSpPr>
+        <p:spPr/>
+        <p:txBody>
+          <a:bodyPr/>
+          <a:lstStyle/>
+          <a:p>
+            <a:r>
+              <a:rPr lang="en-US" smtClean="0"/>
+              <a:t>Thử nghiệm mô hình</a:t>
+            </a:r>
+            <a:endParaRPr lang="en-US"/>
+          </a:p>
+        </p:txBody>
+      </p:sp>
+      <p:sp>
+        <p:nvSpPr>
+          <p:cNvPr id="3" name="Content Placeholder 2"/>
+          <p:cNvSpPr>
+            <a:spLocks noGrp="1"/>
+          </p:cNvSpPr>
+          <p:nvPr>
+            <p:ph idx="1"/>
+          </p:nvPr>
+        </p:nvSpPr>
+        <p:spPr/>
+        <p:txBody>
+          <a:bodyPr/>
+          <a:lstStyle/>
+          <a:p>
+            <a:pPr>
+              <a:buFont typeface="Wingdings" panose="05000000000000000000" pitchFamily="2" charset="2"/>
+              <a:buChar char="Ø"/>
+            </a:pPr>
+            <a:r>
+              <a:rPr lang="en-US" smtClean="0"/>
+              <a:t>Thử với các hidden layers lần lượt là với n_fft = 512:</a:t>
+            </a:r>
+          </a:p>
+          <a:p>
+            <a:pPr lvl="1">
+              <a:buFont typeface="Wingdings" panose="05000000000000000000" pitchFamily="2" charset="2"/>
+              <a:buChar char="Ø"/>
+            </a:pPr>
+            <a:r>
+              <a:rPr lang="en-US" smtClean="0"/>
+              <a:t>(50)</a:t>
+            </a:r>
+          </a:p>
+          <a:p>
+            <a:pPr lvl="1">
+              <a:buFont typeface="Wingdings" panose="05000000000000000000" pitchFamily="2" charset="2"/>
+              <a:buChar char="Ø"/>
+            </a:pPr>
+            <a:r>
+              <a:rPr lang="en-US" smtClean="0"/>
+              <a:t>(100)</a:t>
+            </a:r>
+          </a:p>
+          <a:p>
+            <a:pPr lvl="1">
+              <a:buFont typeface="Wingdings" panose="05000000000000000000" pitchFamily="2" charset="2"/>
+              <a:buChar char="Ø"/>
+            </a:pPr>
+            <a:r>
+              <a:rPr lang="en-US" smtClean="0"/>
+              <a:t>(100, 50)</a:t>
+            </a:r>
+          </a:p>
+          <a:p>
+            <a:pPr lvl="1">
+              <a:buFont typeface="Wingdings" panose="05000000000000000000" pitchFamily="2" charset="2"/>
+              <a:buChar char="Ø"/>
+            </a:pPr>
+            <a:r>
+              <a:rPr lang="en-US" smtClean="0"/>
+              <a:t>(100, 50, 20)</a:t>
+            </a:r>
+          </a:p>
+          <a:p>
+            <a:pPr lvl="1">
+              <a:buFont typeface="Wingdings" panose="05000000000000000000" pitchFamily="2" charset="2"/>
+              <a:buChar char="Ø"/>
+            </a:pPr>
+            <a:r>
+              <a:rPr lang="en-US" smtClean="0"/>
+              <a:t>…</a:t>
+            </a:r>
+          </a:p>
+          <a:p>
+            <a:pPr>
+              <a:buFont typeface="Wingdings" panose="05000000000000000000" pitchFamily="2" charset="2"/>
+              <a:buChar char="Ø"/>
+            </a:pPr>
+            <a:r>
+              <a:rPr lang="en-US" smtClean="0"/>
+              <a:t>Kết quả tốt ở (100, 50, 20).</a:t>
+            </a:r>
+          </a:p>
+        </p:txBody>
+      </p:sp>
+      <p:sp>
+        <p:nvSpPr>
+          <p:cNvPr id="4" name="Slide Number Placeholder 3"/>
+          <p:cNvSpPr>
+            <a:spLocks noGrp="1"/>
+          </p:cNvSpPr>
+          <p:nvPr>
+            <p:ph type="sldNum" sz="quarter" idx="12"/>
+          </p:nvPr>
+        </p:nvSpPr>
+        <p:spPr/>
+        <p:txBody>
+          <a:bodyPr/>
+          <a:lstStyle/>
+          <a:p>
+            <a:fld id="{6113E31D-E2AB-40D1-8B51-AFA5AFEF393A}" type="slidenum">
+              <a:rPr lang="en-US" smtClean="0"/>
+              <a:pPr/>
+              <a:t>13</a:t>
+            </a:fld>
+            <a:endParaRPr lang="en-US" dirty="0"/>
+          </a:p>
+        </p:txBody>
+      </p:sp>
+    </p:spTree>
+    <p:extLst>
+      <p:ext uri="{BB962C8B-B14F-4D97-AF65-F5344CB8AC3E}">
+        <p14:creationId xmlns:p14="http://schemas.microsoft.com/office/powerpoint/2010/main" val="3851798921"/>
       </p:ext>
     </p:extLst>
   </p:cSld>
@@ -11396,7 +11864,7 @@
           <p:cNvPr id="2" name="Title 1">
             <a:extLst>
               <a:ext uri="{FF2B5EF4-FFF2-40B4-BE49-F238E27FC236}">
-                <a16:creationId xmlns:a16="http://schemas.microsoft.com/office/drawing/2014/main" id="{77829F7A-9863-4A3E-934C-73155BCB884C}"/>
+                <a16:creationId xmlns="" xmlns:a16="http://schemas.microsoft.com/office/drawing/2014/main" id="{9F5A925A-AB43-4FC3-8421-29D2C0252A4C}"/>
               </a:ext>
             </a:extLst>
           </p:cNvPr>
@@ -11413,6 +11881,666 @@
           <a:lstStyle/>
           <a:p>
             <a:r>
+              <a:rPr lang="en-US" dirty="0" err="1"/>
+              <a:t>Thử</a:t>
+            </a:r>
+            <a:r>
+              <a:rPr lang="en-US" dirty="0"/>
+              <a:t> </a:t>
+            </a:r>
+            <a:r>
+              <a:rPr lang="en-US" dirty="0" err="1"/>
+              <a:t>nghiệm</a:t>
+            </a:r>
+            <a:r>
+              <a:rPr lang="en-US" dirty="0"/>
+              <a:t> </a:t>
+            </a:r>
+            <a:r>
+              <a:rPr lang="en-US" dirty="0" err="1"/>
+              <a:t>mô</a:t>
+            </a:r>
+            <a:r>
+              <a:rPr lang="en-US" dirty="0"/>
+              <a:t> </a:t>
+            </a:r>
+            <a:r>
+              <a:rPr lang="en-US" dirty="0" err="1"/>
+              <a:t>hình</a:t>
+            </a:r>
+            <a:endParaRPr lang="en-US" dirty="0"/>
+          </a:p>
+        </p:txBody>
+      </p:sp>
+      <p:pic>
+        <p:nvPicPr>
+          <p:cNvPr id="3" name="Picture 2">
+            <a:extLst>
+              <a:ext uri="{FF2B5EF4-FFF2-40B4-BE49-F238E27FC236}">
+                <a16:creationId xmlns="" xmlns:a16="http://schemas.microsoft.com/office/drawing/2014/main" id="{3BDE9D3A-AF91-443B-94DB-896177A18D81}"/>
+              </a:ext>
+            </a:extLst>
+          </p:cNvPr>
+          <p:cNvPicPr>
+            <a:picLocks noChangeAspect="1"/>
+          </p:cNvPicPr>
+          <p:nvPr/>
+        </p:nvPicPr>
+        <p:blipFill>
+          <a:blip r:embed="rId2"/>
+          <a:stretch>
+            <a:fillRect/>
+          </a:stretch>
+        </p:blipFill>
+        <p:spPr>
+          <a:xfrm>
+            <a:off x="1767505" y="1958105"/>
+            <a:ext cx="8656990" cy="3793766"/>
+          </a:xfrm>
+          <a:prstGeom prst="rect">
+            <a:avLst/>
+          </a:prstGeom>
+        </p:spPr>
+      </p:pic>
+      <p:sp>
+        <p:nvSpPr>
+          <p:cNvPr id="4" name="Slide Number Placeholder 3"/>
+          <p:cNvSpPr>
+            <a:spLocks noGrp="1"/>
+          </p:cNvSpPr>
+          <p:nvPr>
+            <p:ph type="sldNum" sz="quarter" idx="12"/>
+          </p:nvPr>
+        </p:nvSpPr>
+        <p:spPr/>
+        <p:txBody>
+          <a:bodyPr/>
+          <a:lstStyle/>
+          <a:p>
+            <a:fld id="{6113E31D-E2AB-40D1-8B51-AFA5AFEF393A}" type="slidenum">
+              <a:rPr lang="en-US" smtClean="0"/>
+              <a:pPr/>
+              <a:t>14</a:t>
+            </a:fld>
+            <a:endParaRPr lang="en-US" dirty="0"/>
+          </a:p>
+        </p:txBody>
+      </p:sp>
+    </p:spTree>
+    <p:extLst>
+      <p:ext uri="{BB962C8B-B14F-4D97-AF65-F5344CB8AC3E}">
+        <p14:creationId xmlns:p14="http://schemas.microsoft.com/office/powerpoint/2010/main" val="3251482469"/>
+      </p:ext>
+    </p:extLst>
+  </p:cSld>
+  <p:clrMapOvr>
+    <a:masterClrMapping/>
+  </p:clrMapOvr>
+</p:sld>
+</file>
+
+<file path=ppt/slides/slide15.xml><?xml version="1.0" encoding="utf-8"?>
+<p:sld xmlns:a="http://schemas.openxmlformats.org/drawingml/2006/main" xmlns:r="http://schemas.openxmlformats.org/officeDocument/2006/relationships" xmlns:p="http://schemas.openxmlformats.org/presentationml/2006/main">
+  <p:cSld>
+    <p:bg>
+      <p:bgPr>
+        <a:solidFill>
+          <a:schemeClr val="bg1"/>
+        </a:solidFill>
+        <a:effectLst/>
+      </p:bgPr>
+    </p:bg>
+    <p:spTree>
+      <p:nvGrpSpPr>
+        <p:cNvPr id="1" name=""/>
+        <p:cNvGrpSpPr/>
+        <p:nvPr/>
+      </p:nvGrpSpPr>
+      <p:grpSpPr>
+        <a:xfrm>
+          <a:off x="0" y="0"/>
+          <a:ext cx="0" cy="0"/>
+          <a:chOff x="0" y="0"/>
+          <a:chExt cx="0" cy="0"/>
+        </a:xfrm>
+      </p:grpSpPr>
+      <p:sp>
+        <p:nvSpPr>
+          <p:cNvPr id="9" name="Rectangle 8">
+            <a:extLst>
+              <a:ext uri="{FF2B5EF4-FFF2-40B4-BE49-F238E27FC236}">
+                <a16:creationId xmlns="" xmlns:a16="http://schemas.microsoft.com/office/drawing/2014/main" id="{4E4490D0-3672-446A-AC12-B4830333BDDD}"/>
+              </a:ext>
+              <a:ext uri="{C183D7F6-B498-43B3-948B-1728B52AA6E4}">
+                <adec:decorative xmlns="" xmlns:adec="http://schemas.microsoft.com/office/drawing/2017/decorative" val="1"/>
+              </a:ext>
+            </a:extLst>
+          </p:cNvPr>
+          <p:cNvSpPr>
+            <a:spLocks noGrp="1" noRot="1" noChangeAspect="1" noMove="1" noResize="1" noEditPoints="1" noAdjustHandles="1" noChangeArrowheads="1" noChangeShapeType="1" noTextEdit="1"/>
+          </p:cNvSpPr>
+          <p:nvPr>
+            <p:extLst>
+              <p:ext uri="{386F3935-93C4-4BCD-93E2-E3B085C9AB24}">
+                <p16:designElem xmlns="" xmlns:p16="http://schemas.microsoft.com/office/powerpoint/2015/main" val="1"/>
+              </p:ext>
+            </p:extLst>
+          </p:nvPr>
+        </p:nvSpPr>
+        <p:spPr>
+          <a:xfrm>
+            <a:off x="3175" y="6400800"/>
+            <a:ext cx="12188825" cy="457200"/>
+          </a:xfrm>
+          <a:prstGeom prst="rect">
+            <a:avLst/>
+          </a:prstGeom>
+          <a:solidFill>
+            <a:schemeClr val="accent2"/>
+          </a:solidFill>
+          <a:ln>
+            <a:noFill/>
+          </a:ln>
+        </p:spPr>
+        <p:style>
+          <a:lnRef idx="2">
+            <a:schemeClr val="accent1">
+              <a:shade val="50000"/>
+            </a:schemeClr>
+          </a:lnRef>
+          <a:fillRef idx="1">
+            <a:schemeClr val="accent1"/>
+          </a:fillRef>
+          <a:effectRef idx="0">
+            <a:schemeClr val="accent1"/>
+          </a:effectRef>
+          <a:fontRef idx="minor">
+            <a:schemeClr val="lt1"/>
+          </a:fontRef>
+        </p:style>
+      </p:sp>
+      <p:sp>
+        <p:nvSpPr>
+          <p:cNvPr id="11" name="Rectangle 10">
+            <a:extLst>
+              <a:ext uri="{FF2B5EF4-FFF2-40B4-BE49-F238E27FC236}">
+                <a16:creationId xmlns="" xmlns:a16="http://schemas.microsoft.com/office/drawing/2014/main" id="{39CB82C2-DF65-4EC1-8280-F201D50F570B}"/>
+              </a:ext>
+              <a:ext uri="{C183D7F6-B498-43B3-948B-1728B52AA6E4}">
+                <adec:decorative xmlns="" xmlns:adec="http://schemas.microsoft.com/office/drawing/2017/decorative" val="1"/>
+              </a:ext>
+            </a:extLst>
+          </p:cNvPr>
+          <p:cNvSpPr>
+            <a:spLocks noGrp="1" noRot="1" noChangeAspect="1" noMove="1" noResize="1" noEditPoints="1" noAdjustHandles="1" noChangeArrowheads="1" noChangeShapeType="1" noTextEdit="1"/>
+          </p:cNvSpPr>
+          <p:nvPr>
+            <p:extLst>
+              <p:ext uri="{386F3935-93C4-4BCD-93E2-E3B085C9AB24}">
+                <p16:designElem xmlns="" xmlns:p16="http://schemas.microsoft.com/office/powerpoint/2015/main" val="1"/>
+              </p:ext>
+            </p:extLst>
+          </p:nvPr>
+        </p:nvSpPr>
+        <p:spPr>
+          <a:xfrm>
+            <a:off x="15" y="6334316"/>
+            <a:ext cx="12188825" cy="64008"/>
+          </a:xfrm>
+          <a:prstGeom prst="rect">
+            <a:avLst/>
+          </a:prstGeom>
+          <a:solidFill>
+            <a:schemeClr val="accent1"/>
+          </a:solidFill>
+          <a:ln>
+            <a:noFill/>
+          </a:ln>
+        </p:spPr>
+        <p:style>
+          <a:lnRef idx="2">
+            <a:schemeClr val="accent1">
+              <a:shade val="50000"/>
+            </a:schemeClr>
+          </a:lnRef>
+          <a:fillRef idx="1">
+            <a:schemeClr val="accent1"/>
+          </a:fillRef>
+          <a:effectRef idx="0">
+            <a:schemeClr val="accent1"/>
+          </a:effectRef>
+          <a:fontRef idx="minor">
+            <a:schemeClr val="lt1"/>
+          </a:fontRef>
+        </p:style>
+      </p:sp>
+      <p:cxnSp>
+        <p:nvCxnSpPr>
+          <p:cNvPr id="13" name="Straight Connector 12">
+            <a:extLst>
+              <a:ext uri="{FF2B5EF4-FFF2-40B4-BE49-F238E27FC236}">
+                <a16:creationId xmlns="" xmlns:a16="http://schemas.microsoft.com/office/drawing/2014/main" id="{7E1D4427-852B-4B37-8E76-0E9F1810BA2A}"/>
+              </a:ext>
+              <a:ext uri="{C183D7F6-B498-43B3-948B-1728B52AA6E4}">
+                <adec:decorative xmlns="" xmlns:adec="http://schemas.microsoft.com/office/drawing/2017/decorative" val="1"/>
+              </a:ext>
+            </a:extLst>
+          </p:cNvPr>
+          <p:cNvCxnSpPr>
+            <a:cxnSpLocks noGrp="1" noRot="1" noChangeAspect="1" noMove="1" noResize="1" noEditPoints="1" noAdjustHandles="1" noChangeArrowheads="1" noChangeShapeType="1"/>
+          </p:cNvCxnSpPr>
+          <p:nvPr>
+            <p:extLst>
+              <p:ext uri="{386F3935-93C4-4BCD-93E2-E3B085C9AB24}">
+                <p16:designElem xmlns="" xmlns:p16="http://schemas.microsoft.com/office/powerpoint/2015/main" val="1"/>
+              </p:ext>
+            </p:extLst>
+          </p:nvPr>
+        </p:nvCxnSpPr>
+        <p:spPr>
+          <a:xfrm>
+            <a:off x="1207658" y="4343400"/>
+            <a:ext cx="9875520" cy="0"/>
+          </a:xfrm>
+          <a:prstGeom prst="line">
+            <a:avLst/>
+          </a:prstGeom>
+          <a:ln w="6350">
+            <a:solidFill>
+              <a:schemeClr val="tx1">
+                <a:lumMod val="50000"/>
+                <a:lumOff val="50000"/>
+              </a:schemeClr>
+            </a:solidFill>
+          </a:ln>
+        </p:spPr>
+        <p:style>
+          <a:lnRef idx="1">
+            <a:schemeClr val="accent1"/>
+          </a:lnRef>
+          <a:fillRef idx="0">
+            <a:schemeClr val="accent1"/>
+          </a:fillRef>
+          <a:effectRef idx="0">
+            <a:schemeClr val="accent1"/>
+          </a:effectRef>
+          <a:fontRef idx="minor">
+            <a:schemeClr val="tx1"/>
+          </a:fontRef>
+        </p:style>
+      </p:cxnSp>
+      <p:sp useBgFill="1">
+        <p:nvSpPr>
+          <p:cNvPr id="15" name="Rectangle 14">
+            <a:extLst>
+              <a:ext uri="{FF2B5EF4-FFF2-40B4-BE49-F238E27FC236}">
+                <a16:creationId xmlns="" xmlns:a16="http://schemas.microsoft.com/office/drawing/2014/main" id="{FA4CD5CB-D209-4D70-8CA4-629731C59219}"/>
+              </a:ext>
+              <a:ext uri="{C183D7F6-B498-43B3-948B-1728B52AA6E4}">
+                <adec:decorative xmlns="" xmlns:adec="http://schemas.microsoft.com/office/drawing/2017/decorative" val="1"/>
+              </a:ext>
+            </a:extLst>
+          </p:cNvPr>
+          <p:cNvSpPr>
+            <a:spLocks noGrp="1" noRot="1" noChangeAspect="1" noMove="1" noResize="1" noEditPoints="1" noAdjustHandles="1" noChangeArrowheads="1" noChangeShapeType="1" noTextEdit="1"/>
+          </p:cNvSpPr>
+          <p:nvPr>
+            <p:extLst>
+              <p:ext uri="{386F3935-93C4-4BCD-93E2-E3B085C9AB24}">
+                <p16:designElem xmlns="" xmlns:p16="http://schemas.microsoft.com/office/powerpoint/2015/main" val="1"/>
+              </p:ext>
+            </p:extLst>
+          </p:nvPr>
+        </p:nvSpPr>
+        <p:spPr>
+          <a:xfrm>
+            <a:off x="0" y="0"/>
+            <a:ext cx="12192001" cy="6334316"/>
+          </a:xfrm>
+          <a:prstGeom prst="rect">
+            <a:avLst/>
+          </a:prstGeom>
+          <a:ln>
+            <a:noFill/>
+          </a:ln>
+        </p:spPr>
+        <p:style>
+          <a:lnRef idx="2">
+            <a:schemeClr val="accent1">
+              <a:shade val="50000"/>
+            </a:schemeClr>
+          </a:lnRef>
+          <a:fillRef idx="1">
+            <a:schemeClr val="accent1"/>
+          </a:fillRef>
+          <a:effectRef idx="0">
+            <a:schemeClr val="accent1"/>
+          </a:effectRef>
+          <a:fontRef idx="minor">
+            <a:schemeClr val="lt1"/>
+          </a:fontRef>
+        </p:style>
+        <p:txBody>
+          <a:bodyPr rtlCol="0" anchor="ctr"/>
+          <a:lstStyle/>
+          <a:p>
+            <a:pPr algn="ctr"/>
+            <a:endParaRPr lang="en-US"/>
+          </a:p>
+        </p:txBody>
+      </p:sp>
+      <p:sp>
+        <p:nvSpPr>
+          <p:cNvPr id="2" name="Title 1">
+            <a:extLst>
+              <a:ext uri="{FF2B5EF4-FFF2-40B4-BE49-F238E27FC236}">
+                <a16:creationId xmlns="" xmlns:a16="http://schemas.microsoft.com/office/drawing/2014/main" id="{22C52A76-DB99-4BA4-A017-B74FD7DBB897}"/>
+              </a:ext>
+            </a:extLst>
+          </p:cNvPr>
+          <p:cNvSpPr>
+            <a:spLocks noGrp="1"/>
+          </p:cNvSpPr>
+          <p:nvPr>
+            <p:ph type="title"/>
+          </p:nvPr>
+        </p:nvSpPr>
+        <p:spPr>
+          <a:xfrm>
+            <a:off x="8141110" y="639097"/>
+            <a:ext cx="3401961" cy="3686015"/>
+          </a:xfrm>
+        </p:spPr>
+        <p:txBody>
+          <a:bodyPr vert="horz" lIns="91440" tIns="45720" rIns="91440" bIns="45720" rtlCol="0" anchor="b">
+            <a:normAutofit/>
+          </a:bodyPr>
+          <a:lstStyle/>
+          <a:p>
+            <a:r>
+              <a:rPr lang="en-US" sz="6600">
+                <a:solidFill>
+                  <a:schemeClr val="tx1">
+                    <a:lumMod val="85000"/>
+                    <a:lumOff val="15000"/>
+                  </a:schemeClr>
+                </a:solidFill>
+              </a:rPr>
+              <a:t>Thử nghiệm mô hình với noise</a:t>
+            </a:r>
+          </a:p>
+        </p:txBody>
+      </p:sp>
+      <p:pic>
+        <p:nvPicPr>
+          <p:cNvPr id="4" name="Picture 3">
+            <a:extLst>
+              <a:ext uri="{FF2B5EF4-FFF2-40B4-BE49-F238E27FC236}">
+                <a16:creationId xmlns="" xmlns:a16="http://schemas.microsoft.com/office/drawing/2014/main" id="{86FF6A1A-BC6B-4348-8C87-1C7F309039DC}"/>
+              </a:ext>
+            </a:extLst>
+          </p:cNvPr>
+          <p:cNvPicPr>
+            <a:picLocks noChangeAspect="1"/>
+          </p:cNvPicPr>
+          <p:nvPr/>
+        </p:nvPicPr>
+        <p:blipFill>
+          <a:blip r:embed="rId2"/>
+          <a:stretch>
+            <a:fillRect/>
+          </a:stretch>
+        </p:blipFill>
+        <p:spPr>
+          <a:xfrm>
+            <a:off x="633999" y="799724"/>
+            <a:ext cx="6912217" cy="4734869"/>
+          </a:xfrm>
+          <a:prstGeom prst="rect">
+            <a:avLst/>
+          </a:prstGeom>
+        </p:spPr>
+      </p:pic>
+      <p:cxnSp>
+        <p:nvCxnSpPr>
+          <p:cNvPr id="17" name="Straight Connector 16">
+            <a:extLst>
+              <a:ext uri="{FF2B5EF4-FFF2-40B4-BE49-F238E27FC236}">
+                <a16:creationId xmlns="" xmlns:a16="http://schemas.microsoft.com/office/drawing/2014/main" id="{5C6A2BAE-B461-4B55-8E1F-0722ABDD1393}"/>
+              </a:ext>
+              <a:ext uri="{C183D7F6-B498-43B3-948B-1728B52AA6E4}">
+                <adec:decorative xmlns="" xmlns:adec="http://schemas.microsoft.com/office/drawing/2017/decorative" val="1"/>
+              </a:ext>
+            </a:extLst>
+          </p:cNvPr>
+          <p:cNvCxnSpPr>
+            <a:cxnSpLocks noGrp="1" noRot="1" noChangeAspect="1" noMove="1" noResize="1" noEditPoints="1" noAdjustHandles="1" noChangeArrowheads="1" noChangeShapeType="1"/>
+          </p:cNvCxnSpPr>
+          <p:nvPr>
+            <p:extLst>
+              <p:ext uri="{386F3935-93C4-4BCD-93E2-E3B085C9AB24}">
+                <p16:designElem xmlns="" xmlns:p16="http://schemas.microsoft.com/office/powerpoint/2015/main" val="1"/>
+              </p:ext>
+            </p:extLst>
+          </p:nvPr>
+        </p:nvCxnSpPr>
+        <p:spPr>
+          <a:xfrm>
+            <a:off x="8209305" y="4343400"/>
+            <a:ext cx="3200400" cy="0"/>
+          </a:xfrm>
+          <a:prstGeom prst="line">
+            <a:avLst/>
+          </a:prstGeom>
+          <a:ln w="6350">
+            <a:solidFill>
+              <a:schemeClr val="tx2">
+                <a:alpha val="90000"/>
+              </a:schemeClr>
+            </a:solidFill>
+          </a:ln>
+        </p:spPr>
+        <p:style>
+          <a:lnRef idx="1">
+            <a:schemeClr val="accent1"/>
+          </a:lnRef>
+          <a:fillRef idx="0">
+            <a:schemeClr val="accent1"/>
+          </a:fillRef>
+          <a:effectRef idx="0">
+            <a:schemeClr val="accent1"/>
+          </a:effectRef>
+          <a:fontRef idx="minor">
+            <a:schemeClr val="tx1"/>
+          </a:fontRef>
+        </p:style>
+      </p:cxnSp>
+      <p:sp>
+        <p:nvSpPr>
+          <p:cNvPr id="19" name="Rectangle 18">
+            <a:extLst>
+              <a:ext uri="{FF2B5EF4-FFF2-40B4-BE49-F238E27FC236}">
+                <a16:creationId xmlns="" xmlns:a16="http://schemas.microsoft.com/office/drawing/2014/main" id="{B4C27B90-DF2B-4D00-BA07-18ED774CD2F1}"/>
+              </a:ext>
+              <a:ext uri="{C183D7F6-B498-43B3-948B-1728B52AA6E4}">
+                <adec:decorative xmlns="" xmlns:adec="http://schemas.microsoft.com/office/drawing/2017/decorative" val="1"/>
+              </a:ext>
+            </a:extLst>
+          </p:cNvPr>
+          <p:cNvSpPr>
+            <a:spLocks noGrp="1" noRot="1" noChangeAspect="1" noMove="1" noResize="1" noEditPoints="1" noAdjustHandles="1" noChangeArrowheads="1" noChangeShapeType="1" noTextEdit="1"/>
+          </p:cNvSpPr>
+          <p:nvPr>
+            <p:extLst>
+              <p:ext uri="{386F3935-93C4-4BCD-93E2-E3B085C9AB24}">
+                <p16:designElem xmlns="" xmlns:p16="http://schemas.microsoft.com/office/powerpoint/2015/main" val="1"/>
+              </p:ext>
+            </p:extLst>
+          </p:nvPr>
+        </p:nvSpPr>
+        <p:spPr>
+          <a:xfrm>
+            <a:off x="15" y="6334316"/>
+            <a:ext cx="12191985" cy="66484"/>
+          </a:xfrm>
+          <a:prstGeom prst="rect">
+            <a:avLst/>
+          </a:prstGeom>
+          <a:solidFill>
+            <a:schemeClr val="accent1"/>
+          </a:solidFill>
+          <a:ln>
+            <a:noFill/>
+          </a:ln>
+        </p:spPr>
+        <p:style>
+          <a:lnRef idx="2">
+            <a:schemeClr val="accent1">
+              <a:shade val="50000"/>
+            </a:schemeClr>
+          </a:lnRef>
+          <a:fillRef idx="1">
+            <a:schemeClr val="accent1"/>
+          </a:fillRef>
+          <a:effectRef idx="0">
+            <a:schemeClr val="accent1"/>
+          </a:effectRef>
+          <a:fontRef idx="minor">
+            <a:schemeClr val="lt1"/>
+          </a:fontRef>
+        </p:style>
+      </p:sp>
+      <p:sp>
+        <p:nvSpPr>
+          <p:cNvPr id="21" name="Rectangle 20">
+            <a:extLst>
+              <a:ext uri="{FF2B5EF4-FFF2-40B4-BE49-F238E27FC236}">
+                <a16:creationId xmlns="" xmlns:a16="http://schemas.microsoft.com/office/drawing/2014/main" id="{593ACC25-C262-417A-8AA9-0641C772BDB6}"/>
+              </a:ext>
+              <a:ext uri="{C183D7F6-B498-43B3-948B-1728B52AA6E4}">
+                <adec:decorative xmlns="" xmlns:adec="http://schemas.microsoft.com/office/drawing/2017/decorative" val="1"/>
+              </a:ext>
+            </a:extLst>
+          </p:cNvPr>
+          <p:cNvSpPr>
+            <a:spLocks noGrp="1" noRot="1" noChangeAspect="1" noMove="1" noResize="1" noEditPoints="1" noAdjustHandles="1" noChangeArrowheads="1" noChangeShapeType="1" noTextEdit="1"/>
+          </p:cNvSpPr>
+          <p:nvPr>
+            <p:extLst>
+              <p:ext uri="{386F3935-93C4-4BCD-93E2-E3B085C9AB24}">
+                <p16:designElem xmlns="" xmlns:p16="http://schemas.microsoft.com/office/powerpoint/2015/main" val="1"/>
+              </p:ext>
+            </p:extLst>
+          </p:nvPr>
+        </p:nvSpPr>
+        <p:spPr>
+          <a:xfrm>
+            <a:off x="1" y="6400800"/>
+            <a:ext cx="12192000" cy="457200"/>
+          </a:xfrm>
+          <a:prstGeom prst="rect">
+            <a:avLst/>
+          </a:prstGeom>
+          <a:solidFill>
+            <a:schemeClr val="accent2"/>
+          </a:solidFill>
+          <a:ln>
+            <a:noFill/>
+          </a:ln>
+        </p:spPr>
+        <p:style>
+          <a:lnRef idx="2">
+            <a:schemeClr val="accent1">
+              <a:shade val="50000"/>
+            </a:schemeClr>
+          </a:lnRef>
+          <a:fillRef idx="1">
+            <a:schemeClr val="accent1"/>
+          </a:fillRef>
+          <a:effectRef idx="0">
+            <a:schemeClr val="accent1"/>
+          </a:effectRef>
+          <a:fontRef idx="minor">
+            <a:schemeClr val="lt1"/>
+          </a:fontRef>
+        </p:style>
+      </p:sp>
+      <p:sp>
+        <p:nvSpPr>
+          <p:cNvPr id="3" name="Slide Number Placeholder 2"/>
+          <p:cNvSpPr>
+            <a:spLocks noGrp="1"/>
+          </p:cNvSpPr>
+          <p:nvPr>
+            <p:ph type="sldNum" sz="quarter" idx="12"/>
+          </p:nvPr>
+        </p:nvSpPr>
+        <p:spPr/>
+        <p:txBody>
+          <a:bodyPr/>
+          <a:lstStyle/>
+          <a:p>
+            <a:fld id="{6113E31D-E2AB-40D1-8B51-AFA5AFEF393A}" type="slidenum">
+              <a:rPr lang="en-US" smtClean="0"/>
+              <a:pPr/>
+              <a:t>15</a:t>
+            </a:fld>
+            <a:endParaRPr lang="en-US" dirty="0"/>
+          </a:p>
+        </p:txBody>
+      </p:sp>
+    </p:spTree>
+    <p:extLst>
+      <p:ext uri="{BB962C8B-B14F-4D97-AF65-F5344CB8AC3E}">
+        <p14:creationId xmlns:p14="http://schemas.microsoft.com/office/powerpoint/2010/main" val="3038566347"/>
+      </p:ext>
+    </p:extLst>
+  </p:cSld>
+  <p:clrMapOvr>
+    <a:masterClrMapping/>
+  </p:clrMapOvr>
+</p:sld>
+</file>
+
+<file path=ppt/slides/slide16.xml><?xml version="1.0" encoding="utf-8"?>
+<p:sld xmlns:a="http://schemas.openxmlformats.org/drawingml/2006/main" xmlns:r="http://schemas.openxmlformats.org/officeDocument/2006/relationships" xmlns:p="http://schemas.openxmlformats.org/presentationml/2006/main">
+  <p:cSld>
+    <p:spTree>
+      <p:nvGrpSpPr>
+        <p:cNvPr id="1" name=""/>
+        <p:cNvGrpSpPr/>
+        <p:nvPr/>
+      </p:nvGrpSpPr>
+      <p:grpSpPr>
+        <a:xfrm>
+          <a:off x="0" y="0"/>
+          <a:ext cx="0" cy="0"/>
+          <a:chOff x="0" y="0"/>
+          <a:chExt cx="0" cy="0"/>
+        </a:xfrm>
+      </p:grpSpPr>
+      <p:sp>
+        <p:nvSpPr>
+          <p:cNvPr id="2" name="Title 1">
+            <a:extLst>
+              <a:ext uri="{FF2B5EF4-FFF2-40B4-BE49-F238E27FC236}">
+                <a16:creationId xmlns="" xmlns:a16="http://schemas.microsoft.com/office/drawing/2014/main" id="{77829F7A-9863-4A3E-934C-73155BCB884C}"/>
+              </a:ext>
+            </a:extLst>
+          </p:cNvPr>
+          <p:cNvSpPr>
+            <a:spLocks noGrp="1"/>
+          </p:cNvSpPr>
+          <p:nvPr>
+            <p:ph type="title"/>
+          </p:nvPr>
+        </p:nvSpPr>
+        <p:spPr/>
+        <p:txBody>
+          <a:bodyPr/>
+          <a:lstStyle/>
+          <a:p>
+            <a:r>
               <a:rPr lang="en-US" dirty="0"/>
               <a:t>TĂNG C</a:t>
             </a:r>
@@ -11436,7 +12564,7 @@
             <a:hlinkClick r:id="" action="ppaction://media"/>
             <a:extLst>
               <a:ext uri="{FF2B5EF4-FFF2-40B4-BE49-F238E27FC236}">
-                <a16:creationId xmlns:a16="http://schemas.microsoft.com/office/drawing/2014/main" id="{1865E512-41D5-4462-8599-7486D7948C8D}"/>
+                <a16:creationId xmlns="" xmlns:a16="http://schemas.microsoft.com/office/drawing/2014/main" id="{1865E512-41D5-4462-8599-7486D7948C8D}"/>
               </a:ext>
             </a:extLst>
           </p:cNvPr>
@@ -11473,7 +12601,7 @@
           <p:cNvPr id="5" name="TextBox 4">
             <a:extLst>
               <a:ext uri="{FF2B5EF4-FFF2-40B4-BE49-F238E27FC236}">
-                <a16:creationId xmlns:a16="http://schemas.microsoft.com/office/drawing/2014/main" id="{19AF523C-DE7B-4436-A4D0-DC397667A830}"/>
+                <a16:creationId xmlns="" xmlns:a16="http://schemas.microsoft.com/office/drawing/2014/main" id="{19AF523C-DE7B-4436-A4D0-DC397667A830}"/>
               </a:ext>
             </a:extLst>
           </p:cNvPr>
@@ -11559,7 +12687,7 @@
             <a:hlinkClick r:id="" action="ppaction://media"/>
             <a:extLst>
               <a:ext uri="{FF2B5EF4-FFF2-40B4-BE49-F238E27FC236}">
-                <a16:creationId xmlns:a16="http://schemas.microsoft.com/office/drawing/2014/main" id="{D9F79248-9950-4DE5-86F4-C5869DD32167}"/>
+                <a16:creationId xmlns="" xmlns:a16="http://schemas.microsoft.com/office/drawing/2014/main" id="{D9F79248-9950-4DE5-86F4-C5869DD32167}"/>
               </a:ext>
             </a:extLst>
           </p:cNvPr>
@@ -11596,7 +12724,7 @@
           <p:cNvPr id="7" name="TextBox 6">
             <a:extLst>
               <a:ext uri="{FF2B5EF4-FFF2-40B4-BE49-F238E27FC236}">
-                <a16:creationId xmlns:a16="http://schemas.microsoft.com/office/drawing/2014/main" id="{B46CDE15-427E-40DC-8923-9B73DAFA6CAA}"/>
+                <a16:creationId xmlns="" xmlns:a16="http://schemas.microsoft.com/office/drawing/2014/main" id="{B46CDE15-427E-40DC-8923-9B73DAFA6CAA}"/>
               </a:ext>
             </a:extLst>
           </p:cNvPr>
@@ -11655,6 +12783,30 @@
               <a:rPr lang="en-US" dirty="0"/>
               <a:t> = 2</a:t>
             </a:r>
+          </a:p>
+        </p:txBody>
+      </p:sp>
+      <p:sp>
+        <p:nvSpPr>
+          <p:cNvPr id="3" name="Slide Number Placeholder 2"/>
+          <p:cNvSpPr>
+            <a:spLocks noGrp="1"/>
+          </p:cNvSpPr>
+          <p:nvPr>
+            <p:ph type="sldNum" sz="quarter" idx="12"/>
+          </p:nvPr>
+        </p:nvSpPr>
+        <p:spPr/>
+        <p:txBody>
+          <a:bodyPr/>
+          <a:lstStyle/>
+          <a:p>
+            <a:fld id="{6113E31D-E2AB-40D1-8B51-AFA5AFEF393A}" type="slidenum">
+              <a:rPr lang="en-US" smtClean="0"/>
+              <a:pPr/>
+              <a:t>16</a:t>
+            </a:fld>
+            <a:endParaRPr lang="en-US" dirty="0"/>
           </a:p>
         </p:txBody>
       </p:sp>
@@ -11809,7 +12961,7 @@
 </p:sld>
 </file>
 
-<file path=ppt/slides/slide15.xml><?xml version="1.0" encoding="utf-8"?>
+<file path=ppt/slides/slide17.xml><?xml version="1.0" encoding="utf-8"?>
 <p:sld xmlns:a="http://schemas.openxmlformats.org/drawingml/2006/main" xmlns:r="http://schemas.openxmlformats.org/officeDocument/2006/relationships" xmlns:p="http://schemas.openxmlformats.org/presentationml/2006/main">
   <p:cSld>
     <p:bg>
@@ -11839,10 +12991,10 @@
           <p:cNvPr id="9" name="Rectangle 8">
             <a:extLst>
               <a:ext uri="{FF2B5EF4-FFF2-40B4-BE49-F238E27FC236}">
-                <a16:creationId xmlns:a16="http://schemas.microsoft.com/office/drawing/2014/main" id="{4E4490D0-3672-446A-AC12-B4830333BDDD}"/>
+                <a16:creationId xmlns="" xmlns:a16="http://schemas.microsoft.com/office/drawing/2014/main" id="{4E4490D0-3672-446A-AC12-B4830333BDDD}"/>
               </a:ext>
               <a:ext uri="{C183D7F6-B498-43B3-948B-1728B52AA6E4}">
-                <adec:decorative xmlns:adec="http://schemas.microsoft.com/office/drawing/2017/decorative" val="1"/>
+                <adec:decorative xmlns="" xmlns:adec="http://schemas.microsoft.com/office/drawing/2017/decorative" val="1"/>
               </a:ext>
             </a:extLst>
           </p:cNvPr>
@@ -11852,7 +13004,7 @@
           <p:nvPr>
             <p:extLst>
               <p:ext uri="{386F3935-93C4-4BCD-93E2-E3B085C9AB24}">
-                <p16:designElem xmlns:p16="http://schemas.microsoft.com/office/powerpoint/2015/main" val="1"/>
+                <p16:designElem xmlns="" xmlns:p16="http://schemas.microsoft.com/office/powerpoint/2015/main" val="1"/>
               </p:ext>
             </p:extLst>
           </p:nvPr>
@@ -11894,10 +13046,10 @@
           <p:cNvPr id="11" name="Rectangle 10">
             <a:extLst>
               <a:ext uri="{FF2B5EF4-FFF2-40B4-BE49-F238E27FC236}">
-                <a16:creationId xmlns:a16="http://schemas.microsoft.com/office/drawing/2014/main" id="{39CB82C2-DF65-4EC1-8280-F201D50F570B}"/>
+                <a16:creationId xmlns="" xmlns:a16="http://schemas.microsoft.com/office/drawing/2014/main" id="{39CB82C2-DF65-4EC1-8280-F201D50F570B}"/>
               </a:ext>
               <a:ext uri="{C183D7F6-B498-43B3-948B-1728B52AA6E4}">
-                <adec:decorative xmlns:adec="http://schemas.microsoft.com/office/drawing/2017/decorative" val="1"/>
+                <adec:decorative xmlns="" xmlns:adec="http://schemas.microsoft.com/office/drawing/2017/decorative" val="1"/>
               </a:ext>
             </a:extLst>
           </p:cNvPr>
@@ -11907,7 +13059,7 @@
           <p:nvPr>
             <p:extLst>
               <p:ext uri="{386F3935-93C4-4BCD-93E2-E3B085C9AB24}">
-                <p16:designElem xmlns:p16="http://schemas.microsoft.com/office/powerpoint/2015/main" val="1"/>
+                <p16:designElem xmlns="" xmlns:p16="http://schemas.microsoft.com/office/powerpoint/2015/main" val="1"/>
               </p:ext>
             </p:extLst>
           </p:nvPr>
@@ -11949,10 +13101,10 @@
           <p:cNvPr id="13" name="Straight Connector 12">
             <a:extLst>
               <a:ext uri="{FF2B5EF4-FFF2-40B4-BE49-F238E27FC236}">
-                <a16:creationId xmlns:a16="http://schemas.microsoft.com/office/drawing/2014/main" id="{7E1D4427-852B-4B37-8E76-0E9F1810BA2A}"/>
+                <a16:creationId xmlns="" xmlns:a16="http://schemas.microsoft.com/office/drawing/2014/main" id="{7E1D4427-852B-4B37-8E76-0E9F1810BA2A}"/>
               </a:ext>
               <a:ext uri="{C183D7F6-B498-43B3-948B-1728B52AA6E4}">
-                <adec:decorative xmlns:adec="http://schemas.microsoft.com/office/drawing/2017/decorative" val="1"/>
+                <adec:decorative xmlns="" xmlns:adec="http://schemas.microsoft.com/office/drawing/2017/decorative" val="1"/>
               </a:ext>
             </a:extLst>
           </p:cNvPr>
@@ -11962,7 +13114,7 @@
           <p:nvPr>
             <p:extLst>
               <p:ext uri="{386F3935-93C4-4BCD-93E2-E3B085C9AB24}">
-                <p16:designElem xmlns:p16="http://schemas.microsoft.com/office/powerpoint/2015/main" val="1"/>
+                <p16:designElem xmlns="" xmlns:p16="http://schemas.microsoft.com/office/powerpoint/2015/main" val="1"/>
               </p:ext>
             </p:extLst>
           </p:nvPr>
@@ -12004,10 +13156,10 @@
           <p:cNvPr id="15" name="Rectangle 14">
             <a:extLst>
               <a:ext uri="{FF2B5EF4-FFF2-40B4-BE49-F238E27FC236}">
-                <a16:creationId xmlns:a16="http://schemas.microsoft.com/office/drawing/2014/main" id="{FA4CD5CB-D209-4D70-8CA4-629731C59219}"/>
+                <a16:creationId xmlns="" xmlns:a16="http://schemas.microsoft.com/office/drawing/2014/main" id="{FA4CD5CB-D209-4D70-8CA4-629731C59219}"/>
               </a:ext>
               <a:ext uri="{C183D7F6-B498-43B3-948B-1728B52AA6E4}">
-                <adec:decorative xmlns:adec="http://schemas.microsoft.com/office/drawing/2017/decorative" val="1"/>
+                <adec:decorative xmlns="" xmlns:adec="http://schemas.microsoft.com/office/drawing/2017/decorative" val="1"/>
               </a:ext>
             </a:extLst>
           </p:cNvPr>
@@ -12017,7 +13169,7 @@
           <p:nvPr>
             <p:extLst>
               <p:ext uri="{386F3935-93C4-4BCD-93E2-E3B085C9AB24}">
-                <p16:designElem xmlns:p16="http://schemas.microsoft.com/office/powerpoint/2015/main" val="1"/>
+                <p16:designElem xmlns="" xmlns:p16="http://schemas.microsoft.com/office/powerpoint/2015/main" val="1"/>
               </p:ext>
             </p:extLst>
           </p:nvPr>
@@ -12064,7 +13216,7 @@
           <p:cNvPr id="2" name="Title 1">
             <a:extLst>
               <a:ext uri="{FF2B5EF4-FFF2-40B4-BE49-F238E27FC236}">
-                <a16:creationId xmlns:a16="http://schemas.microsoft.com/office/drawing/2014/main" id="{C99053B1-4F02-42B7-9044-D01787797F89}"/>
+                <a16:creationId xmlns="" xmlns:a16="http://schemas.microsoft.com/office/drawing/2014/main" id="{C99053B1-4F02-42B7-9044-D01787797F89}"/>
               </a:ext>
             </a:extLst>
           </p:cNvPr>
@@ -12180,7 +13332,7 @@
           <p:cNvPr id="4" name="Picture 3">
             <a:extLst>
               <a:ext uri="{FF2B5EF4-FFF2-40B4-BE49-F238E27FC236}">
-                <a16:creationId xmlns:a16="http://schemas.microsoft.com/office/drawing/2014/main" id="{439E9B89-5129-4237-8DDF-4B29B45CAF10}"/>
+                <a16:creationId xmlns="" xmlns:a16="http://schemas.microsoft.com/office/drawing/2014/main" id="{439E9B89-5129-4237-8DDF-4B29B45CAF10}"/>
               </a:ext>
             </a:extLst>
           </p:cNvPr>
@@ -12210,10 +13362,10 @@
           <p:cNvPr id="17" name="Straight Connector 16">
             <a:extLst>
               <a:ext uri="{FF2B5EF4-FFF2-40B4-BE49-F238E27FC236}">
-                <a16:creationId xmlns:a16="http://schemas.microsoft.com/office/drawing/2014/main" id="{5C6A2BAE-B461-4B55-8E1F-0722ABDD1393}"/>
+                <a16:creationId xmlns="" xmlns:a16="http://schemas.microsoft.com/office/drawing/2014/main" id="{5C6A2BAE-B461-4B55-8E1F-0722ABDD1393}"/>
               </a:ext>
               <a:ext uri="{C183D7F6-B498-43B3-948B-1728B52AA6E4}">
-                <adec:decorative xmlns:adec="http://schemas.microsoft.com/office/drawing/2017/decorative" val="1"/>
+                <adec:decorative xmlns="" xmlns:adec="http://schemas.microsoft.com/office/drawing/2017/decorative" val="1"/>
               </a:ext>
             </a:extLst>
           </p:cNvPr>
@@ -12223,7 +13375,7 @@
           <p:nvPr>
             <p:extLst>
               <p:ext uri="{386F3935-93C4-4BCD-93E2-E3B085C9AB24}">
-                <p16:designElem xmlns:p16="http://schemas.microsoft.com/office/powerpoint/2015/main" val="1"/>
+                <p16:designElem xmlns="" xmlns:p16="http://schemas.microsoft.com/office/powerpoint/2015/main" val="1"/>
               </p:ext>
             </p:extLst>
           </p:nvPr>
@@ -12264,10 +13416,10 @@
           <p:cNvPr id="19" name="Rectangle 18">
             <a:extLst>
               <a:ext uri="{FF2B5EF4-FFF2-40B4-BE49-F238E27FC236}">
-                <a16:creationId xmlns:a16="http://schemas.microsoft.com/office/drawing/2014/main" id="{B4C27B90-DF2B-4D00-BA07-18ED774CD2F1}"/>
+                <a16:creationId xmlns="" xmlns:a16="http://schemas.microsoft.com/office/drawing/2014/main" id="{B4C27B90-DF2B-4D00-BA07-18ED774CD2F1}"/>
               </a:ext>
               <a:ext uri="{C183D7F6-B498-43B3-948B-1728B52AA6E4}">
-                <adec:decorative xmlns:adec="http://schemas.microsoft.com/office/drawing/2017/decorative" val="1"/>
+                <adec:decorative xmlns="" xmlns:adec="http://schemas.microsoft.com/office/drawing/2017/decorative" val="1"/>
               </a:ext>
             </a:extLst>
           </p:cNvPr>
@@ -12277,7 +13429,7 @@
           <p:nvPr>
             <p:extLst>
               <p:ext uri="{386F3935-93C4-4BCD-93E2-E3B085C9AB24}">
-                <p16:designElem xmlns:p16="http://schemas.microsoft.com/office/powerpoint/2015/main" val="1"/>
+                <p16:designElem xmlns="" xmlns:p16="http://schemas.microsoft.com/office/powerpoint/2015/main" val="1"/>
               </p:ext>
             </p:extLst>
           </p:nvPr>
@@ -12319,10 +13471,10 @@
           <p:cNvPr id="21" name="Rectangle 20">
             <a:extLst>
               <a:ext uri="{FF2B5EF4-FFF2-40B4-BE49-F238E27FC236}">
-                <a16:creationId xmlns:a16="http://schemas.microsoft.com/office/drawing/2014/main" id="{593ACC25-C262-417A-8AA9-0641C772BDB6}"/>
+                <a16:creationId xmlns="" xmlns:a16="http://schemas.microsoft.com/office/drawing/2014/main" id="{593ACC25-C262-417A-8AA9-0641C772BDB6}"/>
               </a:ext>
               <a:ext uri="{C183D7F6-B498-43B3-948B-1728B52AA6E4}">
-                <adec:decorative xmlns:adec="http://schemas.microsoft.com/office/drawing/2017/decorative" val="1"/>
+                <adec:decorative xmlns="" xmlns:adec="http://schemas.microsoft.com/office/drawing/2017/decorative" val="1"/>
               </a:ext>
             </a:extLst>
           </p:cNvPr>
@@ -12332,7 +13484,7 @@
           <p:nvPr>
             <p:extLst>
               <p:ext uri="{386F3935-93C4-4BCD-93E2-E3B085C9AB24}">
-                <p16:designElem xmlns:p16="http://schemas.microsoft.com/office/powerpoint/2015/main" val="1"/>
+                <p16:designElem xmlns="" xmlns:p16="http://schemas.microsoft.com/office/powerpoint/2015/main" val="1"/>
               </p:ext>
             </p:extLst>
           </p:nvPr>
@@ -12369,6 +13521,30 @@
           </a:fontRef>
         </p:style>
       </p:sp>
+      <p:sp>
+        <p:nvSpPr>
+          <p:cNvPr id="3" name="Slide Number Placeholder 2"/>
+          <p:cNvSpPr>
+            <a:spLocks noGrp="1"/>
+          </p:cNvSpPr>
+          <p:nvPr>
+            <p:ph type="sldNum" sz="quarter" idx="12"/>
+          </p:nvPr>
+        </p:nvSpPr>
+        <p:spPr/>
+        <p:txBody>
+          <a:bodyPr/>
+          <a:lstStyle/>
+          <a:p>
+            <a:fld id="{6113E31D-E2AB-40D1-8B51-AFA5AFEF393A}" type="slidenum">
+              <a:rPr lang="en-US" smtClean="0"/>
+              <a:pPr/>
+              <a:t>17</a:t>
+            </a:fld>
+            <a:endParaRPr lang="en-US" dirty="0"/>
+          </a:p>
+        </p:txBody>
+      </p:sp>
     </p:spTree>
     <p:extLst>
       <p:ext uri="{BB962C8B-B14F-4D97-AF65-F5344CB8AC3E}">
@@ -12382,7 +13558,7 @@
 </p:sld>
 </file>
 
-<file path=ppt/slides/slide16.xml><?xml version="1.0" encoding="utf-8"?>
+<file path=ppt/slides/slide18.xml><?xml version="1.0" encoding="utf-8"?>
 <p:sld xmlns:a="http://schemas.openxmlformats.org/drawingml/2006/main" xmlns:r="http://schemas.openxmlformats.org/officeDocument/2006/relationships" xmlns:p="http://schemas.openxmlformats.org/presentationml/2006/main">
   <p:cSld>
     <p:bg>
@@ -12412,10 +13588,10 @@
           <p:cNvPr id="16" name="Rectangle 9">
             <a:extLst>
               <a:ext uri="{FF2B5EF4-FFF2-40B4-BE49-F238E27FC236}">
-                <a16:creationId xmlns:a16="http://schemas.microsoft.com/office/drawing/2014/main" id="{FB5993E2-C02B-4335-ABA5-D8EC465551E3}"/>
+                <a16:creationId xmlns="" xmlns:a16="http://schemas.microsoft.com/office/drawing/2014/main" id="{FB5993E2-C02B-4335-ABA5-D8EC465551E3}"/>
               </a:ext>
               <a:ext uri="{C183D7F6-B498-43B3-948B-1728B52AA6E4}">
-                <adec:decorative xmlns:adec="http://schemas.microsoft.com/office/drawing/2017/decorative" val="1"/>
+                <adec:decorative xmlns="" xmlns:adec="http://schemas.microsoft.com/office/drawing/2017/decorative" val="1"/>
               </a:ext>
             </a:extLst>
           </p:cNvPr>
@@ -12425,7 +13601,7 @@
           <p:nvPr>
             <p:extLst>
               <p:ext uri="{386F3935-93C4-4BCD-93E2-E3B085C9AB24}">
-                <p16:designElem xmlns:p16="http://schemas.microsoft.com/office/powerpoint/2015/main" val="1"/>
+                <p16:designElem xmlns="" xmlns:p16="http://schemas.microsoft.com/office/powerpoint/2015/main" val="1"/>
               </p:ext>
             </p:extLst>
           </p:nvPr>
@@ -12472,10 +13648,10 @@
           <p:cNvPr id="17" name="Rectangle 11">
             <a:extLst>
               <a:ext uri="{FF2B5EF4-FFF2-40B4-BE49-F238E27FC236}">
-                <a16:creationId xmlns:a16="http://schemas.microsoft.com/office/drawing/2014/main" id="{C0B801A2-5622-4BE8-9AD2-C337A2CD0022}"/>
+                <a16:creationId xmlns="" xmlns:a16="http://schemas.microsoft.com/office/drawing/2014/main" id="{C0B801A2-5622-4BE8-9AD2-C337A2CD0022}"/>
               </a:ext>
               <a:ext uri="{C183D7F6-B498-43B3-948B-1728B52AA6E4}">
-                <adec:decorative xmlns:adec="http://schemas.microsoft.com/office/drawing/2017/decorative" val="1"/>
+                <adec:decorative xmlns="" xmlns:adec="http://schemas.microsoft.com/office/drawing/2017/decorative" val="1"/>
               </a:ext>
             </a:extLst>
           </p:cNvPr>
@@ -12485,7 +13661,7 @@
           <p:nvPr>
             <p:extLst>
               <p:ext uri="{386F3935-93C4-4BCD-93E2-E3B085C9AB24}">
-                <p16:designElem xmlns:p16="http://schemas.microsoft.com/office/powerpoint/2015/main" val="1"/>
+                <p16:designElem xmlns="" xmlns:p16="http://schemas.microsoft.com/office/powerpoint/2015/main" val="1"/>
               </p:ext>
             </p:extLst>
           </p:nvPr>
@@ -12527,7 +13703,7 @@
           <p:cNvPr id="2" name="Title 1">
             <a:extLst>
               <a:ext uri="{FF2B5EF4-FFF2-40B4-BE49-F238E27FC236}">
-                <a16:creationId xmlns:a16="http://schemas.microsoft.com/office/drawing/2014/main" id="{BB2E1A13-B8B3-4BAF-8E81-C9046D13C1A7}"/>
+                <a16:creationId xmlns="" xmlns:a16="http://schemas.microsoft.com/office/drawing/2014/main" id="{BB2E1A13-B8B3-4BAF-8E81-C9046D13C1A7}"/>
               </a:ext>
             </a:extLst>
           </p:cNvPr>
@@ -12566,10 +13742,10 @@
           <p:cNvPr id="18" name="Rectangle 13">
             <a:extLst>
               <a:ext uri="{FF2B5EF4-FFF2-40B4-BE49-F238E27FC236}">
-                <a16:creationId xmlns:a16="http://schemas.microsoft.com/office/drawing/2014/main" id="{B7AF614F-5BC3-4086-99F5-B87C5847A071}"/>
+                <a16:creationId xmlns="" xmlns:a16="http://schemas.microsoft.com/office/drawing/2014/main" id="{B7AF614F-5BC3-4086-99F5-B87C5847A071}"/>
               </a:ext>
               <a:ext uri="{C183D7F6-B498-43B3-948B-1728B52AA6E4}">
-                <adec:decorative xmlns:adec="http://schemas.microsoft.com/office/drawing/2017/decorative" val="1"/>
+                <adec:decorative xmlns="" xmlns:adec="http://schemas.microsoft.com/office/drawing/2017/decorative" val="1"/>
               </a:ext>
             </a:extLst>
           </p:cNvPr>
@@ -12579,7 +13755,7 @@
           <p:nvPr>
             <p:extLst>
               <p:ext uri="{386F3935-93C4-4BCD-93E2-E3B085C9AB24}">
-                <p16:designElem xmlns:p16="http://schemas.microsoft.com/office/powerpoint/2015/main" val="1"/>
+                <p16:designElem xmlns="" xmlns:p16="http://schemas.microsoft.com/office/powerpoint/2015/main" val="1"/>
               </p:ext>
             </p:extLst>
           </p:nvPr>
@@ -12621,7 +13797,7 @@
           <p:cNvPr id="19" name="Content Placeholder 2">
             <a:extLst>
               <a:ext uri="{FF2B5EF4-FFF2-40B4-BE49-F238E27FC236}">
-                <a16:creationId xmlns:a16="http://schemas.microsoft.com/office/drawing/2014/main" id="{1C0EE2AE-946B-494E-A0E0-84920435C614}"/>
+                <a16:creationId xmlns="" xmlns:a16="http://schemas.microsoft.com/office/drawing/2014/main" id="{1C0EE2AE-946B-494E-A0E0-84920435C614}"/>
               </a:ext>
             </a:extLst>
           </p:cNvPr>
@@ -12647,6 +13823,30 @@
           </a:graphicData>
         </a:graphic>
       </p:graphicFrame>
+      <p:sp>
+        <p:nvSpPr>
+          <p:cNvPr id="3" name="Slide Number Placeholder 2"/>
+          <p:cNvSpPr>
+            <a:spLocks noGrp="1"/>
+          </p:cNvSpPr>
+          <p:nvPr>
+            <p:ph type="sldNum" sz="quarter" idx="12"/>
+          </p:nvPr>
+        </p:nvSpPr>
+        <p:spPr/>
+        <p:txBody>
+          <a:bodyPr/>
+          <a:lstStyle/>
+          <a:p>
+            <a:fld id="{6113E31D-E2AB-40D1-8B51-AFA5AFEF393A}" type="slidenum">
+              <a:rPr lang="en-US" smtClean="0"/>
+              <a:pPr/>
+              <a:t>18</a:t>
+            </a:fld>
+            <a:endParaRPr lang="en-US" dirty="0"/>
+          </a:p>
+        </p:txBody>
+      </p:sp>
     </p:spTree>
     <p:extLst>
       <p:ext uri="{BB962C8B-B14F-4D97-AF65-F5344CB8AC3E}">
@@ -12660,7 +13860,7 @@
 </p:sld>
 </file>
 
-<file path=ppt/slides/slide17.xml><?xml version="1.0" encoding="utf-8"?>
+<file path=ppt/slides/slide19.xml><?xml version="1.0" encoding="utf-8"?>
 <p:sld xmlns:a="http://schemas.openxmlformats.org/drawingml/2006/main" xmlns:r="http://schemas.openxmlformats.org/officeDocument/2006/relationships" xmlns:p="http://schemas.openxmlformats.org/presentationml/2006/main">
   <p:cSld>
     <p:bg>
@@ -12713,10 +13913,10 @@
           <p:cNvPr id="8" name="Rectangle 7">
             <a:extLst>
               <a:ext uri="{FF2B5EF4-FFF2-40B4-BE49-F238E27FC236}">
-                <a16:creationId xmlns:a16="http://schemas.microsoft.com/office/drawing/2014/main" id="{52C0B2E1-0268-42EC-ABD3-94F81A05BCBD}"/>
+                <a16:creationId xmlns="" xmlns:a16="http://schemas.microsoft.com/office/drawing/2014/main" id="{52C0B2E1-0268-42EC-ABD3-94F81A05BCBD}"/>
               </a:ext>
               <a:ext uri="{C183D7F6-B498-43B3-948B-1728B52AA6E4}">
-                <adec:decorative xmlns:adec="http://schemas.microsoft.com/office/drawing/2017/decorative" val="1"/>
+                <adec:decorative xmlns="" xmlns:adec="http://schemas.microsoft.com/office/drawing/2017/decorative" val="1"/>
               </a:ext>
             </a:extLst>
           </p:cNvPr>
@@ -12726,7 +13926,7 @@
           <p:nvPr>
             <p:extLst>
               <p:ext uri="{386F3935-93C4-4BCD-93E2-E3B085C9AB24}">
-                <p16:designElem xmlns:p16="http://schemas.microsoft.com/office/powerpoint/2015/main" val="1"/>
+                <p16:designElem xmlns="" xmlns:p16="http://schemas.microsoft.com/office/powerpoint/2015/main" val="1"/>
               </p:ext>
             </p:extLst>
           </p:nvPr>
@@ -12768,10 +13968,10 @@
           <p:cNvPr id="10" name="Rectangle 9">
             <a:extLst>
               <a:ext uri="{FF2B5EF4-FFF2-40B4-BE49-F238E27FC236}">
-                <a16:creationId xmlns:a16="http://schemas.microsoft.com/office/drawing/2014/main" id="{7D2256B4-48EA-40FC-BBC0-AA1EE6E0080C}"/>
+                <a16:creationId xmlns="" xmlns:a16="http://schemas.microsoft.com/office/drawing/2014/main" id="{7D2256B4-48EA-40FC-BBC0-AA1EE6E0080C}"/>
               </a:ext>
               <a:ext uri="{C183D7F6-B498-43B3-948B-1728B52AA6E4}">
-                <adec:decorative xmlns:adec="http://schemas.microsoft.com/office/drawing/2017/decorative" val="1"/>
+                <adec:decorative xmlns="" xmlns:adec="http://schemas.microsoft.com/office/drawing/2017/decorative" val="1"/>
               </a:ext>
             </a:extLst>
           </p:cNvPr>
@@ -12781,7 +13981,7 @@
           <p:nvPr>
             <p:extLst>
               <p:ext uri="{386F3935-93C4-4BCD-93E2-E3B085C9AB24}">
-                <p16:designElem xmlns:p16="http://schemas.microsoft.com/office/powerpoint/2015/main" val="1"/>
+                <p16:designElem xmlns="" xmlns:p16="http://schemas.microsoft.com/office/powerpoint/2015/main" val="1"/>
               </p:ext>
             </p:extLst>
           </p:nvPr>
@@ -12823,10 +14023,10 @@
           <p:cNvPr id="12" name="Straight Connector 11">
             <a:extLst>
               <a:ext uri="{FF2B5EF4-FFF2-40B4-BE49-F238E27FC236}">
-                <a16:creationId xmlns:a16="http://schemas.microsoft.com/office/drawing/2014/main" id="{3D44BCCA-102D-4A9D-B1E4-2450CAF0B05E}"/>
+                <a16:creationId xmlns="" xmlns:a16="http://schemas.microsoft.com/office/drawing/2014/main" id="{3D44BCCA-102D-4A9D-B1E4-2450CAF0B05E}"/>
               </a:ext>
               <a:ext uri="{C183D7F6-B498-43B3-948B-1728B52AA6E4}">
-                <adec:decorative xmlns:adec="http://schemas.microsoft.com/office/drawing/2017/decorative" val="1"/>
+                <adec:decorative xmlns="" xmlns:adec="http://schemas.microsoft.com/office/drawing/2017/decorative" val="1"/>
               </a:ext>
             </a:extLst>
           </p:cNvPr>
@@ -12836,7 +14036,7 @@
           <p:nvPr>
             <p:extLst>
               <p:ext uri="{386F3935-93C4-4BCD-93E2-E3B085C9AB24}">
-                <p16:designElem xmlns:p16="http://schemas.microsoft.com/office/powerpoint/2015/main" val="1"/>
+                <p16:designElem xmlns="" xmlns:p16="http://schemas.microsoft.com/office/powerpoint/2015/main" val="1"/>
               </p:ext>
             </p:extLst>
           </p:nvPr>
@@ -12878,10 +14078,10 @@
           <p:cNvPr id="14" name="Rectangle 13">
             <a:extLst>
               <a:ext uri="{FF2B5EF4-FFF2-40B4-BE49-F238E27FC236}">
-                <a16:creationId xmlns:a16="http://schemas.microsoft.com/office/drawing/2014/main" id="{FBDCECDC-EEE3-4128-AA5E-82A8C08796E8}"/>
+                <a16:creationId xmlns="" xmlns:a16="http://schemas.microsoft.com/office/drawing/2014/main" id="{FBDCECDC-EEE3-4128-AA5E-82A8C08796E8}"/>
               </a:ext>
               <a:ext uri="{C183D7F6-B498-43B3-948B-1728B52AA6E4}">
-                <adec:decorative xmlns:adec="http://schemas.microsoft.com/office/drawing/2017/decorative" val="1"/>
+                <adec:decorative xmlns="" xmlns:adec="http://schemas.microsoft.com/office/drawing/2017/decorative" val="1"/>
               </a:ext>
             </a:extLst>
           </p:cNvPr>
@@ -12891,7 +14091,7 @@
           <p:nvPr>
             <p:extLst>
               <p:ext uri="{386F3935-93C4-4BCD-93E2-E3B085C9AB24}">
-                <p16:designElem xmlns:p16="http://schemas.microsoft.com/office/powerpoint/2015/main" val="1"/>
+                <p16:designElem xmlns="" xmlns:p16="http://schemas.microsoft.com/office/powerpoint/2015/main" val="1"/>
               </p:ext>
             </p:extLst>
           </p:nvPr>
@@ -12938,10 +14138,10 @@
           <p:cNvPr id="16" name="Rectangle 15">
             <a:extLst>
               <a:ext uri="{FF2B5EF4-FFF2-40B4-BE49-F238E27FC236}">
-                <a16:creationId xmlns:a16="http://schemas.microsoft.com/office/drawing/2014/main" id="{4260EDE0-989C-4E16-AF94-F652294D828E}"/>
+                <a16:creationId xmlns="" xmlns:a16="http://schemas.microsoft.com/office/drawing/2014/main" id="{4260EDE0-989C-4E16-AF94-F652294D828E}"/>
               </a:ext>
               <a:ext uri="{C183D7F6-B498-43B3-948B-1728B52AA6E4}">
-                <adec:decorative xmlns:adec="http://schemas.microsoft.com/office/drawing/2017/decorative" val="1"/>
+                <adec:decorative xmlns="" xmlns:adec="http://schemas.microsoft.com/office/drawing/2017/decorative" val="1"/>
               </a:ext>
             </a:extLst>
           </p:cNvPr>
@@ -12951,7 +14151,7 @@
           <p:nvPr>
             <p:extLst>
               <p:ext uri="{386F3935-93C4-4BCD-93E2-E3B085C9AB24}">
-                <p16:designElem xmlns:p16="http://schemas.microsoft.com/office/powerpoint/2015/main" val="1"/>
+                <p16:designElem xmlns="" xmlns:p16="http://schemas.microsoft.com/office/powerpoint/2015/main" val="1"/>
               </p:ext>
             </p:extLst>
           </p:nvPr>
@@ -12993,10 +14193,10 @@
           <p:cNvPr id="18" name="Rectangle 17">
             <a:extLst>
               <a:ext uri="{FF2B5EF4-FFF2-40B4-BE49-F238E27FC236}">
-                <a16:creationId xmlns:a16="http://schemas.microsoft.com/office/drawing/2014/main" id="{1F3985C0-E548-44D2-B30E-F3E42DADE133}"/>
+                <a16:creationId xmlns="" xmlns:a16="http://schemas.microsoft.com/office/drawing/2014/main" id="{1F3985C0-E548-44D2-B30E-F3E42DADE133}"/>
               </a:ext>
               <a:ext uri="{C183D7F6-B498-43B3-948B-1728B52AA6E4}">
-                <adec:decorative xmlns:adec="http://schemas.microsoft.com/office/drawing/2017/decorative" val="1"/>
+                <adec:decorative xmlns="" xmlns:adec="http://schemas.microsoft.com/office/drawing/2017/decorative" val="1"/>
               </a:ext>
             </a:extLst>
           </p:cNvPr>
@@ -13006,7 +14206,7 @@
           <p:nvPr>
             <p:extLst>
               <p:ext uri="{386F3935-93C4-4BCD-93E2-E3B085C9AB24}">
-                <p16:designElem xmlns:p16="http://schemas.microsoft.com/office/powerpoint/2015/main" val="1"/>
+                <p16:designElem xmlns="" xmlns:p16="http://schemas.microsoft.com/office/powerpoint/2015/main" val="1"/>
               </p:ext>
             </p:extLst>
           </p:nvPr>
@@ -13048,7 +14248,7 @@
           <p:cNvPr id="2" name="Title 1">
             <a:extLst>
               <a:ext uri="{FF2B5EF4-FFF2-40B4-BE49-F238E27FC236}">
-                <a16:creationId xmlns:a16="http://schemas.microsoft.com/office/drawing/2014/main" id="{2FC66079-B227-4094-A064-1932D0D52CFD}"/>
+                <a16:creationId xmlns="" xmlns:a16="http://schemas.microsoft.com/office/drawing/2014/main" id="{2FC66079-B227-4094-A064-1932D0D52CFD}"/>
               </a:ext>
             </a:extLst>
           </p:cNvPr>
@@ -13179,7 +14379,143 @@
           <p:cNvPr id="2" name="Title 1">
             <a:extLst>
               <a:ext uri="{FF2B5EF4-FFF2-40B4-BE49-F238E27FC236}">
-                <a16:creationId xmlns:a16="http://schemas.microsoft.com/office/drawing/2014/main" id="{0216B388-4D80-4E13-9E25-770FB2760867}"/>
+                <a16:creationId xmlns="" xmlns:a16="http://schemas.microsoft.com/office/drawing/2014/main" id="{3B848E33-826B-405B-AB57-B9115CBBD8C3}"/>
+              </a:ext>
+            </a:extLst>
+          </p:cNvPr>
+          <p:cNvSpPr>
+            <a:spLocks noGrp="1"/>
+          </p:cNvSpPr>
+          <p:nvPr>
+            <p:ph type="ctrTitle"/>
+          </p:nvPr>
+        </p:nvSpPr>
+        <p:spPr/>
+        <p:txBody>
+          <a:bodyPr/>
+          <a:lstStyle/>
+          <a:p>
+            <a:pPr algn="ctr"/>
+            <a:r>
+              <a:rPr lang="en-US" dirty="0"/>
+              <a:t>Data Science Project</a:t>
+            </a:r>
+            <a:br>
+              <a:rPr lang="en-US" dirty="0"/>
+            </a:br>
+            <a:r>
+              <a:rPr lang="en-US" dirty="0"/>
+              <a:t>Audio Classification</a:t>
+            </a:r>
+          </a:p>
+        </p:txBody>
+      </p:sp>
+      <p:sp>
+        <p:nvSpPr>
+          <p:cNvPr id="3" name="Subtitle 2">
+            <a:extLst>
+              <a:ext uri="{FF2B5EF4-FFF2-40B4-BE49-F238E27FC236}">
+                <a16:creationId xmlns="" xmlns:a16="http://schemas.microsoft.com/office/drawing/2014/main" id="{DEEDE918-34F3-40A0-8DB7-11C9AE83BC79}"/>
+              </a:ext>
+            </a:extLst>
+          </p:cNvPr>
+          <p:cNvSpPr>
+            <a:spLocks noGrp="1"/>
+          </p:cNvSpPr>
+          <p:nvPr>
+            <p:ph type="subTitle" idx="1"/>
+          </p:nvPr>
+        </p:nvSpPr>
+        <p:spPr/>
+        <p:txBody>
+          <a:bodyPr/>
+          <a:lstStyle/>
+          <a:p>
+            <a:pPr algn="just"/>
+            <a:r>
+              <a:rPr lang="en-US" dirty="0"/>
+              <a:t>1612521-Trang </a:t>
+            </a:r>
+            <a:r>
+              <a:rPr lang="en-US" dirty="0" err="1"/>
+              <a:t>trung</a:t>
+            </a:r>
+            <a:r>
+              <a:rPr lang="en-US" dirty="0"/>
+              <a:t> </a:t>
+            </a:r>
+            <a:r>
+              <a:rPr lang="en-US" dirty="0" err="1"/>
+              <a:t>hoàng</a:t>
+            </a:r>
+            <a:r>
+              <a:rPr lang="en-US" dirty="0"/>
+              <a:t> </a:t>
+            </a:r>
+            <a:r>
+              <a:rPr lang="en-US" dirty="0" err="1"/>
+              <a:t>phúc</a:t>
+            </a:r>
+            <a:endParaRPr lang="en-US" dirty="0"/>
+          </a:p>
+          <a:p>
+            <a:pPr algn="just"/>
+            <a:r>
+              <a:rPr lang="en-US" dirty="0"/>
+              <a:t>1612703-nguyễn </a:t>
+            </a:r>
+            <a:r>
+              <a:rPr lang="en-US" dirty="0" err="1"/>
+              <a:t>thị</a:t>
+            </a:r>
+            <a:r>
+              <a:rPr lang="en-US" dirty="0"/>
+              <a:t> </a:t>
+            </a:r>
+            <a:r>
+              <a:rPr lang="en-US" dirty="0" err="1"/>
+              <a:t>tình</a:t>
+            </a:r>
+            <a:endParaRPr lang="en-US" dirty="0"/>
+          </a:p>
+        </p:txBody>
+      </p:sp>
+    </p:spTree>
+    <p:extLst>
+      <p:ext uri="{BB962C8B-B14F-4D97-AF65-F5344CB8AC3E}">
+        <p14:creationId xmlns:p14="http://schemas.microsoft.com/office/powerpoint/2010/main" val="2906643512"/>
+      </p:ext>
+    </p:extLst>
+  </p:cSld>
+  <p:clrMapOvr>
+    <a:masterClrMapping/>
+  </p:clrMapOvr>
+</p:sld>
+</file>
+
+<file path=ppt/slides/slide3.xml><?xml version="1.0" encoding="utf-8"?>
+<p:sld xmlns:a="http://schemas.openxmlformats.org/drawingml/2006/main" xmlns:r="http://schemas.openxmlformats.org/officeDocument/2006/relationships" xmlns:p="http://schemas.openxmlformats.org/presentationml/2006/main">
+  <p:cSld>
+    <p:spTree>
+      <p:nvGrpSpPr>
+        <p:cNvPr id="1" name=""/>
+        <p:cNvGrpSpPr/>
+        <p:nvPr/>
+      </p:nvGrpSpPr>
+      <p:grpSpPr>
+        <a:xfrm>
+          <a:off x="0" y="0"/>
+          <a:ext cx="0" cy="0"/>
+          <a:chOff x="0" y="0"/>
+          <a:chExt cx="0" cy="0"/>
+        </a:xfrm>
+      </p:grpSpPr>
+      <p:sp>
+        <p:nvSpPr>
+          <p:cNvPr id="2" name="Title 1">
+            <a:extLst>
+              <a:ext uri="{FF2B5EF4-FFF2-40B4-BE49-F238E27FC236}">
+                <a16:creationId xmlns="" xmlns:a16="http://schemas.microsoft.com/office/drawing/2014/main" id="{0216B388-4D80-4E13-9E25-770FB2760867}"/>
               </a:ext>
             </a:extLst>
           </p:cNvPr>
@@ -13207,7 +14543,7 @@
           <p:cNvPr id="1026" name="Picture 2" descr="Kết quả hình ảnh cho assistant">
             <a:extLst>
               <a:ext uri="{FF2B5EF4-FFF2-40B4-BE49-F238E27FC236}">
-                <a16:creationId xmlns:a16="http://schemas.microsoft.com/office/drawing/2014/main" id="{AE90DCA1-C22E-483E-86DB-522C06C035AA}"/>
+                <a16:creationId xmlns="" xmlns:a16="http://schemas.microsoft.com/office/drawing/2014/main" id="{AE90DCA1-C22E-483E-86DB-522C06C035AA}"/>
               </a:ext>
             </a:extLst>
           </p:cNvPr>
@@ -13254,7 +14590,7 @@
           <p:cNvPr id="1028" name="Picture 4" descr="Kết quả hình ảnh cho housekeeping robot">
             <a:extLst>
               <a:ext uri="{FF2B5EF4-FFF2-40B4-BE49-F238E27FC236}">
-                <a16:creationId xmlns:a16="http://schemas.microsoft.com/office/drawing/2014/main" id="{09FF0F40-B3B2-47FD-8930-8023255F1098}"/>
+                <a16:creationId xmlns="" xmlns:a16="http://schemas.microsoft.com/office/drawing/2014/main" id="{09FF0F40-B3B2-47FD-8930-8023255F1098}"/>
               </a:ext>
             </a:extLst>
           </p:cNvPr>
@@ -13296,6 +14632,30 @@
           </a:extLst>
         </p:spPr>
       </p:pic>
+      <p:sp>
+        <p:nvSpPr>
+          <p:cNvPr id="3" name="Slide Number Placeholder 2"/>
+          <p:cNvSpPr>
+            <a:spLocks noGrp="1"/>
+          </p:cNvSpPr>
+          <p:nvPr>
+            <p:ph type="sldNum" sz="quarter" idx="12"/>
+          </p:nvPr>
+        </p:nvSpPr>
+        <p:spPr/>
+        <p:txBody>
+          <a:bodyPr/>
+          <a:lstStyle/>
+          <a:p>
+            <a:fld id="{6113E31D-E2AB-40D1-8B51-AFA5AFEF393A}" type="slidenum">
+              <a:rPr lang="en-US" smtClean="0"/>
+              <a:pPr/>
+              <a:t>3</a:t>
+            </a:fld>
+            <a:endParaRPr lang="en-US" dirty="0"/>
+          </a:p>
+        </p:txBody>
+      </p:sp>
     </p:spTree>
     <p:extLst>
       <p:ext uri="{BB962C8B-B14F-4D97-AF65-F5344CB8AC3E}">
@@ -13309,7 +14669,7 @@
 </p:sld>
 </file>
 
-<file path=ppt/slides/slide3.xml><?xml version="1.0" encoding="utf-8"?>
+<file path=ppt/slides/slide4.xml><?xml version="1.0" encoding="utf-8"?>
 <p:sld xmlns:a="http://schemas.openxmlformats.org/drawingml/2006/main" xmlns:r="http://schemas.openxmlformats.org/officeDocument/2006/relationships" xmlns:p="http://schemas.openxmlformats.org/presentationml/2006/main">
   <p:cSld>
     <p:spTree>
@@ -13615,566 +14975,34 @@
           </a:p>
         </p:txBody>
       </p:sp>
+      <p:sp>
+        <p:nvSpPr>
+          <p:cNvPr id="4" name="Slide Number Placeholder 3"/>
+          <p:cNvSpPr>
+            <a:spLocks noGrp="1"/>
+          </p:cNvSpPr>
+          <p:nvPr>
+            <p:ph type="sldNum" sz="quarter" idx="12"/>
+          </p:nvPr>
+        </p:nvSpPr>
+        <p:spPr/>
+        <p:txBody>
+          <a:bodyPr/>
+          <a:lstStyle/>
+          <a:p>
+            <a:fld id="{4FAB73BC-B049-4115-A692-8D63A059BFB8}" type="slidenum">
+              <a:rPr lang="en-US" sz="1800" smtClean="0"/>
+              <a:pPr/>
+              <a:t>4</a:t>
+            </a:fld>
+            <a:endParaRPr lang="en-US" sz="1800" dirty="0"/>
+          </a:p>
+        </p:txBody>
+      </p:sp>
     </p:spTree>
     <p:extLst>
       <p:ext uri="{BB962C8B-B14F-4D97-AF65-F5344CB8AC3E}">
         <p14:creationId xmlns:p14="http://schemas.microsoft.com/office/powerpoint/2010/main" val="3366383048"/>
-      </p:ext>
-    </p:extLst>
-  </p:cSld>
-  <p:clrMapOvr>
-    <a:masterClrMapping/>
-  </p:clrMapOvr>
-</p:sld>
-</file>
-
-<file path=ppt/slides/slide4.xml><?xml version="1.0" encoding="utf-8"?>
-<p:sld xmlns:a="http://schemas.openxmlformats.org/drawingml/2006/main" xmlns:r="http://schemas.openxmlformats.org/officeDocument/2006/relationships" xmlns:p="http://schemas.openxmlformats.org/presentationml/2006/main">
-  <p:cSld>
-    <p:bg>
-      <p:bgPr>
-        <a:solidFill>
-          <a:schemeClr val="bg1"/>
-        </a:solidFill>
-        <a:effectLst/>
-      </p:bgPr>
-    </p:bg>
-    <p:spTree>
-      <p:nvGrpSpPr>
-        <p:cNvPr id="1" name=""/>
-        <p:cNvGrpSpPr/>
-        <p:nvPr/>
-      </p:nvGrpSpPr>
-      <p:grpSpPr>
-        <a:xfrm>
-          <a:off x="0" y="0"/>
-          <a:ext cx="0" cy="0"/>
-          <a:chOff x="0" y="0"/>
-          <a:chExt cx="0" cy="0"/>
-        </a:xfrm>
-      </p:grpSpPr>
-      <p:sp>
-        <p:nvSpPr>
-          <p:cNvPr id="10" name="Rectangle 9">
-            <a:extLst>
-              <a:ext uri="{FF2B5EF4-FFF2-40B4-BE49-F238E27FC236}">
-                <a16:creationId xmlns:a16="http://schemas.microsoft.com/office/drawing/2014/main" id="{4E4490D0-3672-446A-AC12-B4830333BDDD}"/>
-              </a:ext>
-              <a:ext uri="{C183D7F6-B498-43B3-948B-1728B52AA6E4}">
-                <adec:decorative xmlns:adec="http://schemas.microsoft.com/office/drawing/2017/decorative" val="1"/>
-              </a:ext>
-            </a:extLst>
-          </p:cNvPr>
-          <p:cNvSpPr>
-            <a:spLocks noGrp="1" noRot="1" noChangeAspect="1" noMove="1" noResize="1" noEditPoints="1" noAdjustHandles="1" noChangeArrowheads="1" noChangeShapeType="1" noTextEdit="1"/>
-          </p:cNvSpPr>
-          <p:nvPr>
-            <p:extLst>
-              <p:ext uri="{386F3935-93C4-4BCD-93E2-E3B085C9AB24}">
-                <p16:designElem xmlns:p16="http://schemas.microsoft.com/office/powerpoint/2015/main" val="1"/>
-              </p:ext>
-            </p:extLst>
-          </p:nvPr>
-        </p:nvSpPr>
-        <p:spPr>
-          <a:xfrm>
-            <a:off x="3175" y="6400800"/>
-            <a:ext cx="12188825" cy="457200"/>
-          </a:xfrm>
-          <a:prstGeom prst="rect">
-            <a:avLst/>
-          </a:prstGeom>
-          <a:solidFill>
-            <a:schemeClr val="accent2"/>
-          </a:solidFill>
-          <a:ln>
-            <a:noFill/>
-          </a:ln>
-        </p:spPr>
-        <p:style>
-          <a:lnRef idx="2">
-            <a:schemeClr val="accent1">
-              <a:shade val="50000"/>
-            </a:schemeClr>
-          </a:lnRef>
-          <a:fillRef idx="1">
-            <a:schemeClr val="accent1"/>
-          </a:fillRef>
-          <a:effectRef idx="0">
-            <a:schemeClr val="accent1"/>
-          </a:effectRef>
-          <a:fontRef idx="minor">
-            <a:schemeClr val="lt1"/>
-          </a:fontRef>
-        </p:style>
-      </p:sp>
-      <p:sp>
-        <p:nvSpPr>
-          <p:cNvPr id="12" name="Rectangle 11">
-            <a:extLst>
-              <a:ext uri="{FF2B5EF4-FFF2-40B4-BE49-F238E27FC236}">
-                <a16:creationId xmlns:a16="http://schemas.microsoft.com/office/drawing/2014/main" id="{39CB82C2-DF65-4EC1-8280-F201D50F570B}"/>
-              </a:ext>
-              <a:ext uri="{C183D7F6-B498-43B3-948B-1728B52AA6E4}">
-                <adec:decorative xmlns:adec="http://schemas.microsoft.com/office/drawing/2017/decorative" val="1"/>
-              </a:ext>
-            </a:extLst>
-          </p:cNvPr>
-          <p:cNvSpPr>
-            <a:spLocks noGrp="1" noRot="1" noChangeAspect="1" noMove="1" noResize="1" noEditPoints="1" noAdjustHandles="1" noChangeArrowheads="1" noChangeShapeType="1" noTextEdit="1"/>
-          </p:cNvSpPr>
-          <p:nvPr>
-            <p:extLst>
-              <p:ext uri="{386F3935-93C4-4BCD-93E2-E3B085C9AB24}">
-                <p16:designElem xmlns:p16="http://schemas.microsoft.com/office/powerpoint/2015/main" val="1"/>
-              </p:ext>
-            </p:extLst>
-          </p:nvPr>
-        </p:nvSpPr>
-        <p:spPr>
-          <a:xfrm>
-            <a:off x="15" y="6334316"/>
-            <a:ext cx="12188825" cy="64008"/>
-          </a:xfrm>
-          <a:prstGeom prst="rect">
-            <a:avLst/>
-          </a:prstGeom>
-          <a:solidFill>
-            <a:schemeClr val="accent1"/>
-          </a:solidFill>
-          <a:ln>
-            <a:noFill/>
-          </a:ln>
-        </p:spPr>
-        <p:style>
-          <a:lnRef idx="2">
-            <a:schemeClr val="accent1">
-              <a:shade val="50000"/>
-            </a:schemeClr>
-          </a:lnRef>
-          <a:fillRef idx="1">
-            <a:schemeClr val="accent1"/>
-          </a:fillRef>
-          <a:effectRef idx="0">
-            <a:schemeClr val="accent1"/>
-          </a:effectRef>
-          <a:fontRef idx="minor">
-            <a:schemeClr val="lt1"/>
-          </a:fontRef>
-        </p:style>
-      </p:sp>
-      <p:cxnSp>
-        <p:nvCxnSpPr>
-          <p:cNvPr id="14" name="Straight Connector 13">
-            <a:extLst>
-              <a:ext uri="{FF2B5EF4-FFF2-40B4-BE49-F238E27FC236}">
-                <a16:creationId xmlns:a16="http://schemas.microsoft.com/office/drawing/2014/main" id="{7E1D4427-852B-4B37-8E76-0E9F1810BA2A}"/>
-              </a:ext>
-              <a:ext uri="{C183D7F6-B498-43B3-948B-1728B52AA6E4}">
-                <adec:decorative xmlns:adec="http://schemas.microsoft.com/office/drawing/2017/decorative" val="1"/>
-              </a:ext>
-            </a:extLst>
-          </p:cNvPr>
-          <p:cNvCxnSpPr>
-            <a:cxnSpLocks noGrp="1" noRot="1" noChangeAspect="1" noMove="1" noResize="1" noEditPoints="1" noAdjustHandles="1" noChangeArrowheads="1" noChangeShapeType="1"/>
-          </p:cNvCxnSpPr>
-          <p:nvPr>
-            <p:extLst>
-              <p:ext uri="{386F3935-93C4-4BCD-93E2-E3B085C9AB24}">
-                <p16:designElem xmlns:p16="http://schemas.microsoft.com/office/powerpoint/2015/main" val="1"/>
-              </p:ext>
-            </p:extLst>
-          </p:nvPr>
-        </p:nvCxnSpPr>
-        <p:spPr>
-          <a:xfrm>
-            <a:off x="1207658" y="4343400"/>
-            <a:ext cx="9875520" cy="0"/>
-          </a:xfrm>
-          <a:prstGeom prst="line">
-            <a:avLst/>
-          </a:prstGeom>
-          <a:ln w="6350">
-            <a:solidFill>
-              <a:schemeClr val="tx1">
-                <a:lumMod val="50000"/>
-                <a:lumOff val="50000"/>
-              </a:schemeClr>
-            </a:solidFill>
-          </a:ln>
-        </p:spPr>
-        <p:style>
-          <a:lnRef idx="1">
-            <a:schemeClr val="accent1"/>
-          </a:lnRef>
-          <a:fillRef idx="0">
-            <a:schemeClr val="accent1"/>
-          </a:fillRef>
-          <a:effectRef idx="0">
-            <a:schemeClr val="accent1"/>
-          </a:effectRef>
-          <a:fontRef idx="minor">
-            <a:schemeClr val="tx1"/>
-          </a:fontRef>
-        </p:style>
-      </p:cxnSp>
-      <p:sp useBgFill="1">
-        <p:nvSpPr>
-          <p:cNvPr id="16" name="Rectangle 15">
-            <a:extLst>
-              <a:ext uri="{FF2B5EF4-FFF2-40B4-BE49-F238E27FC236}">
-                <a16:creationId xmlns:a16="http://schemas.microsoft.com/office/drawing/2014/main" id="{FA4CD5CB-D209-4D70-8CA4-629731C59219}"/>
-              </a:ext>
-              <a:ext uri="{C183D7F6-B498-43B3-948B-1728B52AA6E4}">
-                <adec:decorative xmlns:adec="http://schemas.microsoft.com/office/drawing/2017/decorative" val="1"/>
-              </a:ext>
-            </a:extLst>
-          </p:cNvPr>
-          <p:cNvSpPr>
-            <a:spLocks noGrp="1" noRot="1" noChangeAspect="1" noMove="1" noResize="1" noEditPoints="1" noAdjustHandles="1" noChangeArrowheads="1" noChangeShapeType="1" noTextEdit="1"/>
-          </p:cNvSpPr>
-          <p:nvPr>
-            <p:extLst>
-              <p:ext uri="{386F3935-93C4-4BCD-93E2-E3B085C9AB24}">
-                <p16:designElem xmlns:p16="http://schemas.microsoft.com/office/powerpoint/2015/main" val="1"/>
-              </p:ext>
-            </p:extLst>
-          </p:nvPr>
-        </p:nvSpPr>
-        <p:spPr>
-          <a:xfrm>
-            <a:off x="0" y="0"/>
-            <a:ext cx="12192001" cy="6334316"/>
-          </a:xfrm>
-          <a:prstGeom prst="rect">
-            <a:avLst/>
-          </a:prstGeom>
-          <a:ln>
-            <a:noFill/>
-          </a:ln>
-        </p:spPr>
-        <p:style>
-          <a:lnRef idx="2">
-            <a:schemeClr val="accent1">
-              <a:shade val="50000"/>
-            </a:schemeClr>
-          </a:lnRef>
-          <a:fillRef idx="1">
-            <a:schemeClr val="accent1"/>
-          </a:fillRef>
-          <a:effectRef idx="0">
-            <a:schemeClr val="accent1"/>
-          </a:effectRef>
-          <a:fontRef idx="minor">
-            <a:schemeClr val="lt1"/>
-          </a:fontRef>
-        </p:style>
-        <p:txBody>
-          <a:bodyPr rtlCol="0" anchor="ctr"/>
-          <a:lstStyle/>
-          <a:p>
-            <a:pPr algn="ctr"/>
-            <a:endParaRPr lang="en-US"/>
-          </a:p>
-        </p:txBody>
-      </p:sp>
-      <p:sp>
-        <p:nvSpPr>
-          <p:cNvPr id="2" name="Title 1">
-            <a:extLst>
-              <a:ext uri="{FF2B5EF4-FFF2-40B4-BE49-F238E27FC236}">
-                <a16:creationId xmlns:a16="http://schemas.microsoft.com/office/drawing/2014/main" id="{020522D4-E092-4ED5-B7B8-B93E8FC55C72}"/>
-              </a:ext>
-            </a:extLst>
-          </p:cNvPr>
-          <p:cNvSpPr>
-            <a:spLocks noGrp="1"/>
-          </p:cNvSpPr>
-          <p:nvPr>
-            <p:ph type="title"/>
-          </p:nvPr>
-        </p:nvSpPr>
-        <p:spPr>
-          <a:xfrm>
-            <a:off x="8141110" y="639097"/>
-            <a:ext cx="3401961" cy="3686015"/>
-          </a:xfrm>
-        </p:spPr>
-        <p:txBody>
-          <a:bodyPr vert="horz" lIns="91440" tIns="45720" rIns="91440" bIns="45720" rtlCol="0" anchor="b">
-            <a:normAutofit/>
-          </a:bodyPr>
-          <a:lstStyle/>
-          <a:p>
-            <a:r>
-              <a:rPr lang="en-US" sz="6600">
-                <a:solidFill>
-                  <a:schemeClr val="tx1">
-                    <a:lumMod val="85000"/>
-                    <a:lumOff val="15000"/>
-                  </a:schemeClr>
-                </a:solidFill>
-              </a:rPr>
-              <a:t>Dữ liệu</a:t>
-            </a:r>
-          </a:p>
-        </p:txBody>
-      </p:sp>
-      <p:sp>
-        <p:nvSpPr>
-          <p:cNvPr id="5" name="TextBox 4">
-            <a:extLst>
-              <a:ext uri="{FF2B5EF4-FFF2-40B4-BE49-F238E27FC236}">
-                <a16:creationId xmlns:a16="http://schemas.microsoft.com/office/drawing/2014/main" id="{AE658714-3781-4E38-A068-33E6979321E3}"/>
-              </a:ext>
-            </a:extLst>
-          </p:cNvPr>
-          <p:cNvSpPr txBox="1"/>
-          <p:nvPr/>
-        </p:nvSpPr>
-        <p:spPr>
-          <a:xfrm>
-            <a:off x="8141110" y="4455621"/>
-            <a:ext cx="3417990" cy="1238616"/>
-          </a:xfrm>
-          <a:prstGeom prst="rect">
-            <a:avLst/>
-          </a:prstGeom>
-        </p:spPr>
-        <p:txBody>
-          <a:bodyPr vert="horz" lIns="91440" tIns="45720" rIns="91440" bIns="45720" rtlCol="0">
-            <a:normAutofit/>
-          </a:bodyPr>
-          <a:lstStyle/>
-          <a:p>
-            <a:pPr defTabSz="914400">
-              <a:lnSpc>
-                <a:spcPct val="90000"/>
-              </a:lnSpc>
-              <a:spcBef>
-                <a:spcPts val="1200"/>
-              </a:spcBef>
-              <a:spcAft>
-                <a:spcPts val="200"/>
-              </a:spcAft>
-              <a:buClr>
-                <a:schemeClr val="accent1"/>
-              </a:buClr>
-              <a:buSzPct val="100000"/>
-            </a:pPr>
-            <a:r>
-              <a:rPr lang="en-US" sz="2000" cap="all" spc="200">
-                <a:solidFill>
-                  <a:schemeClr val="tx1">
-                    <a:lumMod val="85000"/>
-                    <a:lumOff val="15000"/>
-                  </a:schemeClr>
-                </a:solidFill>
-                <a:latin typeface="+mj-lt"/>
-              </a:rPr>
-              <a:t>Số mẫu dữ liệu ứng với từng class</a:t>
-            </a:r>
-          </a:p>
-        </p:txBody>
-      </p:sp>
-      <p:pic>
-        <p:nvPicPr>
-          <p:cNvPr id="4" name="Picture 3">
-            <a:extLst>
-              <a:ext uri="{FF2B5EF4-FFF2-40B4-BE49-F238E27FC236}">
-                <a16:creationId xmlns:a16="http://schemas.microsoft.com/office/drawing/2014/main" id="{4C6ABD04-DD6A-4CC4-BB89-4905946AC82B}"/>
-              </a:ext>
-            </a:extLst>
-          </p:cNvPr>
-          <p:cNvPicPr>
-            <a:picLocks noChangeAspect="1"/>
-          </p:cNvPicPr>
-          <p:nvPr/>
-        </p:nvPicPr>
-        <p:blipFill>
-          <a:blip r:embed="rId2"/>
-          <a:stretch>
-            <a:fillRect/>
-          </a:stretch>
-        </p:blipFill>
-        <p:spPr>
-          <a:xfrm>
-            <a:off x="633999" y="782444"/>
-            <a:ext cx="6912217" cy="4769429"/>
-          </a:xfrm>
-          <a:prstGeom prst="rect">
-            <a:avLst/>
-          </a:prstGeom>
-        </p:spPr>
-      </p:pic>
-      <p:cxnSp>
-        <p:nvCxnSpPr>
-          <p:cNvPr id="18" name="Straight Connector 17">
-            <a:extLst>
-              <a:ext uri="{FF2B5EF4-FFF2-40B4-BE49-F238E27FC236}">
-                <a16:creationId xmlns:a16="http://schemas.microsoft.com/office/drawing/2014/main" id="{5C6A2BAE-B461-4B55-8E1F-0722ABDD1393}"/>
-              </a:ext>
-              <a:ext uri="{C183D7F6-B498-43B3-948B-1728B52AA6E4}">
-                <adec:decorative xmlns:adec="http://schemas.microsoft.com/office/drawing/2017/decorative" val="1"/>
-              </a:ext>
-            </a:extLst>
-          </p:cNvPr>
-          <p:cNvCxnSpPr>
-            <a:cxnSpLocks noGrp="1" noRot="1" noChangeAspect="1" noMove="1" noResize="1" noEditPoints="1" noAdjustHandles="1" noChangeArrowheads="1" noChangeShapeType="1"/>
-          </p:cNvCxnSpPr>
-          <p:nvPr>
-            <p:extLst>
-              <p:ext uri="{386F3935-93C4-4BCD-93E2-E3B085C9AB24}">
-                <p16:designElem xmlns:p16="http://schemas.microsoft.com/office/powerpoint/2015/main" val="1"/>
-              </p:ext>
-            </p:extLst>
-          </p:nvPr>
-        </p:nvCxnSpPr>
-        <p:spPr>
-          <a:xfrm>
-            <a:off x="8209305" y="4343400"/>
-            <a:ext cx="3200400" cy="0"/>
-          </a:xfrm>
-          <a:prstGeom prst="line">
-            <a:avLst/>
-          </a:prstGeom>
-          <a:ln w="6350">
-            <a:solidFill>
-              <a:schemeClr val="tx2">
-                <a:alpha val="90000"/>
-              </a:schemeClr>
-            </a:solidFill>
-          </a:ln>
-        </p:spPr>
-        <p:style>
-          <a:lnRef idx="1">
-            <a:schemeClr val="accent1"/>
-          </a:lnRef>
-          <a:fillRef idx="0">
-            <a:schemeClr val="accent1"/>
-          </a:fillRef>
-          <a:effectRef idx="0">
-            <a:schemeClr val="accent1"/>
-          </a:effectRef>
-          <a:fontRef idx="minor">
-            <a:schemeClr val="tx1"/>
-          </a:fontRef>
-        </p:style>
-      </p:cxnSp>
-      <p:sp>
-        <p:nvSpPr>
-          <p:cNvPr id="20" name="Rectangle 19">
-            <a:extLst>
-              <a:ext uri="{FF2B5EF4-FFF2-40B4-BE49-F238E27FC236}">
-                <a16:creationId xmlns:a16="http://schemas.microsoft.com/office/drawing/2014/main" id="{B4C27B90-DF2B-4D00-BA07-18ED774CD2F1}"/>
-              </a:ext>
-              <a:ext uri="{C183D7F6-B498-43B3-948B-1728B52AA6E4}">
-                <adec:decorative xmlns:adec="http://schemas.microsoft.com/office/drawing/2017/decorative" val="1"/>
-              </a:ext>
-            </a:extLst>
-          </p:cNvPr>
-          <p:cNvSpPr>
-            <a:spLocks noGrp="1" noRot="1" noChangeAspect="1" noMove="1" noResize="1" noEditPoints="1" noAdjustHandles="1" noChangeArrowheads="1" noChangeShapeType="1" noTextEdit="1"/>
-          </p:cNvSpPr>
-          <p:nvPr>
-            <p:extLst>
-              <p:ext uri="{386F3935-93C4-4BCD-93E2-E3B085C9AB24}">
-                <p16:designElem xmlns:p16="http://schemas.microsoft.com/office/powerpoint/2015/main" val="1"/>
-              </p:ext>
-            </p:extLst>
-          </p:nvPr>
-        </p:nvSpPr>
-        <p:spPr>
-          <a:xfrm>
-            <a:off x="15" y="6334316"/>
-            <a:ext cx="12191985" cy="66484"/>
-          </a:xfrm>
-          <a:prstGeom prst="rect">
-            <a:avLst/>
-          </a:prstGeom>
-          <a:solidFill>
-            <a:schemeClr val="accent1"/>
-          </a:solidFill>
-          <a:ln>
-            <a:noFill/>
-          </a:ln>
-        </p:spPr>
-        <p:style>
-          <a:lnRef idx="2">
-            <a:schemeClr val="accent1">
-              <a:shade val="50000"/>
-            </a:schemeClr>
-          </a:lnRef>
-          <a:fillRef idx="1">
-            <a:schemeClr val="accent1"/>
-          </a:fillRef>
-          <a:effectRef idx="0">
-            <a:schemeClr val="accent1"/>
-          </a:effectRef>
-          <a:fontRef idx="minor">
-            <a:schemeClr val="lt1"/>
-          </a:fontRef>
-        </p:style>
-      </p:sp>
-      <p:sp>
-        <p:nvSpPr>
-          <p:cNvPr id="22" name="Rectangle 21">
-            <a:extLst>
-              <a:ext uri="{FF2B5EF4-FFF2-40B4-BE49-F238E27FC236}">
-                <a16:creationId xmlns:a16="http://schemas.microsoft.com/office/drawing/2014/main" id="{593ACC25-C262-417A-8AA9-0641C772BDB6}"/>
-              </a:ext>
-              <a:ext uri="{C183D7F6-B498-43B3-948B-1728B52AA6E4}">
-                <adec:decorative xmlns:adec="http://schemas.microsoft.com/office/drawing/2017/decorative" val="1"/>
-              </a:ext>
-            </a:extLst>
-          </p:cNvPr>
-          <p:cNvSpPr>
-            <a:spLocks noGrp="1" noRot="1" noChangeAspect="1" noMove="1" noResize="1" noEditPoints="1" noAdjustHandles="1" noChangeArrowheads="1" noChangeShapeType="1" noTextEdit="1"/>
-          </p:cNvSpPr>
-          <p:nvPr>
-            <p:extLst>
-              <p:ext uri="{386F3935-93C4-4BCD-93E2-E3B085C9AB24}">
-                <p16:designElem xmlns:p16="http://schemas.microsoft.com/office/powerpoint/2015/main" val="1"/>
-              </p:ext>
-            </p:extLst>
-          </p:nvPr>
-        </p:nvSpPr>
-        <p:spPr>
-          <a:xfrm>
-            <a:off x="1" y="6400800"/>
-            <a:ext cx="12192000" cy="457200"/>
-          </a:xfrm>
-          <a:prstGeom prst="rect">
-            <a:avLst/>
-          </a:prstGeom>
-          <a:solidFill>
-            <a:schemeClr val="accent2"/>
-          </a:solidFill>
-          <a:ln>
-            <a:noFill/>
-          </a:ln>
-        </p:spPr>
-        <p:style>
-          <a:lnRef idx="2">
-            <a:schemeClr val="accent1">
-              <a:shade val="50000"/>
-            </a:schemeClr>
-          </a:lnRef>
-          <a:fillRef idx="1">
-            <a:schemeClr val="accent1"/>
-          </a:fillRef>
-          <a:effectRef idx="0">
-            <a:schemeClr val="accent1"/>
-          </a:effectRef>
-          <a:fontRef idx="minor">
-            <a:schemeClr val="lt1"/>
-          </a:fontRef>
-        </p:style>
-      </p:sp>
-    </p:spTree>
-    <p:extLst>
-      <p:ext uri="{BB962C8B-B14F-4D97-AF65-F5344CB8AC3E}">
-        <p14:creationId xmlns:p14="http://schemas.microsoft.com/office/powerpoint/2010/main" val="727046770"/>
       </p:ext>
     </p:extLst>
   </p:cSld>
@@ -14211,13 +15039,13 @@
       </p:grpSpPr>
       <p:sp>
         <p:nvSpPr>
-          <p:cNvPr id="28" name="Rectangle 11">
+          <p:cNvPr id="10" name="Rectangle 9">
             <a:extLst>
               <a:ext uri="{FF2B5EF4-FFF2-40B4-BE49-F238E27FC236}">
-                <a16:creationId xmlns:a16="http://schemas.microsoft.com/office/drawing/2014/main" id="{BB2B8762-61F0-4F1B-9364-D633EE9D6AF5}"/>
+                <a16:creationId xmlns="" xmlns:a16="http://schemas.microsoft.com/office/drawing/2014/main" id="{4E4490D0-3672-446A-AC12-B4830333BDDD}"/>
               </a:ext>
               <a:ext uri="{C183D7F6-B498-43B3-948B-1728B52AA6E4}">
-                <adec:decorative xmlns:adec="http://schemas.microsoft.com/office/drawing/2017/decorative" val="1"/>
+                <adec:decorative xmlns="" xmlns:adec="http://schemas.microsoft.com/office/drawing/2017/decorative" val="1"/>
               </a:ext>
             </a:extLst>
           </p:cNvPr>
@@ -14227,7 +15055,7 @@
           <p:nvPr>
             <p:extLst>
               <p:ext uri="{386F3935-93C4-4BCD-93E2-E3B085C9AB24}">
-                <p16:designElem xmlns:p16="http://schemas.microsoft.com/office/powerpoint/2015/main" val="1"/>
+                <p16:designElem xmlns="" xmlns:p16="http://schemas.microsoft.com/office/powerpoint/2015/main" val="1"/>
               </p:ext>
             </p:extLst>
           </p:nvPr>
@@ -14266,13 +15094,13 @@
       </p:sp>
       <p:sp>
         <p:nvSpPr>
-          <p:cNvPr id="29" name="Rectangle 13">
+          <p:cNvPr id="12" name="Rectangle 11">
             <a:extLst>
               <a:ext uri="{FF2B5EF4-FFF2-40B4-BE49-F238E27FC236}">
-                <a16:creationId xmlns:a16="http://schemas.microsoft.com/office/drawing/2014/main" id="{E97675C8-1328-460C-9EBF-6B446B67EAD3}"/>
+                <a16:creationId xmlns="" xmlns:a16="http://schemas.microsoft.com/office/drawing/2014/main" id="{39CB82C2-DF65-4EC1-8280-F201D50F570B}"/>
               </a:ext>
               <a:ext uri="{C183D7F6-B498-43B3-948B-1728B52AA6E4}">
-                <adec:decorative xmlns:adec="http://schemas.microsoft.com/office/drawing/2017/decorative" val="1"/>
+                <adec:decorative xmlns="" xmlns:adec="http://schemas.microsoft.com/office/drawing/2017/decorative" val="1"/>
               </a:ext>
             </a:extLst>
           </p:cNvPr>
@@ -14282,7 +15110,7 @@
           <p:nvPr>
             <p:extLst>
               <p:ext uri="{386F3935-93C4-4BCD-93E2-E3B085C9AB24}">
-                <p16:designElem xmlns:p16="http://schemas.microsoft.com/office/powerpoint/2015/main" val="1"/>
+                <p16:designElem xmlns="" xmlns:p16="http://schemas.microsoft.com/office/powerpoint/2015/main" val="1"/>
               </p:ext>
             </p:extLst>
           </p:nvPr>
@@ -14321,13 +15149,13 @@
       </p:sp>
       <p:cxnSp>
         <p:nvCxnSpPr>
-          <p:cNvPr id="30" name="Straight Connector 15">
+          <p:cNvPr id="14" name="Straight Connector 13">
             <a:extLst>
               <a:ext uri="{FF2B5EF4-FFF2-40B4-BE49-F238E27FC236}">
-                <a16:creationId xmlns:a16="http://schemas.microsoft.com/office/drawing/2014/main" id="{514EE78B-AF71-4195-A01B-F1165D9233BF}"/>
+                <a16:creationId xmlns="" xmlns:a16="http://schemas.microsoft.com/office/drawing/2014/main" id="{7E1D4427-852B-4B37-8E76-0E9F1810BA2A}"/>
               </a:ext>
               <a:ext uri="{C183D7F6-B498-43B3-948B-1728B52AA6E4}">
-                <adec:decorative xmlns:adec="http://schemas.microsoft.com/office/drawing/2017/decorative" val="1"/>
+                <adec:decorative xmlns="" xmlns:adec="http://schemas.microsoft.com/office/drawing/2017/decorative" val="1"/>
               </a:ext>
             </a:extLst>
           </p:cNvPr>
@@ -14337,7 +15165,7 @@
           <p:nvPr>
             <p:extLst>
               <p:ext uri="{386F3935-93C4-4BCD-93E2-E3B085C9AB24}">
-                <p16:designElem xmlns:p16="http://schemas.microsoft.com/office/powerpoint/2015/main" val="1"/>
+                <p16:designElem xmlns="" xmlns:p16="http://schemas.microsoft.com/office/powerpoint/2015/main" val="1"/>
               </p:ext>
             </p:extLst>
           </p:nvPr>
@@ -14376,13 +15204,13 @@
       </p:cxnSp>
       <p:sp useBgFill="1">
         <p:nvSpPr>
-          <p:cNvPr id="31" name="Rectangle 17">
+          <p:cNvPr id="16" name="Rectangle 15">
             <a:extLst>
               <a:ext uri="{FF2B5EF4-FFF2-40B4-BE49-F238E27FC236}">
-                <a16:creationId xmlns:a16="http://schemas.microsoft.com/office/drawing/2014/main" id="{01C6F51C-53CC-4D4B-98DA-C143852FCF7F}"/>
+                <a16:creationId xmlns="" xmlns:a16="http://schemas.microsoft.com/office/drawing/2014/main" id="{FA4CD5CB-D209-4D70-8CA4-629731C59219}"/>
               </a:ext>
               <a:ext uri="{C183D7F6-B498-43B3-948B-1728B52AA6E4}">
-                <adec:decorative xmlns:adec="http://schemas.microsoft.com/office/drawing/2017/decorative" val="1"/>
+                <adec:decorative xmlns="" xmlns:adec="http://schemas.microsoft.com/office/drawing/2017/decorative" val="1"/>
               </a:ext>
             </a:extLst>
           </p:cNvPr>
@@ -14392,14 +15220,14 @@
           <p:nvPr>
             <p:extLst>
               <p:ext uri="{386F3935-93C4-4BCD-93E2-E3B085C9AB24}">
-                <p16:designElem xmlns:p16="http://schemas.microsoft.com/office/powerpoint/2015/main" val="1"/>
+                <p16:designElem xmlns="" xmlns:p16="http://schemas.microsoft.com/office/powerpoint/2015/main" val="1"/>
               </p:ext>
             </p:extLst>
           </p:nvPr>
         </p:nvSpPr>
         <p:spPr>
           <a:xfrm>
-            <a:off x="0" y="-18662"/>
+            <a:off x="0" y="0"/>
             <a:ext cx="12192001" cy="6334316"/>
           </a:xfrm>
           <a:prstGeom prst="rect">
@@ -14439,7 +15267,7 @@
           <p:cNvPr id="2" name="Title 1">
             <a:extLst>
               <a:ext uri="{FF2B5EF4-FFF2-40B4-BE49-F238E27FC236}">
-                <a16:creationId xmlns:a16="http://schemas.microsoft.com/office/drawing/2014/main" id="{9CB28E12-13E8-4DA6-BE35-70B0D84E4EF9}"/>
+                <a16:creationId xmlns="" xmlns:a16="http://schemas.microsoft.com/office/drawing/2014/main" id="{020522D4-E092-4ED5-B7B8-B93E8FC55C72}"/>
               </a:ext>
             </a:extLst>
           </p:cNvPr>
@@ -14452,8 +15280,8 @@
         </p:nvSpPr>
         <p:spPr>
           <a:xfrm>
-            <a:off x="7534655" y="639097"/>
-            <a:ext cx="4008415" cy="3686015"/>
+            <a:off x="8141110" y="639097"/>
+            <a:ext cx="3401961" cy="3686015"/>
           </a:xfrm>
         </p:spPr>
         <p:txBody>
@@ -14462,8 +15290,9 @@
           </a:bodyPr>
           <a:lstStyle/>
           <a:p>
-            <a:r>
-              <a:rPr lang="en-US" sz="6000">
+            <a:pPr algn="just"/>
+            <a:r>
+              <a:rPr lang="en-US" sz="6600">
                 <a:solidFill>
                   <a:schemeClr val="tx1">
                     <a:lumMod val="85000"/>
@@ -14478,25 +15307,24 @@
       </p:sp>
       <p:sp>
         <p:nvSpPr>
-          <p:cNvPr id="32" name="Content Placeholder 8">
+          <p:cNvPr id="5" name="TextBox 4">
             <a:extLst>
               <a:ext uri="{FF2B5EF4-FFF2-40B4-BE49-F238E27FC236}">
-                <a16:creationId xmlns:a16="http://schemas.microsoft.com/office/drawing/2014/main" id="{92B4DCF7-26F3-4AAB-87E3-A3B683E2912B}"/>
+                <a16:creationId xmlns="" xmlns:a16="http://schemas.microsoft.com/office/drawing/2014/main" id="{AE658714-3781-4E38-A068-33E6979321E3}"/>
               </a:ext>
             </a:extLst>
           </p:cNvPr>
-          <p:cNvSpPr>
-            <a:spLocks noGrp="1"/>
-          </p:cNvSpPr>
-          <p:nvPr>
-            <p:ph idx="1"/>
-          </p:nvPr>
+          <p:cNvSpPr txBox="1"/>
+          <p:nvPr/>
         </p:nvSpPr>
         <p:spPr>
           <a:xfrm>
-            <a:off x="7534655" y="4455621"/>
-            <a:ext cx="4024445" cy="1238616"/>
+            <a:off x="8141110" y="4455621"/>
+            <a:ext cx="3417990" cy="1238616"/>
           </a:xfrm>
+          <a:prstGeom prst="rect">
+            <a:avLst/>
+          </a:prstGeom>
         </p:spPr>
         <p:txBody>
           <a:bodyPr vert="horz" lIns="91440" tIns="45720" rIns="91440" bIns="45720" rtlCol="0">
@@ -14504,11 +15332,23 @@
           </a:bodyPr>
           <a:lstStyle/>
           <a:p>
-            <a:pPr marL="0" indent="0">
-              <a:buNone/>
+            <a:pPr algn="just" defTabSz="914400">
+              <a:lnSpc>
+                <a:spcPct val="90000"/>
+              </a:lnSpc>
+              <a:spcBef>
+                <a:spcPts val="1200"/>
+              </a:spcBef>
+              <a:spcAft>
+                <a:spcPts val="200"/>
+              </a:spcAft>
+              <a:buClr>
+                <a:schemeClr val="accent1"/>
+              </a:buClr>
+              <a:buSzPct val="100000"/>
             </a:pPr>
             <a:r>
-              <a:rPr lang="en-US" cap="all" spc="200">
+              <a:rPr lang="en-US" sz="2000" cap="all" spc="200">
                 <a:solidFill>
                   <a:schemeClr val="tx1">
                     <a:lumMod val="85000"/>
@@ -14517,17 +15357,17 @@
                 </a:solidFill>
                 <a:latin typeface="+mj-lt"/>
               </a:rPr>
-              <a:t>Số lượng mẫu dữ liệu theo độ dài</a:t>
+              <a:t>Số mẫu dữ liệu ứng với từng class</a:t>
             </a:r>
           </a:p>
         </p:txBody>
       </p:sp>
       <p:pic>
         <p:nvPicPr>
-          <p:cNvPr id="4" name="Content Placeholder 3">
+          <p:cNvPr id="4" name="Picture 3">
             <a:extLst>
               <a:ext uri="{FF2B5EF4-FFF2-40B4-BE49-F238E27FC236}">
-                <a16:creationId xmlns:a16="http://schemas.microsoft.com/office/drawing/2014/main" id="{F7065D43-1597-400E-89DA-B6ABC4B82BDF}"/>
+                <a16:creationId xmlns="" xmlns:a16="http://schemas.microsoft.com/office/drawing/2014/main" id="{4C6ABD04-DD6A-4CC4-BB89-4905946AC82B}"/>
               </a:ext>
             </a:extLst>
           </p:cNvPr>
@@ -14544,8 +15384,8 @@
         </p:blipFill>
         <p:spPr>
           <a:xfrm>
-            <a:off x="592785" y="1063960"/>
-            <a:ext cx="6292939" cy="4169072"/>
+            <a:off x="633999" y="782444"/>
+            <a:ext cx="6912217" cy="4769429"/>
           </a:xfrm>
           <a:prstGeom prst="rect">
             <a:avLst/>
@@ -14554,13 +15394,13 @@
       </p:pic>
       <p:cxnSp>
         <p:nvCxnSpPr>
-          <p:cNvPr id="33" name="Straight Connector 19">
+          <p:cNvPr id="18" name="Straight Connector 17">
             <a:extLst>
               <a:ext uri="{FF2B5EF4-FFF2-40B4-BE49-F238E27FC236}">
-                <a16:creationId xmlns:a16="http://schemas.microsoft.com/office/drawing/2014/main" id="{613AFA59-28DC-4A81-8ADB-6EE5C6322202}"/>
+                <a16:creationId xmlns="" xmlns:a16="http://schemas.microsoft.com/office/drawing/2014/main" id="{5C6A2BAE-B461-4B55-8E1F-0722ABDD1393}"/>
               </a:ext>
               <a:ext uri="{C183D7F6-B498-43B3-948B-1728B52AA6E4}">
-                <adec:decorative xmlns:adec="http://schemas.microsoft.com/office/drawing/2017/decorative" val="1"/>
+                <adec:decorative xmlns="" xmlns:adec="http://schemas.microsoft.com/office/drawing/2017/decorative" val="1"/>
               </a:ext>
             </a:extLst>
           </p:cNvPr>
@@ -14570,15 +15410,15 @@
           <p:nvPr>
             <p:extLst>
               <p:ext uri="{386F3935-93C4-4BCD-93E2-E3B085C9AB24}">
-                <p16:designElem xmlns:p16="http://schemas.microsoft.com/office/powerpoint/2015/main" val="1"/>
+                <p16:designElem xmlns="" xmlns:p16="http://schemas.microsoft.com/office/powerpoint/2015/main" val="1"/>
               </p:ext>
             </p:extLst>
           </p:nvPr>
         </p:nvCxnSpPr>
         <p:spPr>
           <a:xfrm>
-            <a:off x="7616799" y="4343400"/>
-            <a:ext cx="3291840" cy="0"/>
+            <a:off x="8209305" y="4343400"/>
+            <a:ext cx="3200400" cy="0"/>
           </a:xfrm>
           <a:prstGeom prst="line">
             <a:avLst/>
@@ -14608,13 +15448,13 @@
       </p:cxnSp>
       <p:sp>
         <p:nvSpPr>
-          <p:cNvPr id="34" name="Rectangle 21">
+          <p:cNvPr id="20" name="Rectangle 19">
             <a:extLst>
               <a:ext uri="{FF2B5EF4-FFF2-40B4-BE49-F238E27FC236}">
-                <a16:creationId xmlns:a16="http://schemas.microsoft.com/office/drawing/2014/main" id="{1702822D-7587-488C-BCDE-6366C82D9F42}"/>
+                <a16:creationId xmlns="" xmlns:a16="http://schemas.microsoft.com/office/drawing/2014/main" id="{B4C27B90-DF2B-4D00-BA07-18ED774CD2F1}"/>
               </a:ext>
               <a:ext uri="{C183D7F6-B498-43B3-948B-1728B52AA6E4}">
-                <adec:decorative xmlns:adec="http://schemas.microsoft.com/office/drawing/2017/decorative" val="1"/>
+                <adec:decorative xmlns="" xmlns:adec="http://schemas.microsoft.com/office/drawing/2017/decorative" val="1"/>
               </a:ext>
             </a:extLst>
           </p:cNvPr>
@@ -14624,7 +15464,7 @@
           <p:nvPr>
             <p:extLst>
               <p:ext uri="{386F3935-93C4-4BCD-93E2-E3B085C9AB24}">
-                <p16:designElem xmlns:p16="http://schemas.microsoft.com/office/powerpoint/2015/main" val="1"/>
+                <p16:designElem xmlns="" xmlns:p16="http://schemas.microsoft.com/office/powerpoint/2015/main" val="1"/>
               </p:ext>
             </p:extLst>
           </p:nvPr>
@@ -14663,13 +15503,13 @@
       </p:sp>
       <p:sp>
         <p:nvSpPr>
-          <p:cNvPr id="35" name="Rectangle 23">
+          <p:cNvPr id="22" name="Rectangle 21">
             <a:extLst>
               <a:ext uri="{FF2B5EF4-FFF2-40B4-BE49-F238E27FC236}">
-                <a16:creationId xmlns:a16="http://schemas.microsoft.com/office/drawing/2014/main" id="{2336503F-9C9C-424B-B606-FD55CB6EC94A}"/>
+                <a16:creationId xmlns="" xmlns:a16="http://schemas.microsoft.com/office/drawing/2014/main" id="{593ACC25-C262-417A-8AA9-0641C772BDB6}"/>
               </a:ext>
               <a:ext uri="{C183D7F6-B498-43B3-948B-1728B52AA6E4}">
-                <adec:decorative xmlns:adec="http://schemas.microsoft.com/office/drawing/2017/decorative" val="1"/>
+                <adec:decorative xmlns="" xmlns:adec="http://schemas.microsoft.com/office/drawing/2017/decorative" val="1"/>
               </a:ext>
             </a:extLst>
           </p:cNvPr>
@@ -14679,7 +15519,7 @@
           <p:nvPr>
             <p:extLst>
               <p:ext uri="{386F3935-93C4-4BCD-93E2-E3B085C9AB24}">
-                <p16:designElem xmlns:p16="http://schemas.microsoft.com/office/powerpoint/2015/main" val="1"/>
+                <p16:designElem xmlns="" xmlns:p16="http://schemas.microsoft.com/office/powerpoint/2015/main" val="1"/>
               </p:ext>
             </p:extLst>
           </p:nvPr>
@@ -14716,10 +15556,34 @@
           </a:fontRef>
         </p:style>
       </p:sp>
+      <p:sp>
+        <p:nvSpPr>
+          <p:cNvPr id="3" name="Slide Number Placeholder 2"/>
+          <p:cNvSpPr>
+            <a:spLocks noGrp="1"/>
+          </p:cNvSpPr>
+          <p:nvPr>
+            <p:ph type="sldNum" sz="quarter" idx="12"/>
+          </p:nvPr>
+        </p:nvSpPr>
+        <p:spPr/>
+        <p:txBody>
+          <a:bodyPr/>
+          <a:lstStyle/>
+          <a:p>
+            <a:fld id="{6113E31D-E2AB-40D1-8B51-AFA5AFEF393A}" type="slidenum">
+              <a:rPr lang="en-US" smtClean="0"/>
+              <a:pPr/>
+              <a:t>5</a:t>
+            </a:fld>
+            <a:endParaRPr lang="en-US" dirty="0"/>
+          </a:p>
+        </p:txBody>
+      </p:sp>
     </p:spTree>
     <p:extLst>
       <p:ext uri="{BB962C8B-B14F-4D97-AF65-F5344CB8AC3E}">
-        <p14:creationId xmlns:p14="http://schemas.microsoft.com/office/powerpoint/2010/main" val="3934197891"/>
+        <p14:creationId xmlns:p14="http://schemas.microsoft.com/office/powerpoint/2010/main" val="727046770"/>
       </p:ext>
     </p:extLst>
   </p:cSld>
@@ -14754,15 +15618,15 @@
           <a:chExt cx="0" cy="0"/>
         </a:xfrm>
       </p:grpSpPr>
-      <p:sp useBgFill="1">
+      <p:sp>
         <p:nvSpPr>
-          <p:cNvPr id="10" name="Rectangle 9">
+          <p:cNvPr id="28" name="Rectangle 11">
             <a:extLst>
               <a:ext uri="{FF2B5EF4-FFF2-40B4-BE49-F238E27FC236}">
-                <a16:creationId xmlns:a16="http://schemas.microsoft.com/office/drawing/2014/main" id="{10162E77-11AD-44A7-84EC-40C59EEFBD2E}"/>
+                <a16:creationId xmlns="" xmlns:a16="http://schemas.microsoft.com/office/drawing/2014/main" id="{BB2B8762-61F0-4F1B-9364-D633EE9D6AF5}"/>
               </a:ext>
               <a:ext uri="{C183D7F6-B498-43B3-948B-1728B52AA6E4}">
-                <adec:decorative xmlns:adec="http://schemas.microsoft.com/office/drawing/2017/decorative" val="1"/>
+                <adec:decorative xmlns="" xmlns:adec="http://schemas.microsoft.com/office/drawing/2017/decorative" val="1"/>
               </a:ext>
             </a:extLst>
           </p:cNvPr>
@@ -14772,14 +15636,179 @@
           <p:nvPr>
             <p:extLst>
               <p:ext uri="{386F3935-93C4-4BCD-93E2-E3B085C9AB24}">
-                <p16:designElem xmlns:p16="http://schemas.microsoft.com/office/powerpoint/2015/main" val="1"/>
+                <p16:designElem xmlns="" xmlns:p16="http://schemas.microsoft.com/office/powerpoint/2015/main" val="1"/>
               </p:ext>
             </p:extLst>
           </p:nvPr>
         </p:nvSpPr>
         <p:spPr>
           <a:xfrm>
-            <a:off x="0" y="0"/>
+            <a:off x="3175" y="6400800"/>
+            <a:ext cx="12188825" cy="457200"/>
+          </a:xfrm>
+          <a:prstGeom prst="rect">
+            <a:avLst/>
+          </a:prstGeom>
+          <a:solidFill>
+            <a:schemeClr val="accent2"/>
+          </a:solidFill>
+          <a:ln>
+            <a:noFill/>
+          </a:ln>
+        </p:spPr>
+        <p:style>
+          <a:lnRef idx="2">
+            <a:schemeClr val="accent1">
+              <a:shade val="50000"/>
+            </a:schemeClr>
+          </a:lnRef>
+          <a:fillRef idx="1">
+            <a:schemeClr val="accent1"/>
+          </a:fillRef>
+          <a:effectRef idx="0">
+            <a:schemeClr val="accent1"/>
+          </a:effectRef>
+          <a:fontRef idx="minor">
+            <a:schemeClr val="lt1"/>
+          </a:fontRef>
+        </p:style>
+      </p:sp>
+      <p:sp>
+        <p:nvSpPr>
+          <p:cNvPr id="29" name="Rectangle 13">
+            <a:extLst>
+              <a:ext uri="{FF2B5EF4-FFF2-40B4-BE49-F238E27FC236}">
+                <a16:creationId xmlns="" xmlns:a16="http://schemas.microsoft.com/office/drawing/2014/main" id="{E97675C8-1328-460C-9EBF-6B446B67EAD3}"/>
+              </a:ext>
+              <a:ext uri="{C183D7F6-B498-43B3-948B-1728B52AA6E4}">
+                <adec:decorative xmlns="" xmlns:adec="http://schemas.microsoft.com/office/drawing/2017/decorative" val="1"/>
+              </a:ext>
+            </a:extLst>
+          </p:cNvPr>
+          <p:cNvSpPr>
+            <a:spLocks noGrp="1" noRot="1" noChangeAspect="1" noMove="1" noResize="1" noEditPoints="1" noAdjustHandles="1" noChangeArrowheads="1" noChangeShapeType="1" noTextEdit="1"/>
+          </p:cNvSpPr>
+          <p:nvPr>
+            <p:extLst>
+              <p:ext uri="{386F3935-93C4-4BCD-93E2-E3B085C9AB24}">
+                <p16:designElem xmlns="" xmlns:p16="http://schemas.microsoft.com/office/powerpoint/2015/main" val="1"/>
+              </p:ext>
+            </p:extLst>
+          </p:nvPr>
+        </p:nvSpPr>
+        <p:spPr>
+          <a:xfrm>
+            <a:off x="15" y="6334316"/>
+            <a:ext cx="12188825" cy="64008"/>
+          </a:xfrm>
+          <a:prstGeom prst="rect">
+            <a:avLst/>
+          </a:prstGeom>
+          <a:solidFill>
+            <a:schemeClr val="accent1"/>
+          </a:solidFill>
+          <a:ln>
+            <a:noFill/>
+          </a:ln>
+        </p:spPr>
+        <p:style>
+          <a:lnRef idx="2">
+            <a:schemeClr val="accent1">
+              <a:shade val="50000"/>
+            </a:schemeClr>
+          </a:lnRef>
+          <a:fillRef idx="1">
+            <a:schemeClr val="accent1"/>
+          </a:fillRef>
+          <a:effectRef idx="0">
+            <a:schemeClr val="accent1"/>
+          </a:effectRef>
+          <a:fontRef idx="minor">
+            <a:schemeClr val="lt1"/>
+          </a:fontRef>
+        </p:style>
+      </p:sp>
+      <p:cxnSp>
+        <p:nvCxnSpPr>
+          <p:cNvPr id="30" name="Straight Connector 15">
+            <a:extLst>
+              <a:ext uri="{FF2B5EF4-FFF2-40B4-BE49-F238E27FC236}">
+                <a16:creationId xmlns="" xmlns:a16="http://schemas.microsoft.com/office/drawing/2014/main" id="{514EE78B-AF71-4195-A01B-F1165D9233BF}"/>
+              </a:ext>
+              <a:ext uri="{C183D7F6-B498-43B3-948B-1728B52AA6E4}">
+                <adec:decorative xmlns="" xmlns:adec="http://schemas.microsoft.com/office/drawing/2017/decorative" val="1"/>
+              </a:ext>
+            </a:extLst>
+          </p:cNvPr>
+          <p:cNvCxnSpPr>
+            <a:cxnSpLocks noGrp="1" noRot="1" noChangeAspect="1" noMove="1" noResize="1" noEditPoints="1" noAdjustHandles="1" noChangeArrowheads="1" noChangeShapeType="1"/>
+          </p:cNvCxnSpPr>
+          <p:nvPr>
+            <p:extLst>
+              <p:ext uri="{386F3935-93C4-4BCD-93E2-E3B085C9AB24}">
+                <p16:designElem xmlns="" xmlns:p16="http://schemas.microsoft.com/office/powerpoint/2015/main" val="1"/>
+              </p:ext>
+            </p:extLst>
+          </p:nvPr>
+        </p:nvCxnSpPr>
+        <p:spPr>
+          <a:xfrm>
+            <a:off x="1207658" y="4343400"/>
+            <a:ext cx="9875520" cy="0"/>
+          </a:xfrm>
+          <a:prstGeom prst="line">
+            <a:avLst/>
+          </a:prstGeom>
+          <a:ln w="6350">
+            <a:solidFill>
+              <a:schemeClr val="tx1">
+                <a:lumMod val="50000"/>
+                <a:lumOff val="50000"/>
+              </a:schemeClr>
+            </a:solidFill>
+          </a:ln>
+        </p:spPr>
+        <p:style>
+          <a:lnRef idx="1">
+            <a:schemeClr val="accent1"/>
+          </a:lnRef>
+          <a:fillRef idx="0">
+            <a:schemeClr val="accent1"/>
+          </a:fillRef>
+          <a:effectRef idx="0">
+            <a:schemeClr val="accent1"/>
+          </a:effectRef>
+          <a:fontRef idx="minor">
+            <a:schemeClr val="tx1"/>
+          </a:fontRef>
+        </p:style>
+      </p:cxnSp>
+      <p:sp useBgFill="1">
+        <p:nvSpPr>
+          <p:cNvPr id="31" name="Rectangle 17">
+            <a:extLst>
+              <a:ext uri="{FF2B5EF4-FFF2-40B4-BE49-F238E27FC236}">
+                <a16:creationId xmlns="" xmlns:a16="http://schemas.microsoft.com/office/drawing/2014/main" id="{01C6F51C-53CC-4D4B-98DA-C143852FCF7F}"/>
+              </a:ext>
+              <a:ext uri="{C183D7F6-B498-43B3-948B-1728B52AA6E4}">
+                <adec:decorative xmlns="" xmlns:adec="http://schemas.microsoft.com/office/drawing/2017/decorative" val="1"/>
+              </a:ext>
+            </a:extLst>
+          </p:cNvPr>
+          <p:cNvSpPr>
+            <a:spLocks noGrp="1" noRot="1" noChangeAspect="1" noMove="1" noResize="1" noEditPoints="1" noAdjustHandles="1" noChangeArrowheads="1" noChangeShapeType="1" noTextEdit="1"/>
+          </p:cNvSpPr>
+          <p:nvPr>
+            <p:extLst>
+              <p:ext uri="{386F3935-93C4-4BCD-93E2-E3B085C9AB24}">
+                <p16:designElem xmlns="" xmlns:p16="http://schemas.microsoft.com/office/powerpoint/2015/main" val="1"/>
+              </p:ext>
+            </p:extLst>
+          </p:nvPr>
+        </p:nvSpPr>
+        <p:spPr>
+          <a:xfrm>
+            <a:off x="0" y="-18662"/>
             <a:ext cx="12192001" cy="6334316"/>
           </a:xfrm>
           <a:prstGeom prst="rect">
@@ -14819,7 +15848,7 @@
           <p:cNvPr id="2" name="Title 1">
             <a:extLst>
               <a:ext uri="{FF2B5EF4-FFF2-40B4-BE49-F238E27FC236}">
-                <a16:creationId xmlns:a16="http://schemas.microsoft.com/office/drawing/2014/main" id="{2ED94C37-6BF7-4E4E-9A50-477475CF9893}"/>
+                <a16:creationId xmlns="" xmlns:a16="http://schemas.microsoft.com/office/drawing/2014/main" id="{9CB28E12-13E8-4DA6-BE35-70B0D84E4EF9}"/>
               </a:ext>
             </a:extLst>
           </p:cNvPr>
@@ -14832,8 +15861,8 @@
         </p:nvSpPr>
         <p:spPr>
           <a:xfrm>
-            <a:off x="7485469" y="634946"/>
-            <a:ext cx="4064274" cy="1450757"/>
+            <a:off x="7534655" y="639097"/>
+            <a:ext cx="4008415" cy="3686015"/>
           </a:xfrm>
         </p:spPr>
         <p:txBody>
@@ -14842,33 +15871,105 @@
           </a:bodyPr>
           <a:lstStyle/>
           <a:p>
-            <a:pPr algn="just"/>
-            <a:r>
-              <a:rPr lang="en-US" kern="1200" spc="-50" baseline="0" dirty="0">
+            <a:r>
+              <a:rPr lang="en-US" sz="6000">
                 <a:solidFill>
                   <a:schemeClr val="tx1">
-                    <a:lumMod val="75000"/>
-                    <a:lumOff val="25000"/>
+                    <a:lumMod val="85000"/>
+                    <a:lumOff val="15000"/>
+                  </a:schemeClr>
+                </a:solidFill>
+              </a:rPr>
+              <a:t>Dữ liệu</a:t>
+            </a:r>
+          </a:p>
+        </p:txBody>
+      </p:sp>
+      <p:sp>
+        <p:nvSpPr>
+          <p:cNvPr id="32" name="Content Placeholder 8">
+            <a:extLst>
+              <a:ext uri="{FF2B5EF4-FFF2-40B4-BE49-F238E27FC236}">
+                <a16:creationId xmlns="" xmlns:a16="http://schemas.microsoft.com/office/drawing/2014/main" id="{92B4DCF7-26F3-4AAB-87E3-A3B683E2912B}"/>
+              </a:ext>
+            </a:extLst>
+          </p:cNvPr>
+          <p:cNvSpPr>
+            <a:spLocks noGrp="1"/>
+          </p:cNvSpPr>
+          <p:nvPr>
+            <p:ph idx="1"/>
+          </p:nvPr>
+        </p:nvSpPr>
+        <p:spPr>
+          <a:xfrm>
+            <a:off x="7534655" y="4455621"/>
+            <a:ext cx="4024445" cy="1238616"/>
+          </a:xfrm>
+        </p:spPr>
+        <p:txBody>
+          <a:bodyPr vert="horz" lIns="91440" tIns="45720" rIns="91440" bIns="45720" rtlCol="0">
+            <a:normAutofit/>
+          </a:bodyPr>
+          <a:lstStyle/>
+          <a:p>
+            <a:pPr marL="0" indent="0">
+              <a:buNone/>
+            </a:pPr>
+            <a:r>
+              <a:rPr lang="en-US" cap="all" spc="200">
+                <a:solidFill>
+                  <a:schemeClr val="tx1">
+                    <a:lumMod val="85000"/>
+                    <a:lumOff val="15000"/>
                   </a:schemeClr>
                 </a:solidFill>
                 <a:latin typeface="+mj-lt"/>
-                <a:ea typeface="+mj-ea"/>
-                <a:cs typeface="+mj-cs"/>
               </a:rPr>
-              <a:t>Xử lý âm thanh</a:t>
+              <a:t>Số lượng mẫu dữ liệu theo độ dài</a:t>
             </a:r>
           </a:p>
         </p:txBody>
       </p:sp>
+      <p:pic>
+        <p:nvPicPr>
+          <p:cNvPr id="4" name="Content Placeholder 3">
+            <a:extLst>
+              <a:ext uri="{FF2B5EF4-FFF2-40B4-BE49-F238E27FC236}">
+                <a16:creationId xmlns="" xmlns:a16="http://schemas.microsoft.com/office/drawing/2014/main" id="{F7065D43-1597-400E-89DA-B6ABC4B82BDF}"/>
+              </a:ext>
+            </a:extLst>
+          </p:cNvPr>
+          <p:cNvPicPr>
+            <a:picLocks noChangeAspect="1"/>
+          </p:cNvPicPr>
+          <p:nvPr/>
+        </p:nvPicPr>
+        <p:blipFill>
+          <a:blip r:embed="rId2"/>
+          <a:stretch>
+            <a:fillRect/>
+          </a:stretch>
+        </p:blipFill>
+        <p:spPr>
+          <a:xfrm>
+            <a:off x="592785" y="1063960"/>
+            <a:ext cx="6292939" cy="4169072"/>
+          </a:xfrm>
+          <a:prstGeom prst="rect">
+            <a:avLst/>
+          </a:prstGeom>
+        </p:spPr>
+      </p:pic>
       <p:cxnSp>
         <p:nvCxnSpPr>
-          <p:cNvPr id="12" name="Straight Connector 11">
+          <p:cNvPr id="33" name="Straight Connector 19">
             <a:extLst>
               <a:ext uri="{FF2B5EF4-FFF2-40B4-BE49-F238E27FC236}">
-                <a16:creationId xmlns:a16="http://schemas.microsoft.com/office/drawing/2014/main" id="{5AB158E9-1B40-4CD6-95F0-95CA11DF7B7A}"/>
+                <a16:creationId xmlns="" xmlns:a16="http://schemas.microsoft.com/office/drawing/2014/main" id="{613AFA59-28DC-4A81-8ADB-6EE5C6322202}"/>
               </a:ext>
               <a:ext uri="{C183D7F6-B498-43B3-948B-1728B52AA6E4}">
-                <adec:decorative xmlns:adec="http://schemas.microsoft.com/office/drawing/2017/decorative" val="1"/>
+                <adec:decorative xmlns="" xmlns:adec="http://schemas.microsoft.com/office/drawing/2017/decorative" val="1"/>
               </a:ext>
             </a:extLst>
           </p:cNvPr>
@@ -14878,24 +15979,22 @@
           <p:nvPr>
             <p:extLst>
               <p:ext uri="{386F3935-93C4-4BCD-93E2-E3B085C9AB24}">
-                <p16:designElem xmlns:p16="http://schemas.microsoft.com/office/powerpoint/2015/main" val="1"/>
+                <p16:designElem xmlns="" xmlns:p16="http://schemas.microsoft.com/office/powerpoint/2015/main" val="1"/>
               </p:ext>
             </p:extLst>
           </p:nvPr>
         </p:nvCxnSpPr>
         <p:spPr>
           <a:xfrm>
-            <a:off x="7892143" y="2085703"/>
-            <a:ext cx="3566160" cy="0"/>
+            <a:off x="7616799" y="4343400"/>
+            <a:ext cx="3291840" cy="0"/>
           </a:xfrm>
           <a:prstGeom prst="line">
             <a:avLst/>
           </a:prstGeom>
           <a:ln w="6350">
             <a:solidFill>
-              <a:schemeClr val="tx1">
-                <a:lumMod val="50000"/>
-                <a:lumOff val="50000"/>
+              <a:schemeClr val="tx2">
                 <a:alpha val="90000"/>
               </a:schemeClr>
             </a:solidFill>
@@ -14918,66 +16017,13 @@
       </p:cxnSp>
       <p:sp>
         <p:nvSpPr>
-          <p:cNvPr id="5" name="TextBox 4">
+          <p:cNvPr id="34" name="Rectangle 21">
             <a:extLst>
               <a:ext uri="{FF2B5EF4-FFF2-40B4-BE49-F238E27FC236}">
-                <a16:creationId xmlns:a16="http://schemas.microsoft.com/office/drawing/2014/main" id="{266A29D4-C853-4576-B6D0-E39004BB61D7}"/>
-              </a:ext>
-            </a:extLst>
-          </p:cNvPr>
-          <p:cNvSpPr txBox="1"/>
-          <p:nvPr/>
-        </p:nvSpPr>
-        <p:spPr>
-          <a:xfrm>
-            <a:off x="7485469" y="2332226"/>
-            <a:ext cx="4064274" cy="3755565"/>
-          </a:xfrm>
-          <a:prstGeom prst="rect">
-            <a:avLst/>
-          </a:prstGeom>
-        </p:spPr>
-        <p:txBody>
-          <a:bodyPr vert="horz" lIns="0" tIns="45720" rIns="0" bIns="45720" rtlCol="0">
-            <a:normAutofit/>
-          </a:bodyPr>
-          <a:lstStyle/>
-          <a:p>
-            <a:pPr algn="just" defTabSz="914400">
-              <a:lnSpc>
-                <a:spcPct val="90000"/>
-              </a:lnSpc>
-              <a:spcAft>
-                <a:spcPts val="600"/>
-              </a:spcAft>
-              <a:buClr>
-                <a:schemeClr val="accent1"/>
-              </a:buClr>
-              <a:buFont typeface="Calibri" panose="020F0502020204030204" pitchFamily="34" charset="0"/>
-            </a:pPr>
-            <a:r>
-              <a:rPr lang="en-US" dirty="0">
-                <a:solidFill>
-                  <a:schemeClr val="tx1">
-                    <a:lumMod val="75000"/>
-                    <a:lumOff val="25000"/>
-                  </a:schemeClr>
-                </a:solidFill>
-              </a:rPr>
-              <a:t>Âm thanh thô (mảng 1 chiều biên độ theo thời gian) không phải là một cách biểu diễn chứa nhiều thông tin</a:t>
-            </a:r>
-          </a:p>
-        </p:txBody>
-      </p:sp>
-      <p:sp>
-        <p:nvSpPr>
-          <p:cNvPr id="14" name="Rectangle 13">
-            <a:extLst>
-              <a:ext uri="{FF2B5EF4-FFF2-40B4-BE49-F238E27FC236}">
-                <a16:creationId xmlns:a16="http://schemas.microsoft.com/office/drawing/2014/main" id="{6329CBCE-21AE-419D-AC1F-8ACF510A6670}"/>
+                <a16:creationId xmlns="" xmlns:a16="http://schemas.microsoft.com/office/drawing/2014/main" id="{1702822D-7587-488C-BCDE-6366C82D9F42}"/>
               </a:ext>
               <a:ext uri="{C183D7F6-B498-43B3-948B-1728B52AA6E4}">
-                <adec:decorative xmlns:adec="http://schemas.microsoft.com/office/drawing/2017/decorative" val="1"/>
+                <adec:decorative xmlns="" xmlns:adec="http://schemas.microsoft.com/office/drawing/2017/decorative" val="1"/>
               </a:ext>
             </a:extLst>
           </p:cNvPr>
@@ -14987,7 +16033,7 @@
           <p:nvPr>
             <p:extLst>
               <p:ext uri="{386F3935-93C4-4BCD-93E2-E3B085C9AB24}">
-                <p16:designElem xmlns:p16="http://schemas.microsoft.com/office/powerpoint/2015/main" val="1"/>
+                <p16:designElem xmlns="" xmlns:p16="http://schemas.microsoft.com/office/powerpoint/2015/main" val="1"/>
               </p:ext>
             </p:extLst>
           </p:nvPr>
@@ -15026,13 +16072,13 @@
       </p:sp>
       <p:sp>
         <p:nvSpPr>
-          <p:cNvPr id="16" name="Rectangle 15">
+          <p:cNvPr id="35" name="Rectangle 23">
             <a:extLst>
               <a:ext uri="{FF2B5EF4-FFF2-40B4-BE49-F238E27FC236}">
-                <a16:creationId xmlns:a16="http://schemas.microsoft.com/office/drawing/2014/main" id="{FF2DA012-1414-493D-888F-5D99D0BDA322}"/>
+                <a16:creationId xmlns="" xmlns:a16="http://schemas.microsoft.com/office/drawing/2014/main" id="{2336503F-9C9C-424B-B606-FD55CB6EC94A}"/>
               </a:ext>
               <a:ext uri="{C183D7F6-B498-43B3-948B-1728B52AA6E4}">
-                <adec:decorative xmlns:adec="http://schemas.microsoft.com/office/drawing/2017/decorative" val="1"/>
+                <adec:decorative xmlns="" xmlns:adec="http://schemas.microsoft.com/office/drawing/2017/decorative" val="1"/>
               </a:ext>
             </a:extLst>
           </p:cNvPr>
@@ -15042,7 +16088,7 @@
           <p:nvPr>
             <p:extLst>
               <p:ext uri="{386F3935-93C4-4BCD-93E2-E3B085C9AB24}">
-                <p16:designElem xmlns:p16="http://schemas.microsoft.com/office/powerpoint/2015/main" val="1"/>
+                <p16:designElem xmlns="" xmlns:p16="http://schemas.microsoft.com/office/powerpoint/2015/main" val="1"/>
               </p:ext>
             </p:extLst>
           </p:nvPr>
@@ -15079,40 +16125,34 @@
           </a:fontRef>
         </p:style>
       </p:sp>
-      <p:pic>
-        <p:nvPicPr>
-          <p:cNvPr id="3" name="Picture 2">
-            <a:extLst>
-              <a:ext uri="{FF2B5EF4-FFF2-40B4-BE49-F238E27FC236}">
-                <a16:creationId xmlns:a16="http://schemas.microsoft.com/office/drawing/2014/main" id="{5FDBB66F-3199-40E1-8B72-4CE6BF5F223F}"/>
-              </a:ext>
-            </a:extLst>
-          </p:cNvPr>
-          <p:cNvPicPr>
-            <a:picLocks noChangeAspect="1"/>
-          </p:cNvPicPr>
-          <p:nvPr/>
-        </p:nvPicPr>
-        <p:blipFill>
-          <a:blip r:embed="rId2"/>
-          <a:stretch>
-            <a:fillRect/>
-          </a:stretch>
-        </p:blipFill>
-        <p:spPr>
-          <a:xfrm>
-            <a:off x="401438" y="1193450"/>
-            <a:ext cx="6992591" cy="4471099"/>
-          </a:xfrm>
-          <a:prstGeom prst="rect">
-            <a:avLst/>
-          </a:prstGeom>
-        </p:spPr>
-      </p:pic>
+      <p:sp>
+        <p:nvSpPr>
+          <p:cNvPr id="3" name="Slide Number Placeholder 2"/>
+          <p:cNvSpPr>
+            <a:spLocks noGrp="1"/>
+          </p:cNvSpPr>
+          <p:nvPr>
+            <p:ph type="sldNum" sz="quarter" idx="12"/>
+          </p:nvPr>
+        </p:nvSpPr>
+        <p:spPr/>
+        <p:txBody>
+          <a:bodyPr/>
+          <a:lstStyle/>
+          <a:p>
+            <a:fld id="{6113E31D-E2AB-40D1-8B51-AFA5AFEF393A}" type="slidenum">
+              <a:rPr lang="en-US" smtClean="0"/>
+              <a:pPr/>
+              <a:t>6</a:t>
+            </a:fld>
+            <a:endParaRPr lang="en-US" dirty="0"/>
+          </a:p>
+        </p:txBody>
+      </p:sp>
     </p:spTree>
     <p:extLst>
       <p:ext uri="{BB962C8B-B14F-4D97-AF65-F5344CB8AC3E}">
-        <p14:creationId xmlns:p14="http://schemas.microsoft.com/office/powerpoint/2010/main" val="3930472368"/>
+        <p14:creationId xmlns:p14="http://schemas.microsoft.com/office/powerpoint/2010/main" val="3934197891"/>
       </p:ext>
     </p:extLst>
   </p:cSld>
@@ -15147,15 +16187,15 @@
           <a:chExt cx="0" cy="0"/>
         </a:xfrm>
       </p:grpSpPr>
-      <p:sp>
+      <p:sp useBgFill="1">
         <p:nvSpPr>
-          <p:cNvPr id="71" name="Rectangle 70">
+          <p:cNvPr id="10" name="Rectangle 9">
             <a:extLst>
               <a:ext uri="{FF2B5EF4-FFF2-40B4-BE49-F238E27FC236}">
-                <a16:creationId xmlns:a16="http://schemas.microsoft.com/office/drawing/2014/main" id="{4E4490D0-3672-446A-AC12-B4830333BDDD}"/>
+                <a16:creationId xmlns="" xmlns:a16="http://schemas.microsoft.com/office/drawing/2014/main" id="{10162E77-11AD-44A7-84EC-40C59EEFBD2E}"/>
               </a:ext>
               <a:ext uri="{C183D7F6-B498-43B3-948B-1728B52AA6E4}">
-                <adec:decorative xmlns:adec="http://schemas.microsoft.com/office/drawing/2017/decorative" val="1"/>
+                <adec:decorative xmlns="" xmlns:adec="http://schemas.microsoft.com/office/drawing/2017/decorative" val="1"/>
               </a:ext>
             </a:extLst>
           </p:cNvPr>
@@ -15165,7 +16205,424 @@
           <p:nvPr>
             <p:extLst>
               <p:ext uri="{386F3935-93C4-4BCD-93E2-E3B085C9AB24}">
-                <p16:designElem xmlns:p16="http://schemas.microsoft.com/office/powerpoint/2015/main" val="1"/>
+                <p16:designElem xmlns="" xmlns:p16="http://schemas.microsoft.com/office/powerpoint/2015/main" val="1"/>
+              </p:ext>
+            </p:extLst>
+          </p:nvPr>
+        </p:nvSpPr>
+        <p:spPr>
+          <a:xfrm>
+            <a:off x="0" y="0"/>
+            <a:ext cx="12192001" cy="6334316"/>
+          </a:xfrm>
+          <a:prstGeom prst="rect">
+            <a:avLst/>
+          </a:prstGeom>
+          <a:ln>
+            <a:noFill/>
+          </a:ln>
+        </p:spPr>
+        <p:style>
+          <a:lnRef idx="2">
+            <a:schemeClr val="accent1">
+              <a:shade val="50000"/>
+            </a:schemeClr>
+          </a:lnRef>
+          <a:fillRef idx="1">
+            <a:schemeClr val="accent1"/>
+          </a:fillRef>
+          <a:effectRef idx="0">
+            <a:schemeClr val="accent1"/>
+          </a:effectRef>
+          <a:fontRef idx="minor">
+            <a:schemeClr val="lt1"/>
+          </a:fontRef>
+        </p:style>
+        <p:txBody>
+          <a:bodyPr rtlCol="0" anchor="ctr"/>
+          <a:lstStyle/>
+          <a:p>
+            <a:pPr algn="ctr"/>
+            <a:endParaRPr lang="en-US"/>
+          </a:p>
+        </p:txBody>
+      </p:sp>
+      <p:sp>
+        <p:nvSpPr>
+          <p:cNvPr id="2" name="Title 1">
+            <a:extLst>
+              <a:ext uri="{FF2B5EF4-FFF2-40B4-BE49-F238E27FC236}">
+                <a16:creationId xmlns="" xmlns:a16="http://schemas.microsoft.com/office/drawing/2014/main" id="{2ED94C37-6BF7-4E4E-9A50-477475CF9893}"/>
+              </a:ext>
+            </a:extLst>
+          </p:cNvPr>
+          <p:cNvSpPr>
+            <a:spLocks noGrp="1"/>
+          </p:cNvSpPr>
+          <p:nvPr>
+            <p:ph type="title"/>
+          </p:nvPr>
+        </p:nvSpPr>
+        <p:spPr>
+          <a:xfrm>
+            <a:off x="7485469" y="634946"/>
+            <a:ext cx="4064274" cy="1450757"/>
+          </a:xfrm>
+        </p:spPr>
+        <p:txBody>
+          <a:bodyPr vert="horz" lIns="91440" tIns="45720" rIns="91440" bIns="45720" rtlCol="0" anchor="b">
+            <a:normAutofit/>
+          </a:bodyPr>
+          <a:lstStyle/>
+          <a:p>
+            <a:pPr algn="just"/>
+            <a:r>
+              <a:rPr lang="en-US" kern="1200" spc="-50" baseline="0" dirty="0">
+                <a:solidFill>
+                  <a:schemeClr val="tx1">
+                    <a:lumMod val="75000"/>
+                    <a:lumOff val="25000"/>
+                  </a:schemeClr>
+                </a:solidFill>
+                <a:latin typeface="+mj-lt"/>
+                <a:ea typeface="+mj-ea"/>
+                <a:cs typeface="+mj-cs"/>
+              </a:rPr>
+              <a:t>Xử lý âm thanh</a:t>
+            </a:r>
+          </a:p>
+        </p:txBody>
+      </p:sp>
+      <p:cxnSp>
+        <p:nvCxnSpPr>
+          <p:cNvPr id="12" name="Straight Connector 11">
+            <a:extLst>
+              <a:ext uri="{FF2B5EF4-FFF2-40B4-BE49-F238E27FC236}">
+                <a16:creationId xmlns="" xmlns:a16="http://schemas.microsoft.com/office/drawing/2014/main" id="{5AB158E9-1B40-4CD6-95F0-95CA11DF7B7A}"/>
+              </a:ext>
+              <a:ext uri="{C183D7F6-B498-43B3-948B-1728B52AA6E4}">
+                <adec:decorative xmlns="" xmlns:adec="http://schemas.microsoft.com/office/drawing/2017/decorative" val="1"/>
+              </a:ext>
+            </a:extLst>
+          </p:cNvPr>
+          <p:cNvCxnSpPr>
+            <a:cxnSpLocks noGrp="1" noRot="1" noChangeAspect="1" noMove="1" noResize="1" noEditPoints="1" noAdjustHandles="1" noChangeArrowheads="1" noChangeShapeType="1"/>
+          </p:cNvCxnSpPr>
+          <p:nvPr>
+            <p:extLst>
+              <p:ext uri="{386F3935-93C4-4BCD-93E2-E3B085C9AB24}">
+                <p16:designElem xmlns="" xmlns:p16="http://schemas.microsoft.com/office/powerpoint/2015/main" val="1"/>
+              </p:ext>
+            </p:extLst>
+          </p:nvPr>
+        </p:nvCxnSpPr>
+        <p:spPr>
+          <a:xfrm>
+            <a:off x="7892143" y="2085703"/>
+            <a:ext cx="3566160" cy="0"/>
+          </a:xfrm>
+          <a:prstGeom prst="line">
+            <a:avLst/>
+          </a:prstGeom>
+          <a:ln w="6350">
+            <a:solidFill>
+              <a:schemeClr val="tx1">
+                <a:lumMod val="50000"/>
+                <a:lumOff val="50000"/>
+                <a:alpha val="90000"/>
+              </a:schemeClr>
+            </a:solidFill>
+          </a:ln>
+        </p:spPr>
+        <p:style>
+          <a:lnRef idx="1">
+            <a:schemeClr val="accent1"/>
+          </a:lnRef>
+          <a:fillRef idx="0">
+            <a:schemeClr val="accent1"/>
+          </a:fillRef>
+          <a:effectRef idx="0">
+            <a:schemeClr val="accent1"/>
+          </a:effectRef>
+          <a:fontRef idx="minor">
+            <a:schemeClr val="tx1"/>
+          </a:fontRef>
+        </p:style>
+      </p:cxnSp>
+      <p:sp>
+        <p:nvSpPr>
+          <p:cNvPr id="5" name="TextBox 4">
+            <a:extLst>
+              <a:ext uri="{FF2B5EF4-FFF2-40B4-BE49-F238E27FC236}">
+                <a16:creationId xmlns="" xmlns:a16="http://schemas.microsoft.com/office/drawing/2014/main" id="{266A29D4-C853-4576-B6D0-E39004BB61D7}"/>
+              </a:ext>
+            </a:extLst>
+          </p:cNvPr>
+          <p:cNvSpPr txBox="1"/>
+          <p:nvPr/>
+        </p:nvSpPr>
+        <p:spPr>
+          <a:xfrm>
+            <a:off x="7485469" y="2332226"/>
+            <a:ext cx="4064274" cy="3755565"/>
+          </a:xfrm>
+          <a:prstGeom prst="rect">
+            <a:avLst/>
+          </a:prstGeom>
+        </p:spPr>
+        <p:txBody>
+          <a:bodyPr vert="horz" lIns="0" tIns="45720" rIns="0" bIns="45720" rtlCol="0">
+            <a:normAutofit/>
+          </a:bodyPr>
+          <a:lstStyle/>
+          <a:p>
+            <a:pPr algn="just" defTabSz="914400">
+              <a:lnSpc>
+                <a:spcPct val="90000"/>
+              </a:lnSpc>
+              <a:spcAft>
+                <a:spcPts val="600"/>
+              </a:spcAft>
+              <a:buClr>
+                <a:schemeClr val="accent1"/>
+              </a:buClr>
+              <a:buFont typeface="Calibri" panose="020F0502020204030204" pitchFamily="34" charset="0"/>
+            </a:pPr>
+            <a:r>
+              <a:rPr lang="en-US" dirty="0">
+                <a:solidFill>
+                  <a:schemeClr val="tx1">
+                    <a:lumMod val="75000"/>
+                    <a:lumOff val="25000"/>
+                  </a:schemeClr>
+                </a:solidFill>
+              </a:rPr>
+              <a:t>Âm thanh thô (mảng 1 chiều biên độ theo thời gian) không phải là một cách biểu diễn chứa nhiều thông tin</a:t>
+            </a:r>
+          </a:p>
+        </p:txBody>
+      </p:sp>
+      <p:sp>
+        <p:nvSpPr>
+          <p:cNvPr id="14" name="Rectangle 13">
+            <a:extLst>
+              <a:ext uri="{FF2B5EF4-FFF2-40B4-BE49-F238E27FC236}">
+                <a16:creationId xmlns="" xmlns:a16="http://schemas.microsoft.com/office/drawing/2014/main" id="{6329CBCE-21AE-419D-AC1F-8ACF510A6670}"/>
+              </a:ext>
+              <a:ext uri="{C183D7F6-B498-43B3-948B-1728B52AA6E4}">
+                <adec:decorative xmlns="" xmlns:adec="http://schemas.microsoft.com/office/drawing/2017/decorative" val="1"/>
+              </a:ext>
+            </a:extLst>
+          </p:cNvPr>
+          <p:cNvSpPr>
+            <a:spLocks noGrp="1" noRot="1" noChangeAspect="1" noMove="1" noResize="1" noEditPoints="1" noAdjustHandles="1" noChangeArrowheads="1" noChangeShapeType="1" noTextEdit="1"/>
+          </p:cNvSpPr>
+          <p:nvPr>
+            <p:extLst>
+              <p:ext uri="{386F3935-93C4-4BCD-93E2-E3B085C9AB24}">
+                <p16:designElem xmlns="" xmlns:p16="http://schemas.microsoft.com/office/powerpoint/2015/main" val="1"/>
+              </p:ext>
+            </p:extLst>
+          </p:nvPr>
+        </p:nvSpPr>
+        <p:spPr>
+          <a:xfrm>
+            <a:off x="15" y="6334316"/>
+            <a:ext cx="12191985" cy="66484"/>
+          </a:xfrm>
+          <a:prstGeom prst="rect">
+            <a:avLst/>
+          </a:prstGeom>
+          <a:solidFill>
+            <a:schemeClr val="accent1"/>
+          </a:solidFill>
+          <a:ln>
+            <a:noFill/>
+          </a:ln>
+        </p:spPr>
+        <p:style>
+          <a:lnRef idx="2">
+            <a:schemeClr val="accent1">
+              <a:shade val="50000"/>
+            </a:schemeClr>
+          </a:lnRef>
+          <a:fillRef idx="1">
+            <a:schemeClr val="accent1"/>
+          </a:fillRef>
+          <a:effectRef idx="0">
+            <a:schemeClr val="accent1"/>
+          </a:effectRef>
+          <a:fontRef idx="minor">
+            <a:schemeClr val="lt1"/>
+          </a:fontRef>
+        </p:style>
+      </p:sp>
+      <p:sp>
+        <p:nvSpPr>
+          <p:cNvPr id="16" name="Rectangle 15">
+            <a:extLst>
+              <a:ext uri="{FF2B5EF4-FFF2-40B4-BE49-F238E27FC236}">
+                <a16:creationId xmlns="" xmlns:a16="http://schemas.microsoft.com/office/drawing/2014/main" id="{FF2DA012-1414-493D-888F-5D99D0BDA322}"/>
+              </a:ext>
+              <a:ext uri="{C183D7F6-B498-43B3-948B-1728B52AA6E4}">
+                <adec:decorative xmlns="" xmlns:adec="http://schemas.microsoft.com/office/drawing/2017/decorative" val="1"/>
+              </a:ext>
+            </a:extLst>
+          </p:cNvPr>
+          <p:cNvSpPr>
+            <a:spLocks noGrp="1" noRot="1" noChangeAspect="1" noMove="1" noResize="1" noEditPoints="1" noAdjustHandles="1" noChangeArrowheads="1" noChangeShapeType="1" noTextEdit="1"/>
+          </p:cNvSpPr>
+          <p:nvPr>
+            <p:extLst>
+              <p:ext uri="{386F3935-93C4-4BCD-93E2-E3B085C9AB24}">
+                <p16:designElem xmlns="" xmlns:p16="http://schemas.microsoft.com/office/powerpoint/2015/main" val="1"/>
+              </p:ext>
+            </p:extLst>
+          </p:nvPr>
+        </p:nvSpPr>
+        <p:spPr>
+          <a:xfrm>
+            <a:off x="1" y="6400800"/>
+            <a:ext cx="12192000" cy="457200"/>
+          </a:xfrm>
+          <a:prstGeom prst="rect">
+            <a:avLst/>
+          </a:prstGeom>
+          <a:solidFill>
+            <a:schemeClr val="accent2"/>
+          </a:solidFill>
+          <a:ln>
+            <a:noFill/>
+          </a:ln>
+        </p:spPr>
+        <p:style>
+          <a:lnRef idx="2">
+            <a:schemeClr val="accent1">
+              <a:shade val="50000"/>
+            </a:schemeClr>
+          </a:lnRef>
+          <a:fillRef idx="1">
+            <a:schemeClr val="accent1"/>
+          </a:fillRef>
+          <a:effectRef idx="0">
+            <a:schemeClr val="accent1"/>
+          </a:effectRef>
+          <a:fontRef idx="minor">
+            <a:schemeClr val="lt1"/>
+          </a:fontRef>
+        </p:style>
+      </p:sp>
+      <p:pic>
+        <p:nvPicPr>
+          <p:cNvPr id="3" name="Picture 2">
+            <a:extLst>
+              <a:ext uri="{FF2B5EF4-FFF2-40B4-BE49-F238E27FC236}">
+                <a16:creationId xmlns="" xmlns:a16="http://schemas.microsoft.com/office/drawing/2014/main" id="{5FDBB66F-3199-40E1-8B72-4CE6BF5F223F}"/>
+              </a:ext>
+            </a:extLst>
+          </p:cNvPr>
+          <p:cNvPicPr>
+            <a:picLocks noChangeAspect="1"/>
+          </p:cNvPicPr>
+          <p:nvPr/>
+        </p:nvPicPr>
+        <p:blipFill>
+          <a:blip r:embed="rId2"/>
+          <a:stretch>
+            <a:fillRect/>
+          </a:stretch>
+        </p:blipFill>
+        <p:spPr>
+          <a:xfrm>
+            <a:off x="401438" y="1193450"/>
+            <a:ext cx="6992591" cy="4471099"/>
+          </a:xfrm>
+          <a:prstGeom prst="rect">
+            <a:avLst/>
+          </a:prstGeom>
+        </p:spPr>
+      </p:pic>
+      <p:sp>
+        <p:nvSpPr>
+          <p:cNvPr id="4" name="Slide Number Placeholder 3"/>
+          <p:cNvSpPr>
+            <a:spLocks noGrp="1"/>
+          </p:cNvSpPr>
+          <p:nvPr>
+            <p:ph type="sldNum" sz="quarter" idx="12"/>
+          </p:nvPr>
+        </p:nvSpPr>
+        <p:spPr/>
+        <p:txBody>
+          <a:bodyPr/>
+          <a:lstStyle/>
+          <a:p>
+            <a:fld id="{6113E31D-E2AB-40D1-8B51-AFA5AFEF393A}" type="slidenum">
+              <a:rPr lang="en-US" smtClean="0"/>
+              <a:pPr/>
+              <a:t>7</a:t>
+            </a:fld>
+            <a:endParaRPr lang="en-US" dirty="0"/>
+          </a:p>
+        </p:txBody>
+      </p:sp>
+    </p:spTree>
+    <p:extLst>
+      <p:ext uri="{BB962C8B-B14F-4D97-AF65-F5344CB8AC3E}">
+        <p14:creationId xmlns:p14="http://schemas.microsoft.com/office/powerpoint/2010/main" val="3930472368"/>
+      </p:ext>
+    </p:extLst>
+  </p:cSld>
+  <p:clrMapOvr>
+    <a:masterClrMapping/>
+  </p:clrMapOvr>
+</p:sld>
+</file>
+
+<file path=ppt/slides/slide8.xml><?xml version="1.0" encoding="utf-8"?>
+<p:sld xmlns:a="http://schemas.openxmlformats.org/drawingml/2006/main" xmlns:r="http://schemas.openxmlformats.org/officeDocument/2006/relationships" xmlns:p="http://schemas.openxmlformats.org/presentationml/2006/main">
+  <p:cSld>
+    <p:bg>
+      <p:bgPr>
+        <a:solidFill>
+          <a:schemeClr val="bg1"/>
+        </a:solidFill>
+        <a:effectLst/>
+      </p:bgPr>
+    </p:bg>
+    <p:spTree>
+      <p:nvGrpSpPr>
+        <p:cNvPr id="1" name=""/>
+        <p:cNvGrpSpPr/>
+        <p:nvPr/>
+      </p:nvGrpSpPr>
+      <p:grpSpPr>
+        <a:xfrm>
+          <a:off x="0" y="0"/>
+          <a:ext cx="0" cy="0"/>
+          <a:chOff x="0" y="0"/>
+          <a:chExt cx="0" cy="0"/>
+        </a:xfrm>
+      </p:grpSpPr>
+      <p:sp>
+        <p:nvSpPr>
+          <p:cNvPr id="71" name="Rectangle 70">
+            <a:extLst>
+              <a:ext uri="{FF2B5EF4-FFF2-40B4-BE49-F238E27FC236}">
+                <a16:creationId xmlns="" xmlns:a16="http://schemas.microsoft.com/office/drawing/2014/main" id="{4E4490D0-3672-446A-AC12-B4830333BDDD}"/>
+              </a:ext>
+              <a:ext uri="{C183D7F6-B498-43B3-948B-1728B52AA6E4}">
+                <adec:decorative xmlns="" xmlns:adec="http://schemas.microsoft.com/office/drawing/2017/decorative" val="1"/>
+              </a:ext>
+            </a:extLst>
+          </p:cNvPr>
+          <p:cNvSpPr>
+            <a:spLocks noGrp="1" noRot="1" noChangeAspect="1" noMove="1" noResize="1" noEditPoints="1" noAdjustHandles="1" noChangeArrowheads="1" noChangeShapeType="1" noTextEdit="1"/>
+          </p:cNvSpPr>
+          <p:nvPr>
+            <p:extLst>
+              <p:ext uri="{386F3935-93C4-4BCD-93E2-E3B085C9AB24}">
+                <p16:designElem xmlns="" xmlns:p16="http://schemas.microsoft.com/office/powerpoint/2015/main" val="1"/>
               </p:ext>
             </p:extLst>
           </p:nvPr>
@@ -15207,10 +16664,10 @@
           <p:cNvPr id="73" name="Rectangle 72">
             <a:extLst>
               <a:ext uri="{FF2B5EF4-FFF2-40B4-BE49-F238E27FC236}">
-                <a16:creationId xmlns:a16="http://schemas.microsoft.com/office/drawing/2014/main" id="{39CB82C2-DF65-4EC1-8280-F201D50F570B}"/>
+                <a16:creationId xmlns="" xmlns:a16="http://schemas.microsoft.com/office/drawing/2014/main" id="{39CB82C2-DF65-4EC1-8280-F201D50F570B}"/>
               </a:ext>
               <a:ext uri="{C183D7F6-B498-43B3-948B-1728B52AA6E4}">
-                <adec:decorative xmlns:adec="http://schemas.microsoft.com/office/drawing/2017/decorative" val="1"/>
+                <adec:decorative xmlns="" xmlns:adec="http://schemas.microsoft.com/office/drawing/2017/decorative" val="1"/>
               </a:ext>
             </a:extLst>
           </p:cNvPr>
@@ -15220,7 +16677,7 @@
           <p:nvPr>
             <p:extLst>
               <p:ext uri="{386F3935-93C4-4BCD-93E2-E3B085C9AB24}">
-                <p16:designElem xmlns:p16="http://schemas.microsoft.com/office/powerpoint/2015/main" val="1"/>
+                <p16:designElem xmlns="" xmlns:p16="http://schemas.microsoft.com/office/powerpoint/2015/main" val="1"/>
               </p:ext>
             </p:extLst>
           </p:nvPr>
@@ -15262,10 +16719,10 @@
           <p:cNvPr id="75" name="Straight Connector 74">
             <a:extLst>
               <a:ext uri="{FF2B5EF4-FFF2-40B4-BE49-F238E27FC236}">
-                <a16:creationId xmlns:a16="http://schemas.microsoft.com/office/drawing/2014/main" id="{7E1D4427-852B-4B37-8E76-0E9F1810BA2A}"/>
+                <a16:creationId xmlns="" xmlns:a16="http://schemas.microsoft.com/office/drawing/2014/main" id="{7E1D4427-852B-4B37-8E76-0E9F1810BA2A}"/>
               </a:ext>
               <a:ext uri="{C183D7F6-B498-43B3-948B-1728B52AA6E4}">
-                <adec:decorative xmlns:adec="http://schemas.microsoft.com/office/drawing/2017/decorative" val="1"/>
+                <adec:decorative xmlns="" xmlns:adec="http://schemas.microsoft.com/office/drawing/2017/decorative" val="1"/>
               </a:ext>
             </a:extLst>
           </p:cNvPr>
@@ -15275,7 +16732,7 @@
           <p:nvPr>
             <p:extLst>
               <p:ext uri="{386F3935-93C4-4BCD-93E2-E3B085C9AB24}">
-                <p16:designElem xmlns:p16="http://schemas.microsoft.com/office/powerpoint/2015/main" val="1"/>
+                <p16:designElem xmlns="" xmlns:p16="http://schemas.microsoft.com/office/powerpoint/2015/main" val="1"/>
               </p:ext>
             </p:extLst>
           </p:nvPr>
@@ -15317,10 +16774,10 @@
           <p:cNvPr id="77" name="Rectangle 76">
             <a:extLst>
               <a:ext uri="{FF2B5EF4-FFF2-40B4-BE49-F238E27FC236}">
-                <a16:creationId xmlns:a16="http://schemas.microsoft.com/office/drawing/2014/main" id="{5AE6C737-FF55-4064-94B7-0B21D2EB6045}"/>
+                <a16:creationId xmlns="" xmlns:a16="http://schemas.microsoft.com/office/drawing/2014/main" id="{5AE6C737-FF55-4064-94B7-0B21D2EB6045}"/>
               </a:ext>
               <a:ext uri="{C183D7F6-B498-43B3-948B-1728B52AA6E4}">
-                <adec:decorative xmlns:adec="http://schemas.microsoft.com/office/drawing/2017/decorative" val="1"/>
+                <adec:decorative xmlns="" xmlns:adec="http://schemas.microsoft.com/office/drawing/2017/decorative" val="1"/>
               </a:ext>
             </a:extLst>
           </p:cNvPr>
@@ -15330,7 +16787,7 @@
           <p:nvPr>
             <p:extLst>
               <p:ext uri="{386F3935-93C4-4BCD-93E2-E3B085C9AB24}">
-                <p16:designElem xmlns:p16="http://schemas.microsoft.com/office/powerpoint/2015/main" val="1"/>
+                <p16:designElem xmlns="" xmlns:p16="http://schemas.microsoft.com/office/powerpoint/2015/main" val="1"/>
               </p:ext>
             </p:extLst>
           </p:nvPr>
@@ -15377,7 +16834,7 @@
           <p:cNvPr id="2" name="Title 1">
             <a:extLst>
               <a:ext uri="{FF2B5EF4-FFF2-40B4-BE49-F238E27FC236}">
-                <a16:creationId xmlns:a16="http://schemas.microsoft.com/office/drawing/2014/main" id="{6AC72F96-9088-4864-836D-D5F21EC6CC32}"/>
+                <a16:creationId xmlns="" xmlns:a16="http://schemas.microsoft.com/office/drawing/2014/main" id="{6AC72F96-9088-4864-836D-D5F21EC6CC32}"/>
               </a:ext>
             </a:extLst>
           </p:cNvPr>
@@ -15419,7 +16876,7 @@
           <p:cNvPr id="1026" name="Picture 2" descr="Kết quả hình ảnh cho fourier transform&quot;">
             <a:extLst>
               <a:ext uri="{FF2B5EF4-FFF2-40B4-BE49-F238E27FC236}">
-                <a16:creationId xmlns:a16="http://schemas.microsoft.com/office/drawing/2014/main" id="{DBA222E1-B28A-47EB-8705-1EBD4DACE704}"/>
+                <a16:creationId xmlns="" xmlns:a16="http://schemas.microsoft.com/office/drawing/2014/main" id="{DBA222E1-B28A-47EB-8705-1EBD4DACE704}"/>
               </a:ext>
             </a:extLst>
           </p:cNvPr>
@@ -15465,10 +16922,10 @@
           <p:cNvPr id="79" name="Straight Connector 78">
             <a:extLst>
               <a:ext uri="{FF2B5EF4-FFF2-40B4-BE49-F238E27FC236}">
-                <a16:creationId xmlns:a16="http://schemas.microsoft.com/office/drawing/2014/main" id="{6B5B1DD8-6224-4137-8621-32982B00F9FC}"/>
+                <a16:creationId xmlns="" xmlns:a16="http://schemas.microsoft.com/office/drawing/2014/main" id="{6B5B1DD8-6224-4137-8621-32982B00F9FC}"/>
               </a:ext>
               <a:ext uri="{C183D7F6-B498-43B3-948B-1728B52AA6E4}">
-                <adec:decorative xmlns:adec="http://schemas.microsoft.com/office/drawing/2017/decorative" val="1"/>
+                <adec:decorative xmlns="" xmlns:adec="http://schemas.microsoft.com/office/drawing/2017/decorative" val="1"/>
               </a:ext>
             </a:extLst>
           </p:cNvPr>
@@ -15478,7 +16935,7 @@
           <p:nvPr>
             <p:extLst>
               <p:ext uri="{386F3935-93C4-4BCD-93E2-E3B085C9AB24}">
-                <p16:designElem xmlns:p16="http://schemas.microsoft.com/office/powerpoint/2015/main" val="1"/>
+                <p16:designElem xmlns="" xmlns:p16="http://schemas.microsoft.com/office/powerpoint/2015/main" val="1"/>
               </p:ext>
             </p:extLst>
           </p:nvPr>
@@ -15519,10 +16976,10 @@
           <p:cNvPr id="81" name="Rectangle 80">
             <a:extLst>
               <a:ext uri="{FF2B5EF4-FFF2-40B4-BE49-F238E27FC236}">
-                <a16:creationId xmlns:a16="http://schemas.microsoft.com/office/drawing/2014/main" id="{D8218D9F-38B6-4AE0-9051-5434D19A5277}"/>
+                <a16:creationId xmlns="" xmlns:a16="http://schemas.microsoft.com/office/drawing/2014/main" id="{D8218D9F-38B6-4AE0-9051-5434D19A5277}"/>
               </a:ext>
               <a:ext uri="{C183D7F6-B498-43B3-948B-1728B52AA6E4}">
-                <adec:decorative xmlns:adec="http://schemas.microsoft.com/office/drawing/2017/decorative" val="1"/>
+                <adec:decorative xmlns="" xmlns:adec="http://schemas.microsoft.com/office/drawing/2017/decorative" val="1"/>
               </a:ext>
             </a:extLst>
           </p:cNvPr>
@@ -15532,7 +16989,7 @@
           <p:nvPr>
             <p:extLst>
               <p:ext uri="{386F3935-93C4-4BCD-93E2-E3B085C9AB24}">
-                <p16:designElem xmlns:p16="http://schemas.microsoft.com/office/powerpoint/2015/main" val="1"/>
+                <p16:designElem xmlns="" xmlns:p16="http://schemas.microsoft.com/office/powerpoint/2015/main" val="1"/>
               </p:ext>
             </p:extLst>
           </p:nvPr>
@@ -15574,10 +17031,10 @@
           <p:cNvPr id="83" name="Rectangle 82">
             <a:extLst>
               <a:ext uri="{FF2B5EF4-FFF2-40B4-BE49-F238E27FC236}">
-                <a16:creationId xmlns:a16="http://schemas.microsoft.com/office/drawing/2014/main" id="{2D3DCA99-84AF-487A-BF72-91C5FA6B0B70}"/>
+                <a16:creationId xmlns="" xmlns:a16="http://schemas.microsoft.com/office/drawing/2014/main" id="{2D3DCA99-84AF-487A-BF72-91C5FA6B0B70}"/>
               </a:ext>
               <a:ext uri="{C183D7F6-B498-43B3-948B-1728B52AA6E4}">
-                <adec:decorative xmlns:adec="http://schemas.microsoft.com/office/drawing/2017/decorative" val="1"/>
+                <adec:decorative xmlns="" xmlns:adec="http://schemas.microsoft.com/office/drawing/2017/decorative" val="1"/>
               </a:ext>
             </a:extLst>
           </p:cNvPr>
@@ -15587,7 +17044,7 @@
           <p:nvPr>
             <p:extLst>
               <p:ext uri="{386F3935-93C4-4BCD-93E2-E3B085C9AB24}">
-                <p16:designElem xmlns:p16="http://schemas.microsoft.com/office/powerpoint/2015/main" val="1"/>
+                <p16:designElem xmlns="" xmlns:p16="http://schemas.microsoft.com/office/powerpoint/2015/main" val="1"/>
               </p:ext>
             </p:extLst>
           </p:nvPr>
@@ -15629,7 +17086,7 @@
           <p:cNvPr id="4" name="TextBox 3">
             <a:extLst>
               <a:ext uri="{FF2B5EF4-FFF2-40B4-BE49-F238E27FC236}">
-                <a16:creationId xmlns:a16="http://schemas.microsoft.com/office/drawing/2014/main" id="{F20AB851-3D94-4181-A43A-8826FB9551F6}"/>
+                <a16:creationId xmlns="" xmlns:a16="http://schemas.microsoft.com/office/drawing/2014/main" id="{F20AB851-3D94-4181-A43A-8826FB9551F6}"/>
               </a:ext>
             </a:extLst>
           </p:cNvPr>
@@ -15668,7 +17125,7 @@
           <p:cNvPr id="5" name="TextBox 4">
             <a:extLst>
               <a:ext uri="{FF2B5EF4-FFF2-40B4-BE49-F238E27FC236}">
-                <a16:creationId xmlns:a16="http://schemas.microsoft.com/office/drawing/2014/main" id="{151EFF0A-15D3-4F1E-9880-95215EC71155}"/>
+                <a16:creationId xmlns="" xmlns:a16="http://schemas.microsoft.com/office/drawing/2014/main" id="{151EFF0A-15D3-4F1E-9880-95215EC71155}"/>
               </a:ext>
             </a:extLst>
           </p:cNvPr>
@@ -15700,7 +17157,7 @@
                 <a:hlinkClick r:id="rId3">
                   <a:extLst>
                     <a:ext uri="{A12FA001-AC4F-418D-AE19-62706E023703}">
-                      <ahyp:hlinkClr xmlns:ahyp="http://schemas.microsoft.com/office/drawing/2018/hyperlinkcolor" val="tx"/>
+                      <ahyp:hlinkClr xmlns="" xmlns:ahyp="http://schemas.microsoft.com/office/drawing/2018/hyperlinkcolor" val="tx"/>
                     </a:ext>
                   </a:extLst>
                 </a:hlinkClick>
@@ -15715,6 +17172,30 @@
               </a:rPr>
               <a:t>https://www.youtube.com/watch?v=spUNpyF58BY</a:t>
             </a:r>
+            <a:endParaRPr lang="en-US" dirty="0"/>
+          </a:p>
+        </p:txBody>
+      </p:sp>
+      <p:sp>
+        <p:nvSpPr>
+          <p:cNvPr id="3" name="Slide Number Placeholder 2"/>
+          <p:cNvSpPr>
+            <a:spLocks noGrp="1"/>
+          </p:cNvSpPr>
+          <p:nvPr>
+            <p:ph type="sldNum" sz="quarter" idx="12"/>
+          </p:nvPr>
+        </p:nvSpPr>
+        <p:spPr/>
+        <p:txBody>
+          <a:bodyPr/>
+          <a:lstStyle/>
+          <a:p>
+            <a:fld id="{6113E31D-E2AB-40D1-8B51-AFA5AFEF393A}" type="slidenum">
+              <a:rPr lang="en-US" smtClean="0"/>
+              <a:pPr/>
+              <a:t>8</a:t>
+            </a:fld>
             <a:endParaRPr lang="en-US" dirty="0"/>
           </a:p>
         </p:txBody>
@@ -15732,7 +17213,7 @@
 </p:sld>
 </file>
 
-<file path=ppt/slides/slide8.xml><?xml version="1.0" encoding="utf-8"?>
+<file path=ppt/slides/slide9.xml><?xml version="1.0" encoding="utf-8"?>
 <p:sld xmlns:a="http://schemas.openxmlformats.org/drawingml/2006/main" xmlns:r="http://schemas.openxmlformats.org/officeDocument/2006/relationships" xmlns:p="http://schemas.openxmlformats.org/presentationml/2006/main">
   <p:cSld>
     <p:spTree>
@@ -15754,7 +17235,7 @@
           <p:cNvPr id="2" name="Title 1">
             <a:extLst>
               <a:ext uri="{FF2B5EF4-FFF2-40B4-BE49-F238E27FC236}">
-                <a16:creationId xmlns:a16="http://schemas.microsoft.com/office/drawing/2014/main" id="{8C71F8EC-7F97-4507-BF65-8AA65A019785}"/>
+                <a16:creationId xmlns="" xmlns:a16="http://schemas.microsoft.com/office/drawing/2014/main" id="{8C71F8EC-7F97-4507-BF65-8AA65A019785}"/>
               </a:ext>
             </a:extLst>
           </p:cNvPr>
@@ -15783,7 +17264,7 @@
           <p:cNvPr id="3" name="Content Placeholder 2">
             <a:extLst>
               <a:ext uri="{FF2B5EF4-FFF2-40B4-BE49-F238E27FC236}">
-                <a16:creationId xmlns:a16="http://schemas.microsoft.com/office/drawing/2014/main" id="{97575886-E0E6-4EA0-8AD7-D84E2765AD38}"/>
+                <a16:creationId xmlns="" xmlns:a16="http://schemas.microsoft.com/office/drawing/2014/main" id="{97575886-E0E6-4EA0-8AD7-D84E2765AD38}"/>
               </a:ext>
             </a:extLst>
           </p:cNvPr>
@@ -16417,380 +17898,34 @@
           </a:p>
         </p:txBody>
       </p:sp>
+      <p:sp>
+        <p:nvSpPr>
+          <p:cNvPr id="4" name="Slide Number Placeholder 3"/>
+          <p:cNvSpPr>
+            <a:spLocks noGrp="1"/>
+          </p:cNvSpPr>
+          <p:nvPr>
+            <p:ph type="sldNum" sz="quarter" idx="12"/>
+          </p:nvPr>
+        </p:nvSpPr>
+        <p:spPr/>
+        <p:txBody>
+          <a:bodyPr/>
+          <a:lstStyle/>
+          <a:p>
+            <a:fld id="{6113E31D-E2AB-40D1-8B51-AFA5AFEF393A}" type="slidenum">
+              <a:rPr lang="en-US" smtClean="0"/>
+              <a:pPr/>
+              <a:t>9</a:t>
+            </a:fld>
+            <a:endParaRPr lang="en-US" dirty="0"/>
+          </a:p>
+        </p:txBody>
+      </p:sp>
     </p:spTree>
     <p:extLst>
       <p:ext uri="{BB962C8B-B14F-4D97-AF65-F5344CB8AC3E}">
         <p14:creationId xmlns:p14="http://schemas.microsoft.com/office/powerpoint/2010/main" val="4163044136"/>
-      </p:ext>
-    </p:extLst>
-  </p:cSld>
-  <p:clrMapOvr>
-    <a:masterClrMapping/>
-  </p:clrMapOvr>
-</p:sld>
-</file>
-
-<file path=ppt/slides/slide9.xml><?xml version="1.0" encoding="utf-8"?>
-<p:sld xmlns:a="http://schemas.openxmlformats.org/drawingml/2006/main" xmlns:r="http://schemas.openxmlformats.org/officeDocument/2006/relationships" xmlns:p="http://schemas.openxmlformats.org/presentationml/2006/main">
-  <p:cSld>
-    <p:bg>
-      <p:bgPr>
-        <a:solidFill>
-          <a:schemeClr val="bg1"/>
-        </a:solidFill>
-        <a:effectLst/>
-      </p:bgPr>
-    </p:bg>
-    <p:spTree>
-      <p:nvGrpSpPr>
-        <p:cNvPr id="1" name=""/>
-        <p:cNvGrpSpPr/>
-        <p:nvPr/>
-      </p:nvGrpSpPr>
-      <p:grpSpPr>
-        <a:xfrm>
-          <a:off x="0" y="0"/>
-          <a:ext cx="0" cy="0"/>
-          <a:chOff x="0" y="0"/>
-          <a:chExt cx="0" cy="0"/>
-        </a:xfrm>
-      </p:grpSpPr>
-      <p:sp useBgFill="1">
-        <p:nvSpPr>
-          <p:cNvPr id="24" name="Rectangle 9">
-            <a:extLst>
-              <a:ext uri="{FF2B5EF4-FFF2-40B4-BE49-F238E27FC236}">
-                <a16:creationId xmlns:a16="http://schemas.microsoft.com/office/drawing/2014/main" id="{284B70D5-875B-433D-BDBD-1522A85D6C1D}"/>
-              </a:ext>
-              <a:ext uri="{C183D7F6-B498-43B3-948B-1728B52AA6E4}">
-                <adec:decorative xmlns:adec="http://schemas.microsoft.com/office/drawing/2017/decorative" val="1"/>
-              </a:ext>
-            </a:extLst>
-          </p:cNvPr>
-          <p:cNvSpPr>
-            <a:spLocks noGrp="1" noRot="1" noChangeAspect="1" noMove="1" noResize="1" noEditPoints="1" noAdjustHandles="1" noChangeArrowheads="1" noChangeShapeType="1" noTextEdit="1"/>
-          </p:cNvSpPr>
-          <p:nvPr>
-            <p:extLst>
-              <p:ext uri="{386F3935-93C4-4BCD-93E2-E3B085C9AB24}">
-                <p16:designElem xmlns:p16="http://schemas.microsoft.com/office/powerpoint/2015/main" val="1"/>
-              </p:ext>
-            </p:extLst>
-          </p:nvPr>
-        </p:nvSpPr>
-        <p:spPr>
-          <a:xfrm>
-            <a:off x="0" y="0"/>
-            <a:ext cx="12192001" cy="6334316"/>
-          </a:xfrm>
-          <a:prstGeom prst="rect">
-            <a:avLst/>
-          </a:prstGeom>
-          <a:ln>
-            <a:noFill/>
-          </a:ln>
-        </p:spPr>
-        <p:style>
-          <a:lnRef idx="2">
-            <a:schemeClr val="accent1">
-              <a:shade val="50000"/>
-            </a:schemeClr>
-          </a:lnRef>
-          <a:fillRef idx="1">
-            <a:schemeClr val="accent1"/>
-          </a:fillRef>
-          <a:effectRef idx="0">
-            <a:schemeClr val="accent1"/>
-          </a:effectRef>
-          <a:fontRef idx="minor">
-            <a:schemeClr val="lt1"/>
-          </a:fontRef>
-        </p:style>
-        <p:txBody>
-          <a:bodyPr rtlCol="0" anchor="ctr"/>
-          <a:lstStyle/>
-          <a:p>
-            <a:pPr algn="ctr"/>
-            <a:endParaRPr lang="en-US"/>
-          </a:p>
-        </p:txBody>
-      </p:sp>
-      <p:sp>
-        <p:nvSpPr>
-          <p:cNvPr id="2" name="Title 1">
-            <a:extLst>
-              <a:ext uri="{FF2B5EF4-FFF2-40B4-BE49-F238E27FC236}">
-                <a16:creationId xmlns:a16="http://schemas.microsoft.com/office/drawing/2014/main" id="{4A4C304A-EC41-4E14-A377-12DA244453A4}"/>
-              </a:ext>
-            </a:extLst>
-          </p:cNvPr>
-          <p:cNvSpPr>
-            <a:spLocks noGrp="1"/>
-          </p:cNvSpPr>
-          <p:nvPr>
-            <p:ph type="title"/>
-          </p:nvPr>
-        </p:nvSpPr>
-        <p:spPr>
-          <a:xfrm>
-            <a:off x="7859485" y="634946"/>
-            <a:ext cx="3690257" cy="1450757"/>
-          </a:xfrm>
-        </p:spPr>
-        <p:txBody>
-          <a:bodyPr>
-            <a:normAutofit/>
-          </a:bodyPr>
-          <a:lstStyle/>
-          <a:p>
-            <a:pPr algn="just"/>
-            <a:r>
-              <a:rPr lang="en-US"/>
-              <a:t>Spectrogram</a:t>
-            </a:r>
-            <a:endParaRPr lang="en-US" dirty="0"/>
-          </a:p>
-        </p:txBody>
-      </p:sp>
-      <p:pic>
-        <p:nvPicPr>
-          <p:cNvPr id="4" name="Picture 3">
-            <a:extLst>
-              <a:ext uri="{FF2B5EF4-FFF2-40B4-BE49-F238E27FC236}">
-                <a16:creationId xmlns:a16="http://schemas.microsoft.com/office/drawing/2014/main" id="{1634A206-5F8B-4838-81B9-3AC5623EAC54}"/>
-              </a:ext>
-            </a:extLst>
-          </p:cNvPr>
-          <p:cNvPicPr>
-            <a:picLocks noChangeAspect="1"/>
-          </p:cNvPicPr>
-          <p:nvPr/>
-        </p:nvPicPr>
-        <p:blipFill>
-          <a:blip r:embed="rId2"/>
-          <a:stretch>
-            <a:fillRect/>
-          </a:stretch>
-        </p:blipFill>
-        <p:spPr>
-          <a:xfrm>
-            <a:off x="633999" y="1120697"/>
-            <a:ext cx="6909801" cy="4353173"/>
-          </a:xfrm>
-          <a:prstGeom prst="rect">
-            <a:avLst/>
-          </a:prstGeom>
-        </p:spPr>
-      </p:pic>
-      <p:cxnSp>
-        <p:nvCxnSpPr>
-          <p:cNvPr id="25" name="Straight Connector 11">
-            <a:extLst>
-              <a:ext uri="{FF2B5EF4-FFF2-40B4-BE49-F238E27FC236}">
-                <a16:creationId xmlns:a16="http://schemas.microsoft.com/office/drawing/2014/main" id="{C947DF4A-614C-4B4C-8B80-E5B9D8E8CFED}"/>
-              </a:ext>
-              <a:ext uri="{C183D7F6-B498-43B3-948B-1728B52AA6E4}">
-                <adec:decorative xmlns:adec="http://schemas.microsoft.com/office/drawing/2017/decorative" val="1"/>
-              </a:ext>
-            </a:extLst>
-          </p:cNvPr>
-          <p:cNvCxnSpPr>
-            <a:cxnSpLocks noGrp="1" noRot="1" noChangeAspect="1" noMove="1" noResize="1" noEditPoints="1" noAdjustHandles="1" noChangeArrowheads="1" noChangeShapeType="1"/>
-          </p:cNvCxnSpPr>
-          <p:nvPr>
-            <p:extLst>
-              <p:ext uri="{386F3935-93C4-4BCD-93E2-E3B085C9AB24}">
-                <p16:designElem xmlns:p16="http://schemas.microsoft.com/office/powerpoint/2015/main" val="1"/>
-              </p:ext>
-            </p:extLst>
-          </p:nvPr>
-        </p:nvCxnSpPr>
-        <p:spPr>
-          <a:xfrm>
-            <a:off x="7892143" y="2085703"/>
-            <a:ext cx="3566160" cy="0"/>
-          </a:xfrm>
-          <a:prstGeom prst="line">
-            <a:avLst/>
-          </a:prstGeom>
-          <a:ln w="6350">
-            <a:solidFill>
-              <a:schemeClr val="tx1">
-                <a:lumMod val="50000"/>
-                <a:lumOff val="50000"/>
-                <a:alpha val="90000"/>
-              </a:schemeClr>
-            </a:solidFill>
-          </a:ln>
-        </p:spPr>
-        <p:style>
-          <a:lnRef idx="1">
-            <a:schemeClr val="accent1"/>
-          </a:lnRef>
-          <a:fillRef idx="0">
-            <a:schemeClr val="accent1"/>
-          </a:fillRef>
-          <a:effectRef idx="0">
-            <a:schemeClr val="accent1"/>
-          </a:effectRef>
-          <a:fontRef idx="minor">
-            <a:schemeClr val="tx1"/>
-          </a:fontRef>
-        </p:style>
-      </p:cxnSp>
-      <p:sp>
-        <p:nvSpPr>
-          <p:cNvPr id="5" name="TextBox 4">
-            <a:extLst>
-              <a:ext uri="{FF2B5EF4-FFF2-40B4-BE49-F238E27FC236}">
-                <a16:creationId xmlns:a16="http://schemas.microsoft.com/office/drawing/2014/main" id="{AF9D4991-0C0C-4CDE-A117-499D591086C5}"/>
-              </a:ext>
-            </a:extLst>
-          </p:cNvPr>
-          <p:cNvSpPr txBox="1"/>
-          <p:nvPr/>
-        </p:nvSpPr>
-        <p:spPr>
-          <a:xfrm>
-            <a:off x="7859485" y="2198914"/>
-            <a:ext cx="3690257" cy="3670180"/>
-          </a:xfrm>
-          <a:prstGeom prst="rect">
-            <a:avLst/>
-          </a:prstGeom>
-        </p:spPr>
-        <p:txBody>
-          <a:bodyPr rtlCol="0">
-            <a:normAutofit/>
-          </a:bodyPr>
-          <a:lstStyle/>
-          <a:p>
-            <a:pPr algn="just">
-              <a:spcAft>
-                <a:spcPts val="600"/>
-              </a:spcAft>
-            </a:pPr>
-            <a:r>
-              <a:rPr lang="en-US"/>
-              <a:t>Là một cách biểu diễn ma trận đầu ra của STFT dễ hiểu hơn</a:t>
-            </a:r>
-          </a:p>
-        </p:txBody>
-      </p:sp>
-      <p:sp>
-        <p:nvSpPr>
-          <p:cNvPr id="26" name="Rectangle 13">
-            <a:extLst>
-              <a:ext uri="{FF2B5EF4-FFF2-40B4-BE49-F238E27FC236}">
-                <a16:creationId xmlns:a16="http://schemas.microsoft.com/office/drawing/2014/main" id="{1E299956-A9E7-4FC1-A0B1-D590CA9730E8}"/>
-              </a:ext>
-              <a:ext uri="{C183D7F6-B498-43B3-948B-1728B52AA6E4}">
-                <adec:decorative xmlns:adec="http://schemas.microsoft.com/office/drawing/2017/decorative" val="1"/>
-              </a:ext>
-            </a:extLst>
-          </p:cNvPr>
-          <p:cNvSpPr>
-            <a:spLocks noGrp="1" noRot="1" noChangeAspect="1" noMove="1" noResize="1" noEditPoints="1" noAdjustHandles="1" noChangeArrowheads="1" noChangeShapeType="1" noTextEdit="1"/>
-          </p:cNvSpPr>
-          <p:nvPr>
-            <p:extLst>
-              <p:ext uri="{386F3935-93C4-4BCD-93E2-E3B085C9AB24}">
-                <p16:designElem xmlns:p16="http://schemas.microsoft.com/office/powerpoint/2015/main" val="1"/>
-              </p:ext>
-            </p:extLst>
-          </p:nvPr>
-        </p:nvSpPr>
-        <p:spPr>
-          <a:xfrm>
-            <a:off x="15" y="6334316"/>
-            <a:ext cx="12191985" cy="66484"/>
-          </a:xfrm>
-          <a:prstGeom prst="rect">
-            <a:avLst/>
-          </a:prstGeom>
-          <a:solidFill>
-            <a:schemeClr val="accent1"/>
-          </a:solidFill>
-          <a:ln>
-            <a:noFill/>
-          </a:ln>
-        </p:spPr>
-        <p:style>
-          <a:lnRef idx="2">
-            <a:schemeClr val="accent1">
-              <a:shade val="50000"/>
-            </a:schemeClr>
-          </a:lnRef>
-          <a:fillRef idx="1">
-            <a:schemeClr val="accent1"/>
-          </a:fillRef>
-          <a:effectRef idx="0">
-            <a:schemeClr val="accent1"/>
-          </a:effectRef>
-          <a:fontRef idx="minor">
-            <a:schemeClr val="lt1"/>
-          </a:fontRef>
-        </p:style>
-      </p:sp>
-      <p:sp>
-        <p:nvSpPr>
-          <p:cNvPr id="27" name="Rectangle 15">
-            <a:extLst>
-              <a:ext uri="{FF2B5EF4-FFF2-40B4-BE49-F238E27FC236}">
-                <a16:creationId xmlns:a16="http://schemas.microsoft.com/office/drawing/2014/main" id="{17FC539C-B783-4B03-9F9E-D13430F3F64F}"/>
-              </a:ext>
-              <a:ext uri="{C183D7F6-B498-43B3-948B-1728B52AA6E4}">
-                <adec:decorative xmlns:adec="http://schemas.microsoft.com/office/drawing/2017/decorative" val="1"/>
-              </a:ext>
-            </a:extLst>
-          </p:cNvPr>
-          <p:cNvSpPr>
-            <a:spLocks noGrp="1" noRot="1" noChangeAspect="1" noMove="1" noResize="1" noEditPoints="1" noAdjustHandles="1" noChangeArrowheads="1" noChangeShapeType="1" noTextEdit="1"/>
-          </p:cNvSpPr>
-          <p:nvPr>
-            <p:extLst>
-              <p:ext uri="{386F3935-93C4-4BCD-93E2-E3B085C9AB24}">
-                <p16:designElem xmlns:p16="http://schemas.microsoft.com/office/powerpoint/2015/main" val="1"/>
-              </p:ext>
-            </p:extLst>
-          </p:nvPr>
-        </p:nvSpPr>
-        <p:spPr>
-          <a:xfrm>
-            <a:off x="1" y="6400800"/>
-            <a:ext cx="12192000" cy="457200"/>
-          </a:xfrm>
-          <a:prstGeom prst="rect">
-            <a:avLst/>
-          </a:prstGeom>
-          <a:solidFill>
-            <a:schemeClr val="accent2"/>
-          </a:solidFill>
-          <a:ln>
-            <a:noFill/>
-          </a:ln>
-        </p:spPr>
-        <p:style>
-          <a:lnRef idx="2">
-            <a:schemeClr val="accent1">
-              <a:shade val="50000"/>
-            </a:schemeClr>
-          </a:lnRef>
-          <a:fillRef idx="1">
-            <a:schemeClr val="accent1"/>
-          </a:fillRef>
-          <a:effectRef idx="0">
-            <a:schemeClr val="accent1"/>
-          </a:effectRef>
-          <a:fontRef idx="minor">
-            <a:schemeClr val="lt1"/>
-          </a:fontRef>
-        </p:style>
-      </p:sp>
-    </p:spTree>
-    <p:extLst>
-      <p:ext uri="{BB962C8B-B14F-4D97-AF65-F5344CB8AC3E}">
-        <p14:creationId xmlns:p14="http://schemas.microsoft.com/office/powerpoint/2010/main" val="2721461332"/>
       </p:ext>
     </p:extLst>
   </p:cSld>
@@ -17083,6 +18218,267 @@
 </a:theme>
 </file>
 
+<file path=ppt/theme/theme2.xml><?xml version="1.0" encoding="utf-8"?>
+<a:theme xmlns:a="http://schemas.openxmlformats.org/drawingml/2006/main" name="Office Theme">
+  <a:themeElements>
+    <a:clrScheme name="Office">
+      <a:dk1>
+        <a:sysClr val="windowText" lastClr="000000"/>
+      </a:dk1>
+      <a:lt1>
+        <a:sysClr val="window" lastClr="FFFFFF"/>
+      </a:lt1>
+      <a:dk2>
+        <a:srgbClr val="44546A"/>
+      </a:dk2>
+      <a:lt2>
+        <a:srgbClr val="E7E6E6"/>
+      </a:lt2>
+      <a:accent1>
+        <a:srgbClr val="5B9BD5"/>
+      </a:accent1>
+      <a:accent2>
+        <a:srgbClr val="ED7D31"/>
+      </a:accent2>
+      <a:accent3>
+        <a:srgbClr val="A5A5A5"/>
+      </a:accent3>
+      <a:accent4>
+        <a:srgbClr val="FFC000"/>
+      </a:accent4>
+      <a:accent5>
+        <a:srgbClr val="4472C4"/>
+      </a:accent5>
+      <a:accent6>
+        <a:srgbClr val="70AD47"/>
+      </a:accent6>
+      <a:hlink>
+        <a:srgbClr val="0563C1"/>
+      </a:hlink>
+      <a:folHlink>
+        <a:srgbClr val="954F72"/>
+      </a:folHlink>
+    </a:clrScheme>
+    <a:fontScheme name="Office">
+      <a:majorFont>
+        <a:latin typeface="Calibri Light" panose="020F0302020204030204"/>
+        <a:ea typeface=""/>
+        <a:cs typeface=""/>
+        <a:font script="Jpan" typeface="ＭＳ Ｐゴシック"/>
+        <a:font script="Hang" typeface="맑은 고딕"/>
+        <a:font script="Hans" typeface="宋体"/>
+        <a:font script="Hant" typeface="新細明體"/>
+        <a:font script="Arab" typeface="Times New Roman"/>
+        <a:font script="Hebr" typeface="Times New Roman"/>
+        <a:font script="Thai" typeface="Angsana New"/>
+        <a:font script="Ethi" typeface="Nyala"/>
+        <a:font script="Beng" typeface="Vrinda"/>
+        <a:font script="Gujr" typeface="Shruti"/>
+        <a:font script="Khmr" typeface="MoolBoran"/>
+        <a:font script="Knda" typeface="Tunga"/>
+        <a:font script="Guru" typeface="Raavi"/>
+        <a:font script="Cans" typeface="Euphemia"/>
+        <a:font script="Cher" typeface="Plantagenet Cherokee"/>
+        <a:font script="Yiii" typeface="Microsoft Yi Baiti"/>
+        <a:font script="Tibt" typeface="Microsoft Himalaya"/>
+        <a:font script="Thaa" typeface="MV Boli"/>
+        <a:font script="Deva" typeface="Mangal"/>
+        <a:font script="Telu" typeface="Gautami"/>
+        <a:font script="Taml" typeface="Latha"/>
+        <a:font script="Syrc" typeface="Estrangelo Edessa"/>
+        <a:font script="Orya" typeface="Kalinga"/>
+        <a:font script="Mlym" typeface="Kartika"/>
+        <a:font script="Laoo" typeface="DokChampa"/>
+        <a:font script="Sinh" typeface="Iskoola Pota"/>
+        <a:font script="Mong" typeface="Mongolian Baiti"/>
+        <a:font script="Viet" typeface="Times New Roman"/>
+        <a:font script="Uigh" typeface="Microsoft Uighur"/>
+        <a:font script="Geor" typeface="Sylfaen"/>
+      </a:majorFont>
+      <a:minorFont>
+        <a:latin typeface="Calibri" panose="020F0502020204030204"/>
+        <a:ea typeface=""/>
+        <a:cs typeface=""/>
+        <a:font script="Jpan" typeface="ＭＳ Ｐゴシック"/>
+        <a:font script="Hang" typeface="맑은 고딕"/>
+        <a:font script="Hans" typeface="宋体"/>
+        <a:font script="Hant" typeface="新細明體"/>
+        <a:font script="Arab" typeface="Arial"/>
+        <a:font script="Hebr" typeface="Arial"/>
+        <a:font script="Thai" typeface="Cordia New"/>
+        <a:font script="Ethi" typeface="Nyala"/>
+        <a:font script="Beng" typeface="Vrinda"/>
+        <a:font script="Gujr" typeface="Shruti"/>
+        <a:font script="Khmr" typeface="DaunPenh"/>
+        <a:font script="Knda" typeface="Tunga"/>
+        <a:font script="Guru" typeface="Raavi"/>
+        <a:font script="Cans" typeface="Euphemia"/>
+        <a:font script="Cher" typeface="Plantagenet Cherokee"/>
+        <a:font script="Yiii" typeface="Microsoft Yi Baiti"/>
+        <a:font script="Tibt" typeface="Microsoft Himalaya"/>
+        <a:font script="Thaa" typeface="MV Boli"/>
+        <a:font script="Deva" typeface="Mangal"/>
+        <a:font script="Telu" typeface="Gautami"/>
+        <a:font script="Taml" typeface="Latha"/>
+        <a:font script="Syrc" typeface="Estrangelo Edessa"/>
+        <a:font script="Orya" typeface="Kalinga"/>
+        <a:font script="Mlym" typeface="Kartika"/>
+        <a:font script="Laoo" typeface="DokChampa"/>
+        <a:font script="Sinh" typeface="Iskoola Pota"/>
+        <a:font script="Mong" typeface="Mongolian Baiti"/>
+        <a:font script="Viet" typeface="Arial"/>
+        <a:font script="Uigh" typeface="Microsoft Uighur"/>
+        <a:font script="Geor" typeface="Sylfaen"/>
+      </a:minorFont>
+    </a:fontScheme>
+    <a:fmtScheme name="Office">
+      <a:fillStyleLst>
+        <a:solidFill>
+          <a:schemeClr val="phClr"/>
+        </a:solidFill>
+        <a:gradFill rotWithShape="1">
+          <a:gsLst>
+            <a:gs pos="0">
+              <a:schemeClr val="phClr">
+                <a:lumMod val="110000"/>
+                <a:satMod val="105000"/>
+                <a:tint val="67000"/>
+              </a:schemeClr>
+            </a:gs>
+            <a:gs pos="50000">
+              <a:schemeClr val="phClr">
+                <a:lumMod val="105000"/>
+                <a:satMod val="103000"/>
+                <a:tint val="73000"/>
+              </a:schemeClr>
+            </a:gs>
+            <a:gs pos="100000">
+              <a:schemeClr val="phClr">
+                <a:lumMod val="105000"/>
+                <a:satMod val="109000"/>
+                <a:tint val="81000"/>
+              </a:schemeClr>
+            </a:gs>
+          </a:gsLst>
+          <a:lin ang="5400000" scaled="0"/>
+        </a:gradFill>
+        <a:gradFill rotWithShape="1">
+          <a:gsLst>
+            <a:gs pos="0">
+              <a:schemeClr val="phClr">
+                <a:satMod val="103000"/>
+                <a:lumMod val="102000"/>
+                <a:tint val="94000"/>
+              </a:schemeClr>
+            </a:gs>
+            <a:gs pos="50000">
+              <a:schemeClr val="phClr">
+                <a:satMod val="110000"/>
+                <a:lumMod val="100000"/>
+                <a:shade val="100000"/>
+              </a:schemeClr>
+            </a:gs>
+            <a:gs pos="100000">
+              <a:schemeClr val="phClr">
+                <a:lumMod val="99000"/>
+                <a:satMod val="120000"/>
+                <a:shade val="78000"/>
+              </a:schemeClr>
+            </a:gs>
+          </a:gsLst>
+          <a:lin ang="5400000" scaled="0"/>
+        </a:gradFill>
+      </a:fillStyleLst>
+      <a:lnStyleLst>
+        <a:ln w="6350" cap="flat" cmpd="sng" algn="ctr">
+          <a:solidFill>
+            <a:schemeClr val="phClr"/>
+          </a:solidFill>
+          <a:prstDash val="solid"/>
+          <a:miter lim="800000"/>
+        </a:ln>
+        <a:ln w="12700" cap="flat" cmpd="sng" algn="ctr">
+          <a:solidFill>
+            <a:schemeClr val="phClr"/>
+          </a:solidFill>
+          <a:prstDash val="solid"/>
+          <a:miter lim="800000"/>
+        </a:ln>
+        <a:ln w="19050" cap="flat" cmpd="sng" algn="ctr">
+          <a:solidFill>
+            <a:schemeClr val="phClr"/>
+          </a:solidFill>
+          <a:prstDash val="solid"/>
+          <a:miter lim="800000"/>
+        </a:ln>
+      </a:lnStyleLst>
+      <a:effectStyleLst>
+        <a:effectStyle>
+          <a:effectLst/>
+        </a:effectStyle>
+        <a:effectStyle>
+          <a:effectLst/>
+        </a:effectStyle>
+        <a:effectStyle>
+          <a:effectLst>
+            <a:outerShdw blurRad="57150" dist="19050" dir="5400000" algn="ctr" rotWithShape="0">
+              <a:srgbClr val="000000">
+                <a:alpha val="63000"/>
+              </a:srgbClr>
+            </a:outerShdw>
+          </a:effectLst>
+        </a:effectStyle>
+      </a:effectStyleLst>
+      <a:bgFillStyleLst>
+        <a:solidFill>
+          <a:schemeClr val="phClr"/>
+        </a:solidFill>
+        <a:solidFill>
+          <a:schemeClr val="phClr">
+            <a:tint val="95000"/>
+            <a:satMod val="170000"/>
+          </a:schemeClr>
+        </a:solidFill>
+        <a:gradFill rotWithShape="1">
+          <a:gsLst>
+            <a:gs pos="0">
+              <a:schemeClr val="phClr">
+                <a:tint val="93000"/>
+                <a:satMod val="150000"/>
+                <a:shade val="98000"/>
+                <a:lumMod val="102000"/>
+              </a:schemeClr>
+            </a:gs>
+            <a:gs pos="50000">
+              <a:schemeClr val="phClr">
+                <a:tint val="98000"/>
+                <a:satMod val="130000"/>
+                <a:shade val="90000"/>
+                <a:lumMod val="103000"/>
+              </a:schemeClr>
+            </a:gs>
+            <a:gs pos="100000">
+              <a:schemeClr val="phClr">
+                <a:shade val="63000"/>
+                <a:satMod val="120000"/>
+              </a:schemeClr>
+            </a:gs>
+          </a:gsLst>
+          <a:lin ang="5400000" scaled="0"/>
+        </a:gradFill>
+      </a:bgFillStyleLst>
+    </a:fmtScheme>
+  </a:themeElements>
+  <a:objectDefaults/>
+  <a:extraClrSchemeLst/>
+  <a:extLst>
+    <a:ext uri="{05A4C25C-085E-4340-85A3-A5531E510DB2}">
+      <thm15:themeFamily xmlns:thm15="http://schemas.microsoft.com/office/thememl/2012/main" name="Office Theme" id="{62F939B6-93AF-4DB8-9C6B-D6C7DFDC589F}" vid="{4A3C46E8-61CC-4603-A589-7422A47A8E4A}"/>
+    </a:ext>
+  </a:extLst>
+</a:theme>
+</file>
+
 <file path=customXml/item1.xml><?xml version="1.0" encoding="utf-8"?>
 <ct:contentTypeSchema xmlns:ct="http://schemas.microsoft.com/office/2006/metadata/contentType" xmlns:ma="http://schemas.microsoft.com/office/2006/metadata/properties/metaAttributes" ct:_="" ma:_="" ma:contentTypeName="Document" ma:contentTypeID="0x010100C91CA3E1E9EE134C9918035FFFC3873A" ma:contentTypeVersion="5" ma:contentTypeDescription="Create a new document." ma:contentTypeScope="" ma:versionID="10822c39c777e841f47cdeb9e31906b5">
   <xsd:schema xmlns:xsd="http://www.w3.org/2001/XMLSchema" xmlns:xs="http://www.w3.org/2001/XMLSchema" xmlns:p="http://schemas.microsoft.com/office/2006/metadata/properties" xmlns:ns3="8ef90a37-8bab-4b79-ac24-d1e1954b5bc3" xmlns:ns4="4134e186-385e-4be1-863c-e59af13540bd" targetNamespace="http://schemas.microsoft.com/office/2006/metadata/properties" ma:root="true" ma:fieldsID="610f1a945900e20bc5cb149b2f01cec5" ns3:_="" ns4:_="">
